--- a/Doing_Data_Science/CaseStudy2/Reports/MSDSPresentation.pptx
+++ b/Doing_Data_Science/CaseStudy2/Reports/MSDSPresentation.pptx
@@ -27,28 +27,28 @@
     <p:sldId id="283" r:id="rId18"/>
     <p:sldId id="284" r:id="rId19"/>
     <p:sldId id="285" r:id="rId20"/>
-    <p:sldId id="286" r:id="rId21"/>
-    <p:sldId id="287" r:id="rId22"/>
-    <p:sldId id="273" r:id="rId23"/>
-    <p:sldId id="288" r:id="rId24"/>
-    <p:sldId id="292" r:id="rId25"/>
-    <p:sldId id="299" r:id="rId26"/>
-    <p:sldId id="307" r:id="rId27"/>
-    <p:sldId id="308" r:id="rId28"/>
-    <p:sldId id="262" r:id="rId29"/>
-    <p:sldId id="309" r:id="rId30"/>
-    <p:sldId id="290" r:id="rId31"/>
-    <p:sldId id="310" r:id="rId32"/>
-    <p:sldId id="293" r:id="rId33"/>
-    <p:sldId id="300" r:id="rId34"/>
-    <p:sldId id="263" r:id="rId35"/>
-    <p:sldId id="301" r:id="rId36"/>
-    <p:sldId id="264" r:id="rId37"/>
-    <p:sldId id="266" r:id="rId38"/>
-    <p:sldId id="275" r:id="rId39"/>
-    <p:sldId id="295" r:id="rId40"/>
-    <p:sldId id="296" r:id="rId41"/>
-    <p:sldId id="297" r:id="rId42"/>
+    <p:sldId id="287" r:id="rId21"/>
+    <p:sldId id="273" r:id="rId22"/>
+    <p:sldId id="288" r:id="rId23"/>
+    <p:sldId id="292" r:id="rId24"/>
+    <p:sldId id="299" r:id="rId25"/>
+    <p:sldId id="307" r:id="rId26"/>
+    <p:sldId id="308" r:id="rId27"/>
+    <p:sldId id="262" r:id="rId28"/>
+    <p:sldId id="309" r:id="rId29"/>
+    <p:sldId id="290" r:id="rId30"/>
+    <p:sldId id="310" r:id="rId31"/>
+    <p:sldId id="293" r:id="rId32"/>
+    <p:sldId id="300" r:id="rId33"/>
+    <p:sldId id="263" r:id="rId34"/>
+    <p:sldId id="301" r:id="rId35"/>
+    <p:sldId id="264" r:id="rId36"/>
+    <p:sldId id="266" r:id="rId37"/>
+    <p:sldId id="275" r:id="rId38"/>
+    <p:sldId id="295" r:id="rId39"/>
+    <p:sldId id="296" r:id="rId40"/>
+    <p:sldId id="297" r:id="rId41"/>
+    <p:sldId id="286" r:id="rId42"/>
     <p:sldId id="298" r:id="rId43"/>
   </p:sldIdLst>
   <p:sldSz cx="9144000" cy="6858000" type="screen4x3"/>
@@ -150,7 +150,7 @@
   </p:defaultTextStyle>
   <p:extLst>
     <p:ext uri="{EFAFB233-063F-42B5-8137-9DF3F51BA10A}">
-      <p15:sldGuideLst xmlns:p15="http://schemas.microsoft.com/office/powerpoint/2012/main" xmlns="">
+      <p15:sldGuideLst xmlns="" xmlns:p15="http://schemas.microsoft.com/office/powerpoint/2012/main">
         <p15:guide id="1" orient="horz" pos="2160">
           <p15:clr>
             <a:srgbClr val="A4A3A4"/>
@@ -3950,7 +3950,7 @@
           <p:cNvPr id="5" name="Picture 4">
             <a:extLst>
               <a:ext uri="{FF2B5EF4-FFF2-40B4-BE49-F238E27FC236}">
-                <a16:creationId xmlns="" xmlns:a16="http://schemas.microsoft.com/office/drawing/2014/main" id="{A122BA49-BCC1-4069-8B36-2E2A36A085DC}"/>
+                <a16:creationId xmlns:a16="http://schemas.microsoft.com/office/drawing/2014/main" xmlns="" id="{A122BA49-BCC1-4069-8B36-2E2A36A085DC}"/>
               </a:ext>
             </a:extLst>
           </p:cNvPr>
@@ -4176,7 +4176,7 @@
           <p:cNvPr id="2" name="Title 1">
             <a:extLst>
               <a:ext uri="{FF2B5EF4-FFF2-40B4-BE49-F238E27FC236}">
-                <a16:creationId xmlns="" xmlns:a16="http://schemas.microsoft.com/office/drawing/2014/main" id="{F19D4C4C-38E0-4BA0-8683-E58FC183E858}"/>
+                <a16:creationId xmlns:a16="http://schemas.microsoft.com/office/drawing/2014/main" xmlns="" id="{F19D4C4C-38E0-4BA0-8683-E58FC183E858}"/>
               </a:ext>
             </a:extLst>
           </p:cNvPr>
@@ -4218,7 +4218,7 @@
           <p:cNvPr id="4" name="Slide Number Placeholder 3">
             <a:extLst>
               <a:ext uri="{FF2B5EF4-FFF2-40B4-BE49-F238E27FC236}">
-                <a16:creationId xmlns="" xmlns:a16="http://schemas.microsoft.com/office/drawing/2014/main" id="{B29C2946-0225-4BE8-BC5F-3F2F35FA4656}"/>
+                <a16:creationId xmlns:a16="http://schemas.microsoft.com/office/drawing/2014/main" xmlns="" id="{B29C2946-0225-4BE8-BC5F-3F2F35FA4656}"/>
               </a:ext>
             </a:extLst>
           </p:cNvPr>
@@ -4248,7 +4248,7 @@
           <p:cNvPr id="18" name="Content Placeholder 17">
             <a:extLst>
               <a:ext uri="{FF2B5EF4-FFF2-40B4-BE49-F238E27FC236}">
-                <a16:creationId xmlns="" xmlns:a16="http://schemas.microsoft.com/office/drawing/2014/main" id="{B70FA49E-DB1A-4D2F-B3D6-A12086B252A1}"/>
+                <a16:creationId xmlns:a16="http://schemas.microsoft.com/office/drawing/2014/main" xmlns="" id="{B70FA49E-DB1A-4D2F-B3D6-A12086B252A1}"/>
               </a:ext>
             </a:extLst>
           </p:cNvPr>
@@ -4354,7 +4354,7 @@
           <p:cNvPr id="6" name="Content Placeholder 5">
             <a:extLst>
               <a:ext uri="{FF2B5EF4-FFF2-40B4-BE49-F238E27FC236}">
-                <a16:creationId xmlns="" xmlns:a16="http://schemas.microsoft.com/office/drawing/2014/main" id="{E8857B41-3BD7-49E9-8668-2A733709510E}"/>
+                <a16:creationId xmlns:a16="http://schemas.microsoft.com/office/drawing/2014/main" xmlns="" id="{E8857B41-3BD7-49E9-8668-2A733709510E}"/>
               </a:ext>
             </a:extLst>
           </p:cNvPr>
@@ -4475,7 +4475,7 @@
           <p:cNvPr id="6" name="Content Placeholder 5">
             <a:extLst>
               <a:ext uri="{FF2B5EF4-FFF2-40B4-BE49-F238E27FC236}">
-                <a16:creationId xmlns="" xmlns:a16="http://schemas.microsoft.com/office/drawing/2014/main" id="{61D6C121-E635-4D07-B4C2-35D4734261AF}"/>
+                <a16:creationId xmlns:a16="http://schemas.microsoft.com/office/drawing/2014/main" xmlns="" id="{61D6C121-E635-4D07-B4C2-35D4734261AF}"/>
               </a:ext>
             </a:extLst>
           </p:cNvPr>
@@ -4619,7 +4619,7 @@
           <p:cNvPr id="7" name="Picture 6">
             <a:extLst>
               <a:ext uri="{FF2B5EF4-FFF2-40B4-BE49-F238E27FC236}">
-                <a16:creationId xmlns="" xmlns:a16="http://schemas.microsoft.com/office/drawing/2014/main" id="{C62A8C6E-7406-4259-956B-CB235BC49411}"/>
+                <a16:creationId xmlns:a16="http://schemas.microsoft.com/office/drawing/2014/main" xmlns="" id="{C62A8C6E-7406-4259-956B-CB235BC49411}"/>
               </a:ext>
             </a:extLst>
           </p:cNvPr>
@@ -4741,7 +4741,7 @@
           <p:cNvPr id="3" name="Picture 2">
             <a:extLst>
               <a:ext uri="{FF2B5EF4-FFF2-40B4-BE49-F238E27FC236}">
-                <a16:creationId xmlns="" xmlns:a16="http://schemas.microsoft.com/office/drawing/2014/main" id="{FF0E3EE5-FBE1-4ABD-9D9E-148B8D27868E}"/>
+                <a16:creationId xmlns:a16="http://schemas.microsoft.com/office/drawing/2014/main" xmlns="" id="{FF0E3EE5-FBE1-4ABD-9D9E-148B8D27868E}"/>
               </a:ext>
             </a:extLst>
           </p:cNvPr>
@@ -4863,7 +4863,7 @@
           <p:cNvPr id="6" name="Picture 5">
             <a:extLst>
               <a:ext uri="{FF2B5EF4-FFF2-40B4-BE49-F238E27FC236}">
-                <a16:creationId xmlns="" xmlns:a16="http://schemas.microsoft.com/office/drawing/2014/main" id="{052667F5-BF7A-4DCE-8553-4193F0796BA6}"/>
+                <a16:creationId xmlns:a16="http://schemas.microsoft.com/office/drawing/2014/main" xmlns="" id="{052667F5-BF7A-4DCE-8553-4193F0796BA6}"/>
               </a:ext>
             </a:extLst>
           </p:cNvPr>
@@ -4985,7 +4985,7 @@
           <p:cNvPr id="5" name="Picture 4">
             <a:extLst>
               <a:ext uri="{FF2B5EF4-FFF2-40B4-BE49-F238E27FC236}">
-                <a16:creationId xmlns="" xmlns:a16="http://schemas.microsoft.com/office/drawing/2014/main" id="{25ED1D38-B3A4-472A-8DAB-B21479F8E4F5}"/>
+                <a16:creationId xmlns:a16="http://schemas.microsoft.com/office/drawing/2014/main" xmlns="" id="{25ED1D38-B3A4-472A-8DAB-B21479F8E4F5}"/>
               </a:ext>
             </a:extLst>
           </p:cNvPr>
@@ -5107,7 +5107,7 @@
           <p:cNvPr id="6" name="Picture 5">
             <a:extLst>
               <a:ext uri="{FF2B5EF4-FFF2-40B4-BE49-F238E27FC236}">
-                <a16:creationId xmlns="" xmlns:a16="http://schemas.microsoft.com/office/drawing/2014/main" id="{5933CCDE-EF28-4D72-9A0F-56D773759CD1}"/>
+                <a16:creationId xmlns:a16="http://schemas.microsoft.com/office/drawing/2014/main" xmlns="" id="{5933CCDE-EF28-4D72-9A0F-56D773759CD1}"/>
               </a:ext>
             </a:extLst>
           </p:cNvPr>
@@ -5328,7 +5328,7 @@
             </a:br>
             <a:r>
               <a:rPr lang="en-US" sz="1100" dirty="0"/>
-              <a:t>using monthly income and job level</a:t>
+              <a:t>using years in the company</a:t>
             </a:r>
           </a:p>
         </p:txBody>
@@ -5358,132 +5358,10 @@
       </p:sp>
       <p:pic>
         <p:nvPicPr>
-          <p:cNvPr id="5" name="Picture 4">
-            <a:extLst>
-              <a:ext uri="{FF2B5EF4-FFF2-40B4-BE49-F238E27FC236}">
-                <a16:creationId xmlns="" xmlns:a16="http://schemas.microsoft.com/office/drawing/2014/main" id="{22881B27-7393-4AEC-9D9D-331C8757AA9B}"/>
-              </a:ext>
-            </a:extLst>
-          </p:cNvPr>
-          <p:cNvPicPr>
-            <a:picLocks noChangeAspect="1"/>
-          </p:cNvPicPr>
-          <p:nvPr/>
-        </p:nvPicPr>
-        <p:blipFill>
-          <a:blip r:embed="rId2"/>
-          <a:stretch>
-            <a:fillRect/>
-          </a:stretch>
-        </p:blipFill>
-        <p:spPr>
-          <a:xfrm>
-            <a:off x="1577631" y="1555636"/>
-            <a:ext cx="6401693" cy="4572638"/>
-          </a:xfrm>
-          <a:prstGeom prst="rect">
-            <a:avLst/>
-          </a:prstGeom>
-        </p:spPr>
-      </p:pic>
-    </p:spTree>
-    <p:extLst>
-      <p:ext uri="{BB962C8B-B14F-4D97-AF65-F5344CB8AC3E}">
-        <p14:creationId xmlns:p14="http://schemas.microsoft.com/office/powerpoint/2010/main" val="522540574"/>
-      </p:ext>
-    </p:extLst>
-  </p:cSld>
-  <p:clrMapOvr>
-    <a:masterClrMapping/>
-  </p:clrMapOvr>
-  <mc:AlternateContent xmlns:mc="http://schemas.openxmlformats.org/markup-compatibility/2006" xmlns:p14="http://schemas.microsoft.com/office/powerpoint/2010/main">
-    <mc:Choice Requires="p14">
-      <p:transition p14:dur="0" advClick="0" advTm="15000"/>
-    </mc:Choice>
-    <mc:Fallback xmlns="">
-      <p:transition advClick="0" advTm="15000"/>
-    </mc:Fallback>
-  </mc:AlternateContent>
-</p:sld>
-</file>
-
-<file path=ppt/slides/slide21.xml><?xml version="1.0" encoding="utf-8"?>
-<p:sld xmlns:a="http://schemas.openxmlformats.org/drawingml/2006/main" xmlns:r="http://schemas.openxmlformats.org/officeDocument/2006/relationships" xmlns:p="http://schemas.openxmlformats.org/presentationml/2006/main">
-  <p:cSld>
-    <p:spTree>
-      <p:nvGrpSpPr>
-        <p:cNvPr id="1" name=""/>
-        <p:cNvGrpSpPr/>
-        <p:nvPr/>
-      </p:nvGrpSpPr>
-      <p:grpSpPr>
-        <a:xfrm>
-          <a:off x="0" y="0"/>
-          <a:ext cx="0" cy="0"/>
-          <a:chOff x="0" y="0"/>
-          <a:chExt cx="0" cy="0"/>
-        </a:xfrm>
-      </p:grpSpPr>
-      <p:sp>
-        <p:nvSpPr>
-          <p:cNvPr id="2" name="Title 1"/>
-          <p:cNvSpPr>
-            <a:spLocks noGrp="1"/>
-          </p:cNvSpPr>
-          <p:nvPr>
-            <p:ph type="title"/>
-          </p:nvPr>
-        </p:nvSpPr>
-        <p:spPr/>
-        <p:txBody>
-          <a:bodyPr>
-            <a:normAutofit/>
-          </a:bodyPr>
-          <a:lstStyle/>
-          <a:p>
-            <a:r>
-              <a:rPr lang="en-US" dirty="0"/>
-              <a:t>Additional Analysis</a:t>
-            </a:r>
-            <a:br>
-              <a:rPr lang="en-US" dirty="0"/>
-            </a:br>
-            <a:r>
-              <a:rPr lang="en-US" sz="1100" dirty="0"/>
-              <a:t>using years in the company</a:t>
-            </a:r>
-          </a:p>
-        </p:txBody>
-      </p:sp>
-      <p:sp>
-        <p:nvSpPr>
-          <p:cNvPr id="4" name="Slide Number Placeholder 3"/>
-          <p:cNvSpPr>
-            <a:spLocks noGrp="1"/>
-          </p:cNvSpPr>
-          <p:nvPr>
-            <p:ph type="sldNum" sz="quarter" idx="12"/>
-          </p:nvPr>
-        </p:nvSpPr>
-        <p:spPr/>
-        <p:txBody>
-          <a:bodyPr/>
-          <a:lstStyle/>
-          <a:p>
-            <a:fld id="{38327683-8978-6B4B-9130-4A6A841F0549}" type="slidenum">
-              <a:rPr lang="en-US" smtClean="0"/>
-              <a:t>21</a:t>
-            </a:fld>
-            <a:endParaRPr lang="en-US" dirty="0"/>
-          </a:p>
-        </p:txBody>
-      </p:sp>
-      <p:pic>
-        <p:nvPicPr>
           <p:cNvPr id="6" name="Picture 5">
             <a:extLst>
               <a:ext uri="{FF2B5EF4-FFF2-40B4-BE49-F238E27FC236}">
-                <a16:creationId xmlns="" xmlns:a16="http://schemas.microsoft.com/office/drawing/2014/main" id="{40D4DAF3-4556-41BC-B21F-748A86A960F2}"/>
+                <a16:creationId xmlns:a16="http://schemas.microsoft.com/office/drawing/2014/main" xmlns="" id="{40D4DAF3-4556-41BC-B21F-748A86A960F2}"/>
               </a:ext>
             </a:extLst>
           </p:cNvPr>
@@ -5529,7 +5407,7 @@
 </p:sld>
 </file>
 
-<file path=ppt/slides/slide22.xml><?xml version="1.0" encoding="utf-8"?>
+<file path=ppt/slides/slide21.xml><?xml version="1.0" encoding="utf-8"?>
 <p:sld xmlns:a="http://schemas.openxmlformats.org/drawingml/2006/main" xmlns:r="http://schemas.openxmlformats.org/officeDocument/2006/relationships" xmlns:p="http://schemas.openxmlformats.org/presentationml/2006/main">
   <p:cSld>
     <p:spTree>
@@ -5585,7 +5463,7 @@
           <a:p>
             <a:fld id="{38327683-8978-6B4B-9130-4A6A841F0549}" type="slidenum">
               <a:rPr lang="en-US" smtClean="0"/>
-              <a:t>22</a:t>
+              <a:t>21</a:t>
             </a:fld>
             <a:endParaRPr lang="en-US" dirty="0"/>
           </a:p>
@@ -5596,7 +5474,7 @@
           <p:cNvPr id="6" name="Picture 5">
             <a:extLst>
               <a:ext uri="{FF2B5EF4-FFF2-40B4-BE49-F238E27FC236}">
-                <a16:creationId xmlns="" xmlns:a16="http://schemas.microsoft.com/office/drawing/2014/main" id="{A457BCE3-99EB-4323-A275-C8085F28B912}"/>
+                <a16:creationId xmlns:a16="http://schemas.microsoft.com/office/drawing/2014/main" xmlns="" id="{A457BCE3-99EB-4323-A275-C8085F28B912}"/>
               </a:ext>
             </a:extLst>
           </p:cNvPr>
@@ -5626,7 +5504,7 @@
           <p:cNvPr id="8" name="Picture 7">
             <a:extLst>
               <a:ext uri="{FF2B5EF4-FFF2-40B4-BE49-F238E27FC236}">
-                <a16:creationId xmlns="" xmlns:a16="http://schemas.microsoft.com/office/drawing/2014/main" id="{06DF5910-A725-45C4-AE15-468EC2B1F611}"/>
+                <a16:creationId xmlns:a16="http://schemas.microsoft.com/office/drawing/2014/main" xmlns="" id="{06DF5910-A725-45C4-AE15-468EC2B1F611}"/>
               </a:ext>
             </a:extLst>
           </p:cNvPr>
@@ -5656,7 +5534,7 @@
           <p:cNvPr id="10" name="Picture 9">
             <a:extLst>
               <a:ext uri="{FF2B5EF4-FFF2-40B4-BE49-F238E27FC236}">
-                <a16:creationId xmlns="" xmlns:a16="http://schemas.microsoft.com/office/drawing/2014/main" id="{E2F97347-3CE1-40E8-998A-5AE6A3C0B505}"/>
+                <a16:creationId xmlns:a16="http://schemas.microsoft.com/office/drawing/2014/main" xmlns="" id="{E2F97347-3CE1-40E8-998A-5AE6A3C0B505}"/>
               </a:ext>
             </a:extLst>
           </p:cNvPr>
@@ -5686,7 +5564,7 @@
           <p:cNvPr id="12" name="Picture 11">
             <a:extLst>
               <a:ext uri="{FF2B5EF4-FFF2-40B4-BE49-F238E27FC236}">
-                <a16:creationId xmlns="" xmlns:a16="http://schemas.microsoft.com/office/drawing/2014/main" id="{747686DC-E0EE-4B66-91B5-2E302C5335FD}"/>
+                <a16:creationId xmlns:a16="http://schemas.microsoft.com/office/drawing/2014/main" xmlns="" id="{747686DC-E0EE-4B66-91B5-2E302C5335FD}"/>
               </a:ext>
             </a:extLst>
           </p:cNvPr>
@@ -5716,7 +5594,7 @@
           <p:cNvPr id="14" name="Picture 13">
             <a:extLst>
               <a:ext uri="{FF2B5EF4-FFF2-40B4-BE49-F238E27FC236}">
-                <a16:creationId xmlns="" xmlns:a16="http://schemas.microsoft.com/office/drawing/2014/main" id="{D75E8BAA-88BE-497B-ADB6-F7BD327977B7}"/>
+                <a16:creationId xmlns:a16="http://schemas.microsoft.com/office/drawing/2014/main" xmlns="" id="{D75E8BAA-88BE-497B-ADB6-F7BD327977B7}"/>
               </a:ext>
             </a:extLst>
           </p:cNvPr>
@@ -5746,7 +5624,7 @@
           <p:cNvPr id="16" name="Picture 15">
             <a:extLst>
               <a:ext uri="{FF2B5EF4-FFF2-40B4-BE49-F238E27FC236}">
-                <a16:creationId xmlns="" xmlns:a16="http://schemas.microsoft.com/office/drawing/2014/main" id="{8413762C-3AA6-4E09-B91D-446B0EFFDD61}"/>
+                <a16:creationId xmlns:a16="http://schemas.microsoft.com/office/drawing/2014/main" xmlns="" id="{8413762C-3AA6-4E09-B91D-446B0EFFDD61}"/>
               </a:ext>
             </a:extLst>
           </p:cNvPr>
@@ -5792,7 +5670,7 @@
 </p:sld>
 </file>
 
-<file path=ppt/slides/slide23.xml><?xml version="1.0" encoding="utf-8"?>
+<file path=ppt/slides/slide22.xml><?xml version="1.0" encoding="utf-8"?>
 <p:sld xmlns:a="http://schemas.openxmlformats.org/drawingml/2006/main" xmlns:r="http://schemas.openxmlformats.org/officeDocument/2006/relationships" xmlns:p="http://schemas.openxmlformats.org/presentationml/2006/main">
   <p:cSld>
     <p:spTree>
@@ -5854,7 +5732,7 @@
           <a:p>
             <a:fld id="{38327683-8978-6B4B-9130-4A6A841F0549}" type="slidenum">
               <a:rPr lang="en-US" smtClean="0"/>
-              <a:t>23</a:t>
+              <a:t>22</a:t>
             </a:fld>
             <a:endParaRPr lang="en-US" dirty="0"/>
           </a:p>
@@ -5865,7 +5743,7 @@
           <p:cNvPr id="5" name="Picture 4">
             <a:extLst>
               <a:ext uri="{FF2B5EF4-FFF2-40B4-BE49-F238E27FC236}">
-                <a16:creationId xmlns="" xmlns:a16="http://schemas.microsoft.com/office/drawing/2014/main" id="{1C19F4AC-ED12-4A26-B469-DBF032E06E9E}"/>
+                <a16:creationId xmlns:a16="http://schemas.microsoft.com/office/drawing/2014/main" xmlns="" id="{1C19F4AC-ED12-4A26-B469-DBF032E06E9E}"/>
               </a:ext>
             </a:extLst>
           </p:cNvPr>
@@ -5911,7 +5789,7 @@
 </p:sld>
 </file>
 
-<file path=ppt/slides/slide24.xml><?xml version="1.0" encoding="utf-8"?>
+<file path=ppt/slides/slide23.xml><?xml version="1.0" encoding="utf-8"?>
 <p:sld xmlns:a="http://schemas.openxmlformats.org/drawingml/2006/main" xmlns:r="http://schemas.openxmlformats.org/officeDocument/2006/relationships" xmlns:p="http://schemas.openxmlformats.org/presentationml/2006/main">
   <p:cSld>
     <p:spTree>
@@ -5933,7 +5811,7 @@
           <p:cNvPr id="2" name="Title 1">
             <a:extLst>
               <a:ext uri="{FF2B5EF4-FFF2-40B4-BE49-F238E27FC236}">
-                <a16:creationId xmlns="" xmlns:a16="http://schemas.microsoft.com/office/drawing/2014/main" id="{F671E4CC-E3B3-4B6A-ABB0-88D976BF86DD}"/>
+                <a16:creationId xmlns:a16="http://schemas.microsoft.com/office/drawing/2014/main" xmlns="" id="{F671E4CC-E3B3-4B6A-ABB0-88D976BF86DD}"/>
               </a:ext>
             </a:extLst>
           </p:cNvPr>
@@ -5966,7 +5844,7 @@
           <p:cNvPr id="4" name="Slide Number Placeholder 3">
             <a:extLst>
               <a:ext uri="{FF2B5EF4-FFF2-40B4-BE49-F238E27FC236}">
-                <a16:creationId xmlns="" xmlns:a16="http://schemas.microsoft.com/office/drawing/2014/main" id="{C75131EE-B8AE-4F83-81CB-B39D9743C6B5}"/>
+                <a16:creationId xmlns:a16="http://schemas.microsoft.com/office/drawing/2014/main" xmlns="" id="{C75131EE-B8AE-4F83-81CB-B39D9743C6B5}"/>
               </a:ext>
             </a:extLst>
           </p:cNvPr>
@@ -5985,7 +5863,7 @@
             <a:fld id="{38327683-8978-6B4B-9130-4A6A841F0549}" type="slidenum">
               <a:rPr lang="en-US" smtClean="0"/>
               <a:pPr/>
-              <a:t>24</a:t>
+              <a:t>23</a:t>
             </a:fld>
             <a:endParaRPr lang="en-US" dirty="0"/>
           </a:p>
@@ -5996,7 +5874,7 @@
           <p:cNvPr id="6" name="Picture 5">
             <a:extLst>
               <a:ext uri="{FF2B5EF4-FFF2-40B4-BE49-F238E27FC236}">
-                <a16:creationId xmlns="" xmlns:a16="http://schemas.microsoft.com/office/drawing/2014/main" id="{EAB7A5A3-217D-44B7-8B15-2E287114D567}"/>
+                <a16:creationId xmlns:a16="http://schemas.microsoft.com/office/drawing/2014/main" xmlns="" id="{EAB7A5A3-217D-44B7-8B15-2E287114D567}"/>
               </a:ext>
             </a:extLst>
           </p:cNvPr>
@@ -6042,7 +5920,7 @@
 </p:sld>
 </file>
 
-<file path=ppt/slides/slide25.xml><?xml version="1.0" encoding="utf-8"?>
+<file path=ppt/slides/slide24.xml><?xml version="1.0" encoding="utf-8"?>
 <p:sld xmlns:a="http://schemas.openxmlformats.org/drawingml/2006/main" xmlns:r="http://schemas.openxmlformats.org/officeDocument/2006/relationships" xmlns:p="http://schemas.openxmlformats.org/presentationml/2006/main">
   <p:cSld>
     <p:spTree>
@@ -6100,7 +5978,7 @@
             <a:fld id="{38327683-8978-6B4B-9130-4A6A841F0549}" type="slidenum">
               <a:rPr lang="en-US" smtClean="0"/>
               <a:pPr/>
-              <a:t>25</a:t>
+              <a:t>24</a:t>
             </a:fld>
             <a:endParaRPr lang="en-US" dirty="0"/>
           </a:p>
@@ -6108,13 +5986,11 @@
       </p:sp>
       <p:pic>
         <p:nvPicPr>
-          <p:cNvPr id="1026" name="Picture 2"/>
+          <p:cNvPr id="2050" name="Picture 2"/>
           <p:cNvPicPr>
-            <a:picLocks noGrp="1" noChangeAspect="1" noChangeArrowheads="1"/>
+            <a:picLocks noChangeAspect="1" noChangeArrowheads="1"/>
           </p:cNvPicPr>
-          <p:nvPr>
-            <p:ph idx="1"/>
-          </p:nvPr>
+          <p:nvPr/>
         </p:nvPicPr>
         <p:blipFill>
           <a:blip r:embed="rId2">
@@ -6131,8 +6007,8 @@
         </p:blipFill>
         <p:spPr bwMode="auto">
           <a:xfrm>
-            <a:off x="2157902" y="1825625"/>
-            <a:ext cx="4828196" cy="4351338"/>
+            <a:off x="1657883" y="1796371"/>
+            <a:ext cx="5710370" cy="4559980"/>
           </a:xfrm>
           <a:prstGeom prst="rect">
             <a:avLst/>
@@ -6183,7 +6059,7 @@
 </p:sld>
 </file>
 
-<file path=ppt/slides/slide26.xml><?xml version="1.0" encoding="utf-8"?>
+<file path=ppt/slides/slide25.xml><?xml version="1.0" encoding="utf-8"?>
 <p:sld xmlns:a="http://schemas.openxmlformats.org/drawingml/2006/main" xmlns:r="http://schemas.openxmlformats.org/officeDocument/2006/relationships" xmlns:p="http://schemas.openxmlformats.org/presentationml/2006/main">
   <p:cSld>
     <p:spTree>
@@ -6303,7 +6179,7 @@
             <a:fld id="{38327683-8978-6B4B-9130-4A6A841F0549}" type="slidenum">
               <a:rPr lang="en-US" smtClean="0"/>
               <a:pPr/>
-              <a:t>26</a:t>
+              <a:t>25</a:t>
             </a:fld>
             <a:endParaRPr lang="en-US" dirty="0"/>
           </a:p>
@@ -6327,10 +6203,17 @@
       <p:transition advClick="0" advTm="15000"/>
     </mc:Fallback>
   </mc:AlternateContent>
+  <p:timing>
+    <p:tnLst>
+      <p:par>
+        <p:cTn id="1" dur="indefinite" restart="never" nodeType="tmRoot"/>
+      </p:par>
+    </p:tnLst>
+  </p:timing>
 </p:sld>
 </file>
 
-<file path=ppt/slides/slide27.xml><?xml version="1.0" encoding="utf-8"?>
+<file path=ppt/slides/slide26.xml><?xml version="1.0" encoding="utf-8"?>
 <p:sld xmlns:a="http://schemas.openxmlformats.org/drawingml/2006/main" xmlns:r="http://schemas.openxmlformats.org/officeDocument/2006/relationships" xmlns:p="http://schemas.openxmlformats.org/presentationml/2006/main">
   <p:cSld>
     <p:spTree>
@@ -6388,7 +6271,7 @@
             <a:fld id="{38327683-8978-6B4B-9130-4A6A841F0549}" type="slidenum">
               <a:rPr lang="en-US" smtClean="0"/>
               <a:pPr/>
-              <a:t>27</a:t>
+              <a:t>26</a:t>
             </a:fld>
             <a:endParaRPr lang="en-US" dirty="0"/>
           </a:p>
@@ -6576,10 +6459,17 @@
       <p:transition advClick="0" advTm="15000"/>
     </mc:Fallback>
   </mc:AlternateContent>
+  <p:timing>
+    <p:tnLst>
+      <p:par>
+        <p:cTn id="1" dur="indefinite" restart="never" nodeType="tmRoot"/>
+      </p:par>
+    </p:tnLst>
+  </p:timing>
 </p:sld>
 </file>
 
-<file path=ppt/slides/slide28.xml><?xml version="1.0" encoding="utf-8"?>
+<file path=ppt/slides/slide27.xml><?xml version="1.0" encoding="utf-8"?>
 <p:sld xmlns:a="http://schemas.openxmlformats.org/drawingml/2006/main" xmlns:r="http://schemas.openxmlformats.org/officeDocument/2006/relationships" xmlns:p="http://schemas.openxmlformats.org/presentationml/2006/main">
   <p:cSld>
     <p:spTree>
@@ -6635,7 +6525,7 @@
           <a:p>
             <a:fld id="{38327683-8978-6B4B-9130-4A6A841F0549}" type="slidenum">
               <a:rPr lang="en-US" smtClean="0"/>
-              <a:t>28</a:t>
+              <a:t>27</a:t>
             </a:fld>
             <a:endParaRPr lang="en-US" dirty="0"/>
           </a:p>
@@ -6646,7 +6536,7 @@
           <p:cNvPr id="6" name="Arrow: Right 5">
             <a:extLst>
               <a:ext uri="{FF2B5EF4-FFF2-40B4-BE49-F238E27FC236}">
-                <a16:creationId xmlns="" xmlns:a16="http://schemas.microsoft.com/office/drawing/2014/main" id="{D3AB38C5-C53B-45EC-BF20-EC993E4E7B4C}"/>
+                <a16:creationId xmlns:a16="http://schemas.microsoft.com/office/drawing/2014/main" xmlns="" id="{D3AB38C5-C53B-45EC-BF20-EC993E4E7B4C}"/>
               </a:ext>
             </a:extLst>
           </p:cNvPr>
@@ -6695,7 +6585,7 @@
           <p:cNvPr id="7" name="Arrow: Right 6">
             <a:extLst>
               <a:ext uri="{FF2B5EF4-FFF2-40B4-BE49-F238E27FC236}">
-                <a16:creationId xmlns="" xmlns:a16="http://schemas.microsoft.com/office/drawing/2014/main" id="{A07E458E-D1E7-4A4A-A64B-B220C9D3AFB6}"/>
+                <a16:creationId xmlns:a16="http://schemas.microsoft.com/office/drawing/2014/main" xmlns="" id="{A07E458E-D1E7-4A4A-A64B-B220C9D3AFB6}"/>
               </a:ext>
             </a:extLst>
           </p:cNvPr>
@@ -6744,7 +6634,7 @@
           <p:cNvPr id="8" name="Rectangle 7">
             <a:extLst>
               <a:ext uri="{FF2B5EF4-FFF2-40B4-BE49-F238E27FC236}">
-                <a16:creationId xmlns="" xmlns:a16="http://schemas.microsoft.com/office/drawing/2014/main" id="{1412B516-22FB-4AFA-B70C-6A6969023FC5}"/>
+                <a16:creationId xmlns:a16="http://schemas.microsoft.com/office/drawing/2014/main" xmlns="" id="{1412B516-22FB-4AFA-B70C-6A6969023FC5}"/>
               </a:ext>
             </a:extLst>
           </p:cNvPr>
@@ -6874,7 +6764,7 @@
         </p:blipFill>
         <p:spPr bwMode="auto">
           <a:xfrm>
-            <a:off x="919118" y="2510684"/>
+            <a:off x="782386" y="2510684"/>
             <a:ext cx="3362325" cy="3733800"/>
           </a:xfrm>
           <a:prstGeom prst="rect">
@@ -6923,10 +6813,17 @@
       <p:transition advClick="0" advTm="15000"/>
     </mc:Fallback>
   </mc:AlternateContent>
+  <p:timing>
+    <p:tnLst>
+      <p:par>
+        <p:cTn id="1" dur="indefinite" restart="never" nodeType="tmRoot"/>
+      </p:par>
+    </p:tnLst>
+  </p:timing>
 </p:sld>
 </file>
 
-<file path=ppt/slides/slide29.xml><?xml version="1.0" encoding="utf-8"?>
+<file path=ppt/slides/slide28.xml><?xml version="1.0" encoding="utf-8"?>
 <p:sld xmlns:a="http://schemas.openxmlformats.org/drawingml/2006/main" xmlns:r="http://schemas.openxmlformats.org/officeDocument/2006/relationships" xmlns:p="http://schemas.openxmlformats.org/presentationml/2006/main">
   <p:cSld>
     <p:spTree>
@@ -6984,7 +6881,7 @@
             <a:fld id="{38327683-8978-6B4B-9130-4A6A841F0549}" type="slidenum">
               <a:rPr lang="en-US" smtClean="0"/>
               <a:pPr/>
-              <a:t>29</a:t>
+              <a:t>28</a:t>
             </a:fld>
             <a:endParaRPr lang="en-US" dirty="0"/>
           </a:p>
@@ -7118,6 +7015,185 @@
       <p:transition advClick="0" advTm="15000"/>
     </mc:Fallback>
   </mc:AlternateContent>
+  <p:timing>
+    <p:tnLst>
+      <p:par>
+        <p:cTn id="1" dur="indefinite" restart="never" nodeType="tmRoot"/>
+      </p:par>
+    </p:tnLst>
+  </p:timing>
+</p:sld>
+</file>
+
+<file path=ppt/slides/slide29.xml><?xml version="1.0" encoding="utf-8"?>
+<p:sld xmlns:a="http://schemas.openxmlformats.org/drawingml/2006/main" xmlns:r="http://schemas.openxmlformats.org/officeDocument/2006/relationships" xmlns:p="http://schemas.openxmlformats.org/presentationml/2006/main">
+  <p:cSld>
+    <p:spTree>
+      <p:nvGrpSpPr>
+        <p:cNvPr id="1" name=""/>
+        <p:cNvGrpSpPr/>
+        <p:nvPr/>
+      </p:nvGrpSpPr>
+      <p:grpSpPr>
+        <a:xfrm>
+          <a:off x="0" y="0"/>
+          <a:ext cx="0" cy="0"/>
+          <a:chOff x="0" y="0"/>
+          <a:chExt cx="0" cy="0"/>
+        </a:xfrm>
+      </p:grpSpPr>
+      <p:sp>
+        <p:nvSpPr>
+          <p:cNvPr id="2" name="Title 1">
+            <a:extLst>
+              <a:ext uri="{FF2B5EF4-FFF2-40B4-BE49-F238E27FC236}">
+                <a16:creationId xmlns:a16="http://schemas.microsoft.com/office/drawing/2014/main" xmlns="" id="{D2DF04D8-3233-4516-A1F8-37E8FDCBD220}"/>
+              </a:ext>
+            </a:extLst>
+          </p:cNvPr>
+          <p:cNvSpPr>
+            <a:spLocks noGrp="1"/>
+          </p:cNvSpPr>
+          <p:nvPr>
+            <p:ph type="title"/>
+          </p:nvPr>
+        </p:nvSpPr>
+        <p:spPr/>
+        <p:txBody>
+          <a:bodyPr>
+            <a:normAutofit/>
+          </a:bodyPr>
+          <a:lstStyle/>
+          <a:p>
+            <a:r>
+              <a:rPr lang="en-US" dirty="0"/>
+              <a:t>Check overall effect </a:t>
+            </a:r>
+            <a:r>
+              <a:rPr lang="en-US" dirty="0" smtClean="0"/>
+              <a:t>Of </a:t>
+            </a:r>
+            <a:r>
+              <a:rPr lang="en-US" dirty="0" err="1" smtClean="0"/>
+              <a:t>JobRole</a:t>
+            </a:r>
+            <a:r>
+              <a:rPr lang="en-US" dirty="0" smtClean="0"/>
+              <a:t> and Education Field</a:t>
+            </a:r>
+            <a:endParaRPr lang="en-US" dirty="0"/>
+          </a:p>
+        </p:txBody>
+      </p:sp>
+      <p:sp>
+        <p:nvSpPr>
+          <p:cNvPr id="4" name="Slide Number Placeholder 3">
+            <a:extLst>
+              <a:ext uri="{FF2B5EF4-FFF2-40B4-BE49-F238E27FC236}">
+                <a16:creationId xmlns:a16="http://schemas.microsoft.com/office/drawing/2014/main" xmlns="" id="{D445F6C0-644C-4AA7-8CAE-A51ECBDA32DD}"/>
+              </a:ext>
+            </a:extLst>
+          </p:cNvPr>
+          <p:cNvSpPr>
+            <a:spLocks noGrp="1"/>
+          </p:cNvSpPr>
+          <p:nvPr>
+            <p:ph type="sldNum" sz="quarter" idx="12"/>
+          </p:nvPr>
+        </p:nvSpPr>
+        <p:spPr/>
+        <p:txBody>
+          <a:bodyPr/>
+          <a:lstStyle/>
+          <a:p>
+            <a:fld id="{38327683-8978-6B4B-9130-4A6A841F0549}" type="slidenum">
+              <a:rPr lang="en-US" smtClean="0"/>
+              <a:pPr/>
+              <a:t>29</a:t>
+            </a:fld>
+            <a:endParaRPr lang="en-US" dirty="0"/>
+          </a:p>
+        </p:txBody>
+      </p:sp>
+      <p:pic>
+        <p:nvPicPr>
+          <p:cNvPr id="1027" name="Picture 3"/>
+          <p:cNvPicPr>
+            <a:picLocks noChangeAspect="1" noChangeArrowheads="1"/>
+          </p:cNvPicPr>
+          <p:nvPr/>
+        </p:nvPicPr>
+        <p:blipFill>
+          <a:blip r:embed="rId2">
+            <a:extLst>
+              <a:ext uri="{28A0092B-C50C-407E-A947-70E740481C1C}">
+                <a14:useLocalDpi xmlns:a14="http://schemas.microsoft.com/office/drawing/2010/main" val="0"/>
+              </a:ext>
+            </a:extLst>
+          </a:blip>
+          <a:srcRect/>
+          <a:stretch>
+            <a:fillRect/>
+          </a:stretch>
+        </p:blipFill>
+        <p:spPr bwMode="auto">
+          <a:xfrm>
+            <a:off x="2175679" y="1690689"/>
+            <a:ext cx="5163333" cy="4665662"/>
+          </a:xfrm>
+          <a:prstGeom prst="rect">
+            <a:avLst/>
+          </a:prstGeom>
+          <a:noFill/>
+          <a:ln>
+            <a:noFill/>
+          </a:ln>
+          <a:extLst>
+            <a:ext uri="{909E8E84-426E-40DD-AFC4-6F175D3DCCD1}">
+              <a14:hiddenFill xmlns:a14="http://schemas.microsoft.com/office/drawing/2010/main">
+                <a:solidFill>
+                  <a:schemeClr val="accent1"/>
+                </a:solidFill>
+              </a14:hiddenFill>
+            </a:ext>
+            <a:ext uri="{91240B29-F687-4F45-9708-019B960494DF}">
+              <a14:hiddenLine xmlns:a14="http://schemas.microsoft.com/office/drawing/2010/main" w="9525">
+                <a:solidFill>
+                  <a:schemeClr val="tx1"/>
+                </a:solidFill>
+                <a:miter lim="800000"/>
+                <a:headEnd/>
+                <a:tailEnd/>
+              </a14:hiddenLine>
+            </a:ext>
+          </a:extLst>
+        </p:spPr>
+      </p:pic>
+    </p:spTree>
+    <p:extLst>
+      <p:ext uri="{BB962C8B-B14F-4D97-AF65-F5344CB8AC3E}">
+        <p14:creationId xmlns:p14="http://schemas.microsoft.com/office/powerpoint/2010/main" val="2389143524"/>
+      </p:ext>
+    </p:extLst>
+  </p:cSld>
+  <p:clrMapOvr>
+    <a:masterClrMapping/>
+  </p:clrMapOvr>
+  <mc:AlternateContent xmlns:mc="http://schemas.openxmlformats.org/markup-compatibility/2006" xmlns:p14="http://schemas.microsoft.com/office/powerpoint/2010/main">
+    <mc:Choice Requires="p14">
+      <p:transition p14:dur="0" advClick="0" advTm="15000"/>
+    </mc:Choice>
+    <mc:Fallback xmlns="">
+      <p:transition advClick="0" advTm="15000"/>
+    </mc:Fallback>
+  </mc:AlternateContent>
+  <p:timing>
+    <p:tnLst>
+      <p:par>
+        <p:cTn id="1" dur="indefinite" restart="never" nodeType="tmRoot"/>
+      </p:par>
+    </p:tnLst>
+  </p:timing>
 </p:sld>
 </file>
 
@@ -7257,13 +7333,7 @@
       </p:grpSpPr>
       <p:sp>
         <p:nvSpPr>
-          <p:cNvPr id="2" name="Title 1">
-            <a:extLst>
-              <a:ext uri="{FF2B5EF4-FFF2-40B4-BE49-F238E27FC236}">
-                <a16:creationId xmlns="" xmlns:a16="http://schemas.microsoft.com/office/drawing/2014/main" id="{D2DF04D8-3233-4516-A1F8-37E8FDCBD220}"/>
-              </a:ext>
-            </a:extLst>
-          </p:cNvPr>
+          <p:cNvPr id="2" name="Title 1"/>
           <p:cNvSpPr>
             <a:spLocks noGrp="1"/>
           </p:cNvSpPr>
@@ -7273,26 +7343,12 @@
         </p:nvSpPr>
         <p:spPr/>
         <p:txBody>
-          <a:bodyPr>
-            <a:normAutofit/>
-          </a:bodyPr>
-          <a:lstStyle/>
-          <a:p>
-            <a:r>
-              <a:rPr lang="en-US" dirty="0"/>
-              <a:t>Check overall effect </a:t>
-            </a:r>
+          <a:bodyPr/>
+          <a:lstStyle/>
+          <a:p>
             <a:r>
               <a:rPr lang="en-US" dirty="0" smtClean="0"/>
-              <a:t>Of </a:t>
-            </a:r>
-            <a:r>
-              <a:rPr lang="en-US" dirty="0" err="1" smtClean="0"/>
-              <a:t>JobRole</a:t>
-            </a:r>
-            <a:r>
-              <a:rPr lang="en-US" dirty="0" smtClean="0"/>
-              <a:t> and Education Field</a:t>
+              <a:t>VIF for Forward model w/o Job Level and ROC Curve</a:t>
             </a:r>
             <a:endParaRPr lang="en-US" dirty="0"/>
           </a:p>
@@ -7300,13 +7356,7 @@
       </p:sp>
       <p:sp>
         <p:nvSpPr>
-          <p:cNvPr id="4" name="Slide Number Placeholder 3">
-            <a:extLst>
-              <a:ext uri="{FF2B5EF4-FFF2-40B4-BE49-F238E27FC236}">
-                <a16:creationId xmlns="" xmlns:a16="http://schemas.microsoft.com/office/drawing/2014/main" id="{D445F6C0-644C-4AA7-8CAE-A51ECBDA32DD}"/>
-              </a:ext>
-            </a:extLst>
-          </p:cNvPr>
+          <p:cNvPr id="4" name="Slide Number Placeholder 3"/>
           <p:cNvSpPr>
             <a:spLocks noGrp="1"/>
           </p:cNvSpPr>
@@ -7323,121 +7373,6 @@
               <a:rPr lang="en-US" smtClean="0"/>
               <a:pPr/>
               <a:t>30</a:t>
-            </a:fld>
-            <a:endParaRPr lang="en-US" dirty="0"/>
-          </a:p>
-        </p:txBody>
-      </p:sp>
-      <p:pic>
-        <p:nvPicPr>
-          <p:cNvPr id="5" name="Picture 4">
-            <a:extLst>
-              <a:ext uri="{FF2B5EF4-FFF2-40B4-BE49-F238E27FC236}">
-                <a16:creationId xmlns="" xmlns:a16="http://schemas.microsoft.com/office/drawing/2014/main" id="{A65F0FE7-5EFD-4243-A68E-8F8421989C5C}"/>
-              </a:ext>
-            </a:extLst>
-          </p:cNvPr>
-          <p:cNvPicPr>
-            <a:picLocks noChangeAspect="1"/>
-          </p:cNvPicPr>
-          <p:nvPr/>
-        </p:nvPicPr>
-        <p:blipFill>
-          <a:blip r:embed="rId2"/>
-          <a:stretch>
-            <a:fillRect/>
-          </a:stretch>
-        </p:blipFill>
-        <p:spPr>
-          <a:xfrm>
-            <a:off x="2029092" y="2171077"/>
-            <a:ext cx="4914900" cy="3524250"/>
-          </a:xfrm>
-          <a:prstGeom prst="rect">
-            <a:avLst/>
-          </a:prstGeom>
-        </p:spPr>
-      </p:pic>
-    </p:spTree>
-    <p:extLst>
-      <p:ext uri="{BB962C8B-B14F-4D97-AF65-F5344CB8AC3E}">
-        <p14:creationId xmlns:p14="http://schemas.microsoft.com/office/powerpoint/2010/main" val="2389143524"/>
-      </p:ext>
-    </p:extLst>
-  </p:cSld>
-  <p:clrMapOvr>
-    <a:masterClrMapping/>
-  </p:clrMapOvr>
-  <mc:AlternateContent xmlns:mc="http://schemas.openxmlformats.org/markup-compatibility/2006" xmlns:p14="http://schemas.microsoft.com/office/powerpoint/2010/main">
-    <mc:Choice Requires="p14">
-      <p:transition p14:dur="0" advClick="0" advTm="15000"/>
-    </mc:Choice>
-    <mc:Fallback xmlns="">
-      <p:transition advClick="0" advTm="15000"/>
-    </mc:Fallback>
-  </mc:AlternateContent>
-</p:sld>
-</file>
-
-<file path=ppt/slides/slide31.xml><?xml version="1.0" encoding="utf-8"?>
-<p:sld xmlns:a="http://schemas.openxmlformats.org/drawingml/2006/main" xmlns:r="http://schemas.openxmlformats.org/officeDocument/2006/relationships" xmlns:p="http://schemas.openxmlformats.org/presentationml/2006/main">
-  <p:cSld>
-    <p:spTree>
-      <p:nvGrpSpPr>
-        <p:cNvPr id="1" name=""/>
-        <p:cNvGrpSpPr/>
-        <p:nvPr/>
-      </p:nvGrpSpPr>
-      <p:grpSpPr>
-        <a:xfrm>
-          <a:off x="0" y="0"/>
-          <a:ext cx="0" cy="0"/>
-          <a:chOff x="0" y="0"/>
-          <a:chExt cx="0" cy="0"/>
-        </a:xfrm>
-      </p:grpSpPr>
-      <p:sp>
-        <p:nvSpPr>
-          <p:cNvPr id="2" name="Title 1"/>
-          <p:cNvSpPr>
-            <a:spLocks noGrp="1"/>
-          </p:cNvSpPr>
-          <p:nvPr>
-            <p:ph type="title"/>
-          </p:nvPr>
-        </p:nvSpPr>
-        <p:spPr/>
-        <p:txBody>
-          <a:bodyPr/>
-          <a:lstStyle/>
-          <a:p>
-            <a:r>
-              <a:rPr lang="en-US" dirty="0" smtClean="0"/>
-              <a:t>VIF for Forward model w/o Job Level and ROC Curve</a:t>
-            </a:r>
-            <a:endParaRPr lang="en-US" dirty="0"/>
-          </a:p>
-        </p:txBody>
-      </p:sp>
-      <p:sp>
-        <p:nvSpPr>
-          <p:cNvPr id="4" name="Slide Number Placeholder 3"/>
-          <p:cNvSpPr>
-            <a:spLocks noGrp="1"/>
-          </p:cNvSpPr>
-          <p:nvPr>
-            <p:ph type="sldNum" sz="quarter" idx="12"/>
-          </p:nvPr>
-        </p:nvSpPr>
-        <p:spPr/>
-        <p:txBody>
-          <a:bodyPr/>
-          <a:lstStyle/>
-          <a:p>
-            <a:fld id="{38327683-8978-6B4B-9130-4A6A841F0549}" type="slidenum">
-              <a:rPr lang="en-US" smtClean="0"/>
-              <a:pPr/>
-              <a:t>31</a:t>
             </a:fld>
             <a:endParaRPr lang="en-US" dirty="0"/>
           </a:p>
@@ -7574,7 +7509,7 @@
 </p:sld>
 </file>
 
-<file path=ppt/slides/slide32.xml><?xml version="1.0" encoding="utf-8"?>
+<file path=ppt/slides/slide31.xml><?xml version="1.0" encoding="utf-8"?>
 <p:sld xmlns:a="http://schemas.openxmlformats.org/drawingml/2006/main" xmlns:r="http://schemas.openxmlformats.org/officeDocument/2006/relationships" xmlns:p="http://schemas.openxmlformats.org/presentationml/2006/main">
   <p:cSld>
     <p:spTree>
@@ -7596,7 +7531,7 @@
           <p:cNvPr id="2" name="Title 1">
             <a:extLst>
               <a:ext uri="{FF2B5EF4-FFF2-40B4-BE49-F238E27FC236}">
-                <a16:creationId xmlns="" xmlns:a16="http://schemas.microsoft.com/office/drawing/2014/main" id="{C5D36AD1-E9E4-4A0A-BEED-BB08C79C099A}"/>
+                <a16:creationId xmlns:a16="http://schemas.microsoft.com/office/drawing/2014/main" xmlns="" id="{C5D36AD1-E9E4-4A0A-BEED-BB08C79C099A}"/>
               </a:ext>
             </a:extLst>
           </p:cNvPr>
@@ -7624,7 +7559,7 @@
           <p:cNvPr id="4" name="Slide Number Placeholder 3">
             <a:extLst>
               <a:ext uri="{FF2B5EF4-FFF2-40B4-BE49-F238E27FC236}">
-                <a16:creationId xmlns="" xmlns:a16="http://schemas.microsoft.com/office/drawing/2014/main" id="{F1DF75B2-4C0D-48AA-B72F-65242DD5ACEB}"/>
+                <a16:creationId xmlns:a16="http://schemas.microsoft.com/office/drawing/2014/main" xmlns="" id="{F1DF75B2-4C0D-48AA-B72F-65242DD5ACEB}"/>
               </a:ext>
             </a:extLst>
           </p:cNvPr>
@@ -7643,7 +7578,7 @@
             <a:fld id="{38327683-8978-6B4B-9130-4A6A841F0549}" type="slidenum">
               <a:rPr lang="en-US" smtClean="0"/>
               <a:pPr/>
-              <a:t>32</a:t>
+              <a:t>31</a:t>
             </a:fld>
             <a:endParaRPr lang="en-US" dirty="0"/>
           </a:p>
@@ -7654,7 +7589,7 @@
           <p:cNvPr id="8" name="Arrow: Right 7">
             <a:extLst>
               <a:ext uri="{FF2B5EF4-FFF2-40B4-BE49-F238E27FC236}">
-                <a16:creationId xmlns="" xmlns:a16="http://schemas.microsoft.com/office/drawing/2014/main" id="{9769F50E-E2F8-4285-AE95-E9284F1EB50D}"/>
+                <a16:creationId xmlns:a16="http://schemas.microsoft.com/office/drawing/2014/main" xmlns="" id="{9769F50E-E2F8-4285-AE95-E9284F1EB50D}"/>
               </a:ext>
             </a:extLst>
           </p:cNvPr>
@@ -7703,7 +7638,7 @@
           <p:cNvPr id="9" name="Arrow: Right 8">
             <a:extLst>
               <a:ext uri="{FF2B5EF4-FFF2-40B4-BE49-F238E27FC236}">
-                <a16:creationId xmlns="" xmlns:a16="http://schemas.microsoft.com/office/drawing/2014/main" id="{CB970237-4D33-465D-A024-2CF3C85AEBF7}"/>
+                <a16:creationId xmlns:a16="http://schemas.microsoft.com/office/drawing/2014/main" xmlns="" id="{CB970237-4D33-465D-A024-2CF3C85AEBF7}"/>
               </a:ext>
             </a:extLst>
           </p:cNvPr>
@@ -7752,7 +7687,7 @@
           <p:cNvPr id="10" name="Rectangle 9">
             <a:extLst>
               <a:ext uri="{FF2B5EF4-FFF2-40B4-BE49-F238E27FC236}">
-                <a16:creationId xmlns="" xmlns:a16="http://schemas.microsoft.com/office/drawing/2014/main" id="{94652B0C-33C2-4A34-BEA4-D81DF5671040}"/>
+                <a16:creationId xmlns:a16="http://schemas.microsoft.com/office/drawing/2014/main" xmlns="" id="{94652B0C-33C2-4A34-BEA4-D81DF5671040}"/>
               </a:ext>
             </a:extLst>
           </p:cNvPr>
@@ -7934,7 +7869,7 @@
 </p:sld>
 </file>
 
-<file path=ppt/slides/slide33.xml><?xml version="1.0" encoding="utf-8"?>
+<file path=ppt/slides/slide32.xml><?xml version="1.0" encoding="utf-8"?>
 <p:sld xmlns:a="http://schemas.openxmlformats.org/drawingml/2006/main" xmlns:r="http://schemas.openxmlformats.org/officeDocument/2006/relationships" xmlns:p="http://schemas.openxmlformats.org/presentationml/2006/main">
   <p:cSld>
     <p:spTree>
@@ -7968,19 +7903,7 @@
           <a:p>
             <a:r>
               <a:rPr lang="en-US" dirty="0" smtClean="0"/>
-              <a:t>Deviance For </a:t>
-            </a:r>
-            <a:r>
-              <a:rPr lang="en-US" dirty="0" smtClean="0"/>
-              <a:t>Two Models </a:t>
-            </a:r>
-            <a:r>
-              <a:rPr lang="en-US" dirty="0" smtClean="0"/>
-              <a:t>(</a:t>
-            </a:r>
-            <a:r>
-              <a:rPr lang="en-US" dirty="0" smtClean="0"/>
-              <a:t>Forward </a:t>
+              <a:t>Deviance For Two Models (Forward </a:t>
             </a:r>
             <a:r>
               <a:rPr lang="en-US" dirty="0" err="1" smtClean="0"/>
@@ -8011,22 +7934,13 @@
           <a:p>
             <a:r>
               <a:rPr lang="en-US" dirty="0" smtClean="0"/>
-              <a:t>Forward – </a:t>
-            </a:r>
+              <a:t>Forward – 764.3014</a:t>
+            </a:r>
+          </a:p>
+          <a:p>
             <a:r>
               <a:rPr lang="en-US" dirty="0" smtClean="0"/>
-              <a:t>764.3014</a:t>
-            </a:r>
-            <a:endParaRPr lang="en-US" dirty="0" smtClean="0"/>
-          </a:p>
-          <a:p>
-            <a:r>
-              <a:rPr lang="en-US" dirty="0" smtClean="0"/>
-              <a:t>Stepwise – </a:t>
-            </a:r>
-            <a:r>
-              <a:rPr lang="en-US" dirty="0" smtClean="0"/>
-              <a:t>764.3014</a:t>
+              <a:t>Stepwise – 764.3014</a:t>
             </a:r>
           </a:p>
           <a:p>
@@ -8073,7 +7987,7 @@
             <a:fld id="{38327683-8978-6B4B-9130-4A6A841F0549}" type="slidenum">
               <a:rPr lang="en-US" smtClean="0"/>
               <a:pPr/>
-              <a:t>33</a:t>
+              <a:t>32</a:t>
             </a:fld>
             <a:endParaRPr lang="en-US" dirty="0"/>
           </a:p>
@@ -8100,7 +8014,7 @@
 </p:sld>
 </file>
 
-<file path=ppt/slides/slide34.xml><?xml version="1.0" encoding="utf-8"?>
+<file path=ppt/slides/slide33.xml><?xml version="1.0" encoding="utf-8"?>
 <p:sld xmlns:a="http://schemas.openxmlformats.org/drawingml/2006/main" xmlns:r="http://schemas.openxmlformats.org/officeDocument/2006/relationships" xmlns:p="http://schemas.openxmlformats.org/presentationml/2006/main">
   <p:cSld>
     <p:spTree>
@@ -8199,7 +8113,7 @@
           <a:p>
             <a:fld id="{38327683-8978-6B4B-9130-4A6A841F0549}" type="slidenum">
               <a:rPr lang="en-US" smtClean="0"/>
-              <a:t>34</a:t>
+              <a:t>33</a:t>
             </a:fld>
             <a:endParaRPr lang="en-US" dirty="0"/>
           </a:p>
@@ -8280,7 +8194,7 @@
 </p:sld>
 </file>
 
-<file path=ppt/slides/slide35.xml><?xml version="1.0" encoding="utf-8"?>
+<file path=ppt/slides/slide34.xml><?xml version="1.0" encoding="utf-8"?>
 <p:sld xmlns:a="http://schemas.openxmlformats.org/drawingml/2006/main" xmlns:r="http://schemas.openxmlformats.org/officeDocument/2006/relationships" xmlns:p="http://schemas.openxmlformats.org/presentationml/2006/main">
   <p:cSld>
     <p:spTree>
@@ -8365,7 +8279,7 @@
             <a:fld id="{38327683-8978-6B4B-9130-4A6A841F0549}" type="slidenum">
               <a:rPr lang="en-US" smtClean="0"/>
               <a:pPr/>
-              <a:t>35</a:t>
+              <a:t>34</a:t>
             </a:fld>
             <a:endParaRPr lang="en-US" dirty="0"/>
           </a:p>
@@ -8446,7 +8360,7 @@
 </p:sld>
 </file>
 
-<file path=ppt/slides/slide36.xml><?xml version="1.0" encoding="utf-8"?>
+<file path=ppt/slides/slide35.xml><?xml version="1.0" encoding="utf-8"?>
 <p:sld xmlns:a="http://schemas.openxmlformats.org/drawingml/2006/main" xmlns:r="http://schemas.openxmlformats.org/officeDocument/2006/relationships" xmlns:p="http://schemas.openxmlformats.org/presentationml/2006/main">
   <p:cSld>
     <p:spTree>
@@ -8511,11 +8425,7 @@
             </a:r>
             <a:r>
               <a:rPr lang="en-US" dirty="0" smtClean="0"/>
-              <a:t>, Stock Option Level and </a:t>
-            </a:r>
-            <a:r>
-              <a:rPr lang="en-US" dirty="0" smtClean="0"/>
-              <a:t>Environment Status.</a:t>
+              <a:t>, Stock Option Level and Environment Status.</a:t>
             </a:r>
             <a:endParaRPr lang="en-US" dirty="0"/>
           </a:p>
@@ -8538,7 +8448,7 @@
           <a:p>
             <a:fld id="{38327683-8978-6B4B-9130-4A6A841F0549}" type="slidenum">
               <a:rPr lang="en-US" smtClean="0"/>
-              <a:t>36</a:t>
+              <a:t>35</a:t>
             </a:fld>
             <a:endParaRPr lang="en-US" dirty="0"/>
           </a:p>
@@ -8619,7 +8529,7 @@
 </p:sld>
 </file>
 
-<file path=ppt/slides/slide37.xml><?xml version="1.0" encoding="utf-8"?>
+<file path=ppt/slides/slide36.xml><?xml version="1.0" encoding="utf-8"?>
 <p:sld xmlns:a="http://schemas.openxmlformats.org/drawingml/2006/main" xmlns:r="http://schemas.openxmlformats.org/officeDocument/2006/relationships" xmlns:p="http://schemas.openxmlformats.org/presentationml/2006/main">
   <p:cSld>
     <p:spTree>
@@ -8679,7 +8589,7 @@
           <a:p>
             <a:fld id="{38327683-8978-6B4B-9130-4A6A841F0549}" type="slidenum">
               <a:rPr lang="en-US" smtClean="0"/>
-              <a:t>37</a:t>
+              <a:t>36</a:t>
             </a:fld>
             <a:endParaRPr lang="en-US" dirty="0"/>
           </a:p>
@@ -8760,7 +8670,7 @@
 </p:sld>
 </file>
 
-<file path=ppt/slides/slide38.xml><?xml version="1.0" encoding="utf-8"?>
+<file path=ppt/slides/slide37.xml><?xml version="1.0" encoding="utf-8"?>
 <p:sld xmlns:a="http://schemas.openxmlformats.org/drawingml/2006/main" xmlns:r="http://schemas.openxmlformats.org/officeDocument/2006/relationships" xmlns:p="http://schemas.openxmlformats.org/presentationml/2006/main">
   <p:cSld>
     <p:spTree>
@@ -8816,7 +8726,7 @@
           <a:p>
             <a:fld id="{38327683-8978-6B4B-9130-4A6A841F0549}" type="slidenum">
               <a:rPr lang="en-US" smtClean="0"/>
-              <a:t>38</a:t>
+              <a:t>37</a:t>
             </a:fld>
             <a:endParaRPr lang="en-US" dirty="0"/>
           </a:p>
@@ -8897,7 +8807,7 @@
 </p:sld>
 </file>
 
-<file path=ppt/slides/slide39.xml><?xml version="1.0" encoding="utf-8"?>
+<file path=ppt/slides/slide38.xml><?xml version="1.0" encoding="utf-8"?>
 <p:sld xmlns:a="http://schemas.openxmlformats.org/drawingml/2006/main" xmlns:r="http://schemas.openxmlformats.org/officeDocument/2006/relationships" xmlns:p="http://schemas.openxmlformats.org/presentationml/2006/main">
   <p:cSld>
     <p:spTree>
@@ -8919,7 +8829,7 @@
           <p:cNvPr id="2" name="Title 1">
             <a:extLst>
               <a:ext uri="{FF2B5EF4-FFF2-40B4-BE49-F238E27FC236}">
-                <a16:creationId xmlns="" xmlns:a16="http://schemas.microsoft.com/office/drawing/2014/main" id="{56763635-3EAC-4739-93CD-AD9773055F20}"/>
+                <a16:creationId xmlns:a16="http://schemas.microsoft.com/office/drawing/2014/main" xmlns="" id="{56763635-3EAC-4739-93CD-AD9773055F20}"/>
               </a:ext>
             </a:extLst>
           </p:cNvPr>
@@ -8951,7 +8861,7 @@
           <p:cNvPr id="6" name="Content Placeholder 5">
             <a:extLst>
               <a:ext uri="{FF2B5EF4-FFF2-40B4-BE49-F238E27FC236}">
-                <a16:creationId xmlns="" xmlns:a16="http://schemas.microsoft.com/office/drawing/2014/main" id="{D5D85077-E198-4963-B3A1-CC633D28CDAC}"/>
+                <a16:creationId xmlns:a16="http://schemas.microsoft.com/office/drawing/2014/main" xmlns="" id="{D5D85077-E198-4963-B3A1-CC633D28CDAC}"/>
               </a:ext>
             </a:extLst>
           </p:cNvPr>
@@ -8980,7 +8890,7 @@
           <p:cNvPr id="4" name="Slide Number Placeholder 3">
             <a:extLst>
               <a:ext uri="{FF2B5EF4-FFF2-40B4-BE49-F238E27FC236}">
-                <a16:creationId xmlns="" xmlns:a16="http://schemas.microsoft.com/office/drawing/2014/main" id="{9B8182FC-92FE-443B-B9FE-0D540CF501F8}"/>
+                <a16:creationId xmlns:a16="http://schemas.microsoft.com/office/drawing/2014/main" xmlns="" id="{9B8182FC-92FE-443B-B9FE-0D540CF501F8}"/>
               </a:ext>
             </a:extLst>
           </p:cNvPr>
@@ -8999,7 +8909,7 @@
             <a:fld id="{38327683-8978-6B4B-9130-4A6A841F0549}" type="slidenum">
               <a:rPr lang="en-US" smtClean="0"/>
               <a:pPr/>
-              <a:t>39</a:t>
+              <a:t>38</a:t>
             </a:fld>
             <a:endParaRPr lang="en-US" dirty="0"/>
           </a:p>
@@ -9026,7 +8936,7 @@
 </p:sld>
 </file>
 
-<file path=ppt/slides/slide4.xml><?xml version="1.0" encoding="utf-8"?>
+<file path=ppt/slides/slide39.xml><?xml version="1.0" encoding="utf-8"?>
 <p:sld xmlns:a="http://schemas.openxmlformats.org/drawingml/2006/main" xmlns:r="http://schemas.openxmlformats.org/officeDocument/2006/relationships" xmlns:p="http://schemas.openxmlformats.org/presentationml/2006/main">
   <p:cSld>
     <p:spTree>
@@ -9045,7 +8955,13 @@
       </p:grpSpPr>
       <p:sp>
         <p:nvSpPr>
-          <p:cNvPr id="2" name="Title 1"/>
+          <p:cNvPr id="2" name="Title 1">
+            <a:extLst>
+              <a:ext uri="{FF2B5EF4-FFF2-40B4-BE49-F238E27FC236}">
+                <a16:creationId xmlns:a16="http://schemas.microsoft.com/office/drawing/2014/main" xmlns="" id="{56763635-3EAC-4739-93CD-AD9773055F20}"/>
+              </a:ext>
+            </a:extLst>
+          </p:cNvPr>
           <p:cNvSpPr>
             <a:spLocks noGrp="1"/>
           </p:cNvSpPr>
@@ -9059,15 +8975,30 @@
           <a:lstStyle/>
           <a:p>
             <a:r>
+              <a:rPr lang="en-US" dirty="0" err="1"/>
+              <a:t>Studentized</a:t>
+            </a:r>
+            <a:r>
               <a:rPr lang="en-US" dirty="0"/>
-              <a:t>How to keep employee</a:t>
-            </a:r>
-          </a:p>
-        </p:txBody>
-      </p:sp>
-      <p:sp>
-        <p:nvSpPr>
-          <p:cNvPr id="4" name="Slide Number Placeholder 3"/>
+              <a:t> Residual vs </a:t>
+            </a:r>
+            <a:r>
+              <a:rPr lang="en-US" dirty="0" smtClean="0"/>
+              <a:t>Leverage based on Cooks D</a:t>
+            </a:r>
+            <a:endParaRPr lang="en-US" dirty="0"/>
+          </a:p>
+        </p:txBody>
+      </p:sp>
+      <p:sp>
+        <p:nvSpPr>
+          <p:cNvPr id="4" name="Slide Number Placeholder 3">
+            <a:extLst>
+              <a:ext uri="{FF2B5EF4-FFF2-40B4-BE49-F238E27FC236}">
+                <a16:creationId xmlns:a16="http://schemas.microsoft.com/office/drawing/2014/main" xmlns="" id="{9B8182FC-92FE-443B-B9FE-0D540CF501F8}"/>
+              </a:ext>
+            </a:extLst>
+          </p:cNvPr>
           <p:cNvSpPr>
             <a:spLocks noGrp="1"/>
           </p:cNvSpPr>
@@ -9083,686 +9014,7 @@
             <a:fld id="{38327683-8978-6B4B-9130-4A6A841F0549}" type="slidenum">
               <a:rPr lang="en-US" smtClean="0"/>
               <a:pPr/>
-              <a:t>4</a:t>
-            </a:fld>
-            <a:endParaRPr lang="en-US" dirty="0"/>
-          </a:p>
-        </p:txBody>
-      </p:sp>
-      <p:cxnSp>
-        <p:nvCxnSpPr>
-          <p:cNvPr id="6" name="Straight Arrow Connector 5"/>
-          <p:cNvCxnSpPr/>
-          <p:nvPr/>
-        </p:nvCxnSpPr>
-        <p:spPr>
-          <a:xfrm flipV="1">
-            <a:off x="1643743" y="2057402"/>
-            <a:ext cx="32657" cy="3331028"/>
-          </a:xfrm>
-          <a:prstGeom prst="straightConnector1">
-            <a:avLst/>
-          </a:prstGeom>
-          <a:ln w="28575">
-            <a:tailEnd type="stealth" w="lg" len="lg"/>
-          </a:ln>
-        </p:spPr>
-        <p:style>
-          <a:lnRef idx="1">
-            <a:schemeClr val="accent1"/>
-          </a:lnRef>
-          <a:fillRef idx="0">
-            <a:schemeClr val="accent1"/>
-          </a:fillRef>
-          <a:effectRef idx="0">
-            <a:schemeClr val="accent1"/>
-          </a:effectRef>
-          <a:fontRef idx="minor">
-            <a:schemeClr val="tx1"/>
-          </a:fontRef>
-        </p:style>
-      </p:cxnSp>
-      <p:cxnSp>
-        <p:nvCxnSpPr>
-          <p:cNvPr id="8" name="Straight Arrow Connector 7"/>
-          <p:cNvCxnSpPr/>
-          <p:nvPr/>
-        </p:nvCxnSpPr>
-        <p:spPr>
-          <a:xfrm flipV="1">
-            <a:off x="1643743" y="5388430"/>
-            <a:ext cx="6183086" cy="1"/>
-          </a:xfrm>
-          <a:prstGeom prst="straightConnector1">
-            <a:avLst/>
-          </a:prstGeom>
-          <a:ln w="25400">
-            <a:tailEnd type="stealth" w="lg" len="lg"/>
-          </a:ln>
-        </p:spPr>
-        <p:style>
-          <a:lnRef idx="1">
-            <a:schemeClr val="accent1"/>
-          </a:lnRef>
-          <a:fillRef idx="0">
-            <a:schemeClr val="accent1"/>
-          </a:fillRef>
-          <a:effectRef idx="0">
-            <a:schemeClr val="accent1"/>
-          </a:effectRef>
-          <a:fontRef idx="minor">
-            <a:schemeClr val="tx1"/>
-          </a:fontRef>
-        </p:style>
-      </p:cxnSp>
-      <p:sp>
-        <p:nvSpPr>
-          <p:cNvPr id="10" name="Rectangle 9"/>
-          <p:cNvSpPr/>
-          <p:nvPr/>
-        </p:nvSpPr>
-        <p:spPr>
-          <a:xfrm>
-            <a:off x="2304789" y="1942715"/>
-            <a:ext cx="1603332" cy="1528175"/>
-          </a:xfrm>
-          <a:prstGeom prst="rect">
-            <a:avLst/>
-          </a:prstGeom>
-          <a:solidFill>
-            <a:srgbClr val="FFFF00"/>
-          </a:solidFill>
-        </p:spPr>
-        <p:style>
-          <a:lnRef idx="2">
-            <a:schemeClr val="accent1">
-              <a:shade val="50000"/>
-            </a:schemeClr>
-          </a:lnRef>
-          <a:fillRef idx="1">
-            <a:schemeClr val="accent1"/>
-          </a:fillRef>
-          <a:effectRef idx="0">
-            <a:schemeClr val="accent1"/>
-          </a:effectRef>
-          <a:fontRef idx="minor">
-            <a:schemeClr val="lt1"/>
-          </a:fontRef>
-        </p:style>
-        <p:txBody>
-          <a:bodyPr rtlCol="0" anchor="ctr"/>
-          <a:lstStyle/>
-          <a:p>
-            <a:pPr algn="ctr"/>
-            <a:endParaRPr lang="en-US"/>
-          </a:p>
-        </p:txBody>
-      </p:sp>
-      <p:sp>
-        <p:nvSpPr>
-          <p:cNvPr id="11" name="Rectangle 10"/>
-          <p:cNvSpPr/>
-          <p:nvPr/>
-        </p:nvSpPr>
-        <p:spPr>
-          <a:xfrm>
-            <a:off x="2304789" y="3722916"/>
-            <a:ext cx="1603332" cy="1528175"/>
-          </a:xfrm>
-          <a:prstGeom prst="rect">
-            <a:avLst/>
-          </a:prstGeom>
-          <a:solidFill>
-            <a:srgbClr val="FFFF00"/>
-          </a:solidFill>
-        </p:spPr>
-        <p:style>
-          <a:lnRef idx="2">
-            <a:schemeClr val="accent1">
-              <a:shade val="50000"/>
-            </a:schemeClr>
-          </a:lnRef>
-          <a:fillRef idx="1">
-            <a:schemeClr val="accent1"/>
-          </a:fillRef>
-          <a:effectRef idx="0">
-            <a:schemeClr val="accent1"/>
-          </a:effectRef>
-          <a:fontRef idx="minor">
-            <a:schemeClr val="lt1"/>
-          </a:fontRef>
-        </p:style>
-        <p:txBody>
-          <a:bodyPr rtlCol="0" anchor="ctr"/>
-          <a:lstStyle/>
-          <a:p>
-            <a:pPr algn="ctr"/>
-            <a:endParaRPr lang="en-US"/>
-          </a:p>
-        </p:txBody>
-      </p:sp>
-      <p:sp>
-        <p:nvSpPr>
-          <p:cNvPr id="12" name="Rectangle 11"/>
-          <p:cNvSpPr/>
-          <p:nvPr/>
-        </p:nvSpPr>
-        <p:spPr>
-          <a:xfrm>
-            <a:off x="4264070" y="1942714"/>
-            <a:ext cx="1603332" cy="1528175"/>
-          </a:xfrm>
-          <a:prstGeom prst="rect">
-            <a:avLst/>
-          </a:prstGeom>
-          <a:solidFill>
-            <a:srgbClr val="FF0000"/>
-          </a:solidFill>
-        </p:spPr>
-        <p:style>
-          <a:lnRef idx="2">
-            <a:schemeClr val="accent1">
-              <a:shade val="50000"/>
-            </a:schemeClr>
-          </a:lnRef>
-          <a:fillRef idx="1">
-            <a:schemeClr val="accent1"/>
-          </a:fillRef>
-          <a:effectRef idx="0">
-            <a:schemeClr val="accent1"/>
-          </a:effectRef>
-          <a:fontRef idx="minor">
-            <a:schemeClr val="lt1"/>
-          </a:fontRef>
-        </p:style>
-        <p:txBody>
-          <a:bodyPr rtlCol="0" anchor="ctr"/>
-          <a:lstStyle/>
-          <a:p>
-            <a:pPr algn="ctr"/>
-            <a:endParaRPr lang="en-US"/>
-          </a:p>
-        </p:txBody>
-      </p:sp>
-      <p:sp>
-        <p:nvSpPr>
-          <p:cNvPr id="13" name="Rectangle 12"/>
-          <p:cNvSpPr/>
-          <p:nvPr/>
-        </p:nvSpPr>
-        <p:spPr>
-          <a:xfrm>
-            <a:off x="4264070" y="3722914"/>
-            <a:ext cx="1603332" cy="1528175"/>
-          </a:xfrm>
-          <a:prstGeom prst="rect">
-            <a:avLst/>
-          </a:prstGeom>
-          <a:solidFill>
-            <a:srgbClr val="92D050"/>
-          </a:solidFill>
-        </p:spPr>
-        <p:style>
-          <a:lnRef idx="2">
-            <a:schemeClr val="accent1">
-              <a:shade val="50000"/>
-            </a:schemeClr>
-          </a:lnRef>
-          <a:fillRef idx="1">
-            <a:schemeClr val="accent1"/>
-          </a:fillRef>
-          <a:effectRef idx="0">
-            <a:schemeClr val="accent1"/>
-          </a:effectRef>
-          <a:fontRef idx="minor">
-            <a:schemeClr val="lt1"/>
-          </a:fontRef>
-        </p:style>
-        <p:txBody>
-          <a:bodyPr rtlCol="0" anchor="ctr"/>
-          <a:lstStyle/>
-          <a:p>
-            <a:pPr algn="ctr"/>
-            <a:endParaRPr lang="en-US"/>
-          </a:p>
-        </p:txBody>
-      </p:sp>
-      <p:sp>
-        <p:nvSpPr>
-          <p:cNvPr id="14" name="TextBox 13"/>
-          <p:cNvSpPr txBox="1"/>
-          <p:nvPr/>
-        </p:nvSpPr>
-        <p:spPr>
-          <a:xfrm>
-            <a:off x="2818356" y="5686816"/>
-            <a:ext cx="2843408" cy="369332"/>
-          </a:xfrm>
-          <a:prstGeom prst="rect">
-            <a:avLst/>
-          </a:prstGeom>
-          <a:noFill/>
-        </p:spPr>
-        <p:txBody>
-          <a:bodyPr wrap="square" rtlCol="0">
-            <a:spAutoFit/>
-          </a:bodyPr>
-          <a:lstStyle/>
-          <a:p>
-            <a:r>
-              <a:rPr lang="en-US" dirty="0"/>
-              <a:t>Employee lifetime value</a:t>
-            </a:r>
-          </a:p>
-        </p:txBody>
-      </p:sp>
-      <p:sp>
-        <p:nvSpPr>
-          <p:cNvPr id="15" name="TextBox 14"/>
-          <p:cNvSpPr txBox="1"/>
-          <p:nvPr/>
-        </p:nvSpPr>
-        <p:spPr>
-          <a:xfrm rot="16200000">
-            <a:off x="571037" y="3287532"/>
-            <a:ext cx="1778696" cy="366713"/>
-          </a:xfrm>
-          <a:prstGeom prst="rect">
-            <a:avLst/>
-          </a:prstGeom>
-          <a:noFill/>
-        </p:spPr>
-        <p:txBody>
-          <a:bodyPr wrap="square" rtlCol="0">
-            <a:spAutoFit/>
-          </a:bodyPr>
-          <a:lstStyle/>
-          <a:p>
-            <a:r>
-              <a:rPr lang="en-US"/>
-              <a:t>Attrition Risk</a:t>
-            </a:r>
-          </a:p>
-        </p:txBody>
-      </p:sp>
-      <p:sp>
-        <p:nvSpPr>
-          <p:cNvPr id="16" name="TextBox 15"/>
-          <p:cNvSpPr txBox="1"/>
-          <p:nvPr/>
-        </p:nvSpPr>
-        <p:spPr>
-          <a:xfrm>
-            <a:off x="4471792" y="3990905"/>
-            <a:ext cx="1189972" cy="369332"/>
-          </a:xfrm>
-          <a:prstGeom prst="rect">
-            <a:avLst/>
-          </a:prstGeom>
-          <a:noFill/>
-        </p:spPr>
-        <p:txBody>
-          <a:bodyPr wrap="square" rtlCol="0">
-            <a:spAutoFit/>
-          </a:bodyPr>
-          <a:lstStyle/>
-          <a:p>
-            <a:r>
-              <a:rPr lang="en-US" dirty="0"/>
-              <a:t>Maintain</a:t>
-            </a:r>
-          </a:p>
-        </p:txBody>
-      </p:sp>
-      <p:sp>
-        <p:nvSpPr>
-          <p:cNvPr id="17" name="TextBox 16"/>
-          <p:cNvSpPr txBox="1"/>
-          <p:nvPr/>
-        </p:nvSpPr>
-        <p:spPr>
-          <a:xfrm>
-            <a:off x="2567836" y="3990905"/>
-            <a:ext cx="1114816" cy="369332"/>
-          </a:xfrm>
-          <a:prstGeom prst="rect">
-            <a:avLst/>
-          </a:prstGeom>
-          <a:noFill/>
-        </p:spPr>
-        <p:txBody>
-          <a:bodyPr wrap="square" rtlCol="0">
-            <a:spAutoFit/>
-          </a:bodyPr>
-          <a:lstStyle/>
-          <a:p>
-            <a:r>
-              <a:rPr lang="en-US" dirty="0"/>
-              <a:t>Grow-up</a:t>
-            </a:r>
-          </a:p>
-        </p:txBody>
-      </p:sp>
-      <p:sp>
-        <p:nvSpPr>
-          <p:cNvPr id="18" name="TextBox 17"/>
-          <p:cNvSpPr txBox="1"/>
-          <p:nvPr/>
-        </p:nvSpPr>
-        <p:spPr>
-          <a:xfrm>
-            <a:off x="2567836" y="2204613"/>
-            <a:ext cx="1114816" cy="376960"/>
-          </a:xfrm>
-          <a:prstGeom prst="rect">
-            <a:avLst/>
-          </a:prstGeom>
-          <a:noFill/>
-        </p:spPr>
-        <p:txBody>
-          <a:bodyPr wrap="square" rtlCol="0">
-            <a:spAutoFit/>
-          </a:bodyPr>
-          <a:lstStyle/>
-          <a:p>
-            <a:pPr algn="ctr"/>
-            <a:r>
-              <a:rPr lang="en-US" dirty="0"/>
-              <a:t>Divest?</a:t>
-            </a:r>
-          </a:p>
-        </p:txBody>
-      </p:sp>
-      <p:sp>
-        <p:nvSpPr>
-          <p:cNvPr id="19" name="TextBox 18"/>
-          <p:cNvSpPr txBox="1"/>
-          <p:nvPr/>
-        </p:nvSpPr>
-        <p:spPr>
-          <a:xfrm>
-            <a:off x="4264070" y="2195155"/>
-            <a:ext cx="1603332" cy="646331"/>
-          </a:xfrm>
-          <a:prstGeom prst="rect">
-            <a:avLst/>
-          </a:prstGeom>
-          <a:noFill/>
-        </p:spPr>
-        <p:txBody>
-          <a:bodyPr wrap="square" rtlCol="0">
-            <a:spAutoFit/>
-          </a:bodyPr>
-          <a:lstStyle/>
-          <a:p>
-            <a:pPr algn="ctr"/>
-            <a:r>
-              <a:rPr lang="en-US" dirty="0">
-                <a:solidFill>
-                  <a:schemeClr val="bg1"/>
-                </a:solidFill>
-              </a:rPr>
-              <a:t>Aggressively retain</a:t>
-            </a:r>
-          </a:p>
-        </p:txBody>
-      </p:sp>
-      <p:sp>
-        <p:nvSpPr>
-          <p:cNvPr id="20" name="TextBox 19"/>
-          <p:cNvSpPr txBox="1"/>
-          <p:nvPr/>
-        </p:nvSpPr>
-        <p:spPr>
-          <a:xfrm>
-            <a:off x="4366889" y="2855192"/>
-            <a:ext cx="1397694" cy="461665"/>
-          </a:xfrm>
-          <a:prstGeom prst="rect">
-            <a:avLst/>
-          </a:prstGeom>
-          <a:noFill/>
-        </p:spPr>
-        <p:txBody>
-          <a:bodyPr wrap="square" rtlCol="0">
-            <a:spAutoFit/>
-          </a:bodyPr>
-          <a:lstStyle/>
-          <a:p>
-            <a:pPr algn="ctr"/>
-            <a:r>
-              <a:rPr lang="en-US" sz="1200" dirty="0">
-                <a:solidFill>
-                  <a:schemeClr val="bg1"/>
-                </a:solidFill>
-              </a:rPr>
-              <a:t>High value.</a:t>
-            </a:r>
-          </a:p>
-          <a:p>
-            <a:pPr algn="ctr"/>
-            <a:r>
-              <a:rPr lang="en-US" sz="1200" dirty="0">
-                <a:solidFill>
-                  <a:schemeClr val="bg1"/>
-                </a:solidFill>
-              </a:rPr>
-              <a:t>High Attrition Risk</a:t>
-            </a:r>
-          </a:p>
-        </p:txBody>
-      </p:sp>
-      <p:sp>
-        <p:nvSpPr>
-          <p:cNvPr id="21" name="TextBox 20"/>
-          <p:cNvSpPr txBox="1"/>
-          <p:nvPr/>
-        </p:nvSpPr>
-        <p:spPr>
-          <a:xfrm>
-            <a:off x="4264070" y="4412668"/>
-            <a:ext cx="1397694" cy="461665"/>
-          </a:xfrm>
-          <a:prstGeom prst="rect">
-            <a:avLst/>
-          </a:prstGeom>
-          <a:noFill/>
-        </p:spPr>
-        <p:txBody>
-          <a:bodyPr wrap="square" rtlCol="0">
-            <a:spAutoFit/>
-          </a:bodyPr>
-          <a:lstStyle/>
-          <a:p>
-            <a:pPr algn="ctr"/>
-            <a:r>
-              <a:rPr lang="en-US" sz="1200" dirty="0"/>
-              <a:t>High value.</a:t>
-            </a:r>
-          </a:p>
-          <a:p>
-            <a:pPr algn="ctr"/>
-            <a:r>
-              <a:rPr lang="en-US" sz="1200" dirty="0"/>
-              <a:t>Low Attrition Risk</a:t>
-            </a:r>
-          </a:p>
-        </p:txBody>
-      </p:sp>
-      <p:sp>
-        <p:nvSpPr>
-          <p:cNvPr id="22" name="TextBox 21"/>
-          <p:cNvSpPr txBox="1"/>
-          <p:nvPr/>
-        </p:nvSpPr>
-        <p:spPr>
-          <a:xfrm>
-            <a:off x="2407608" y="4450155"/>
-            <a:ext cx="1397694" cy="461665"/>
-          </a:xfrm>
-          <a:prstGeom prst="rect">
-            <a:avLst/>
-          </a:prstGeom>
-          <a:noFill/>
-        </p:spPr>
-        <p:txBody>
-          <a:bodyPr wrap="square" rtlCol="0">
-            <a:spAutoFit/>
-          </a:bodyPr>
-          <a:lstStyle/>
-          <a:p>
-            <a:pPr algn="ctr"/>
-            <a:r>
-              <a:rPr lang="en-US" sz="1200" dirty="0"/>
-              <a:t>Low value.</a:t>
-            </a:r>
-          </a:p>
-          <a:p>
-            <a:pPr algn="ctr"/>
-            <a:r>
-              <a:rPr lang="en-US" sz="1200" dirty="0"/>
-              <a:t>Low Attrition Risk</a:t>
-            </a:r>
-          </a:p>
-        </p:txBody>
-      </p:sp>
-      <p:sp>
-        <p:nvSpPr>
-          <p:cNvPr id="23" name="TextBox 22"/>
-          <p:cNvSpPr txBox="1"/>
-          <p:nvPr/>
-        </p:nvSpPr>
-        <p:spPr>
-          <a:xfrm>
-            <a:off x="2426397" y="2874798"/>
-            <a:ext cx="1397694" cy="461665"/>
-          </a:xfrm>
-          <a:prstGeom prst="rect">
-            <a:avLst/>
-          </a:prstGeom>
-          <a:noFill/>
-        </p:spPr>
-        <p:txBody>
-          <a:bodyPr wrap="square" rtlCol="0">
-            <a:spAutoFit/>
-          </a:bodyPr>
-          <a:lstStyle/>
-          <a:p>
-            <a:pPr algn="ctr"/>
-            <a:r>
-              <a:rPr lang="en-US" sz="1200" dirty="0"/>
-              <a:t>Low value.</a:t>
-            </a:r>
-          </a:p>
-          <a:p>
-            <a:pPr algn="ctr"/>
-            <a:r>
-              <a:rPr lang="en-US" sz="1200" dirty="0"/>
-              <a:t>High Attrition Risk</a:t>
-            </a:r>
-          </a:p>
-        </p:txBody>
-      </p:sp>
-    </p:spTree>
-    <p:extLst>
-      <p:ext uri="{BB962C8B-B14F-4D97-AF65-F5344CB8AC3E}">
-        <p14:creationId xmlns:p14="http://schemas.microsoft.com/office/powerpoint/2010/main" val="1204180998"/>
-      </p:ext>
-    </p:extLst>
-  </p:cSld>
-  <p:clrMapOvr>
-    <a:masterClrMapping/>
-  </p:clrMapOvr>
-  <mc:AlternateContent xmlns:mc="http://schemas.openxmlformats.org/markup-compatibility/2006" xmlns:p14="http://schemas.microsoft.com/office/powerpoint/2010/main">
-    <mc:Choice Requires="p14">
-      <p:transition p14:dur="0" advClick="0" advTm="15000"/>
-    </mc:Choice>
-    <mc:Fallback xmlns="">
-      <p:transition advClick="0" advTm="15000"/>
-    </mc:Fallback>
-  </mc:AlternateContent>
-</p:sld>
-</file>
-
-<file path=ppt/slides/slide40.xml><?xml version="1.0" encoding="utf-8"?>
-<p:sld xmlns:a="http://schemas.openxmlformats.org/drawingml/2006/main" xmlns:r="http://schemas.openxmlformats.org/officeDocument/2006/relationships" xmlns:p="http://schemas.openxmlformats.org/presentationml/2006/main">
-  <p:cSld>
-    <p:spTree>
-      <p:nvGrpSpPr>
-        <p:cNvPr id="1" name=""/>
-        <p:cNvGrpSpPr/>
-        <p:nvPr/>
-      </p:nvGrpSpPr>
-      <p:grpSpPr>
-        <a:xfrm>
-          <a:off x="0" y="0"/>
-          <a:ext cx="0" cy="0"/>
-          <a:chOff x="0" y="0"/>
-          <a:chExt cx="0" cy="0"/>
-        </a:xfrm>
-      </p:grpSpPr>
-      <p:sp>
-        <p:nvSpPr>
-          <p:cNvPr id="2" name="Title 1">
-            <a:extLst>
-              <a:ext uri="{FF2B5EF4-FFF2-40B4-BE49-F238E27FC236}">
-                <a16:creationId xmlns="" xmlns:a16="http://schemas.microsoft.com/office/drawing/2014/main" id="{56763635-3EAC-4739-93CD-AD9773055F20}"/>
-              </a:ext>
-            </a:extLst>
-          </p:cNvPr>
-          <p:cNvSpPr>
-            <a:spLocks noGrp="1"/>
-          </p:cNvSpPr>
-          <p:nvPr>
-            <p:ph type="title"/>
-          </p:nvPr>
-        </p:nvSpPr>
-        <p:spPr/>
-        <p:txBody>
-          <a:bodyPr/>
-          <a:lstStyle/>
-          <a:p>
-            <a:r>
-              <a:rPr lang="en-US" dirty="0" err="1"/>
-              <a:t>Studentized</a:t>
-            </a:r>
-            <a:r>
-              <a:rPr lang="en-US" dirty="0"/>
-              <a:t> Residual vs </a:t>
-            </a:r>
-            <a:r>
-              <a:rPr lang="en-US" dirty="0" smtClean="0"/>
-              <a:t>Leverage based on Cooks D</a:t>
-            </a:r>
-            <a:endParaRPr lang="en-US" dirty="0"/>
-          </a:p>
-        </p:txBody>
-      </p:sp>
-      <p:sp>
-        <p:nvSpPr>
-          <p:cNvPr id="4" name="Slide Number Placeholder 3">
-            <a:extLst>
-              <a:ext uri="{FF2B5EF4-FFF2-40B4-BE49-F238E27FC236}">
-                <a16:creationId xmlns="" xmlns:a16="http://schemas.microsoft.com/office/drawing/2014/main" id="{9B8182FC-92FE-443B-B9FE-0D540CF501F8}"/>
-              </a:ext>
-            </a:extLst>
-          </p:cNvPr>
-          <p:cNvSpPr>
-            <a:spLocks noGrp="1"/>
-          </p:cNvSpPr>
-          <p:nvPr>
-            <p:ph type="sldNum" sz="quarter" idx="12"/>
-          </p:nvPr>
-        </p:nvSpPr>
-        <p:spPr/>
-        <p:txBody>
-          <a:bodyPr/>
-          <a:lstStyle/>
-          <a:p>
-            <a:fld id="{38327683-8978-6B4B-9130-4A6A841F0549}" type="slidenum">
-              <a:rPr lang="en-US" smtClean="0"/>
-              <a:pPr/>
-              <a:t>40</a:t>
+              <a:t>39</a:t>
             </a:fld>
             <a:endParaRPr lang="en-US" dirty="0"/>
           </a:p>
@@ -9843,7 +9095,7 @@
 </p:sld>
 </file>
 
-<file path=ppt/slides/slide41.xml><?xml version="1.0" encoding="utf-8"?>
+<file path=ppt/slides/slide4.xml><?xml version="1.0" encoding="utf-8"?>
 <p:sld xmlns:a="http://schemas.openxmlformats.org/drawingml/2006/main" xmlns:r="http://schemas.openxmlformats.org/officeDocument/2006/relationships" xmlns:p="http://schemas.openxmlformats.org/presentationml/2006/main">
   <p:cSld>
     <p:spTree>
@@ -9862,10 +9114,668 @@
       </p:grpSpPr>
       <p:sp>
         <p:nvSpPr>
+          <p:cNvPr id="2" name="Title 1"/>
+          <p:cNvSpPr>
+            <a:spLocks noGrp="1"/>
+          </p:cNvSpPr>
+          <p:nvPr>
+            <p:ph type="title"/>
+          </p:nvPr>
+        </p:nvSpPr>
+        <p:spPr/>
+        <p:txBody>
+          <a:bodyPr/>
+          <a:lstStyle/>
+          <a:p>
+            <a:r>
+              <a:rPr lang="en-US" dirty="0"/>
+              <a:t>How to keep employee</a:t>
+            </a:r>
+          </a:p>
+        </p:txBody>
+      </p:sp>
+      <p:sp>
+        <p:nvSpPr>
+          <p:cNvPr id="4" name="Slide Number Placeholder 3"/>
+          <p:cNvSpPr>
+            <a:spLocks noGrp="1"/>
+          </p:cNvSpPr>
+          <p:nvPr>
+            <p:ph type="sldNum" sz="quarter" idx="12"/>
+          </p:nvPr>
+        </p:nvSpPr>
+        <p:spPr/>
+        <p:txBody>
+          <a:bodyPr/>
+          <a:lstStyle/>
+          <a:p>
+            <a:fld id="{38327683-8978-6B4B-9130-4A6A841F0549}" type="slidenum">
+              <a:rPr lang="en-US" smtClean="0"/>
+              <a:pPr/>
+              <a:t>4</a:t>
+            </a:fld>
+            <a:endParaRPr lang="en-US" dirty="0"/>
+          </a:p>
+        </p:txBody>
+      </p:sp>
+      <p:cxnSp>
+        <p:nvCxnSpPr>
+          <p:cNvPr id="6" name="Straight Arrow Connector 5"/>
+          <p:cNvCxnSpPr/>
+          <p:nvPr/>
+        </p:nvCxnSpPr>
+        <p:spPr>
+          <a:xfrm flipV="1">
+            <a:off x="1643743" y="2057402"/>
+            <a:ext cx="32657" cy="3331028"/>
+          </a:xfrm>
+          <a:prstGeom prst="straightConnector1">
+            <a:avLst/>
+          </a:prstGeom>
+          <a:ln w="28575">
+            <a:tailEnd type="stealth" w="lg" len="lg"/>
+          </a:ln>
+        </p:spPr>
+        <p:style>
+          <a:lnRef idx="1">
+            <a:schemeClr val="accent1"/>
+          </a:lnRef>
+          <a:fillRef idx="0">
+            <a:schemeClr val="accent1"/>
+          </a:fillRef>
+          <a:effectRef idx="0">
+            <a:schemeClr val="accent1"/>
+          </a:effectRef>
+          <a:fontRef idx="minor">
+            <a:schemeClr val="tx1"/>
+          </a:fontRef>
+        </p:style>
+      </p:cxnSp>
+      <p:cxnSp>
+        <p:nvCxnSpPr>
+          <p:cNvPr id="8" name="Straight Arrow Connector 7"/>
+          <p:cNvCxnSpPr/>
+          <p:nvPr/>
+        </p:nvCxnSpPr>
+        <p:spPr>
+          <a:xfrm flipV="1">
+            <a:off x="1643743" y="5388430"/>
+            <a:ext cx="6183086" cy="1"/>
+          </a:xfrm>
+          <a:prstGeom prst="straightConnector1">
+            <a:avLst/>
+          </a:prstGeom>
+          <a:ln w="25400">
+            <a:tailEnd type="stealth" w="lg" len="lg"/>
+          </a:ln>
+        </p:spPr>
+        <p:style>
+          <a:lnRef idx="1">
+            <a:schemeClr val="accent1"/>
+          </a:lnRef>
+          <a:fillRef idx="0">
+            <a:schemeClr val="accent1"/>
+          </a:fillRef>
+          <a:effectRef idx="0">
+            <a:schemeClr val="accent1"/>
+          </a:effectRef>
+          <a:fontRef idx="minor">
+            <a:schemeClr val="tx1"/>
+          </a:fontRef>
+        </p:style>
+      </p:cxnSp>
+      <p:sp>
+        <p:nvSpPr>
+          <p:cNvPr id="10" name="Rectangle 9"/>
+          <p:cNvSpPr/>
+          <p:nvPr/>
+        </p:nvSpPr>
+        <p:spPr>
+          <a:xfrm>
+            <a:off x="2304789" y="1942715"/>
+            <a:ext cx="1603332" cy="1528175"/>
+          </a:xfrm>
+          <a:prstGeom prst="rect">
+            <a:avLst/>
+          </a:prstGeom>
+          <a:solidFill>
+            <a:srgbClr val="FFFF00"/>
+          </a:solidFill>
+        </p:spPr>
+        <p:style>
+          <a:lnRef idx="2">
+            <a:schemeClr val="accent1">
+              <a:shade val="50000"/>
+            </a:schemeClr>
+          </a:lnRef>
+          <a:fillRef idx="1">
+            <a:schemeClr val="accent1"/>
+          </a:fillRef>
+          <a:effectRef idx="0">
+            <a:schemeClr val="accent1"/>
+          </a:effectRef>
+          <a:fontRef idx="minor">
+            <a:schemeClr val="lt1"/>
+          </a:fontRef>
+        </p:style>
+        <p:txBody>
+          <a:bodyPr rtlCol="0" anchor="ctr"/>
+          <a:lstStyle/>
+          <a:p>
+            <a:pPr algn="ctr"/>
+            <a:endParaRPr lang="en-US"/>
+          </a:p>
+        </p:txBody>
+      </p:sp>
+      <p:sp>
+        <p:nvSpPr>
+          <p:cNvPr id="11" name="Rectangle 10"/>
+          <p:cNvSpPr/>
+          <p:nvPr/>
+        </p:nvSpPr>
+        <p:spPr>
+          <a:xfrm>
+            <a:off x="2304789" y="3722916"/>
+            <a:ext cx="1603332" cy="1528175"/>
+          </a:xfrm>
+          <a:prstGeom prst="rect">
+            <a:avLst/>
+          </a:prstGeom>
+          <a:solidFill>
+            <a:srgbClr val="FFFF00"/>
+          </a:solidFill>
+        </p:spPr>
+        <p:style>
+          <a:lnRef idx="2">
+            <a:schemeClr val="accent1">
+              <a:shade val="50000"/>
+            </a:schemeClr>
+          </a:lnRef>
+          <a:fillRef idx="1">
+            <a:schemeClr val="accent1"/>
+          </a:fillRef>
+          <a:effectRef idx="0">
+            <a:schemeClr val="accent1"/>
+          </a:effectRef>
+          <a:fontRef idx="minor">
+            <a:schemeClr val="lt1"/>
+          </a:fontRef>
+        </p:style>
+        <p:txBody>
+          <a:bodyPr rtlCol="0" anchor="ctr"/>
+          <a:lstStyle/>
+          <a:p>
+            <a:pPr algn="ctr"/>
+            <a:endParaRPr lang="en-US"/>
+          </a:p>
+        </p:txBody>
+      </p:sp>
+      <p:sp>
+        <p:nvSpPr>
+          <p:cNvPr id="12" name="Rectangle 11"/>
+          <p:cNvSpPr/>
+          <p:nvPr/>
+        </p:nvSpPr>
+        <p:spPr>
+          <a:xfrm>
+            <a:off x="4264070" y="1942714"/>
+            <a:ext cx="1603332" cy="1528175"/>
+          </a:xfrm>
+          <a:prstGeom prst="rect">
+            <a:avLst/>
+          </a:prstGeom>
+          <a:solidFill>
+            <a:srgbClr val="FF0000"/>
+          </a:solidFill>
+        </p:spPr>
+        <p:style>
+          <a:lnRef idx="2">
+            <a:schemeClr val="accent1">
+              <a:shade val="50000"/>
+            </a:schemeClr>
+          </a:lnRef>
+          <a:fillRef idx="1">
+            <a:schemeClr val="accent1"/>
+          </a:fillRef>
+          <a:effectRef idx="0">
+            <a:schemeClr val="accent1"/>
+          </a:effectRef>
+          <a:fontRef idx="minor">
+            <a:schemeClr val="lt1"/>
+          </a:fontRef>
+        </p:style>
+        <p:txBody>
+          <a:bodyPr rtlCol="0" anchor="ctr"/>
+          <a:lstStyle/>
+          <a:p>
+            <a:pPr algn="ctr"/>
+            <a:endParaRPr lang="en-US"/>
+          </a:p>
+        </p:txBody>
+      </p:sp>
+      <p:sp>
+        <p:nvSpPr>
+          <p:cNvPr id="13" name="Rectangle 12"/>
+          <p:cNvSpPr/>
+          <p:nvPr/>
+        </p:nvSpPr>
+        <p:spPr>
+          <a:xfrm>
+            <a:off x="4264070" y="3722914"/>
+            <a:ext cx="1603332" cy="1528175"/>
+          </a:xfrm>
+          <a:prstGeom prst="rect">
+            <a:avLst/>
+          </a:prstGeom>
+          <a:solidFill>
+            <a:srgbClr val="92D050"/>
+          </a:solidFill>
+        </p:spPr>
+        <p:style>
+          <a:lnRef idx="2">
+            <a:schemeClr val="accent1">
+              <a:shade val="50000"/>
+            </a:schemeClr>
+          </a:lnRef>
+          <a:fillRef idx="1">
+            <a:schemeClr val="accent1"/>
+          </a:fillRef>
+          <a:effectRef idx="0">
+            <a:schemeClr val="accent1"/>
+          </a:effectRef>
+          <a:fontRef idx="minor">
+            <a:schemeClr val="lt1"/>
+          </a:fontRef>
+        </p:style>
+        <p:txBody>
+          <a:bodyPr rtlCol="0" anchor="ctr"/>
+          <a:lstStyle/>
+          <a:p>
+            <a:pPr algn="ctr"/>
+            <a:endParaRPr lang="en-US"/>
+          </a:p>
+        </p:txBody>
+      </p:sp>
+      <p:sp>
+        <p:nvSpPr>
+          <p:cNvPr id="14" name="TextBox 13"/>
+          <p:cNvSpPr txBox="1"/>
+          <p:nvPr/>
+        </p:nvSpPr>
+        <p:spPr>
+          <a:xfrm>
+            <a:off x="2818356" y="5686816"/>
+            <a:ext cx="2843408" cy="369332"/>
+          </a:xfrm>
+          <a:prstGeom prst="rect">
+            <a:avLst/>
+          </a:prstGeom>
+          <a:noFill/>
+        </p:spPr>
+        <p:txBody>
+          <a:bodyPr wrap="square" rtlCol="0">
+            <a:spAutoFit/>
+          </a:bodyPr>
+          <a:lstStyle/>
+          <a:p>
+            <a:r>
+              <a:rPr lang="en-US" dirty="0"/>
+              <a:t>Employee lifetime value</a:t>
+            </a:r>
+          </a:p>
+        </p:txBody>
+      </p:sp>
+      <p:sp>
+        <p:nvSpPr>
+          <p:cNvPr id="15" name="TextBox 14"/>
+          <p:cNvSpPr txBox="1"/>
+          <p:nvPr/>
+        </p:nvSpPr>
+        <p:spPr>
+          <a:xfrm rot="16200000">
+            <a:off x="571037" y="3287532"/>
+            <a:ext cx="1778696" cy="366713"/>
+          </a:xfrm>
+          <a:prstGeom prst="rect">
+            <a:avLst/>
+          </a:prstGeom>
+          <a:noFill/>
+        </p:spPr>
+        <p:txBody>
+          <a:bodyPr wrap="square" rtlCol="0">
+            <a:spAutoFit/>
+          </a:bodyPr>
+          <a:lstStyle/>
+          <a:p>
+            <a:r>
+              <a:rPr lang="en-US"/>
+              <a:t>Attrition Risk</a:t>
+            </a:r>
+          </a:p>
+        </p:txBody>
+      </p:sp>
+      <p:sp>
+        <p:nvSpPr>
+          <p:cNvPr id="16" name="TextBox 15"/>
+          <p:cNvSpPr txBox="1"/>
+          <p:nvPr/>
+        </p:nvSpPr>
+        <p:spPr>
+          <a:xfrm>
+            <a:off x="4471792" y="3990905"/>
+            <a:ext cx="1189972" cy="369332"/>
+          </a:xfrm>
+          <a:prstGeom prst="rect">
+            <a:avLst/>
+          </a:prstGeom>
+          <a:noFill/>
+        </p:spPr>
+        <p:txBody>
+          <a:bodyPr wrap="square" rtlCol="0">
+            <a:spAutoFit/>
+          </a:bodyPr>
+          <a:lstStyle/>
+          <a:p>
+            <a:r>
+              <a:rPr lang="en-US" dirty="0"/>
+              <a:t>Maintain</a:t>
+            </a:r>
+          </a:p>
+        </p:txBody>
+      </p:sp>
+      <p:sp>
+        <p:nvSpPr>
+          <p:cNvPr id="17" name="TextBox 16"/>
+          <p:cNvSpPr txBox="1"/>
+          <p:nvPr/>
+        </p:nvSpPr>
+        <p:spPr>
+          <a:xfrm>
+            <a:off x="2567836" y="3990905"/>
+            <a:ext cx="1114816" cy="369332"/>
+          </a:xfrm>
+          <a:prstGeom prst="rect">
+            <a:avLst/>
+          </a:prstGeom>
+          <a:noFill/>
+        </p:spPr>
+        <p:txBody>
+          <a:bodyPr wrap="square" rtlCol="0">
+            <a:spAutoFit/>
+          </a:bodyPr>
+          <a:lstStyle/>
+          <a:p>
+            <a:r>
+              <a:rPr lang="en-US" dirty="0"/>
+              <a:t>Grow-up</a:t>
+            </a:r>
+          </a:p>
+        </p:txBody>
+      </p:sp>
+      <p:sp>
+        <p:nvSpPr>
+          <p:cNvPr id="18" name="TextBox 17"/>
+          <p:cNvSpPr txBox="1"/>
+          <p:nvPr/>
+        </p:nvSpPr>
+        <p:spPr>
+          <a:xfrm>
+            <a:off x="2567836" y="2204613"/>
+            <a:ext cx="1114816" cy="376960"/>
+          </a:xfrm>
+          <a:prstGeom prst="rect">
+            <a:avLst/>
+          </a:prstGeom>
+          <a:noFill/>
+        </p:spPr>
+        <p:txBody>
+          <a:bodyPr wrap="square" rtlCol="0">
+            <a:spAutoFit/>
+          </a:bodyPr>
+          <a:lstStyle/>
+          <a:p>
+            <a:pPr algn="ctr"/>
+            <a:r>
+              <a:rPr lang="en-US" dirty="0"/>
+              <a:t>Divest?</a:t>
+            </a:r>
+          </a:p>
+        </p:txBody>
+      </p:sp>
+      <p:sp>
+        <p:nvSpPr>
+          <p:cNvPr id="19" name="TextBox 18"/>
+          <p:cNvSpPr txBox="1"/>
+          <p:nvPr/>
+        </p:nvSpPr>
+        <p:spPr>
+          <a:xfrm>
+            <a:off x="4264070" y="2195155"/>
+            <a:ext cx="1603332" cy="646331"/>
+          </a:xfrm>
+          <a:prstGeom prst="rect">
+            <a:avLst/>
+          </a:prstGeom>
+          <a:noFill/>
+        </p:spPr>
+        <p:txBody>
+          <a:bodyPr wrap="square" rtlCol="0">
+            <a:spAutoFit/>
+          </a:bodyPr>
+          <a:lstStyle/>
+          <a:p>
+            <a:pPr algn="ctr"/>
+            <a:r>
+              <a:rPr lang="en-US" dirty="0">
+                <a:solidFill>
+                  <a:schemeClr val="bg1"/>
+                </a:solidFill>
+              </a:rPr>
+              <a:t>Aggressively retain</a:t>
+            </a:r>
+          </a:p>
+        </p:txBody>
+      </p:sp>
+      <p:sp>
+        <p:nvSpPr>
+          <p:cNvPr id="20" name="TextBox 19"/>
+          <p:cNvSpPr txBox="1"/>
+          <p:nvPr/>
+        </p:nvSpPr>
+        <p:spPr>
+          <a:xfrm>
+            <a:off x="4366889" y="2855192"/>
+            <a:ext cx="1397694" cy="461665"/>
+          </a:xfrm>
+          <a:prstGeom prst="rect">
+            <a:avLst/>
+          </a:prstGeom>
+          <a:noFill/>
+        </p:spPr>
+        <p:txBody>
+          <a:bodyPr wrap="square" rtlCol="0">
+            <a:spAutoFit/>
+          </a:bodyPr>
+          <a:lstStyle/>
+          <a:p>
+            <a:pPr algn="ctr"/>
+            <a:r>
+              <a:rPr lang="en-US" sz="1200" dirty="0">
+                <a:solidFill>
+                  <a:schemeClr val="bg1"/>
+                </a:solidFill>
+              </a:rPr>
+              <a:t>High value.</a:t>
+            </a:r>
+          </a:p>
+          <a:p>
+            <a:pPr algn="ctr"/>
+            <a:r>
+              <a:rPr lang="en-US" sz="1200" dirty="0">
+                <a:solidFill>
+                  <a:schemeClr val="bg1"/>
+                </a:solidFill>
+              </a:rPr>
+              <a:t>High Attrition Risk</a:t>
+            </a:r>
+          </a:p>
+        </p:txBody>
+      </p:sp>
+      <p:sp>
+        <p:nvSpPr>
+          <p:cNvPr id="21" name="TextBox 20"/>
+          <p:cNvSpPr txBox="1"/>
+          <p:nvPr/>
+        </p:nvSpPr>
+        <p:spPr>
+          <a:xfrm>
+            <a:off x="4264070" y="4412668"/>
+            <a:ext cx="1397694" cy="461665"/>
+          </a:xfrm>
+          <a:prstGeom prst="rect">
+            <a:avLst/>
+          </a:prstGeom>
+          <a:noFill/>
+        </p:spPr>
+        <p:txBody>
+          <a:bodyPr wrap="square" rtlCol="0">
+            <a:spAutoFit/>
+          </a:bodyPr>
+          <a:lstStyle/>
+          <a:p>
+            <a:pPr algn="ctr"/>
+            <a:r>
+              <a:rPr lang="en-US" sz="1200" dirty="0"/>
+              <a:t>High value.</a:t>
+            </a:r>
+          </a:p>
+          <a:p>
+            <a:pPr algn="ctr"/>
+            <a:r>
+              <a:rPr lang="en-US" sz="1200" dirty="0"/>
+              <a:t>Low Attrition Risk</a:t>
+            </a:r>
+          </a:p>
+        </p:txBody>
+      </p:sp>
+      <p:sp>
+        <p:nvSpPr>
+          <p:cNvPr id="22" name="TextBox 21"/>
+          <p:cNvSpPr txBox="1"/>
+          <p:nvPr/>
+        </p:nvSpPr>
+        <p:spPr>
+          <a:xfrm>
+            <a:off x="2407608" y="4450155"/>
+            <a:ext cx="1397694" cy="461665"/>
+          </a:xfrm>
+          <a:prstGeom prst="rect">
+            <a:avLst/>
+          </a:prstGeom>
+          <a:noFill/>
+        </p:spPr>
+        <p:txBody>
+          <a:bodyPr wrap="square" rtlCol="0">
+            <a:spAutoFit/>
+          </a:bodyPr>
+          <a:lstStyle/>
+          <a:p>
+            <a:pPr algn="ctr"/>
+            <a:r>
+              <a:rPr lang="en-US" sz="1200" dirty="0"/>
+              <a:t>Low value.</a:t>
+            </a:r>
+          </a:p>
+          <a:p>
+            <a:pPr algn="ctr"/>
+            <a:r>
+              <a:rPr lang="en-US" sz="1200" dirty="0"/>
+              <a:t>Low Attrition Risk</a:t>
+            </a:r>
+          </a:p>
+        </p:txBody>
+      </p:sp>
+      <p:sp>
+        <p:nvSpPr>
+          <p:cNvPr id="23" name="TextBox 22"/>
+          <p:cNvSpPr txBox="1"/>
+          <p:nvPr/>
+        </p:nvSpPr>
+        <p:spPr>
+          <a:xfrm>
+            <a:off x="2426397" y="2874798"/>
+            <a:ext cx="1397694" cy="461665"/>
+          </a:xfrm>
+          <a:prstGeom prst="rect">
+            <a:avLst/>
+          </a:prstGeom>
+          <a:noFill/>
+        </p:spPr>
+        <p:txBody>
+          <a:bodyPr wrap="square" rtlCol="0">
+            <a:spAutoFit/>
+          </a:bodyPr>
+          <a:lstStyle/>
+          <a:p>
+            <a:pPr algn="ctr"/>
+            <a:r>
+              <a:rPr lang="en-US" sz="1200" dirty="0"/>
+              <a:t>Low value.</a:t>
+            </a:r>
+          </a:p>
+          <a:p>
+            <a:pPr algn="ctr"/>
+            <a:r>
+              <a:rPr lang="en-US" sz="1200" dirty="0"/>
+              <a:t>High Attrition Risk</a:t>
+            </a:r>
+          </a:p>
+        </p:txBody>
+      </p:sp>
+    </p:spTree>
+    <p:extLst>
+      <p:ext uri="{BB962C8B-B14F-4D97-AF65-F5344CB8AC3E}">
+        <p14:creationId xmlns:p14="http://schemas.microsoft.com/office/powerpoint/2010/main" val="1204180998"/>
+      </p:ext>
+    </p:extLst>
+  </p:cSld>
+  <p:clrMapOvr>
+    <a:masterClrMapping/>
+  </p:clrMapOvr>
+  <mc:AlternateContent xmlns:mc="http://schemas.openxmlformats.org/markup-compatibility/2006" xmlns:p14="http://schemas.microsoft.com/office/powerpoint/2010/main">
+    <mc:Choice Requires="p14">
+      <p:transition p14:dur="0" advClick="0" advTm="15000"/>
+    </mc:Choice>
+    <mc:Fallback xmlns="">
+      <p:transition advClick="0" advTm="15000"/>
+    </mc:Fallback>
+  </mc:AlternateContent>
+</p:sld>
+</file>
+
+<file path=ppt/slides/slide40.xml><?xml version="1.0" encoding="utf-8"?>
+<p:sld xmlns:a="http://schemas.openxmlformats.org/drawingml/2006/main" xmlns:r="http://schemas.openxmlformats.org/officeDocument/2006/relationships" xmlns:p="http://schemas.openxmlformats.org/presentationml/2006/main">
+  <p:cSld>
+    <p:spTree>
+      <p:nvGrpSpPr>
+        <p:cNvPr id="1" name=""/>
+        <p:cNvGrpSpPr/>
+        <p:nvPr/>
+      </p:nvGrpSpPr>
+      <p:grpSpPr>
+        <a:xfrm>
+          <a:off x="0" y="0"/>
+          <a:ext cx="0" cy="0"/>
+          <a:chOff x="0" y="0"/>
+          <a:chExt cx="0" cy="0"/>
+        </a:xfrm>
+      </p:grpSpPr>
+      <p:sp>
+        <p:nvSpPr>
           <p:cNvPr id="2" name="Title 1">
             <a:extLst>
               <a:ext uri="{FF2B5EF4-FFF2-40B4-BE49-F238E27FC236}">
-                <a16:creationId xmlns="" xmlns:a16="http://schemas.microsoft.com/office/drawing/2014/main" id="{66ACD699-B881-4C1A-A32B-3A81ACB6EE1B}"/>
+                <a16:creationId xmlns:a16="http://schemas.microsoft.com/office/drawing/2014/main" xmlns="" id="{66ACD699-B881-4C1A-A32B-3A81ACB6EE1B}"/>
               </a:ext>
             </a:extLst>
           </p:cNvPr>
@@ -9893,7 +9803,7 @@
           <p:cNvPr id="4" name="Slide Number Placeholder 3">
             <a:extLst>
               <a:ext uri="{FF2B5EF4-FFF2-40B4-BE49-F238E27FC236}">
-                <a16:creationId xmlns="" xmlns:a16="http://schemas.microsoft.com/office/drawing/2014/main" id="{CB13383B-AFC2-4DAC-8B14-A2FD504CAA8A}"/>
+                <a16:creationId xmlns:a16="http://schemas.microsoft.com/office/drawing/2014/main" xmlns="" id="{CB13383B-AFC2-4DAC-8B14-A2FD504CAA8A}"/>
               </a:ext>
             </a:extLst>
           </p:cNvPr>
@@ -9912,7 +9822,7 @@
             <a:fld id="{38327683-8978-6B4B-9130-4A6A841F0549}" type="slidenum">
               <a:rPr lang="en-US" smtClean="0"/>
               <a:pPr/>
-              <a:t>41</a:t>
+              <a:t>40</a:t>
             </a:fld>
             <a:endParaRPr lang="en-US" dirty="0"/>
           </a:p>
@@ -9993,6 +9903,128 @@
 </p:sld>
 </file>
 
+<file path=ppt/slides/slide41.xml><?xml version="1.0" encoding="utf-8"?>
+<p:sld xmlns:a="http://schemas.openxmlformats.org/drawingml/2006/main" xmlns:r="http://schemas.openxmlformats.org/officeDocument/2006/relationships" xmlns:p="http://schemas.openxmlformats.org/presentationml/2006/main">
+  <p:cSld>
+    <p:spTree>
+      <p:nvGrpSpPr>
+        <p:cNvPr id="1" name=""/>
+        <p:cNvGrpSpPr/>
+        <p:nvPr/>
+      </p:nvGrpSpPr>
+      <p:grpSpPr>
+        <a:xfrm>
+          <a:off x="0" y="0"/>
+          <a:ext cx="0" cy="0"/>
+          <a:chOff x="0" y="0"/>
+          <a:chExt cx="0" cy="0"/>
+        </a:xfrm>
+      </p:grpSpPr>
+      <p:sp>
+        <p:nvSpPr>
+          <p:cNvPr id="2" name="Title 1"/>
+          <p:cNvSpPr>
+            <a:spLocks noGrp="1"/>
+          </p:cNvSpPr>
+          <p:nvPr>
+            <p:ph type="title"/>
+          </p:nvPr>
+        </p:nvSpPr>
+        <p:spPr/>
+        <p:txBody>
+          <a:bodyPr>
+            <a:normAutofit/>
+          </a:bodyPr>
+          <a:lstStyle/>
+          <a:p>
+            <a:r>
+              <a:rPr lang="en-US" dirty="0"/>
+              <a:t>Additional Analysis</a:t>
+            </a:r>
+            <a:br>
+              <a:rPr lang="en-US" dirty="0"/>
+            </a:br>
+            <a:r>
+              <a:rPr lang="en-US" sz="1100" dirty="0"/>
+              <a:t>using monthly income and job level</a:t>
+            </a:r>
+          </a:p>
+        </p:txBody>
+      </p:sp>
+      <p:sp>
+        <p:nvSpPr>
+          <p:cNvPr id="4" name="Slide Number Placeholder 3"/>
+          <p:cNvSpPr>
+            <a:spLocks noGrp="1"/>
+          </p:cNvSpPr>
+          <p:nvPr>
+            <p:ph type="sldNum" sz="quarter" idx="12"/>
+          </p:nvPr>
+        </p:nvSpPr>
+        <p:spPr/>
+        <p:txBody>
+          <a:bodyPr/>
+          <a:lstStyle/>
+          <a:p>
+            <a:fld id="{38327683-8978-6B4B-9130-4A6A841F0549}" type="slidenum">
+              <a:rPr lang="en-US" smtClean="0"/>
+              <a:t>41</a:t>
+            </a:fld>
+            <a:endParaRPr lang="en-US" dirty="0"/>
+          </a:p>
+        </p:txBody>
+      </p:sp>
+      <p:pic>
+        <p:nvPicPr>
+          <p:cNvPr id="5" name="Picture 4">
+            <a:extLst>
+              <a:ext uri="{FF2B5EF4-FFF2-40B4-BE49-F238E27FC236}">
+                <a16:creationId xmlns:a16="http://schemas.microsoft.com/office/drawing/2014/main" xmlns="" id="{22881B27-7393-4AEC-9D9D-331C8757AA9B}"/>
+              </a:ext>
+            </a:extLst>
+          </p:cNvPr>
+          <p:cNvPicPr>
+            <a:picLocks noChangeAspect="1"/>
+          </p:cNvPicPr>
+          <p:nvPr/>
+        </p:nvPicPr>
+        <p:blipFill>
+          <a:blip r:embed="rId2"/>
+          <a:stretch>
+            <a:fillRect/>
+          </a:stretch>
+        </p:blipFill>
+        <p:spPr>
+          <a:xfrm>
+            <a:off x="1577631" y="1555636"/>
+            <a:ext cx="6401693" cy="4572638"/>
+          </a:xfrm>
+          <a:prstGeom prst="rect">
+            <a:avLst/>
+          </a:prstGeom>
+        </p:spPr>
+      </p:pic>
+    </p:spTree>
+    <p:extLst>
+      <p:ext uri="{BB962C8B-B14F-4D97-AF65-F5344CB8AC3E}">
+        <p14:creationId xmlns:p14="http://schemas.microsoft.com/office/powerpoint/2010/main" val="522540574"/>
+      </p:ext>
+    </p:extLst>
+  </p:cSld>
+  <p:clrMapOvr>
+    <a:masterClrMapping/>
+  </p:clrMapOvr>
+  <mc:AlternateContent xmlns:mc="http://schemas.openxmlformats.org/markup-compatibility/2006" xmlns:p14="http://schemas.microsoft.com/office/powerpoint/2010/main">
+    <mc:Choice Requires="p14">
+      <p:transition p14:dur="0" advClick="0" advTm="15000"/>
+    </mc:Choice>
+    <mc:Fallback xmlns="">
+      <p:transition advClick="0" advTm="15000"/>
+    </mc:Fallback>
+  </mc:AlternateContent>
+</p:sld>
+</file>
+
 <file path=ppt/slides/slide42.xml><?xml version="1.0" encoding="utf-8"?>
 <p:sld xmlns:a="http://schemas.openxmlformats.org/drawingml/2006/main" xmlns:r="http://schemas.openxmlformats.org/officeDocument/2006/relationships" xmlns:p="http://schemas.openxmlformats.org/presentationml/2006/main">
   <p:cSld>
@@ -10015,7 +10047,7 @@
           <p:cNvPr id="2" name="Title 1">
             <a:extLst>
               <a:ext uri="{FF2B5EF4-FFF2-40B4-BE49-F238E27FC236}">
-                <a16:creationId xmlns="" xmlns:a16="http://schemas.microsoft.com/office/drawing/2014/main" id="{CA951C4B-4D53-4EEC-B10F-7A494D01874A}"/>
+                <a16:creationId xmlns:a16="http://schemas.microsoft.com/office/drawing/2014/main" xmlns="" id="{CA951C4B-4D53-4EEC-B10F-7A494D01874A}"/>
               </a:ext>
             </a:extLst>
           </p:cNvPr>
@@ -10043,7 +10075,7 @@
           <p:cNvPr id="3" name="Content Placeholder 2">
             <a:extLst>
               <a:ext uri="{FF2B5EF4-FFF2-40B4-BE49-F238E27FC236}">
-                <a16:creationId xmlns="" xmlns:a16="http://schemas.microsoft.com/office/drawing/2014/main" id="{CE57D184-78B9-4A0A-968C-7F54F433A51F}"/>
+                <a16:creationId xmlns:a16="http://schemas.microsoft.com/office/drawing/2014/main" xmlns="" id="{CE57D184-78B9-4A0A-968C-7F54F433A51F}"/>
               </a:ext>
             </a:extLst>
           </p:cNvPr>
@@ -10089,7 +10121,7 @@
           <p:cNvPr id="4" name="Slide Number Placeholder 3">
             <a:extLst>
               <a:ext uri="{FF2B5EF4-FFF2-40B4-BE49-F238E27FC236}">
-                <a16:creationId xmlns="" xmlns:a16="http://schemas.microsoft.com/office/drawing/2014/main" id="{F297D887-DA00-4366-B645-C394D6AFB4C9}"/>
+                <a16:creationId xmlns:a16="http://schemas.microsoft.com/office/drawing/2014/main" xmlns="" id="{F297D887-DA00-4366-B645-C394D6AFB4C9}"/>
               </a:ext>
             </a:extLst>
           </p:cNvPr>
@@ -10119,7 +10151,7 @@
           <p:cNvPr id="5" name="Rectangle 1">
             <a:extLst>
               <a:ext uri="{FF2B5EF4-FFF2-40B4-BE49-F238E27FC236}">
-                <a16:creationId xmlns="" xmlns:a16="http://schemas.microsoft.com/office/drawing/2014/main" id="{F2BF78C7-18D5-44BD-BFB8-F98F492A431C}"/>
+                <a16:creationId xmlns:a16="http://schemas.microsoft.com/office/drawing/2014/main" xmlns="" id="{F2BF78C7-18D5-44BD-BFB8-F98F492A431C}"/>
               </a:ext>
             </a:extLst>
           </p:cNvPr>
@@ -10988,7 +11020,7 @@
           <p:cNvPr id="5" name="Picture 4">
             <a:extLst>
               <a:ext uri="{FF2B5EF4-FFF2-40B4-BE49-F238E27FC236}">
-                <a16:creationId xmlns="" xmlns:a16="http://schemas.microsoft.com/office/drawing/2014/main" id="{7D25210D-3224-41DF-8F2B-22E8B3DE0EAE}"/>
+                <a16:creationId xmlns:a16="http://schemas.microsoft.com/office/drawing/2014/main" xmlns="" id="{7D25210D-3224-41DF-8F2B-22E8B3DE0EAE}"/>
               </a:ext>
             </a:extLst>
           </p:cNvPr>
@@ -11160,7 +11192,7 @@
           <p:cNvPr id="2" name="Title 1">
             <a:extLst>
               <a:ext uri="{FF2B5EF4-FFF2-40B4-BE49-F238E27FC236}">
-                <a16:creationId xmlns="" xmlns:a16="http://schemas.microsoft.com/office/drawing/2014/main" id="{FFCE6460-3F3E-4899-9BCF-0689EE723B35}"/>
+                <a16:creationId xmlns:a16="http://schemas.microsoft.com/office/drawing/2014/main" xmlns="" id="{FFCE6460-3F3E-4899-9BCF-0689EE723B35}"/>
               </a:ext>
             </a:extLst>
           </p:cNvPr>
@@ -11189,7 +11221,7 @@
           <p:cNvPr id="6" name="Content Placeholder 5">
             <a:extLst>
               <a:ext uri="{FF2B5EF4-FFF2-40B4-BE49-F238E27FC236}">
-                <a16:creationId xmlns="" xmlns:a16="http://schemas.microsoft.com/office/drawing/2014/main" id="{25109D1B-C79D-4F33-8E77-83FA08CD41A5}"/>
+                <a16:creationId xmlns:a16="http://schemas.microsoft.com/office/drawing/2014/main" xmlns="" id="{25109D1B-C79D-4F33-8E77-83FA08CD41A5}"/>
               </a:ext>
             </a:extLst>
           </p:cNvPr>
@@ -11218,7 +11250,7 @@
           <p:cNvPr id="4" name="Slide Number Placeholder 3">
             <a:extLst>
               <a:ext uri="{FF2B5EF4-FFF2-40B4-BE49-F238E27FC236}">
-                <a16:creationId xmlns="" xmlns:a16="http://schemas.microsoft.com/office/drawing/2014/main" id="{A6E6C38E-1550-4CBF-87A5-39EA80759E42}"/>
+                <a16:creationId xmlns:a16="http://schemas.microsoft.com/office/drawing/2014/main" xmlns="" id="{A6E6C38E-1550-4CBF-87A5-39EA80759E42}"/>
               </a:ext>
             </a:extLst>
           </p:cNvPr>
@@ -11248,7 +11280,7 @@
           <p:cNvPr id="8" name="Picture 7">
             <a:extLst>
               <a:ext uri="{FF2B5EF4-FFF2-40B4-BE49-F238E27FC236}">
-                <a16:creationId xmlns="" xmlns:a16="http://schemas.microsoft.com/office/drawing/2014/main" id="{AB56864C-4DF0-4783-A9BA-40195D87FC62}"/>
+                <a16:creationId xmlns:a16="http://schemas.microsoft.com/office/drawing/2014/main" xmlns="" id="{AB56864C-4DF0-4783-A9BA-40195D87FC62}"/>
               </a:ext>
             </a:extLst>
           </p:cNvPr>
@@ -11278,7 +11310,7 @@
           <p:cNvPr id="10" name="Picture 9">
             <a:extLst>
               <a:ext uri="{FF2B5EF4-FFF2-40B4-BE49-F238E27FC236}">
-                <a16:creationId xmlns="" xmlns:a16="http://schemas.microsoft.com/office/drawing/2014/main" id="{320B1A47-EE5C-4B52-BA87-8A4B66825204}"/>
+                <a16:creationId xmlns:a16="http://schemas.microsoft.com/office/drawing/2014/main" xmlns="" id="{320B1A47-EE5C-4B52-BA87-8A4B66825204}"/>
               </a:ext>
             </a:extLst>
           </p:cNvPr>
@@ -11308,7 +11340,7 @@
           <p:cNvPr id="12" name="Picture 11">
             <a:extLst>
               <a:ext uri="{FF2B5EF4-FFF2-40B4-BE49-F238E27FC236}">
-                <a16:creationId xmlns="" xmlns:a16="http://schemas.microsoft.com/office/drawing/2014/main" id="{C85B4CC8-A8B2-40A7-99FC-3118B0E1B610}"/>
+                <a16:creationId xmlns:a16="http://schemas.microsoft.com/office/drawing/2014/main" xmlns="" id="{C85B4CC8-A8B2-40A7-99FC-3118B0E1B610}"/>
               </a:ext>
             </a:extLst>
           </p:cNvPr>
@@ -11338,7 +11370,7 @@
           <p:cNvPr id="14" name="Picture 13">
             <a:extLst>
               <a:ext uri="{FF2B5EF4-FFF2-40B4-BE49-F238E27FC236}">
-                <a16:creationId xmlns="" xmlns:a16="http://schemas.microsoft.com/office/drawing/2014/main" id="{F9FB84FB-E6AE-408F-9216-92E4CF25164C}"/>
+                <a16:creationId xmlns:a16="http://schemas.microsoft.com/office/drawing/2014/main" xmlns="" id="{F9FB84FB-E6AE-408F-9216-92E4CF25164C}"/>
               </a:ext>
             </a:extLst>
           </p:cNvPr>
@@ -11368,7 +11400,7 @@
           <p:cNvPr id="16" name="Picture 15">
             <a:extLst>
               <a:ext uri="{FF2B5EF4-FFF2-40B4-BE49-F238E27FC236}">
-                <a16:creationId xmlns="" xmlns:a16="http://schemas.microsoft.com/office/drawing/2014/main" id="{97D91F18-0420-41B7-8EBA-9115348C2C5E}"/>
+                <a16:creationId xmlns:a16="http://schemas.microsoft.com/office/drawing/2014/main" xmlns="" id="{97D91F18-0420-41B7-8EBA-9115348C2C5E}"/>
               </a:ext>
             </a:extLst>
           </p:cNvPr>
@@ -11398,7 +11430,7 @@
           <p:cNvPr id="18" name="&quot;Not Allowed&quot; Symbol 17">
             <a:extLst>
               <a:ext uri="{FF2B5EF4-FFF2-40B4-BE49-F238E27FC236}">
-                <a16:creationId xmlns="" xmlns:a16="http://schemas.microsoft.com/office/drawing/2014/main" id="{EF58987F-BB27-4907-A8F5-410067043359}"/>
+                <a16:creationId xmlns:a16="http://schemas.microsoft.com/office/drawing/2014/main" xmlns="" id="{EF58987F-BB27-4907-A8F5-410067043359}"/>
               </a:ext>
             </a:extLst>
           </p:cNvPr>
@@ -11448,7 +11480,7 @@
           <p:cNvPr id="19" name="&quot;Not Allowed&quot; Symbol 18">
             <a:extLst>
               <a:ext uri="{FF2B5EF4-FFF2-40B4-BE49-F238E27FC236}">
-                <a16:creationId xmlns="" xmlns:a16="http://schemas.microsoft.com/office/drawing/2014/main" id="{E7C6B556-44DF-4762-8492-A0B345924863}"/>
+                <a16:creationId xmlns:a16="http://schemas.microsoft.com/office/drawing/2014/main" xmlns="" id="{E7C6B556-44DF-4762-8492-A0B345924863}"/>
               </a:ext>
             </a:extLst>
           </p:cNvPr>
@@ -11498,7 +11530,7 @@
           <p:cNvPr id="20" name="&quot;Not Allowed&quot; Symbol 19">
             <a:extLst>
               <a:ext uri="{FF2B5EF4-FFF2-40B4-BE49-F238E27FC236}">
-                <a16:creationId xmlns="" xmlns:a16="http://schemas.microsoft.com/office/drawing/2014/main" id="{E346877C-16A9-466C-AFE5-B57AEC56865B}"/>
+                <a16:creationId xmlns:a16="http://schemas.microsoft.com/office/drawing/2014/main" xmlns="" id="{E346877C-16A9-466C-AFE5-B57AEC56865B}"/>
               </a:ext>
             </a:extLst>
           </p:cNvPr>
@@ -11548,7 +11580,7 @@
           <p:cNvPr id="21" name="&quot;Not Allowed&quot; Symbol 20">
             <a:extLst>
               <a:ext uri="{FF2B5EF4-FFF2-40B4-BE49-F238E27FC236}">
-                <a16:creationId xmlns="" xmlns:a16="http://schemas.microsoft.com/office/drawing/2014/main" id="{913B4A88-1B04-4D14-A158-2D50F4E324F2}"/>
+                <a16:creationId xmlns:a16="http://schemas.microsoft.com/office/drawing/2014/main" xmlns="" id="{913B4A88-1B04-4D14-A158-2D50F4E324F2}"/>
               </a:ext>
             </a:extLst>
           </p:cNvPr>
@@ -11598,7 +11630,7 @@
           <p:cNvPr id="22" name="&quot;Not Allowed&quot; Symbol 21">
             <a:extLst>
               <a:ext uri="{FF2B5EF4-FFF2-40B4-BE49-F238E27FC236}">
-                <a16:creationId xmlns="" xmlns:a16="http://schemas.microsoft.com/office/drawing/2014/main" id="{110C161F-0F13-4736-A756-7E1DE47ADF67}"/>
+                <a16:creationId xmlns:a16="http://schemas.microsoft.com/office/drawing/2014/main" xmlns="" id="{110C161F-0F13-4736-A756-7E1DE47ADF67}"/>
               </a:ext>
             </a:extLst>
           </p:cNvPr>
@@ -11648,7 +11680,7 @@
           <p:cNvPr id="23" name="&quot;Not Allowed&quot; Symbol 22">
             <a:extLst>
               <a:ext uri="{FF2B5EF4-FFF2-40B4-BE49-F238E27FC236}">
-                <a16:creationId xmlns="" xmlns:a16="http://schemas.microsoft.com/office/drawing/2014/main" id="{C8042CAC-F6BD-44DE-9F38-8A23F1DB6333}"/>
+                <a16:creationId xmlns:a16="http://schemas.microsoft.com/office/drawing/2014/main" xmlns="" id="{C8042CAC-F6BD-44DE-9F38-8A23F1DB6333}"/>
               </a:ext>
             </a:extLst>
           </p:cNvPr>
@@ -11698,7 +11730,7 @@
           <p:cNvPr id="24" name="&quot;Not Allowed&quot; Symbol 23">
             <a:extLst>
               <a:ext uri="{FF2B5EF4-FFF2-40B4-BE49-F238E27FC236}">
-                <a16:creationId xmlns="" xmlns:a16="http://schemas.microsoft.com/office/drawing/2014/main" id="{52E6FF4D-5F02-4BB2-991A-15AE90A53175}"/>
+                <a16:creationId xmlns:a16="http://schemas.microsoft.com/office/drawing/2014/main" xmlns="" id="{52E6FF4D-5F02-4BB2-991A-15AE90A53175}"/>
               </a:ext>
             </a:extLst>
           </p:cNvPr>
@@ -11748,7 +11780,7 @@
           <p:cNvPr id="26" name="TextBox 25">
             <a:extLst>
               <a:ext uri="{FF2B5EF4-FFF2-40B4-BE49-F238E27FC236}">
-                <a16:creationId xmlns="" xmlns:a16="http://schemas.microsoft.com/office/drawing/2014/main" id="{3F9F4810-2C61-420D-A71F-A7C60710B2A3}"/>
+                <a16:creationId xmlns:a16="http://schemas.microsoft.com/office/drawing/2014/main" xmlns="" id="{3F9F4810-2C61-420D-A71F-A7C60710B2A3}"/>
               </a:ext>
             </a:extLst>
           </p:cNvPr>
@@ -12103,7 +12135,7 @@
           <p:cNvPr id="5" name="Picture 4">
             <a:extLst>
               <a:ext uri="{FF2B5EF4-FFF2-40B4-BE49-F238E27FC236}">
-                <a16:creationId xmlns="" xmlns:a16="http://schemas.microsoft.com/office/drawing/2014/main" id="{466E860B-5191-495A-B557-32E8D990397D}"/>
+                <a16:creationId xmlns:a16="http://schemas.microsoft.com/office/drawing/2014/main" xmlns="" id="{466E860B-5191-495A-B557-32E8D990397D}"/>
               </a:ext>
             </a:extLst>
           </p:cNvPr>
@@ -12133,7 +12165,7 @@
           <p:cNvPr id="6" name="Picture 5">
             <a:extLst>
               <a:ext uri="{FF2B5EF4-FFF2-40B4-BE49-F238E27FC236}">
-                <a16:creationId xmlns="" xmlns:a16="http://schemas.microsoft.com/office/drawing/2014/main" id="{493E9479-4A52-434E-A4F9-589070881089}"/>
+                <a16:creationId xmlns:a16="http://schemas.microsoft.com/office/drawing/2014/main" xmlns="" id="{493E9479-4A52-434E-A4F9-589070881089}"/>
               </a:ext>
             </a:extLst>
           </p:cNvPr>
@@ -12434,7 +12466,7 @@
   <a:extraClrSchemeLst/>
   <a:extLst>
     <a:ext uri="{05A4C25C-085E-4340-85A3-A5531E510DB2}">
-      <thm15:themeFamily xmlns:thm15="http://schemas.microsoft.com/office/thememl/2012/main" xmlns="" name="Office Theme" id="{62F939B6-93AF-4DB8-9C6B-D6C7DFDC589F}" vid="{4A3C46E8-61CC-4603-A589-7422A47A8E4A}"/>
+      <thm15:themeFamily xmlns="" xmlns:thm15="http://schemas.microsoft.com/office/thememl/2012/main" name="Office Theme" id="{62F939B6-93AF-4DB8-9C6B-D6C7DFDC589F}" vid="{4A3C46E8-61CC-4603-A589-7422A47A8E4A}"/>
     </a:ext>
   </a:extLst>
 </a:theme>
@@ -12695,7 +12727,7 @@
   <a:extraClrSchemeLst/>
   <a:extLst>
     <a:ext uri="{05A4C25C-085E-4340-85A3-A5531E510DB2}">
-      <thm15:themeFamily xmlns:thm15="http://schemas.microsoft.com/office/thememl/2012/main" xmlns="" name="Office Theme" id="{62F939B6-93AF-4DB8-9C6B-D6C7DFDC589F}" vid="{4A3C46E8-61CC-4603-A589-7422A47A8E4A}"/>
+      <thm15:themeFamily xmlns="" xmlns:thm15="http://schemas.microsoft.com/office/thememl/2012/main" name="Office Theme" id="{62F939B6-93AF-4DB8-9C6B-D6C7DFDC589F}" vid="{4A3C46E8-61CC-4603-A589-7422A47A8E4A}"/>
     </a:ext>
   </a:extLst>
 </a:theme>

--- a/Doing_Data_Science/CaseStudy2/Reports/MSDSPresentation.pptx
+++ b/Doing_Data_Science/CaseStudy2/Reports/MSDSPresentation.pptx
@@ -5,7 +5,7 @@
     <p:sldMasterId id="2147483660" r:id="rId1"/>
   </p:sldMasterIdLst>
   <p:notesMasterIdLst>
-    <p:notesMasterId r:id="rId44"/>
+    <p:notesMasterId r:id="rId42"/>
   </p:notesMasterIdLst>
   <p:sldIdLst>
     <p:sldId id="256" r:id="rId2"/>
@@ -35,21 +35,19 @@
     <p:sldId id="307" r:id="rId26"/>
     <p:sldId id="308" r:id="rId27"/>
     <p:sldId id="262" r:id="rId28"/>
-    <p:sldId id="309" r:id="rId29"/>
-    <p:sldId id="290" r:id="rId30"/>
-    <p:sldId id="310" r:id="rId31"/>
-    <p:sldId id="293" r:id="rId32"/>
-    <p:sldId id="300" r:id="rId33"/>
-    <p:sldId id="263" r:id="rId34"/>
-    <p:sldId id="301" r:id="rId35"/>
-    <p:sldId id="264" r:id="rId36"/>
-    <p:sldId id="266" r:id="rId37"/>
-    <p:sldId id="275" r:id="rId38"/>
-    <p:sldId id="295" r:id="rId39"/>
-    <p:sldId id="296" r:id="rId40"/>
-    <p:sldId id="297" r:id="rId41"/>
-    <p:sldId id="286" r:id="rId42"/>
-    <p:sldId id="298" r:id="rId43"/>
+    <p:sldId id="290" r:id="rId29"/>
+    <p:sldId id="310" r:id="rId30"/>
+    <p:sldId id="300" r:id="rId31"/>
+    <p:sldId id="263" r:id="rId32"/>
+    <p:sldId id="301" r:id="rId33"/>
+    <p:sldId id="264" r:id="rId34"/>
+    <p:sldId id="266" r:id="rId35"/>
+    <p:sldId id="275" r:id="rId36"/>
+    <p:sldId id="295" r:id="rId37"/>
+    <p:sldId id="296" r:id="rId38"/>
+    <p:sldId id="297" r:id="rId39"/>
+    <p:sldId id="286" r:id="rId40"/>
+    <p:sldId id="298" r:id="rId41"/>
   </p:sldIdLst>
   <p:sldSz cx="9144000" cy="6858000" type="screen4x3"/>
   <p:notesSz cx="6858000" cy="9144000"/>
@@ -5404,6 +5402,13 @@
       <p:transition advClick="0" advTm="15000"/>
     </mc:Fallback>
   </mc:AlternateContent>
+  <p:timing>
+    <p:tnLst>
+      <p:par>
+        <p:cTn id="1" dur="indefinite" restart="never" nodeType="tmRoot"/>
+      </p:par>
+    </p:tnLst>
+  </p:timing>
 </p:sld>
 </file>
 
@@ -5667,6 +5672,13 @@
       <p:transition advClick="0" advTm="15000"/>
     </mc:Fallback>
   </mc:AlternateContent>
+  <p:timing>
+    <p:tnLst>
+      <p:par>
+        <p:cTn id="1" dur="indefinite" restart="never" nodeType="tmRoot"/>
+      </p:par>
+    </p:tnLst>
+  </p:timing>
 </p:sld>
 </file>
 
@@ -5786,6 +5798,13 @@
       <p:transition advClick="0" advTm="15000"/>
     </mc:Fallback>
   </mc:AlternateContent>
+  <p:timing>
+    <p:tnLst>
+      <p:par>
+        <p:cTn id="1" dur="indefinite" restart="never" nodeType="tmRoot"/>
+      </p:par>
+    </p:tnLst>
+  </p:timing>
 </p:sld>
 </file>
 
@@ -5917,6 +5936,13 @@
       <p:transition advClick="0" advTm="15000"/>
     </mc:Fallback>
   </mc:AlternateContent>
+  <p:timing>
+    <p:tnLst>
+      <p:par>
+        <p:cTn id="1" dur="indefinite" restart="never" nodeType="tmRoot"/>
+      </p:par>
+    </p:tnLst>
+  </p:timing>
 </p:sld>
 </file>
 
@@ -6056,6 +6082,13 @@
       <p:transition advClick="0" advTm="15000"/>
     </mc:Fallback>
   </mc:AlternateContent>
+  <p:timing>
+    <p:tnLst>
+      <p:par>
+        <p:cTn id="1" dur="indefinite" restart="never" nodeType="tmRoot"/>
+      </p:par>
+    </p:tnLst>
+  </p:timing>
 </p:sld>
 </file>
 
@@ -6121,8 +6154,13 @@
             <a:pPr lvl="1"/>
             <a:r>
               <a:rPr lang="en-US" dirty="0"/>
-              <a:t>Tell me the percentages and why</a:t>
-            </a:r>
+              <a:t>Tell me the percentages and </a:t>
+            </a:r>
+            <a:r>
+              <a:rPr lang="en-US" dirty="0" smtClean="0"/>
+              <a:t>why </a:t>
+            </a:r>
+            <a:endParaRPr lang="en-US" dirty="0"/>
           </a:p>
           <a:p>
             <a:pPr lvl="1"/>
@@ -6242,12 +6280,18 @@
         </p:nvSpPr>
         <p:spPr/>
         <p:txBody>
-          <a:bodyPr/>
+          <a:bodyPr>
+            <a:normAutofit fontScale="90000"/>
+          </a:bodyPr>
           <a:lstStyle/>
           <a:p>
             <a:r>
               <a:rPr lang="en-US" dirty="0" smtClean="0"/>
-              <a:t>Evaluation : Percentages and why</a:t>
+              <a:t>Evaluation : Percentages and </a:t>
+            </a:r>
+            <a:r>
+              <a:rPr lang="en-US" dirty="0" smtClean="0"/>
+              <a:t>why – Need to add fit equation For Full Model</a:t>
             </a:r>
             <a:endParaRPr lang="en-US" dirty="0"/>
           </a:p>
@@ -6503,8 +6547,13 @@
           <a:p>
             <a:r>
               <a:rPr lang="en-US" dirty="0"/>
-              <a:t>Forward Selection</a:t>
-            </a:r>
+              <a:t>Forward </a:t>
+            </a:r>
+            <a:r>
+              <a:rPr lang="en-US" dirty="0" smtClean="0"/>
+              <a:t>Selection – Fit equation for Forward Model</a:t>
+            </a:r>
+            <a:endParaRPr lang="en-US" dirty="0"/>
           </a:p>
         </p:txBody>
       </p:sp>
@@ -6842,208 +6891,6 @@
       </p:grpSpPr>
       <p:sp>
         <p:nvSpPr>
-          <p:cNvPr id="2" name="Title 1"/>
-          <p:cNvSpPr>
-            <a:spLocks noGrp="1"/>
-          </p:cNvSpPr>
-          <p:nvPr>
-            <p:ph type="title"/>
-          </p:nvPr>
-        </p:nvSpPr>
-        <p:spPr/>
-        <p:txBody>
-          <a:bodyPr/>
-          <a:lstStyle/>
-          <a:p>
-            <a:r>
-              <a:rPr lang="en-US" dirty="0" smtClean="0"/>
-              <a:t>Forward Selection w/o Job Level</a:t>
-            </a:r>
-            <a:endParaRPr lang="en-US" dirty="0"/>
-          </a:p>
-        </p:txBody>
-      </p:sp>
-      <p:sp>
-        <p:nvSpPr>
-          <p:cNvPr id="4" name="Slide Number Placeholder 3"/>
-          <p:cNvSpPr>
-            <a:spLocks noGrp="1"/>
-          </p:cNvSpPr>
-          <p:nvPr>
-            <p:ph type="sldNum" sz="quarter" idx="12"/>
-          </p:nvPr>
-        </p:nvSpPr>
-        <p:spPr/>
-        <p:txBody>
-          <a:bodyPr/>
-          <a:lstStyle/>
-          <a:p>
-            <a:fld id="{38327683-8978-6B4B-9130-4A6A841F0549}" type="slidenum">
-              <a:rPr lang="en-US" smtClean="0"/>
-              <a:pPr/>
-              <a:t>28</a:t>
-            </a:fld>
-            <a:endParaRPr lang="en-US" dirty="0"/>
-          </a:p>
-        </p:txBody>
-      </p:sp>
-      <p:pic>
-        <p:nvPicPr>
-          <p:cNvPr id="3074" name="Picture 2"/>
-          <p:cNvPicPr>
-            <a:picLocks noGrp="1" noChangeAspect="1" noChangeArrowheads="1"/>
-          </p:cNvPicPr>
-          <p:nvPr>
-            <p:ph idx="1"/>
-          </p:nvPr>
-        </p:nvPicPr>
-        <p:blipFill>
-          <a:blip r:embed="rId2">
-            <a:extLst>
-              <a:ext uri="{28A0092B-C50C-407E-A947-70E740481C1C}">
-                <a14:useLocalDpi xmlns:a14="http://schemas.microsoft.com/office/drawing/2010/main" val="0"/>
-              </a:ext>
-            </a:extLst>
-          </a:blip>
-          <a:srcRect/>
-          <a:stretch>
-            <a:fillRect/>
-          </a:stretch>
-        </p:blipFill>
-        <p:spPr bwMode="auto">
-          <a:xfrm>
-            <a:off x="1295493" y="1825625"/>
-            <a:ext cx="2382665" cy="4351338"/>
-          </a:xfrm>
-          <a:prstGeom prst="rect">
-            <a:avLst/>
-          </a:prstGeom>
-          <a:noFill/>
-          <a:ln>
-            <a:noFill/>
-          </a:ln>
-          <a:extLst>
-            <a:ext uri="{909E8E84-426E-40DD-AFC4-6F175D3DCCD1}">
-              <a14:hiddenFill xmlns:a14="http://schemas.microsoft.com/office/drawing/2010/main">
-                <a:solidFill>
-                  <a:schemeClr val="accent1"/>
-                </a:solidFill>
-              </a14:hiddenFill>
-            </a:ext>
-            <a:ext uri="{91240B29-F687-4F45-9708-019B960494DF}">
-              <a14:hiddenLine xmlns:a14="http://schemas.microsoft.com/office/drawing/2010/main" w="9525">
-                <a:solidFill>
-                  <a:schemeClr val="tx1"/>
-                </a:solidFill>
-                <a:miter lim="800000"/>
-                <a:headEnd/>
-                <a:tailEnd/>
-              </a14:hiddenLine>
-            </a:ext>
-          </a:extLst>
-        </p:spPr>
-      </p:pic>
-      <p:pic>
-        <p:nvPicPr>
-          <p:cNvPr id="3075" name="Picture 3"/>
-          <p:cNvPicPr>
-            <a:picLocks noChangeAspect="1" noChangeArrowheads="1"/>
-          </p:cNvPicPr>
-          <p:nvPr/>
-        </p:nvPicPr>
-        <p:blipFill>
-          <a:blip r:embed="rId3">
-            <a:extLst>
-              <a:ext uri="{28A0092B-C50C-407E-A947-70E740481C1C}">
-                <a14:useLocalDpi xmlns:a14="http://schemas.microsoft.com/office/drawing/2010/main" val="0"/>
-              </a:ext>
-            </a:extLst>
-          </a:blip>
-          <a:srcRect/>
-          <a:stretch>
-            <a:fillRect/>
-          </a:stretch>
-        </p:blipFill>
-        <p:spPr bwMode="auto">
-          <a:xfrm>
-            <a:off x="4332719" y="1825625"/>
-            <a:ext cx="3137776" cy="4411076"/>
-          </a:xfrm>
-          <a:prstGeom prst="rect">
-            <a:avLst/>
-          </a:prstGeom>
-          <a:noFill/>
-          <a:ln>
-            <a:noFill/>
-          </a:ln>
-          <a:extLst>
-            <a:ext uri="{909E8E84-426E-40DD-AFC4-6F175D3DCCD1}">
-              <a14:hiddenFill xmlns:a14="http://schemas.microsoft.com/office/drawing/2010/main">
-                <a:solidFill>
-                  <a:schemeClr val="accent1"/>
-                </a:solidFill>
-              </a14:hiddenFill>
-            </a:ext>
-            <a:ext uri="{91240B29-F687-4F45-9708-019B960494DF}">
-              <a14:hiddenLine xmlns:a14="http://schemas.microsoft.com/office/drawing/2010/main" w="9525">
-                <a:solidFill>
-                  <a:schemeClr val="tx1"/>
-                </a:solidFill>
-                <a:miter lim="800000"/>
-                <a:headEnd/>
-                <a:tailEnd/>
-              </a14:hiddenLine>
-            </a:ext>
-          </a:extLst>
-        </p:spPr>
-      </p:pic>
-    </p:spTree>
-    <p:extLst>
-      <p:ext uri="{BB962C8B-B14F-4D97-AF65-F5344CB8AC3E}">
-        <p14:creationId xmlns:p14="http://schemas.microsoft.com/office/powerpoint/2010/main" val="462370376"/>
-      </p:ext>
-    </p:extLst>
-  </p:cSld>
-  <p:clrMapOvr>
-    <a:masterClrMapping/>
-  </p:clrMapOvr>
-  <mc:AlternateContent xmlns:mc="http://schemas.openxmlformats.org/markup-compatibility/2006" xmlns:p14="http://schemas.microsoft.com/office/powerpoint/2010/main">
-    <mc:Choice Requires="p14">
-      <p:transition p14:dur="0" advClick="0" advTm="15000"/>
-    </mc:Choice>
-    <mc:Fallback xmlns="">
-      <p:transition advClick="0" advTm="15000"/>
-    </mc:Fallback>
-  </mc:AlternateContent>
-  <p:timing>
-    <p:tnLst>
-      <p:par>
-        <p:cTn id="1" dur="indefinite" restart="never" nodeType="tmRoot"/>
-      </p:par>
-    </p:tnLst>
-  </p:timing>
-</p:sld>
-</file>
-
-<file path=ppt/slides/slide29.xml><?xml version="1.0" encoding="utf-8"?>
-<p:sld xmlns:a="http://schemas.openxmlformats.org/drawingml/2006/main" xmlns:r="http://schemas.openxmlformats.org/officeDocument/2006/relationships" xmlns:p="http://schemas.openxmlformats.org/presentationml/2006/main">
-  <p:cSld>
-    <p:spTree>
-      <p:nvGrpSpPr>
-        <p:cNvPr id="1" name=""/>
-        <p:cNvGrpSpPr/>
-        <p:nvPr/>
-      </p:nvGrpSpPr>
-      <p:grpSpPr>
-        <a:xfrm>
-          <a:off x="0" y="0"/>
-          <a:ext cx="0" cy="0"/>
-          <a:chOff x="0" y="0"/>
-          <a:chExt cx="0" cy="0"/>
-        </a:xfrm>
-      </p:grpSpPr>
-      <p:sp>
-        <p:nvSpPr>
           <p:cNvPr id="2" name="Title 1">
             <a:extLst>
               <a:ext uri="{FF2B5EF4-FFF2-40B4-BE49-F238E27FC236}">
@@ -7109,7 +6956,7 @@
             <a:fld id="{38327683-8978-6B4B-9130-4A6A841F0549}" type="slidenum">
               <a:rPr lang="en-US" smtClean="0"/>
               <a:pPr/>
-              <a:t>29</a:t>
+              <a:t>28</a:t>
             </a:fld>
             <a:endParaRPr lang="en-US" dirty="0"/>
           </a:p>
@@ -7197,7 +7044,7 @@
 </p:sld>
 </file>
 
-<file path=ppt/slides/slide3.xml><?xml version="1.0" encoding="utf-8"?>
+<file path=ppt/slides/slide29.xml><?xml version="1.0" encoding="utf-8"?>
 <p:sld xmlns:a="http://schemas.openxmlformats.org/drawingml/2006/main" xmlns:r="http://schemas.openxmlformats.org/officeDocument/2006/relationships" xmlns:p="http://schemas.openxmlformats.org/presentationml/2006/main">
   <p:cSld>
     <p:spTree>
@@ -7231,123 +7078,6 @@
           <a:p>
             <a:r>
               <a:rPr lang="en-US" dirty="0" smtClean="0"/>
-              <a:t>Business Objectives</a:t>
-            </a:r>
-            <a:endParaRPr lang="en-US" dirty="0"/>
-          </a:p>
-        </p:txBody>
-      </p:sp>
-      <p:sp>
-        <p:nvSpPr>
-          <p:cNvPr id="3" name="Content Placeholder 2"/>
-          <p:cNvSpPr>
-            <a:spLocks noGrp="1"/>
-          </p:cNvSpPr>
-          <p:nvPr>
-            <p:ph idx="1"/>
-          </p:nvPr>
-        </p:nvSpPr>
-        <p:spPr/>
-        <p:txBody>
-          <a:bodyPr/>
-          <a:lstStyle/>
-          <a:p>
-            <a:r>
-              <a:rPr lang="en-US" dirty="0"/>
-              <a:t>The purpose of this analysis is to try to </a:t>
-            </a:r>
-            <a:r>
-              <a:rPr lang="en-US" dirty="0" err="1"/>
-              <a:t>dilucidate</a:t>
-            </a:r>
-            <a:r>
-              <a:rPr lang="en-US" dirty="0"/>
-              <a:t> what are the most important factors that contribute to attrition, amongst the many factors affect an employee’s environment and satisfaction. Once these factors are determined, a company can take actions to control them.</a:t>
-            </a:r>
-          </a:p>
-          <a:p>
-            <a:endParaRPr lang="en-US" dirty="0"/>
-          </a:p>
-        </p:txBody>
-      </p:sp>
-      <p:sp>
-        <p:nvSpPr>
-          <p:cNvPr id="4" name="Slide Number Placeholder 3"/>
-          <p:cNvSpPr>
-            <a:spLocks noGrp="1"/>
-          </p:cNvSpPr>
-          <p:nvPr>
-            <p:ph type="sldNum" sz="quarter" idx="12"/>
-          </p:nvPr>
-        </p:nvSpPr>
-        <p:spPr/>
-        <p:txBody>
-          <a:bodyPr/>
-          <a:lstStyle/>
-          <a:p>
-            <a:fld id="{38327683-8978-6B4B-9130-4A6A841F0549}" type="slidenum">
-              <a:rPr lang="en-US" smtClean="0"/>
-              <a:t>3</a:t>
-            </a:fld>
-            <a:endParaRPr lang="en-US" dirty="0"/>
-          </a:p>
-        </p:txBody>
-      </p:sp>
-    </p:spTree>
-    <p:extLst>
-      <p:ext uri="{BB962C8B-B14F-4D97-AF65-F5344CB8AC3E}">
-        <p14:creationId xmlns:p14="http://schemas.microsoft.com/office/powerpoint/2010/main" val="1881417302"/>
-      </p:ext>
-    </p:extLst>
-  </p:cSld>
-  <p:clrMapOvr>
-    <a:masterClrMapping/>
-  </p:clrMapOvr>
-  <mc:AlternateContent xmlns:mc="http://schemas.openxmlformats.org/markup-compatibility/2006" xmlns:p14="http://schemas.microsoft.com/office/powerpoint/2010/main">
-    <mc:Choice Requires="p14">
-      <p:transition p14:dur="0" advClick="0" advTm="15000"/>
-    </mc:Choice>
-    <mc:Fallback xmlns="">
-      <p:transition advClick="0" advTm="15000"/>
-    </mc:Fallback>
-  </mc:AlternateContent>
-</p:sld>
-</file>
-
-<file path=ppt/slides/slide30.xml><?xml version="1.0" encoding="utf-8"?>
-<p:sld xmlns:a="http://schemas.openxmlformats.org/drawingml/2006/main" xmlns:r="http://schemas.openxmlformats.org/officeDocument/2006/relationships" xmlns:p="http://schemas.openxmlformats.org/presentationml/2006/main">
-  <p:cSld>
-    <p:spTree>
-      <p:nvGrpSpPr>
-        <p:cNvPr id="1" name=""/>
-        <p:cNvGrpSpPr/>
-        <p:nvPr/>
-      </p:nvGrpSpPr>
-      <p:grpSpPr>
-        <a:xfrm>
-          <a:off x="0" y="0"/>
-          <a:ext cx="0" cy="0"/>
-          <a:chOff x="0" y="0"/>
-          <a:chExt cx="0" cy="0"/>
-        </a:xfrm>
-      </p:grpSpPr>
-      <p:sp>
-        <p:nvSpPr>
-          <p:cNvPr id="2" name="Title 1"/>
-          <p:cNvSpPr>
-            <a:spLocks noGrp="1"/>
-          </p:cNvSpPr>
-          <p:nvPr>
-            <p:ph type="title"/>
-          </p:nvPr>
-        </p:nvSpPr>
-        <p:spPr/>
-        <p:txBody>
-          <a:bodyPr/>
-          <a:lstStyle/>
-          <a:p>
-            <a:r>
-              <a:rPr lang="en-US" dirty="0" smtClean="0"/>
               <a:t>VIF for Forward model w/o Job Level and ROC Curve</a:t>
             </a:r>
             <a:endParaRPr lang="en-US" dirty="0"/>
@@ -7372,7 +7102,7 @@
             <a:fld id="{38327683-8978-6B4B-9130-4A6A841F0549}" type="slidenum">
               <a:rPr lang="en-US" smtClean="0"/>
               <a:pPr/>
-              <a:t>30</a:t>
+              <a:t>29</a:t>
             </a:fld>
             <a:endParaRPr lang="en-US" dirty="0"/>
           </a:p>
@@ -7506,10 +7236,17 @@
       <p:transition advClick="0" advTm="15000"/>
     </mc:Fallback>
   </mc:AlternateContent>
+  <p:timing>
+    <p:tnLst>
+      <p:par>
+        <p:cTn id="1" dur="indefinite" restart="never" nodeType="tmRoot"/>
+      </p:par>
+    </p:tnLst>
+  </p:timing>
 </p:sld>
 </file>
 
-<file path=ppt/slides/slide31.xml><?xml version="1.0" encoding="utf-8"?>
+<file path=ppt/slides/slide3.xml><?xml version="1.0" encoding="utf-8"?>
 <p:sld xmlns:a="http://schemas.openxmlformats.org/drawingml/2006/main" xmlns:r="http://schemas.openxmlformats.org/officeDocument/2006/relationships" xmlns:p="http://schemas.openxmlformats.org/presentationml/2006/main">
   <p:cSld>
     <p:spTree>
@@ -7528,13 +7265,7 @@
       </p:grpSpPr>
       <p:sp>
         <p:nvSpPr>
-          <p:cNvPr id="2" name="Title 1">
-            <a:extLst>
-              <a:ext uri="{FF2B5EF4-FFF2-40B4-BE49-F238E27FC236}">
-                <a16:creationId xmlns:a16="http://schemas.microsoft.com/office/drawing/2014/main" xmlns="" id="{C5D36AD1-E9E4-4A0A-BEED-BB08C79C099A}"/>
-              </a:ext>
-            </a:extLst>
-          </p:cNvPr>
+          <p:cNvPr id="2" name="Title 1"/>
           <p:cNvSpPr>
             <a:spLocks noGrp="1"/>
           </p:cNvSpPr>
@@ -7548,21 +7279,49 @@
           <a:lstStyle/>
           <a:p>
             <a:r>
+              <a:rPr lang="en-US" dirty="0" smtClean="0"/>
+              <a:t>Business Objectives</a:t>
+            </a:r>
+            <a:endParaRPr lang="en-US" dirty="0"/>
+          </a:p>
+        </p:txBody>
+      </p:sp>
+      <p:sp>
+        <p:nvSpPr>
+          <p:cNvPr id="3" name="Content Placeholder 2"/>
+          <p:cNvSpPr>
+            <a:spLocks noGrp="1"/>
+          </p:cNvSpPr>
+          <p:nvPr>
+            <p:ph idx="1"/>
+          </p:nvPr>
+        </p:nvSpPr>
+        <p:spPr/>
+        <p:txBody>
+          <a:bodyPr/>
+          <a:lstStyle/>
+          <a:p>
+            <a:r>
               <a:rPr lang="en-US" dirty="0"/>
-              <a:t>Stepwise selection</a:t>
-            </a:r>
-          </a:p>
-        </p:txBody>
-      </p:sp>
-      <p:sp>
-        <p:nvSpPr>
-          <p:cNvPr id="4" name="Slide Number Placeholder 3">
-            <a:extLst>
-              <a:ext uri="{FF2B5EF4-FFF2-40B4-BE49-F238E27FC236}">
-                <a16:creationId xmlns:a16="http://schemas.microsoft.com/office/drawing/2014/main" xmlns="" id="{F1DF75B2-4C0D-48AA-B72F-65242DD5ACEB}"/>
-              </a:ext>
-            </a:extLst>
-          </p:cNvPr>
+              <a:t>The purpose of this analysis is to try to </a:t>
+            </a:r>
+            <a:r>
+              <a:rPr lang="en-US" dirty="0" err="1"/>
+              <a:t>dilucidate</a:t>
+            </a:r>
+            <a:r>
+              <a:rPr lang="en-US" dirty="0"/>
+              <a:t> what are the most important factors that contribute to attrition, amongst the many factors affect an employee’s environment and satisfaction. Once these factors are determined, a company can take actions to control them.</a:t>
+            </a:r>
+          </a:p>
+          <a:p>
+            <a:endParaRPr lang="en-US" dirty="0"/>
+          </a:p>
+        </p:txBody>
+      </p:sp>
+      <p:sp>
+        <p:nvSpPr>
+          <p:cNvPr id="4" name="Slide Number Placeholder 3"/>
           <p:cNvSpPr>
             <a:spLocks noGrp="1"/>
           </p:cNvSpPr>
@@ -7577,281 +7336,16 @@
           <a:p>
             <a:fld id="{38327683-8978-6B4B-9130-4A6A841F0549}" type="slidenum">
               <a:rPr lang="en-US" smtClean="0"/>
-              <a:pPr/>
-              <a:t>31</a:t>
+              <a:t>3</a:t>
             </a:fld>
             <a:endParaRPr lang="en-US" dirty="0"/>
           </a:p>
         </p:txBody>
       </p:sp>
-      <p:sp>
-        <p:nvSpPr>
-          <p:cNvPr id="8" name="Arrow: Right 7">
-            <a:extLst>
-              <a:ext uri="{FF2B5EF4-FFF2-40B4-BE49-F238E27FC236}">
-                <a16:creationId xmlns:a16="http://schemas.microsoft.com/office/drawing/2014/main" xmlns="" id="{9769F50E-E2F8-4285-AE95-E9284F1EB50D}"/>
-              </a:ext>
-            </a:extLst>
-          </p:cNvPr>
-          <p:cNvSpPr/>
-          <p:nvPr/>
-        </p:nvSpPr>
-        <p:spPr>
-          <a:xfrm rot="10800000">
-            <a:off x="4275952" y="3032208"/>
-            <a:ext cx="459360" cy="187641"/>
-          </a:xfrm>
-          <a:prstGeom prst="rightArrow">
-            <a:avLst>
-              <a:gd name="adj1" fmla="val 50000"/>
-              <a:gd name="adj2" fmla="val 55062"/>
-            </a:avLst>
-          </a:prstGeom>
-        </p:spPr>
-        <p:style>
-          <a:lnRef idx="2">
-            <a:schemeClr val="accent1">
-              <a:shade val="50000"/>
-            </a:schemeClr>
-          </a:lnRef>
-          <a:fillRef idx="1">
-            <a:schemeClr val="accent1"/>
-          </a:fillRef>
-          <a:effectRef idx="0">
-            <a:schemeClr val="accent1"/>
-          </a:effectRef>
-          <a:fontRef idx="minor">
-            <a:schemeClr val="lt1"/>
-          </a:fontRef>
-        </p:style>
-        <p:txBody>
-          <a:bodyPr rtlCol="0" anchor="ctr"/>
-          <a:lstStyle/>
-          <a:p>
-            <a:pPr algn="ctr"/>
-            <a:endParaRPr lang="en-US"/>
-          </a:p>
-        </p:txBody>
-      </p:sp>
-      <p:sp>
-        <p:nvSpPr>
-          <p:cNvPr id="9" name="Arrow: Right 8">
-            <a:extLst>
-              <a:ext uri="{FF2B5EF4-FFF2-40B4-BE49-F238E27FC236}">
-                <a16:creationId xmlns:a16="http://schemas.microsoft.com/office/drawing/2014/main" xmlns="" id="{CB970237-4D33-465D-A024-2CF3C85AEBF7}"/>
-              </a:ext>
-            </a:extLst>
-          </p:cNvPr>
-          <p:cNvSpPr/>
-          <p:nvPr/>
-        </p:nvSpPr>
-        <p:spPr>
-          <a:xfrm rot="10800000">
-            <a:off x="4275952" y="3308592"/>
-            <a:ext cx="459360" cy="187641"/>
-          </a:xfrm>
-          <a:prstGeom prst="rightArrow">
-            <a:avLst>
-              <a:gd name="adj1" fmla="val 50000"/>
-              <a:gd name="adj2" fmla="val 55062"/>
-            </a:avLst>
-          </a:prstGeom>
-        </p:spPr>
-        <p:style>
-          <a:lnRef idx="2">
-            <a:schemeClr val="accent1">
-              <a:shade val="50000"/>
-            </a:schemeClr>
-          </a:lnRef>
-          <a:fillRef idx="1">
-            <a:schemeClr val="accent1"/>
-          </a:fillRef>
-          <a:effectRef idx="0">
-            <a:schemeClr val="accent1"/>
-          </a:effectRef>
-          <a:fontRef idx="minor">
-            <a:schemeClr val="lt1"/>
-          </a:fontRef>
-        </p:style>
-        <p:txBody>
-          <a:bodyPr rtlCol="0" anchor="ctr"/>
-          <a:lstStyle/>
-          <a:p>
-            <a:pPr algn="ctr"/>
-            <a:endParaRPr lang="en-US"/>
-          </a:p>
-        </p:txBody>
-      </p:sp>
-      <p:sp>
-        <p:nvSpPr>
-          <p:cNvPr id="10" name="Rectangle 9">
-            <a:extLst>
-              <a:ext uri="{FF2B5EF4-FFF2-40B4-BE49-F238E27FC236}">
-                <a16:creationId xmlns:a16="http://schemas.microsoft.com/office/drawing/2014/main" xmlns="" id="{94652B0C-33C2-4A34-BEA4-D81DF5671040}"/>
-              </a:ext>
-            </a:extLst>
-          </p:cNvPr>
-          <p:cNvSpPr/>
-          <p:nvPr/>
-        </p:nvSpPr>
-        <p:spPr>
-          <a:xfrm>
-            <a:off x="5133741" y="2940748"/>
-            <a:ext cx="2515681" cy="923330"/>
-          </a:xfrm>
-          <a:prstGeom prst="rect">
-            <a:avLst/>
-          </a:prstGeom>
-        </p:spPr>
-        <p:txBody>
-          <a:bodyPr wrap="square">
-            <a:spAutoFit/>
-          </a:bodyPr>
-          <a:lstStyle/>
-          <a:p>
-            <a:r>
-              <a:rPr lang="en-US" dirty="0"/>
-              <a:t>Removing </a:t>
-            </a:r>
-            <a:r>
-              <a:rPr lang="en-US" dirty="0" err="1"/>
-              <a:t>JobLevel</a:t>
-            </a:r>
-            <a:r>
-              <a:rPr lang="en-US" dirty="0"/>
-              <a:t> since </a:t>
-            </a:r>
-            <a:r>
-              <a:rPr lang="en-US" dirty="0" err="1"/>
-              <a:t>JobRole</a:t>
-            </a:r>
-            <a:r>
-              <a:rPr lang="en-US" dirty="0"/>
-              <a:t> and </a:t>
-            </a:r>
-            <a:r>
-              <a:rPr lang="en-US" dirty="0" err="1"/>
-              <a:t>JobLevel</a:t>
-            </a:r>
-            <a:r>
-              <a:rPr lang="en-US" dirty="0"/>
-              <a:t> are highly correlated</a:t>
-            </a:r>
-          </a:p>
-        </p:txBody>
-      </p:sp>
-      <p:pic>
-        <p:nvPicPr>
-          <p:cNvPr id="5122" name="Picture 2"/>
-          <p:cNvPicPr>
-            <a:picLocks noChangeAspect="1" noChangeArrowheads="1"/>
-          </p:cNvPicPr>
-          <p:nvPr/>
-        </p:nvPicPr>
-        <p:blipFill>
-          <a:blip r:embed="rId2">
-            <a:extLst>
-              <a:ext uri="{28A0092B-C50C-407E-A947-70E740481C1C}">
-                <a14:useLocalDpi xmlns:a14="http://schemas.microsoft.com/office/drawing/2010/main" val="0"/>
-              </a:ext>
-            </a:extLst>
-          </a:blip>
-          <a:srcRect/>
-          <a:stretch>
-            <a:fillRect/>
-          </a:stretch>
-        </p:blipFill>
-        <p:spPr bwMode="auto">
-          <a:xfrm>
-            <a:off x="1433513" y="1403024"/>
-            <a:ext cx="6276975" cy="1009650"/>
-          </a:xfrm>
-          <a:prstGeom prst="rect">
-            <a:avLst/>
-          </a:prstGeom>
-          <a:noFill/>
-          <a:ln>
-            <a:noFill/>
-          </a:ln>
-          <a:extLst>
-            <a:ext uri="{909E8E84-426E-40DD-AFC4-6F175D3DCCD1}">
-              <a14:hiddenFill xmlns:a14="http://schemas.microsoft.com/office/drawing/2010/main">
-                <a:solidFill>
-                  <a:schemeClr val="accent1"/>
-                </a:solidFill>
-              </a14:hiddenFill>
-            </a:ext>
-            <a:ext uri="{91240B29-F687-4F45-9708-019B960494DF}">
-              <a14:hiddenLine xmlns:a14="http://schemas.microsoft.com/office/drawing/2010/main" w="9525">
-                <a:solidFill>
-                  <a:schemeClr val="tx1"/>
-                </a:solidFill>
-                <a:miter lim="800000"/>
-                <a:headEnd/>
-                <a:tailEnd/>
-              </a14:hiddenLine>
-            </a:ext>
-          </a:extLst>
-        </p:spPr>
-      </p:pic>
-      <p:pic>
-        <p:nvPicPr>
-          <p:cNvPr id="5123" name="Picture 3"/>
-          <p:cNvPicPr>
-            <a:picLocks noChangeAspect="1" noChangeArrowheads="1"/>
-          </p:cNvPicPr>
-          <p:nvPr/>
-        </p:nvPicPr>
-        <p:blipFill>
-          <a:blip r:embed="rId3">
-            <a:extLst>
-              <a:ext uri="{28A0092B-C50C-407E-A947-70E740481C1C}">
-                <a14:useLocalDpi xmlns:a14="http://schemas.microsoft.com/office/drawing/2010/main" val="0"/>
-              </a:ext>
-            </a:extLst>
-          </a:blip>
-          <a:srcRect/>
-          <a:stretch>
-            <a:fillRect/>
-          </a:stretch>
-        </p:blipFill>
-        <p:spPr bwMode="auto">
-          <a:xfrm>
-            <a:off x="825694" y="2565401"/>
-            <a:ext cx="3305175" cy="3790950"/>
-          </a:xfrm>
-          <a:prstGeom prst="rect">
-            <a:avLst/>
-          </a:prstGeom>
-          <a:noFill/>
-          <a:ln>
-            <a:noFill/>
-          </a:ln>
-          <a:extLst>
-            <a:ext uri="{909E8E84-426E-40DD-AFC4-6F175D3DCCD1}">
-              <a14:hiddenFill xmlns:a14="http://schemas.microsoft.com/office/drawing/2010/main">
-                <a:solidFill>
-                  <a:schemeClr val="accent1"/>
-                </a:solidFill>
-              </a14:hiddenFill>
-            </a:ext>
-            <a:ext uri="{91240B29-F687-4F45-9708-019B960494DF}">
-              <a14:hiddenLine xmlns:a14="http://schemas.microsoft.com/office/drawing/2010/main" w="9525">
-                <a:solidFill>
-                  <a:schemeClr val="tx1"/>
-                </a:solidFill>
-                <a:miter lim="800000"/>
-                <a:headEnd/>
-                <a:tailEnd/>
-              </a14:hiddenLine>
-            </a:ext>
-          </a:extLst>
-        </p:spPr>
-      </p:pic>
     </p:spTree>
     <p:extLst>
       <p:ext uri="{BB962C8B-B14F-4D97-AF65-F5344CB8AC3E}">
-        <p14:creationId xmlns:p14="http://schemas.microsoft.com/office/powerpoint/2010/main" val="2760957041"/>
+        <p14:creationId xmlns:p14="http://schemas.microsoft.com/office/powerpoint/2010/main" val="1881417302"/>
       </p:ext>
     </p:extLst>
   </p:cSld>
@@ -7869,7 +7363,7 @@
 </p:sld>
 </file>
 
-<file path=ppt/slides/slide32.xml><?xml version="1.0" encoding="utf-8"?>
+<file path=ppt/slides/slide30.xml><?xml version="1.0" encoding="utf-8"?>
 <p:sld xmlns:a="http://schemas.openxmlformats.org/drawingml/2006/main" xmlns:r="http://schemas.openxmlformats.org/officeDocument/2006/relationships" xmlns:p="http://schemas.openxmlformats.org/presentationml/2006/main">
   <p:cSld>
     <p:spTree>
@@ -7934,10 +7428,22 @@
           <a:p>
             <a:r>
               <a:rPr lang="en-US" dirty="0" smtClean="0"/>
-              <a:t>Forward – 764.3014</a:t>
-            </a:r>
-          </a:p>
-          <a:p>
+              <a:t>Deviance</a:t>
+            </a:r>
+          </a:p>
+          <a:p>
+            <a:pPr lvl="1"/>
+            <a:r>
+              <a:rPr lang="en-US" dirty="0" smtClean="0"/>
+              <a:t>Forward </a:t>
+            </a:r>
+            <a:r>
+              <a:rPr lang="en-US" dirty="0" smtClean="0"/>
+              <a:t>– 764.3014</a:t>
+            </a:r>
+          </a:p>
+          <a:p>
+            <a:pPr lvl="1"/>
             <a:r>
               <a:rPr lang="en-US" dirty="0" smtClean="0"/>
               <a:t>Stepwise – 764.3014</a:t>
@@ -7987,7 +7493,7 @@
             <a:fld id="{38327683-8978-6B4B-9130-4A6A841F0549}" type="slidenum">
               <a:rPr lang="en-US" smtClean="0"/>
               <a:pPr/>
-              <a:t>32</a:t>
+              <a:t>30</a:t>
             </a:fld>
             <a:endParaRPr lang="en-US" dirty="0"/>
           </a:p>
@@ -8014,7 +7520,7 @@
 </p:sld>
 </file>
 
-<file path=ppt/slides/slide33.xml><?xml version="1.0" encoding="utf-8"?>
+<file path=ppt/slides/slide31.xml><?xml version="1.0" encoding="utf-8"?>
 <p:sld xmlns:a="http://schemas.openxmlformats.org/drawingml/2006/main" xmlns:r="http://schemas.openxmlformats.org/officeDocument/2006/relationships" xmlns:p="http://schemas.openxmlformats.org/presentationml/2006/main">
   <p:cSld>
     <p:spTree>
@@ -8113,7 +7619,7 @@
           <a:p>
             <a:fld id="{38327683-8978-6B4B-9130-4A6A841F0549}" type="slidenum">
               <a:rPr lang="en-US" smtClean="0"/>
-              <a:t>33</a:t>
+              <a:t>31</a:t>
             </a:fld>
             <a:endParaRPr lang="en-US" dirty="0"/>
           </a:p>
@@ -8194,7 +7700,7 @@
 </p:sld>
 </file>
 
-<file path=ppt/slides/slide34.xml><?xml version="1.0" encoding="utf-8"?>
+<file path=ppt/slides/slide32.xml><?xml version="1.0" encoding="utf-8"?>
 <p:sld xmlns:a="http://schemas.openxmlformats.org/drawingml/2006/main" xmlns:r="http://schemas.openxmlformats.org/officeDocument/2006/relationships" xmlns:p="http://schemas.openxmlformats.org/presentationml/2006/main">
   <p:cSld>
     <p:spTree>
@@ -8279,7 +7785,7 @@
             <a:fld id="{38327683-8978-6B4B-9130-4A6A841F0549}" type="slidenum">
               <a:rPr lang="en-US" smtClean="0"/>
               <a:pPr/>
-              <a:t>34</a:t>
+              <a:t>32</a:t>
             </a:fld>
             <a:endParaRPr lang="en-US" dirty="0"/>
           </a:p>
@@ -8360,7 +7866,7 @@
 </p:sld>
 </file>
 
-<file path=ppt/slides/slide35.xml><?xml version="1.0" encoding="utf-8"?>
+<file path=ppt/slides/slide33.xml><?xml version="1.0" encoding="utf-8"?>
 <p:sld xmlns:a="http://schemas.openxmlformats.org/drawingml/2006/main" xmlns:r="http://schemas.openxmlformats.org/officeDocument/2006/relationships" xmlns:p="http://schemas.openxmlformats.org/presentationml/2006/main">
   <p:cSld>
     <p:spTree>
@@ -8448,7 +7954,7 @@
           <a:p>
             <a:fld id="{38327683-8978-6B4B-9130-4A6A841F0549}" type="slidenum">
               <a:rPr lang="en-US" smtClean="0"/>
-              <a:t>35</a:t>
+              <a:t>33</a:t>
             </a:fld>
             <a:endParaRPr lang="en-US" dirty="0"/>
           </a:p>
@@ -8529,7 +8035,7 @@
 </p:sld>
 </file>
 
-<file path=ppt/slides/slide36.xml><?xml version="1.0" encoding="utf-8"?>
+<file path=ppt/slides/slide34.xml><?xml version="1.0" encoding="utf-8"?>
 <p:sld xmlns:a="http://schemas.openxmlformats.org/drawingml/2006/main" xmlns:r="http://schemas.openxmlformats.org/officeDocument/2006/relationships" xmlns:p="http://schemas.openxmlformats.org/presentationml/2006/main">
   <p:cSld>
     <p:spTree>
@@ -8589,7 +8095,7 @@
           <a:p>
             <a:fld id="{38327683-8978-6B4B-9130-4A6A841F0549}" type="slidenum">
               <a:rPr lang="en-US" smtClean="0"/>
-              <a:t>36</a:t>
+              <a:t>34</a:t>
             </a:fld>
             <a:endParaRPr lang="en-US" dirty="0"/>
           </a:p>
@@ -8670,7 +8176,7 @@
 </p:sld>
 </file>
 
-<file path=ppt/slides/slide37.xml><?xml version="1.0" encoding="utf-8"?>
+<file path=ppt/slides/slide35.xml><?xml version="1.0" encoding="utf-8"?>
 <p:sld xmlns:a="http://schemas.openxmlformats.org/drawingml/2006/main" xmlns:r="http://schemas.openxmlformats.org/officeDocument/2006/relationships" xmlns:p="http://schemas.openxmlformats.org/presentationml/2006/main">
   <p:cSld>
     <p:spTree>
@@ -8726,7 +8232,7 @@
           <a:p>
             <a:fld id="{38327683-8978-6B4B-9130-4A6A841F0549}" type="slidenum">
               <a:rPr lang="en-US" smtClean="0"/>
-              <a:t>37</a:t>
+              <a:t>35</a:t>
             </a:fld>
             <a:endParaRPr lang="en-US" dirty="0"/>
           </a:p>
@@ -8807,7 +8313,7 @@
 </p:sld>
 </file>
 
-<file path=ppt/slides/slide38.xml><?xml version="1.0" encoding="utf-8"?>
+<file path=ppt/slides/slide36.xml><?xml version="1.0" encoding="utf-8"?>
 <p:sld xmlns:a="http://schemas.openxmlformats.org/drawingml/2006/main" xmlns:r="http://schemas.openxmlformats.org/officeDocument/2006/relationships" xmlns:p="http://schemas.openxmlformats.org/presentationml/2006/main">
   <p:cSld>
     <p:spTree>
@@ -8909,7 +8415,7 @@
             <a:fld id="{38327683-8978-6B4B-9130-4A6A841F0549}" type="slidenum">
               <a:rPr lang="en-US" smtClean="0"/>
               <a:pPr/>
-              <a:t>38</a:t>
+              <a:t>36</a:t>
             </a:fld>
             <a:endParaRPr lang="en-US" dirty="0"/>
           </a:p>
@@ -8936,7 +8442,7 @@
 </p:sld>
 </file>
 
-<file path=ppt/slides/slide39.xml><?xml version="1.0" encoding="utf-8"?>
+<file path=ppt/slides/slide37.xml><?xml version="1.0" encoding="utf-8"?>
 <p:sld xmlns:a="http://schemas.openxmlformats.org/drawingml/2006/main" xmlns:r="http://schemas.openxmlformats.org/officeDocument/2006/relationships" xmlns:p="http://schemas.openxmlformats.org/presentationml/2006/main">
   <p:cSld>
     <p:spTree>
@@ -9014,7 +8520,7 @@
             <a:fld id="{38327683-8978-6B4B-9130-4A6A841F0549}" type="slidenum">
               <a:rPr lang="en-US" smtClean="0"/>
               <a:pPr/>
-              <a:t>39</a:t>
+              <a:t>37</a:t>
             </a:fld>
             <a:endParaRPr lang="en-US" dirty="0"/>
           </a:p>
@@ -9095,7 +8601,7 @@
 </p:sld>
 </file>
 
-<file path=ppt/slides/slide4.xml><?xml version="1.0" encoding="utf-8"?>
+<file path=ppt/slides/slide38.xml><?xml version="1.0" encoding="utf-8"?>
 <p:sld xmlns:a="http://schemas.openxmlformats.org/drawingml/2006/main" xmlns:r="http://schemas.openxmlformats.org/officeDocument/2006/relationships" xmlns:p="http://schemas.openxmlformats.org/presentationml/2006/main">
   <p:cSld>
     <p:spTree>
@@ -9114,664 +8620,6 @@
       </p:grpSpPr>
       <p:sp>
         <p:nvSpPr>
-          <p:cNvPr id="2" name="Title 1"/>
-          <p:cNvSpPr>
-            <a:spLocks noGrp="1"/>
-          </p:cNvSpPr>
-          <p:nvPr>
-            <p:ph type="title"/>
-          </p:nvPr>
-        </p:nvSpPr>
-        <p:spPr/>
-        <p:txBody>
-          <a:bodyPr/>
-          <a:lstStyle/>
-          <a:p>
-            <a:r>
-              <a:rPr lang="en-US" dirty="0"/>
-              <a:t>How to keep employee</a:t>
-            </a:r>
-          </a:p>
-        </p:txBody>
-      </p:sp>
-      <p:sp>
-        <p:nvSpPr>
-          <p:cNvPr id="4" name="Slide Number Placeholder 3"/>
-          <p:cNvSpPr>
-            <a:spLocks noGrp="1"/>
-          </p:cNvSpPr>
-          <p:nvPr>
-            <p:ph type="sldNum" sz="quarter" idx="12"/>
-          </p:nvPr>
-        </p:nvSpPr>
-        <p:spPr/>
-        <p:txBody>
-          <a:bodyPr/>
-          <a:lstStyle/>
-          <a:p>
-            <a:fld id="{38327683-8978-6B4B-9130-4A6A841F0549}" type="slidenum">
-              <a:rPr lang="en-US" smtClean="0"/>
-              <a:pPr/>
-              <a:t>4</a:t>
-            </a:fld>
-            <a:endParaRPr lang="en-US" dirty="0"/>
-          </a:p>
-        </p:txBody>
-      </p:sp>
-      <p:cxnSp>
-        <p:nvCxnSpPr>
-          <p:cNvPr id="6" name="Straight Arrow Connector 5"/>
-          <p:cNvCxnSpPr/>
-          <p:nvPr/>
-        </p:nvCxnSpPr>
-        <p:spPr>
-          <a:xfrm flipV="1">
-            <a:off x="1643743" y="2057402"/>
-            <a:ext cx="32657" cy="3331028"/>
-          </a:xfrm>
-          <a:prstGeom prst="straightConnector1">
-            <a:avLst/>
-          </a:prstGeom>
-          <a:ln w="28575">
-            <a:tailEnd type="stealth" w="lg" len="lg"/>
-          </a:ln>
-        </p:spPr>
-        <p:style>
-          <a:lnRef idx="1">
-            <a:schemeClr val="accent1"/>
-          </a:lnRef>
-          <a:fillRef idx="0">
-            <a:schemeClr val="accent1"/>
-          </a:fillRef>
-          <a:effectRef idx="0">
-            <a:schemeClr val="accent1"/>
-          </a:effectRef>
-          <a:fontRef idx="minor">
-            <a:schemeClr val="tx1"/>
-          </a:fontRef>
-        </p:style>
-      </p:cxnSp>
-      <p:cxnSp>
-        <p:nvCxnSpPr>
-          <p:cNvPr id="8" name="Straight Arrow Connector 7"/>
-          <p:cNvCxnSpPr/>
-          <p:nvPr/>
-        </p:nvCxnSpPr>
-        <p:spPr>
-          <a:xfrm flipV="1">
-            <a:off x="1643743" y="5388430"/>
-            <a:ext cx="6183086" cy="1"/>
-          </a:xfrm>
-          <a:prstGeom prst="straightConnector1">
-            <a:avLst/>
-          </a:prstGeom>
-          <a:ln w="25400">
-            <a:tailEnd type="stealth" w="lg" len="lg"/>
-          </a:ln>
-        </p:spPr>
-        <p:style>
-          <a:lnRef idx="1">
-            <a:schemeClr val="accent1"/>
-          </a:lnRef>
-          <a:fillRef idx="0">
-            <a:schemeClr val="accent1"/>
-          </a:fillRef>
-          <a:effectRef idx="0">
-            <a:schemeClr val="accent1"/>
-          </a:effectRef>
-          <a:fontRef idx="minor">
-            <a:schemeClr val="tx1"/>
-          </a:fontRef>
-        </p:style>
-      </p:cxnSp>
-      <p:sp>
-        <p:nvSpPr>
-          <p:cNvPr id="10" name="Rectangle 9"/>
-          <p:cNvSpPr/>
-          <p:nvPr/>
-        </p:nvSpPr>
-        <p:spPr>
-          <a:xfrm>
-            <a:off x="2304789" y="1942715"/>
-            <a:ext cx="1603332" cy="1528175"/>
-          </a:xfrm>
-          <a:prstGeom prst="rect">
-            <a:avLst/>
-          </a:prstGeom>
-          <a:solidFill>
-            <a:srgbClr val="FFFF00"/>
-          </a:solidFill>
-        </p:spPr>
-        <p:style>
-          <a:lnRef idx="2">
-            <a:schemeClr val="accent1">
-              <a:shade val="50000"/>
-            </a:schemeClr>
-          </a:lnRef>
-          <a:fillRef idx="1">
-            <a:schemeClr val="accent1"/>
-          </a:fillRef>
-          <a:effectRef idx="0">
-            <a:schemeClr val="accent1"/>
-          </a:effectRef>
-          <a:fontRef idx="minor">
-            <a:schemeClr val="lt1"/>
-          </a:fontRef>
-        </p:style>
-        <p:txBody>
-          <a:bodyPr rtlCol="0" anchor="ctr"/>
-          <a:lstStyle/>
-          <a:p>
-            <a:pPr algn="ctr"/>
-            <a:endParaRPr lang="en-US"/>
-          </a:p>
-        </p:txBody>
-      </p:sp>
-      <p:sp>
-        <p:nvSpPr>
-          <p:cNvPr id="11" name="Rectangle 10"/>
-          <p:cNvSpPr/>
-          <p:nvPr/>
-        </p:nvSpPr>
-        <p:spPr>
-          <a:xfrm>
-            <a:off x="2304789" y="3722916"/>
-            <a:ext cx="1603332" cy="1528175"/>
-          </a:xfrm>
-          <a:prstGeom prst="rect">
-            <a:avLst/>
-          </a:prstGeom>
-          <a:solidFill>
-            <a:srgbClr val="FFFF00"/>
-          </a:solidFill>
-        </p:spPr>
-        <p:style>
-          <a:lnRef idx="2">
-            <a:schemeClr val="accent1">
-              <a:shade val="50000"/>
-            </a:schemeClr>
-          </a:lnRef>
-          <a:fillRef idx="1">
-            <a:schemeClr val="accent1"/>
-          </a:fillRef>
-          <a:effectRef idx="0">
-            <a:schemeClr val="accent1"/>
-          </a:effectRef>
-          <a:fontRef idx="minor">
-            <a:schemeClr val="lt1"/>
-          </a:fontRef>
-        </p:style>
-        <p:txBody>
-          <a:bodyPr rtlCol="0" anchor="ctr"/>
-          <a:lstStyle/>
-          <a:p>
-            <a:pPr algn="ctr"/>
-            <a:endParaRPr lang="en-US"/>
-          </a:p>
-        </p:txBody>
-      </p:sp>
-      <p:sp>
-        <p:nvSpPr>
-          <p:cNvPr id="12" name="Rectangle 11"/>
-          <p:cNvSpPr/>
-          <p:nvPr/>
-        </p:nvSpPr>
-        <p:spPr>
-          <a:xfrm>
-            <a:off x="4264070" y="1942714"/>
-            <a:ext cx="1603332" cy="1528175"/>
-          </a:xfrm>
-          <a:prstGeom prst="rect">
-            <a:avLst/>
-          </a:prstGeom>
-          <a:solidFill>
-            <a:srgbClr val="FF0000"/>
-          </a:solidFill>
-        </p:spPr>
-        <p:style>
-          <a:lnRef idx="2">
-            <a:schemeClr val="accent1">
-              <a:shade val="50000"/>
-            </a:schemeClr>
-          </a:lnRef>
-          <a:fillRef idx="1">
-            <a:schemeClr val="accent1"/>
-          </a:fillRef>
-          <a:effectRef idx="0">
-            <a:schemeClr val="accent1"/>
-          </a:effectRef>
-          <a:fontRef idx="minor">
-            <a:schemeClr val="lt1"/>
-          </a:fontRef>
-        </p:style>
-        <p:txBody>
-          <a:bodyPr rtlCol="0" anchor="ctr"/>
-          <a:lstStyle/>
-          <a:p>
-            <a:pPr algn="ctr"/>
-            <a:endParaRPr lang="en-US"/>
-          </a:p>
-        </p:txBody>
-      </p:sp>
-      <p:sp>
-        <p:nvSpPr>
-          <p:cNvPr id="13" name="Rectangle 12"/>
-          <p:cNvSpPr/>
-          <p:nvPr/>
-        </p:nvSpPr>
-        <p:spPr>
-          <a:xfrm>
-            <a:off x="4264070" y="3722914"/>
-            <a:ext cx="1603332" cy="1528175"/>
-          </a:xfrm>
-          <a:prstGeom prst="rect">
-            <a:avLst/>
-          </a:prstGeom>
-          <a:solidFill>
-            <a:srgbClr val="92D050"/>
-          </a:solidFill>
-        </p:spPr>
-        <p:style>
-          <a:lnRef idx="2">
-            <a:schemeClr val="accent1">
-              <a:shade val="50000"/>
-            </a:schemeClr>
-          </a:lnRef>
-          <a:fillRef idx="1">
-            <a:schemeClr val="accent1"/>
-          </a:fillRef>
-          <a:effectRef idx="0">
-            <a:schemeClr val="accent1"/>
-          </a:effectRef>
-          <a:fontRef idx="minor">
-            <a:schemeClr val="lt1"/>
-          </a:fontRef>
-        </p:style>
-        <p:txBody>
-          <a:bodyPr rtlCol="0" anchor="ctr"/>
-          <a:lstStyle/>
-          <a:p>
-            <a:pPr algn="ctr"/>
-            <a:endParaRPr lang="en-US"/>
-          </a:p>
-        </p:txBody>
-      </p:sp>
-      <p:sp>
-        <p:nvSpPr>
-          <p:cNvPr id="14" name="TextBox 13"/>
-          <p:cNvSpPr txBox="1"/>
-          <p:nvPr/>
-        </p:nvSpPr>
-        <p:spPr>
-          <a:xfrm>
-            <a:off x="2818356" y="5686816"/>
-            <a:ext cx="2843408" cy="369332"/>
-          </a:xfrm>
-          <a:prstGeom prst="rect">
-            <a:avLst/>
-          </a:prstGeom>
-          <a:noFill/>
-        </p:spPr>
-        <p:txBody>
-          <a:bodyPr wrap="square" rtlCol="0">
-            <a:spAutoFit/>
-          </a:bodyPr>
-          <a:lstStyle/>
-          <a:p>
-            <a:r>
-              <a:rPr lang="en-US" dirty="0"/>
-              <a:t>Employee lifetime value</a:t>
-            </a:r>
-          </a:p>
-        </p:txBody>
-      </p:sp>
-      <p:sp>
-        <p:nvSpPr>
-          <p:cNvPr id="15" name="TextBox 14"/>
-          <p:cNvSpPr txBox="1"/>
-          <p:nvPr/>
-        </p:nvSpPr>
-        <p:spPr>
-          <a:xfrm rot="16200000">
-            <a:off x="571037" y="3287532"/>
-            <a:ext cx="1778696" cy="366713"/>
-          </a:xfrm>
-          <a:prstGeom prst="rect">
-            <a:avLst/>
-          </a:prstGeom>
-          <a:noFill/>
-        </p:spPr>
-        <p:txBody>
-          <a:bodyPr wrap="square" rtlCol="0">
-            <a:spAutoFit/>
-          </a:bodyPr>
-          <a:lstStyle/>
-          <a:p>
-            <a:r>
-              <a:rPr lang="en-US"/>
-              <a:t>Attrition Risk</a:t>
-            </a:r>
-          </a:p>
-        </p:txBody>
-      </p:sp>
-      <p:sp>
-        <p:nvSpPr>
-          <p:cNvPr id="16" name="TextBox 15"/>
-          <p:cNvSpPr txBox="1"/>
-          <p:nvPr/>
-        </p:nvSpPr>
-        <p:spPr>
-          <a:xfrm>
-            <a:off x="4471792" y="3990905"/>
-            <a:ext cx="1189972" cy="369332"/>
-          </a:xfrm>
-          <a:prstGeom prst="rect">
-            <a:avLst/>
-          </a:prstGeom>
-          <a:noFill/>
-        </p:spPr>
-        <p:txBody>
-          <a:bodyPr wrap="square" rtlCol="0">
-            <a:spAutoFit/>
-          </a:bodyPr>
-          <a:lstStyle/>
-          <a:p>
-            <a:r>
-              <a:rPr lang="en-US" dirty="0"/>
-              <a:t>Maintain</a:t>
-            </a:r>
-          </a:p>
-        </p:txBody>
-      </p:sp>
-      <p:sp>
-        <p:nvSpPr>
-          <p:cNvPr id="17" name="TextBox 16"/>
-          <p:cNvSpPr txBox="1"/>
-          <p:nvPr/>
-        </p:nvSpPr>
-        <p:spPr>
-          <a:xfrm>
-            <a:off x="2567836" y="3990905"/>
-            <a:ext cx="1114816" cy="369332"/>
-          </a:xfrm>
-          <a:prstGeom prst="rect">
-            <a:avLst/>
-          </a:prstGeom>
-          <a:noFill/>
-        </p:spPr>
-        <p:txBody>
-          <a:bodyPr wrap="square" rtlCol="0">
-            <a:spAutoFit/>
-          </a:bodyPr>
-          <a:lstStyle/>
-          <a:p>
-            <a:r>
-              <a:rPr lang="en-US" dirty="0"/>
-              <a:t>Grow-up</a:t>
-            </a:r>
-          </a:p>
-        </p:txBody>
-      </p:sp>
-      <p:sp>
-        <p:nvSpPr>
-          <p:cNvPr id="18" name="TextBox 17"/>
-          <p:cNvSpPr txBox="1"/>
-          <p:nvPr/>
-        </p:nvSpPr>
-        <p:spPr>
-          <a:xfrm>
-            <a:off x="2567836" y="2204613"/>
-            <a:ext cx="1114816" cy="376960"/>
-          </a:xfrm>
-          <a:prstGeom prst="rect">
-            <a:avLst/>
-          </a:prstGeom>
-          <a:noFill/>
-        </p:spPr>
-        <p:txBody>
-          <a:bodyPr wrap="square" rtlCol="0">
-            <a:spAutoFit/>
-          </a:bodyPr>
-          <a:lstStyle/>
-          <a:p>
-            <a:pPr algn="ctr"/>
-            <a:r>
-              <a:rPr lang="en-US" dirty="0"/>
-              <a:t>Divest?</a:t>
-            </a:r>
-          </a:p>
-        </p:txBody>
-      </p:sp>
-      <p:sp>
-        <p:nvSpPr>
-          <p:cNvPr id="19" name="TextBox 18"/>
-          <p:cNvSpPr txBox="1"/>
-          <p:nvPr/>
-        </p:nvSpPr>
-        <p:spPr>
-          <a:xfrm>
-            <a:off x="4264070" y="2195155"/>
-            <a:ext cx="1603332" cy="646331"/>
-          </a:xfrm>
-          <a:prstGeom prst="rect">
-            <a:avLst/>
-          </a:prstGeom>
-          <a:noFill/>
-        </p:spPr>
-        <p:txBody>
-          <a:bodyPr wrap="square" rtlCol="0">
-            <a:spAutoFit/>
-          </a:bodyPr>
-          <a:lstStyle/>
-          <a:p>
-            <a:pPr algn="ctr"/>
-            <a:r>
-              <a:rPr lang="en-US" dirty="0">
-                <a:solidFill>
-                  <a:schemeClr val="bg1"/>
-                </a:solidFill>
-              </a:rPr>
-              <a:t>Aggressively retain</a:t>
-            </a:r>
-          </a:p>
-        </p:txBody>
-      </p:sp>
-      <p:sp>
-        <p:nvSpPr>
-          <p:cNvPr id="20" name="TextBox 19"/>
-          <p:cNvSpPr txBox="1"/>
-          <p:nvPr/>
-        </p:nvSpPr>
-        <p:spPr>
-          <a:xfrm>
-            <a:off x="4366889" y="2855192"/>
-            <a:ext cx="1397694" cy="461665"/>
-          </a:xfrm>
-          <a:prstGeom prst="rect">
-            <a:avLst/>
-          </a:prstGeom>
-          <a:noFill/>
-        </p:spPr>
-        <p:txBody>
-          <a:bodyPr wrap="square" rtlCol="0">
-            <a:spAutoFit/>
-          </a:bodyPr>
-          <a:lstStyle/>
-          <a:p>
-            <a:pPr algn="ctr"/>
-            <a:r>
-              <a:rPr lang="en-US" sz="1200" dirty="0">
-                <a:solidFill>
-                  <a:schemeClr val="bg1"/>
-                </a:solidFill>
-              </a:rPr>
-              <a:t>High value.</a:t>
-            </a:r>
-          </a:p>
-          <a:p>
-            <a:pPr algn="ctr"/>
-            <a:r>
-              <a:rPr lang="en-US" sz="1200" dirty="0">
-                <a:solidFill>
-                  <a:schemeClr val="bg1"/>
-                </a:solidFill>
-              </a:rPr>
-              <a:t>High Attrition Risk</a:t>
-            </a:r>
-          </a:p>
-        </p:txBody>
-      </p:sp>
-      <p:sp>
-        <p:nvSpPr>
-          <p:cNvPr id="21" name="TextBox 20"/>
-          <p:cNvSpPr txBox="1"/>
-          <p:nvPr/>
-        </p:nvSpPr>
-        <p:spPr>
-          <a:xfrm>
-            <a:off x="4264070" y="4412668"/>
-            <a:ext cx="1397694" cy="461665"/>
-          </a:xfrm>
-          <a:prstGeom prst="rect">
-            <a:avLst/>
-          </a:prstGeom>
-          <a:noFill/>
-        </p:spPr>
-        <p:txBody>
-          <a:bodyPr wrap="square" rtlCol="0">
-            <a:spAutoFit/>
-          </a:bodyPr>
-          <a:lstStyle/>
-          <a:p>
-            <a:pPr algn="ctr"/>
-            <a:r>
-              <a:rPr lang="en-US" sz="1200" dirty="0"/>
-              <a:t>High value.</a:t>
-            </a:r>
-          </a:p>
-          <a:p>
-            <a:pPr algn="ctr"/>
-            <a:r>
-              <a:rPr lang="en-US" sz="1200" dirty="0"/>
-              <a:t>Low Attrition Risk</a:t>
-            </a:r>
-          </a:p>
-        </p:txBody>
-      </p:sp>
-      <p:sp>
-        <p:nvSpPr>
-          <p:cNvPr id="22" name="TextBox 21"/>
-          <p:cNvSpPr txBox="1"/>
-          <p:nvPr/>
-        </p:nvSpPr>
-        <p:spPr>
-          <a:xfrm>
-            <a:off x="2407608" y="4450155"/>
-            <a:ext cx="1397694" cy="461665"/>
-          </a:xfrm>
-          <a:prstGeom prst="rect">
-            <a:avLst/>
-          </a:prstGeom>
-          <a:noFill/>
-        </p:spPr>
-        <p:txBody>
-          <a:bodyPr wrap="square" rtlCol="0">
-            <a:spAutoFit/>
-          </a:bodyPr>
-          <a:lstStyle/>
-          <a:p>
-            <a:pPr algn="ctr"/>
-            <a:r>
-              <a:rPr lang="en-US" sz="1200" dirty="0"/>
-              <a:t>Low value.</a:t>
-            </a:r>
-          </a:p>
-          <a:p>
-            <a:pPr algn="ctr"/>
-            <a:r>
-              <a:rPr lang="en-US" sz="1200" dirty="0"/>
-              <a:t>Low Attrition Risk</a:t>
-            </a:r>
-          </a:p>
-        </p:txBody>
-      </p:sp>
-      <p:sp>
-        <p:nvSpPr>
-          <p:cNvPr id="23" name="TextBox 22"/>
-          <p:cNvSpPr txBox="1"/>
-          <p:nvPr/>
-        </p:nvSpPr>
-        <p:spPr>
-          <a:xfrm>
-            <a:off x="2426397" y="2874798"/>
-            <a:ext cx="1397694" cy="461665"/>
-          </a:xfrm>
-          <a:prstGeom prst="rect">
-            <a:avLst/>
-          </a:prstGeom>
-          <a:noFill/>
-        </p:spPr>
-        <p:txBody>
-          <a:bodyPr wrap="square" rtlCol="0">
-            <a:spAutoFit/>
-          </a:bodyPr>
-          <a:lstStyle/>
-          <a:p>
-            <a:pPr algn="ctr"/>
-            <a:r>
-              <a:rPr lang="en-US" sz="1200" dirty="0"/>
-              <a:t>Low value.</a:t>
-            </a:r>
-          </a:p>
-          <a:p>
-            <a:pPr algn="ctr"/>
-            <a:r>
-              <a:rPr lang="en-US" sz="1200" dirty="0"/>
-              <a:t>High Attrition Risk</a:t>
-            </a:r>
-          </a:p>
-        </p:txBody>
-      </p:sp>
-    </p:spTree>
-    <p:extLst>
-      <p:ext uri="{BB962C8B-B14F-4D97-AF65-F5344CB8AC3E}">
-        <p14:creationId xmlns:p14="http://schemas.microsoft.com/office/powerpoint/2010/main" val="1204180998"/>
-      </p:ext>
-    </p:extLst>
-  </p:cSld>
-  <p:clrMapOvr>
-    <a:masterClrMapping/>
-  </p:clrMapOvr>
-  <mc:AlternateContent xmlns:mc="http://schemas.openxmlformats.org/markup-compatibility/2006" xmlns:p14="http://schemas.microsoft.com/office/powerpoint/2010/main">
-    <mc:Choice Requires="p14">
-      <p:transition p14:dur="0" advClick="0" advTm="15000"/>
-    </mc:Choice>
-    <mc:Fallback xmlns="">
-      <p:transition advClick="0" advTm="15000"/>
-    </mc:Fallback>
-  </mc:AlternateContent>
-</p:sld>
-</file>
-
-<file path=ppt/slides/slide40.xml><?xml version="1.0" encoding="utf-8"?>
-<p:sld xmlns:a="http://schemas.openxmlformats.org/drawingml/2006/main" xmlns:r="http://schemas.openxmlformats.org/officeDocument/2006/relationships" xmlns:p="http://schemas.openxmlformats.org/presentationml/2006/main">
-  <p:cSld>
-    <p:spTree>
-      <p:nvGrpSpPr>
-        <p:cNvPr id="1" name=""/>
-        <p:cNvGrpSpPr/>
-        <p:nvPr/>
-      </p:nvGrpSpPr>
-      <p:grpSpPr>
-        <a:xfrm>
-          <a:off x="0" y="0"/>
-          <a:ext cx="0" cy="0"/>
-          <a:chOff x="0" y="0"/>
-          <a:chExt cx="0" cy="0"/>
-        </a:xfrm>
-      </p:grpSpPr>
-      <p:sp>
-        <p:nvSpPr>
           <p:cNvPr id="2" name="Title 1">
             <a:extLst>
               <a:ext uri="{FF2B5EF4-FFF2-40B4-BE49-F238E27FC236}">
@@ -9822,7 +8670,7 @@
             <a:fld id="{38327683-8978-6B4B-9130-4A6A841F0549}" type="slidenum">
               <a:rPr lang="en-US" smtClean="0"/>
               <a:pPr/>
-              <a:t>40</a:t>
+              <a:t>38</a:t>
             </a:fld>
             <a:endParaRPr lang="en-US" dirty="0"/>
           </a:p>
@@ -9903,7 +8751,7 @@
 </p:sld>
 </file>
 
-<file path=ppt/slides/slide41.xml><?xml version="1.0" encoding="utf-8"?>
+<file path=ppt/slides/slide39.xml><?xml version="1.0" encoding="utf-8"?>
 <p:sld xmlns:a="http://schemas.openxmlformats.org/drawingml/2006/main" xmlns:r="http://schemas.openxmlformats.org/officeDocument/2006/relationships" xmlns:p="http://schemas.openxmlformats.org/presentationml/2006/main">
   <p:cSld>
     <p:spTree>
@@ -9968,7 +8816,7 @@
           <a:p>
             <a:fld id="{38327683-8978-6B4B-9130-4A6A841F0549}" type="slidenum">
               <a:rPr lang="en-US" smtClean="0"/>
-              <a:t>41</a:t>
+              <a:t>39</a:t>
             </a:fld>
             <a:endParaRPr lang="en-US" dirty="0"/>
           </a:p>
@@ -10025,7 +8873,7 @@
 </p:sld>
 </file>
 
-<file path=ppt/slides/slide42.xml><?xml version="1.0" encoding="utf-8"?>
+<file path=ppt/slides/slide4.xml><?xml version="1.0" encoding="utf-8"?>
 <p:sld xmlns:a="http://schemas.openxmlformats.org/drawingml/2006/main" xmlns:r="http://schemas.openxmlformats.org/officeDocument/2006/relationships" xmlns:p="http://schemas.openxmlformats.org/presentationml/2006/main">
   <p:cSld>
     <p:spTree>
@@ -10044,6 +8892,664 @@
       </p:grpSpPr>
       <p:sp>
         <p:nvSpPr>
+          <p:cNvPr id="2" name="Title 1"/>
+          <p:cNvSpPr>
+            <a:spLocks noGrp="1"/>
+          </p:cNvSpPr>
+          <p:nvPr>
+            <p:ph type="title"/>
+          </p:nvPr>
+        </p:nvSpPr>
+        <p:spPr/>
+        <p:txBody>
+          <a:bodyPr/>
+          <a:lstStyle/>
+          <a:p>
+            <a:r>
+              <a:rPr lang="en-US" dirty="0"/>
+              <a:t>How to keep employee</a:t>
+            </a:r>
+          </a:p>
+        </p:txBody>
+      </p:sp>
+      <p:sp>
+        <p:nvSpPr>
+          <p:cNvPr id="4" name="Slide Number Placeholder 3"/>
+          <p:cNvSpPr>
+            <a:spLocks noGrp="1"/>
+          </p:cNvSpPr>
+          <p:nvPr>
+            <p:ph type="sldNum" sz="quarter" idx="12"/>
+          </p:nvPr>
+        </p:nvSpPr>
+        <p:spPr/>
+        <p:txBody>
+          <a:bodyPr/>
+          <a:lstStyle/>
+          <a:p>
+            <a:fld id="{38327683-8978-6B4B-9130-4A6A841F0549}" type="slidenum">
+              <a:rPr lang="en-US" smtClean="0"/>
+              <a:pPr/>
+              <a:t>4</a:t>
+            </a:fld>
+            <a:endParaRPr lang="en-US" dirty="0"/>
+          </a:p>
+        </p:txBody>
+      </p:sp>
+      <p:cxnSp>
+        <p:nvCxnSpPr>
+          <p:cNvPr id="6" name="Straight Arrow Connector 5"/>
+          <p:cNvCxnSpPr/>
+          <p:nvPr/>
+        </p:nvCxnSpPr>
+        <p:spPr>
+          <a:xfrm flipV="1">
+            <a:off x="1643743" y="2057402"/>
+            <a:ext cx="32657" cy="3331028"/>
+          </a:xfrm>
+          <a:prstGeom prst="straightConnector1">
+            <a:avLst/>
+          </a:prstGeom>
+          <a:ln w="28575">
+            <a:tailEnd type="stealth" w="lg" len="lg"/>
+          </a:ln>
+        </p:spPr>
+        <p:style>
+          <a:lnRef idx="1">
+            <a:schemeClr val="accent1"/>
+          </a:lnRef>
+          <a:fillRef idx="0">
+            <a:schemeClr val="accent1"/>
+          </a:fillRef>
+          <a:effectRef idx="0">
+            <a:schemeClr val="accent1"/>
+          </a:effectRef>
+          <a:fontRef idx="minor">
+            <a:schemeClr val="tx1"/>
+          </a:fontRef>
+        </p:style>
+      </p:cxnSp>
+      <p:cxnSp>
+        <p:nvCxnSpPr>
+          <p:cNvPr id="8" name="Straight Arrow Connector 7"/>
+          <p:cNvCxnSpPr/>
+          <p:nvPr/>
+        </p:nvCxnSpPr>
+        <p:spPr>
+          <a:xfrm flipV="1">
+            <a:off x="1643743" y="5388430"/>
+            <a:ext cx="6183086" cy="1"/>
+          </a:xfrm>
+          <a:prstGeom prst="straightConnector1">
+            <a:avLst/>
+          </a:prstGeom>
+          <a:ln w="25400">
+            <a:tailEnd type="stealth" w="lg" len="lg"/>
+          </a:ln>
+        </p:spPr>
+        <p:style>
+          <a:lnRef idx="1">
+            <a:schemeClr val="accent1"/>
+          </a:lnRef>
+          <a:fillRef idx="0">
+            <a:schemeClr val="accent1"/>
+          </a:fillRef>
+          <a:effectRef idx="0">
+            <a:schemeClr val="accent1"/>
+          </a:effectRef>
+          <a:fontRef idx="minor">
+            <a:schemeClr val="tx1"/>
+          </a:fontRef>
+        </p:style>
+      </p:cxnSp>
+      <p:sp>
+        <p:nvSpPr>
+          <p:cNvPr id="10" name="Rectangle 9"/>
+          <p:cNvSpPr/>
+          <p:nvPr/>
+        </p:nvSpPr>
+        <p:spPr>
+          <a:xfrm>
+            <a:off x="2304789" y="1942715"/>
+            <a:ext cx="1603332" cy="1528175"/>
+          </a:xfrm>
+          <a:prstGeom prst="rect">
+            <a:avLst/>
+          </a:prstGeom>
+          <a:solidFill>
+            <a:srgbClr val="FFFF00"/>
+          </a:solidFill>
+        </p:spPr>
+        <p:style>
+          <a:lnRef idx="2">
+            <a:schemeClr val="accent1">
+              <a:shade val="50000"/>
+            </a:schemeClr>
+          </a:lnRef>
+          <a:fillRef idx="1">
+            <a:schemeClr val="accent1"/>
+          </a:fillRef>
+          <a:effectRef idx="0">
+            <a:schemeClr val="accent1"/>
+          </a:effectRef>
+          <a:fontRef idx="minor">
+            <a:schemeClr val="lt1"/>
+          </a:fontRef>
+        </p:style>
+        <p:txBody>
+          <a:bodyPr rtlCol="0" anchor="ctr"/>
+          <a:lstStyle/>
+          <a:p>
+            <a:pPr algn="ctr"/>
+            <a:endParaRPr lang="en-US"/>
+          </a:p>
+        </p:txBody>
+      </p:sp>
+      <p:sp>
+        <p:nvSpPr>
+          <p:cNvPr id="11" name="Rectangle 10"/>
+          <p:cNvSpPr/>
+          <p:nvPr/>
+        </p:nvSpPr>
+        <p:spPr>
+          <a:xfrm>
+            <a:off x="2304789" y="3722916"/>
+            <a:ext cx="1603332" cy="1528175"/>
+          </a:xfrm>
+          <a:prstGeom prst="rect">
+            <a:avLst/>
+          </a:prstGeom>
+          <a:solidFill>
+            <a:srgbClr val="FFFF00"/>
+          </a:solidFill>
+        </p:spPr>
+        <p:style>
+          <a:lnRef idx="2">
+            <a:schemeClr val="accent1">
+              <a:shade val="50000"/>
+            </a:schemeClr>
+          </a:lnRef>
+          <a:fillRef idx="1">
+            <a:schemeClr val="accent1"/>
+          </a:fillRef>
+          <a:effectRef idx="0">
+            <a:schemeClr val="accent1"/>
+          </a:effectRef>
+          <a:fontRef idx="minor">
+            <a:schemeClr val="lt1"/>
+          </a:fontRef>
+        </p:style>
+        <p:txBody>
+          <a:bodyPr rtlCol="0" anchor="ctr"/>
+          <a:lstStyle/>
+          <a:p>
+            <a:pPr algn="ctr"/>
+            <a:endParaRPr lang="en-US"/>
+          </a:p>
+        </p:txBody>
+      </p:sp>
+      <p:sp>
+        <p:nvSpPr>
+          <p:cNvPr id="12" name="Rectangle 11"/>
+          <p:cNvSpPr/>
+          <p:nvPr/>
+        </p:nvSpPr>
+        <p:spPr>
+          <a:xfrm>
+            <a:off x="4264070" y="1942714"/>
+            <a:ext cx="1603332" cy="1528175"/>
+          </a:xfrm>
+          <a:prstGeom prst="rect">
+            <a:avLst/>
+          </a:prstGeom>
+          <a:solidFill>
+            <a:srgbClr val="FF0000"/>
+          </a:solidFill>
+        </p:spPr>
+        <p:style>
+          <a:lnRef idx="2">
+            <a:schemeClr val="accent1">
+              <a:shade val="50000"/>
+            </a:schemeClr>
+          </a:lnRef>
+          <a:fillRef idx="1">
+            <a:schemeClr val="accent1"/>
+          </a:fillRef>
+          <a:effectRef idx="0">
+            <a:schemeClr val="accent1"/>
+          </a:effectRef>
+          <a:fontRef idx="minor">
+            <a:schemeClr val="lt1"/>
+          </a:fontRef>
+        </p:style>
+        <p:txBody>
+          <a:bodyPr rtlCol="0" anchor="ctr"/>
+          <a:lstStyle/>
+          <a:p>
+            <a:pPr algn="ctr"/>
+            <a:endParaRPr lang="en-US"/>
+          </a:p>
+        </p:txBody>
+      </p:sp>
+      <p:sp>
+        <p:nvSpPr>
+          <p:cNvPr id="13" name="Rectangle 12"/>
+          <p:cNvSpPr/>
+          <p:nvPr/>
+        </p:nvSpPr>
+        <p:spPr>
+          <a:xfrm>
+            <a:off x="4264070" y="3722914"/>
+            <a:ext cx="1603332" cy="1528175"/>
+          </a:xfrm>
+          <a:prstGeom prst="rect">
+            <a:avLst/>
+          </a:prstGeom>
+          <a:solidFill>
+            <a:srgbClr val="92D050"/>
+          </a:solidFill>
+        </p:spPr>
+        <p:style>
+          <a:lnRef idx="2">
+            <a:schemeClr val="accent1">
+              <a:shade val="50000"/>
+            </a:schemeClr>
+          </a:lnRef>
+          <a:fillRef idx="1">
+            <a:schemeClr val="accent1"/>
+          </a:fillRef>
+          <a:effectRef idx="0">
+            <a:schemeClr val="accent1"/>
+          </a:effectRef>
+          <a:fontRef idx="minor">
+            <a:schemeClr val="lt1"/>
+          </a:fontRef>
+        </p:style>
+        <p:txBody>
+          <a:bodyPr rtlCol="0" anchor="ctr"/>
+          <a:lstStyle/>
+          <a:p>
+            <a:pPr algn="ctr"/>
+            <a:endParaRPr lang="en-US"/>
+          </a:p>
+        </p:txBody>
+      </p:sp>
+      <p:sp>
+        <p:nvSpPr>
+          <p:cNvPr id="14" name="TextBox 13"/>
+          <p:cNvSpPr txBox="1"/>
+          <p:nvPr/>
+        </p:nvSpPr>
+        <p:spPr>
+          <a:xfrm>
+            <a:off x="2818356" y="5686816"/>
+            <a:ext cx="2843408" cy="369332"/>
+          </a:xfrm>
+          <a:prstGeom prst="rect">
+            <a:avLst/>
+          </a:prstGeom>
+          <a:noFill/>
+        </p:spPr>
+        <p:txBody>
+          <a:bodyPr wrap="square" rtlCol="0">
+            <a:spAutoFit/>
+          </a:bodyPr>
+          <a:lstStyle/>
+          <a:p>
+            <a:r>
+              <a:rPr lang="en-US" dirty="0"/>
+              <a:t>Employee lifetime value</a:t>
+            </a:r>
+          </a:p>
+        </p:txBody>
+      </p:sp>
+      <p:sp>
+        <p:nvSpPr>
+          <p:cNvPr id="15" name="TextBox 14"/>
+          <p:cNvSpPr txBox="1"/>
+          <p:nvPr/>
+        </p:nvSpPr>
+        <p:spPr>
+          <a:xfrm rot="16200000">
+            <a:off x="571037" y="3287532"/>
+            <a:ext cx="1778696" cy="366713"/>
+          </a:xfrm>
+          <a:prstGeom prst="rect">
+            <a:avLst/>
+          </a:prstGeom>
+          <a:noFill/>
+        </p:spPr>
+        <p:txBody>
+          <a:bodyPr wrap="square" rtlCol="0">
+            <a:spAutoFit/>
+          </a:bodyPr>
+          <a:lstStyle/>
+          <a:p>
+            <a:r>
+              <a:rPr lang="en-US"/>
+              <a:t>Attrition Risk</a:t>
+            </a:r>
+          </a:p>
+        </p:txBody>
+      </p:sp>
+      <p:sp>
+        <p:nvSpPr>
+          <p:cNvPr id="16" name="TextBox 15"/>
+          <p:cNvSpPr txBox="1"/>
+          <p:nvPr/>
+        </p:nvSpPr>
+        <p:spPr>
+          <a:xfrm>
+            <a:off x="4471792" y="3990905"/>
+            <a:ext cx="1189972" cy="369332"/>
+          </a:xfrm>
+          <a:prstGeom prst="rect">
+            <a:avLst/>
+          </a:prstGeom>
+          <a:noFill/>
+        </p:spPr>
+        <p:txBody>
+          <a:bodyPr wrap="square" rtlCol="0">
+            <a:spAutoFit/>
+          </a:bodyPr>
+          <a:lstStyle/>
+          <a:p>
+            <a:r>
+              <a:rPr lang="en-US" dirty="0"/>
+              <a:t>Maintain</a:t>
+            </a:r>
+          </a:p>
+        </p:txBody>
+      </p:sp>
+      <p:sp>
+        <p:nvSpPr>
+          <p:cNvPr id="17" name="TextBox 16"/>
+          <p:cNvSpPr txBox="1"/>
+          <p:nvPr/>
+        </p:nvSpPr>
+        <p:spPr>
+          <a:xfrm>
+            <a:off x="2567836" y="3990905"/>
+            <a:ext cx="1114816" cy="369332"/>
+          </a:xfrm>
+          <a:prstGeom prst="rect">
+            <a:avLst/>
+          </a:prstGeom>
+          <a:noFill/>
+        </p:spPr>
+        <p:txBody>
+          <a:bodyPr wrap="square" rtlCol="0">
+            <a:spAutoFit/>
+          </a:bodyPr>
+          <a:lstStyle/>
+          <a:p>
+            <a:r>
+              <a:rPr lang="en-US" dirty="0"/>
+              <a:t>Grow-up</a:t>
+            </a:r>
+          </a:p>
+        </p:txBody>
+      </p:sp>
+      <p:sp>
+        <p:nvSpPr>
+          <p:cNvPr id="18" name="TextBox 17"/>
+          <p:cNvSpPr txBox="1"/>
+          <p:nvPr/>
+        </p:nvSpPr>
+        <p:spPr>
+          <a:xfrm>
+            <a:off x="2567836" y="2204613"/>
+            <a:ext cx="1114816" cy="376960"/>
+          </a:xfrm>
+          <a:prstGeom prst="rect">
+            <a:avLst/>
+          </a:prstGeom>
+          <a:noFill/>
+        </p:spPr>
+        <p:txBody>
+          <a:bodyPr wrap="square" rtlCol="0">
+            <a:spAutoFit/>
+          </a:bodyPr>
+          <a:lstStyle/>
+          <a:p>
+            <a:pPr algn="ctr"/>
+            <a:r>
+              <a:rPr lang="en-US" dirty="0"/>
+              <a:t>Divest?</a:t>
+            </a:r>
+          </a:p>
+        </p:txBody>
+      </p:sp>
+      <p:sp>
+        <p:nvSpPr>
+          <p:cNvPr id="19" name="TextBox 18"/>
+          <p:cNvSpPr txBox="1"/>
+          <p:nvPr/>
+        </p:nvSpPr>
+        <p:spPr>
+          <a:xfrm>
+            <a:off x="4264070" y="2195155"/>
+            <a:ext cx="1603332" cy="646331"/>
+          </a:xfrm>
+          <a:prstGeom prst="rect">
+            <a:avLst/>
+          </a:prstGeom>
+          <a:noFill/>
+        </p:spPr>
+        <p:txBody>
+          <a:bodyPr wrap="square" rtlCol="0">
+            <a:spAutoFit/>
+          </a:bodyPr>
+          <a:lstStyle/>
+          <a:p>
+            <a:pPr algn="ctr"/>
+            <a:r>
+              <a:rPr lang="en-US" dirty="0">
+                <a:solidFill>
+                  <a:schemeClr val="bg1"/>
+                </a:solidFill>
+              </a:rPr>
+              <a:t>Aggressively retain</a:t>
+            </a:r>
+          </a:p>
+        </p:txBody>
+      </p:sp>
+      <p:sp>
+        <p:nvSpPr>
+          <p:cNvPr id="20" name="TextBox 19"/>
+          <p:cNvSpPr txBox="1"/>
+          <p:nvPr/>
+        </p:nvSpPr>
+        <p:spPr>
+          <a:xfrm>
+            <a:off x="4366889" y="2855192"/>
+            <a:ext cx="1397694" cy="461665"/>
+          </a:xfrm>
+          <a:prstGeom prst="rect">
+            <a:avLst/>
+          </a:prstGeom>
+          <a:noFill/>
+        </p:spPr>
+        <p:txBody>
+          <a:bodyPr wrap="square" rtlCol="0">
+            <a:spAutoFit/>
+          </a:bodyPr>
+          <a:lstStyle/>
+          <a:p>
+            <a:pPr algn="ctr"/>
+            <a:r>
+              <a:rPr lang="en-US" sz="1200" dirty="0">
+                <a:solidFill>
+                  <a:schemeClr val="bg1"/>
+                </a:solidFill>
+              </a:rPr>
+              <a:t>High value.</a:t>
+            </a:r>
+          </a:p>
+          <a:p>
+            <a:pPr algn="ctr"/>
+            <a:r>
+              <a:rPr lang="en-US" sz="1200" dirty="0">
+                <a:solidFill>
+                  <a:schemeClr val="bg1"/>
+                </a:solidFill>
+              </a:rPr>
+              <a:t>High Attrition Risk</a:t>
+            </a:r>
+          </a:p>
+        </p:txBody>
+      </p:sp>
+      <p:sp>
+        <p:nvSpPr>
+          <p:cNvPr id="21" name="TextBox 20"/>
+          <p:cNvSpPr txBox="1"/>
+          <p:nvPr/>
+        </p:nvSpPr>
+        <p:spPr>
+          <a:xfrm>
+            <a:off x="4264070" y="4412668"/>
+            <a:ext cx="1397694" cy="461665"/>
+          </a:xfrm>
+          <a:prstGeom prst="rect">
+            <a:avLst/>
+          </a:prstGeom>
+          <a:noFill/>
+        </p:spPr>
+        <p:txBody>
+          <a:bodyPr wrap="square" rtlCol="0">
+            <a:spAutoFit/>
+          </a:bodyPr>
+          <a:lstStyle/>
+          <a:p>
+            <a:pPr algn="ctr"/>
+            <a:r>
+              <a:rPr lang="en-US" sz="1200" dirty="0"/>
+              <a:t>High value.</a:t>
+            </a:r>
+          </a:p>
+          <a:p>
+            <a:pPr algn="ctr"/>
+            <a:r>
+              <a:rPr lang="en-US" sz="1200" dirty="0"/>
+              <a:t>Low Attrition Risk</a:t>
+            </a:r>
+          </a:p>
+        </p:txBody>
+      </p:sp>
+      <p:sp>
+        <p:nvSpPr>
+          <p:cNvPr id="22" name="TextBox 21"/>
+          <p:cNvSpPr txBox="1"/>
+          <p:nvPr/>
+        </p:nvSpPr>
+        <p:spPr>
+          <a:xfrm>
+            <a:off x="2407608" y="4450155"/>
+            <a:ext cx="1397694" cy="461665"/>
+          </a:xfrm>
+          <a:prstGeom prst="rect">
+            <a:avLst/>
+          </a:prstGeom>
+          <a:noFill/>
+        </p:spPr>
+        <p:txBody>
+          <a:bodyPr wrap="square" rtlCol="0">
+            <a:spAutoFit/>
+          </a:bodyPr>
+          <a:lstStyle/>
+          <a:p>
+            <a:pPr algn="ctr"/>
+            <a:r>
+              <a:rPr lang="en-US" sz="1200" dirty="0"/>
+              <a:t>Low value.</a:t>
+            </a:r>
+          </a:p>
+          <a:p>
+            <a:pPr algn="ctr"/>
+            <a:r>
+              <a:rPr lang="en-US" sz="1200" dirty="0"/>
+              <a:t>Low Attrition Risk</a:t>
+            </a:r>
+          </a:p>
+        </p:txBody>
+      </p:sp>
+      <p:sp>
+        <p:nvSpPr>
+          <p:cNvPr id="23" name="TextBox 22"/>
+          <p:cNvSpPr txBox="1"/>
+          <p:nvPr/>
+        </p:nvSpPr>
+        <p:spPr>
+          <a:xfrm>
+            <a:off x="2426397" y="2874798"/>
+            <a:ext cx="1397694" cy="461665"/>
+          </a:xfrm>
+          <a:prstGeom prst="rect">
+            <a:avLst/>
+          </a:prstGeom>
+          <a:noFill/>
+        </p:spPr>
+        <p:txBody>
+          <a:bodyPr wrap="square" rtlCol="0">
+            <a:spAutoFit/>
+          </a:bodyPr>
+          <a:lstStyle/>
+          <a:p>
+            <a:pPr algn="ctr"/>
+            <a:r>
+              <a:rPr lang="en-US" sz="1200" dirty="0"/>
+              <a:t>Low value.</a:t>
+            </a:r>
+          </a:p>
+          <a:p>
+            <a:pPr algn="ctr"/>
+            <a:r>
+              <a:rPr lang="en-US" sz="1200" dirty="0"/>
+              <a:t>High Attrition Risk</a:t>
+            </a:r>
+          </a:p>
+        </p:txBody>
+      </p:sp>
+    </p:spTree>
+    <p:extLst>
+      <p:ext uri="{BB962C8B-B14F-4D97-AF65-F5344CB8AC3E}">
+        <p14:creationId xmlns:p14="http://schemas.microsoft.com/office/powerpoint/2010/main" val="1204180998"/>
+      </p:ext>
+    </p:extLst>
+  </p:cSld>
+  <p:clrMapOvr>
+    <a:masterClrMapping/>
+  </p:clrMapOvr>
+  <mc:AlternateContent xmlns:mc="http://schemas.openxmlformats.org/markup-compatibility/2006" xmlns:p14="http://schemas.microsoft.com/office/powerpoint/2010/main">
+    <mc:Choice Requires="p14">
+      <p:transition p14:dur="0" advClick="0" advTm="15000"/>
+    </mc:Choice>
+    <mc:Fallback xmlns="">
+      <p:transition advClick="0" advTm="15000"/>
+    </mc:Fallback>
+  </mc:AlternateContent>
+</p:sld>
+</file>
+
+<file path=ppt/slides/slide40.xml><?xml version="1.0" encoding="utf-8"?>
+<p:sld xmlns:a="http://schemas.openxmlformats.org/drawingml/2006/main" xmlns:r="http://schemas.openxmlformats.org/officeDocument/2006/relationships" xmlns:p="http://schemas.openxmlformats.org/presentationml/2006/main">
+  <p:cSld>
+    <p:spTree>
+      <p:nvGrpSpPr>
+        <p:cNvPr id="1" name=""/>
+        <p:cNvGrpSpPr/>
+        <p:nvPr/>
+      </p:nvGrpSpPr>
+      <p:grpSpPr>
+        <a:xfrm>
+          <a:off x="0" y="0"/>
+          <a:ext cx="0" cy="0"/>
+          <a:chOff x="0" y="0"/>
+          <a:chExt cx="0" cy="0"/>
+        </a:xfrm>
+      </p:grpSpPr>
+      <p:sp>
+        <p:nvSpPr>
           <p:cNvPr id="2" name="Title 1">
             <a:extLst>
               <a:ext uri="{FF2B5EF4-FFF2-40B4-BE49-F238E27FC236}">
@@ -10060,13 +9566,16 @@
         </p:nvSpPr>
         <p:spPr/>
         <p:txBody>
-          <a:bodyPr/>
-          <a:lstStyle/>
-          <a:p>
-            <a:r>
-              <a:rPr lang="en-US" dirty="0"/>
-              <a:t>Summary</a:t>
-            </a:r>
+          <a:bodyPr>
+            <a:normAutofit fontScale="90000"/>
+          </a:bodyPr>
+          <a:lstStyle/>
+          <a:p>
+            <a:r>
+              <a:rPr lang="en-US" dirty="0" smtClean="0"/>
+              <a:t>Summary – Need to change Copy forward2 model fit equation</a:t>
+            </a:r>
+            <a:endParaRPr lang="en-US" dirty="0"/>
           </a:p>
         </p:txBody>
       </p:sp>
@@ -10140,7 +9649,7 @@
             <a:fld id="{38327683-8978-6B4B-9130-4A6A841F0549}" type="slidenum">
               <a:rPr lang="en-US" smtClean="0"/>
               <a:pPr/>
-              <a:t>42</a:t>
+              <a:t>40</a:t>
             </a:fld>
             <a:endParaRPr lang="en-US" dirty="0"/>
           </a:p>

--- a/Doing_Data_Science/CaseStudy2/Reports/MSDSPresentation.pptx
+++ b/Doing_Data_Science/CaseStudy2/Reports/MSDSPresentation.pptx
@@ -148,7 +148,7 @@
   </p:defaultTextStyle>
   <p:extLst>
     <p:ext uri="{EFAFB233-063F-42B5-8137-9DF3F51BA10A}">
-      <p15:sldGuideLst xmlns="" xmlns:p15="http://schemas.microsoft.com/office/powerpoint/2012/main">
+      <p15:sldGuideLst xmlns:p15="http://schemas.microsoft.com/office/powerpoint/2012/main">
         <p15:guide id="1" orient="horz" pos="2160">
           <p15:clr>
             <a:srgbClr val="A4A3A4"/>
@@ -3881,12 +3881,8 @@
           <a:lstStyle/>
           <a:p>
             <a:r>
-              <a:rPr lang="en-US" dirty="0" smtClean="0"/>
-              <a:t>Steps: Data </a:t>
-            </a:r>
-            <a:r>
               <a:rPr lang="en-US" dirty="0"/>
-              <a:t>Cleaning and Preparation</a:t>
+              <a:t>Data Cleaning and Preparation</a:t>
             </a:r>
           </a:p>
         </p:txBody>
@@ -3948,7 +3944,7 @@
           <p:cNvPr id="5" name="Picture 4">
             <a:extLst>
               <a:ext uri="{FF2B5EF4-FFF2-40B4-BE49-F238E27FC236}">
-                <a16:creationId xmlns:a16="http://schemas.microsoft.com/office/drawing/2014/main" xmlns="" id="{A122BA49-BCC1-4069-8B36-2E2A36A085DC}"/>
+                <a16:creationId xmlns:a16="http://schemas.microsoft.com/office/drawing/2014/main" id="{A122BA49-BCC1-4069-8B36-2E2A36A085DC}"/>
               </a:ext>
             </a:extLst>
           </p:cNvPr>
@@ -4027,12 +4023,8 @@
           <a:lstStyle/>
           <a:p>
             <a:r>
-              <a:rPr lang="en-US" dirty="0" smtClean="0"/>
-              <a:t>Steps: Preliminary </a:t>
-            </a:r>
-            <a:r>
               <a:rPr lang="en-US" dirty="0"/>
-              <a:t>Analysis</a:t>
+              <a:t>Preliminary Analysis</a:t>
             </a:r>
           </a:p>
         </p:txBody>
@@ -4174,7 +4166,7 @@
           <p:cNvPr id="2" name="Title 1">
             <a:extLst>
               <a:ext uri="{FF2B5EF4-FFF2-40B4-BE49-F238E27FC236}">
-                <a16:creationId xmlns:a16="http://schemas.microsoft.com/office/drawing/2014/main" xmlns="" id="{F19D4C4C-38E0-4BA0-8683-E58FC183E858}"/>
+                <a16:creationId xmlns:a16="http://schemas.microsoft.com/office/drawing/2014/main" id="{F19D4C4C-38E0-4BA0-8683-E58FC183E858}"/>
               </a:ext>
             </a:extLst>
           </p:cNvPr>
@@ -4193,12 +4185,8 @@
           <a:lstStyle/>
           <a:p>
             <a:r>
-              <a:rPr lang="en-US" dirty="0" smtClean="0"/>
-              <a:t>Steps: Preliminary </a:t>
-            </a:r>
-            <a:r>
               <a:rPr lang="en-US" dirty="0"/>
-              <a:t>Analysis</a:t>
+              <a:t>Preliminary Analysis</a:t>
             </a:r>
             <a:br>
               <a:rPr lang="en-US" dirty="0"/>
@@ -4216,7 +4204,7 @@
           <p:cNvPr id="4" name="Slide Number Placeholder 3">
             <a:extLst>
               <a:ext uri="{FF2B5EF4-FFF2-40B4-BE49-F238E27FC236}">
-                <a16:creationId xmlns:a16="http://schemas.microsoft.com/office/drawing/2014/main" xmlns="" id="{B29C2946-0225-4BE8-BC5F-3F2F35FA4656}"/>
+                <a16:creationId xmlns:a16="http://schemas.microsoft.com/office/drawing/2014/main" id="{B29C2946-0225-4BE8-BC5F-3F2F35FA4656}"/>
               </a:ext>
             </a:extLst>
           </p:cNvPr>
@@ -4246,7 +4234,7 @@
           <p:cNvPr id="18" name="Content Placeholder 17">
             <a:extLst>
               <a:ext uri="{FF2B5EF4-FFF2-40B4-BE49-F238E27FC236}">
-                <a16:creationId xmlns:a16="http://schemas.microsoft.com/office/drawing/2014/main" xmlns="" id="{B70FA49E-DB1A-4D2F-B3D6-A12086B252A1}"/>
+                <a16:creationId xmlns:a16="http://schemas.microsoft.com/office/drawing/2014/main" id="{B70FA49E-DB1A-4D2F-B3D6-A12086B252A1}"/>
               </a:ext>
             </a:extLst>
           </p:cNvPr>
@@ -4326,16 +4314,8 @@
           <a:lstStyle/>
           <a:p>
             <a:r>
-              <a:rPr lang="en-US" dirty="0" err="1" smtClean="0"/>
-              <a:t>Steps:Preliminary</a:t>
-            </a:r>
-            <a:r>
-              <a:rPr lang="en-US" dirty="0" smtClean="0"/>
-              <a:t> </a:t>
-            </a:r>
-            <a:r>
               <a:rPr lang="en-US" dirty="0"/>
-              <a:t>Analysis</a:t>
+              <a:t>Preliminary Analysis</a:t>
             </a:r>
             <a:br>
               <a:rPr lang="en-US" dirty="0"/>
@@ -4352,7 +4332,7 @@
           <p:cNvPr id="6" name="Content Placeholder 5">
             <a:extLst>
               <a:ext uri="{FF2B5EF4-FFF2-40B4-BE49-F238E27FC236}">
-                <a16:creationId xmlns:a16="http://schemas.microsoft.com/office/drawing/2014/main" xmlns="" id="{E8857B41-3BD7-49E9-8668-2A733709510E}"/>
+                <a16:creationId xmlns:a16="http://schemas.microsoft.com/office/drawing/2014/main" id="{E8857B41-3BD7-49E9-8668-2A733709510E}"/>
               </a:ext>
             </a:extLst>
           </p:cNvPr>
@@ -4473,7 +4453,7 @@
           <p:cNvPr id="6" name="Content Placeholder 5">
             <a:extLst>
               <a:ext uri="{FF2B5EF4-FFF2-40B4-BE49-F238E27FC236}">
-                <a16:creationId xmlns:a16="http://schemas.microsoft.com/office/drawing/2014/main" xmlns="" id="{61D6C121-E635-4D07-B4C2-35D4734261AF}"/>
+                <a16:creationId xmlns:a16="http://schemas.microsoft.com/office/drawing/2014/main" id="{61D6C121-E635-4D07-B4C2-35D4734261AF}"/>
               </a:ext>
             </a:extLst>
           </p:cNvPr>
@@ -4617,7 +4597,7 @@
           <p:cNvPr id="7" name="Picture 6">
             <a:extLst>
               <a:ext uri="{FF2B5EF4-FFF2-40B4-BE49-F238E27FC236}">
-                <a16:creationId xmlns:a16="http://schemas.microsoft.com/office/drawing/2014/main" xmlns="" id="{C62A8C6E-7406-4259-956B-CB235BC49411}"/>
+                <a16:creationId xmlns:a16="http://schemas.microsoft.com/office/drawing/2014/main" id="{C62A8C6E-7406-4259-956B-CB235BC49411}"/>
               </a:ext>
             </a:extLst>
           </p:cNvPr>
@@ -4739,7 +4719,7 @@
           <p:cNvPr id="3" name="Picture 2">
             <a:extLst>
               <a:ext uri="{FF2B5EF4-FFF2-40B4-BE49-F238E27FC236}">
-                <a16:creationId xmlns:a16="http://schemas.microsoft.com/office/drawing/2014/main" xmlns="" id="{FF0E3EE5-FBE1-4ABD-9D9E-148B8D27868E}"/>
+                <a16:creationId xmlns:a16="http://schemas.microsoft.com/office/drawing/2014/main" id="{FF0E3EE5-FBE1-4ABD-9D9E-148B8D27868E}"/>
               </a:ext>
             </a:extLst>
           </p:cNvPr>
@@ -4861,7 +4841,7 @@
           <p:cNvPr id="6" name="Picture 5">
             <a:extLst>
               <a:ext uri="{FF2B5EF4-FFF2-40B4-BE49-F238E27FC236}">
-                <a16:creationId xmlns:a16="http://schemas.microsoft.com/office/drawing/2014/main" xmlns="" id="{052667F5-BF7A-4DCE-8553-4193F0796BA6}"/>
+                <a16:creationId xmlns:a16="http://schemas.microsoft.com/office/drawing/2014/main" id="{052667F5-BF7A-4DCE-8553-4193F0796BA6}"/>
               </a:ext>
             </a:extLst>
           </p:cNvPr>
@@ -4983,7 +4963,7 @@
           <p:cNvPr id="5" name="Picture 4">
             <a:extLst>
               <a:ext uri="{FF2B5EF4-FFF2-40B4-BE49-F238E27FC236}">
-                <a16:creationId xmlns:a16="http://schemas.microsoft.com/office/drawing/2014/main" xmlns="" id="{25ED1D38-B3A4-472A-8DAB-B21479F8E4F5}"/>
+                <a16:creationId xmlns:a16="http://schemas.microsoft.com/office/drawing/2014/main" id="{25ED1D38-B3A4-472A-8DAB-B21479F8E4F5}"/>
               </a:ext>
             </a:extLst>
           </p:cNvPr>
@@ -5105,7 +5085,7 @@
           <p:cNvPr id="6" name="Picture 5">
             <a:extLst>
               <a:ext uri="{FF2B5EF4-FFF2-40B4-BE49-F238E27FC236}">
-                <a16:creationId xmlns:a16="http://schemas.microsoft.com/office/drawing/2014/main" xmlns="" id="{5933CCDE-EF28-4D72-9A0F-56D773759CD1}"/>
+                <a16:creationId xmlns:a16="http://schemas.microsoft.com/office/drawing/2014/main" id="{5933CCDE-EF28-4D72-9A0F-56D773759CD1}"/>
               </a:ext>
             </a:extLst>
           </p:cNvPr>
@@ -5184,10 +5164,9 @@
           <a:lstStyle/>
           <a:p>
             <a:r>
-              <a:rPr lang="en-US" dirty="0" smtClean="0"/>
+              <a:rPr lang="en-US" dirty="0"/>
               <a:t>Outline</a:t>
             </a:r>
-            <a:endParaRPr lang="en-US" dirty="0"/>
           </a:p>
         </p:txBody>
       </p:sp>
@@ -5207,34 +5186,33 @@
           <a:lstStyle/>
           <a:p>
             <a:r>
-              <a:rPr lang="en-US" dirty="0" smtClean="0"/>
+              <a:rPr lang="en-US" dirty="0"/>
               <a:t>Business Objectives</a:t>
             </a:r>
           </a:p>
           <a:p>
             <a:r>
-              <a:rPr lang="en-US" dirty="0" smtClean="0"/>
+              <a:rPr lang="en-US" dirty="0"/>
               <a:t>Data Sourced</a:t>
             </a:r>
           </a:p>
           <a:p>
             <a:r>
-              <a:rPr lang="en-US" dirty="0" smtClean="0"/>
+              <a:rPr lang="en-US" dirty="0"/>
               <a:t>Methodology</a:t>
             </a:r>
           </a:p>
           <a:p>
             <a:r>
-              <a:rPr lang="en-US" dirty="0" smtClean="0"/>
+              <a:rPr lang="en-US" dirty="0"/>
               <a:t>Evaluation/Results</a:t>
             </a:r>
           </a:p>
           <a:p>
             <a:r>
-              <a:rPr lang="en-US" dirty="0" smtClean="0"/>
+              <a:rPr lang="en-US" dirty="0"/>
               <a:t>Summary</a:t>
             </a:r>
-            <a:endParaRPr lang="en-US" dirty="0"/>
           </a:p>
         </p:txBody>
       </p:sp>
@@ -5359,7 +5337,7 @@
           <p:cNvPr id="6" name="Picture 5">
             <a:extLst>
               <a:ext uri="{FF2B5EF4-FFF2-40B4-BE49-F238E27FC236}">
-                <a16:creationId xmlns:a16="http://schemas.microsoft.com/office/drawing/2014/main" xmlns="" id="{40D4DAF3-4556-41BC-B21F-748A86A960F2}"/>
+                <a16:creationId xmlns:a16="http://schemas.microsoft.com/office/drawing/2014/main" id="{40D4DAF3-4556-41BC-B21F-748A86A960F2}"/>
               </a:ext>
             </a:extLst>
           </p:cNvPr>
@@ -5402,13 +5380,6 @@
       <p:transition advClick="0" advTm="15000"/>
     </mc:Fallback>
   </mc:AlternateContent>
-  <p:timing>
-    <p:tnLst>
-      <p:par>
-        <p:cTn id="1" dur="indefinite" restart="never" nodeType="tmRoot"/>
-      </p:par>
-    </p:tnLst>
-  </p:timing>
 </p:sld>
 </file>
 
@@ -5479,7 +5450,7 @@
           <p:cNvPr id="6" name="Picture 5">
             <a:extLst>
               <a:ext uri="{FF2B5EF4-FFF2-40B4-BE49-F238E27FC236}">
-                <a16:creationId xmlns:a16="http://schemas.microsoft.com/office/drawing/2014/main" xmlns="" id="{A457BCE3-99EB-4323-A275-C8085F28B912}"/>
+                <a16:creationId xmlns:a16="http://schemas.microsoft.com/office/drawing/2014/main" id="{A457BCE3-99EB-4323-A275-C8085F28B912}"/>
               </a:ext>
             </a:extLst>
           </p:cNvPr>
@@ -5509,7 +5480,7 @@
           <p:cNvPr id="8" name="Picture 7">
             <a:extLst>
               <a:ext uri="{FF2B5EF4-FFF2-40B4-BE49-F238E27FC236}">
-                <a16:creationId xmlns:a16="http://schemas.microsoft.com/office/drawing/2014/main" xmlns="" id="{06DF5910-A725-45C4-AE15-468EC2B1F611}"/>
+                <a16:creationId xmlns:a16="http://schemas.microsoft.com/office/drawing/2014/main" id="{06DF5910-A725-45C4-AE15-468EC2B1F611}"/>
               </a:ext>
             </a:extLst>
           </p:cNvPr>
@@ -5539,7 +5510,7 @@
           <p:cNvPr id="10" name="Picture 9">
             <a:extLst>
               <a:ext uri="{FF2B5EF4-FFF2-40B4-BE49-F238E27FC236}">
-                <a16:creationId xmlns:a16="http://schemas.microsoft.com/office/drawing/2014/main" xmlns="" id="{E2F97347-3CE1-40E8-998A-5AE6A3C0B505}"/>
+                <a16:creationId xmlns:a16="http://schemas.microsoft.com/office/drawing/2014/main" id="{E2F97347-3CE1-40E8-998A-5AE6A3C0B505}"/>
               </a:ext>
             </a:extLst>
           </p:cNvPr>
@@ -5569,7 +5540,7 @@
           <p:cNvPr id="12" name="Picture 11">
             <a:extLst>
               <a:ext uri="{FF2B5EF4-FFF2-40B4-BE49-F238E27FC236}">
-                <a16:creationId xmlns:a16="http://schemas.microsoft.com/office/drawing/2014/main" xmlns="" id="{747686DC-E0EE-4B66-91B5-2E302C5335FD}"/>
+                <a16:creationId xmlns:a16="http://schemas.microsoft.com/office/drawing/2014/main" id="{747686DC-E0EE-4B66-91B5-2E302C5335FD}"/>
               </a:ext>
             </a:extLst>
           </p:cNvPr>
@@ -5599,7 +5570,7 @@
           <p:cNvPr id="14" name="Picture 13">
             <a:extLst>
               <a:ext uri="{FF2B5EF4-FFF2-40B4-BE49-F238E27FC236}">
-                <a16:creationId xmlns:a16="http://schemas.microsoft.com/office/drawing/2014/main" xmlns="" id="{D75E8BAA-88BE-497B-ADB6-F7BD327977B7}"/>
+                <a16:creationId xmlns:a16="http://schemas.microsoft.com/office/drawing/2014/main" id="{D75E8BAA-88BE-497B-ADB6-F7BD327977B7}"/>
               </a:ext>
             </a:extLst>
           </p:cNvPr>
@@ -5629,7 +5600,7 @@
           <p:cNvPr id="16" name="Picture 15">
             <a:extLst>
               <a:ext uri="{FF2B5EF4-FFF2-40B4-BE49-F238E27FC236}">
-                <a16:creationId xmlns:a16="http://schemas.microsoft.com/office/drawing/2014/main" xmlns="" id="{8413762C-3AA6-4E09-B91D-446B0EFFDD61}"/>
+                <a16:creationId xmlns:a16="http://schemas.microsoft.com/office/drawing/2014/main" id="{8413762C-3AA6-4E09-B91D-446B0EFFDD61}"/>
               </a:ext>
             </a:extLst>
           </p:cNvPr>
@@ -5672,13 +5643,6 @@
       <p:transition advClick="0" advTm="15000"/>
     </mc:Fallback>
   </mc:AlternateContent>
-  <p:timing>
-    <p:tnLst>
-      <p:par>
-        <p:cTn id="1" dur="indefinite" restart="never" nodeType="tmRoot"/>
-      </p:par>
-    </p:tnLst>
-  </p:timing>
 </p:sld>
 </file>
 
@@ -5755,7 +5719,7 @@
           <p:cNvPr id="5" name="Picture 4">
             <a:extLst>
               <a:ext uri="{FF2B5EF4-FFF2-40B4-BE49-F238E27FC236}">
-                <a16:creationId xmlns:a16="http://schemas.microsoft.com/office/drawing/2014/main" xmlns="" id="{1C19F4AC-ED12-4A26-B469-DBF032E06E9E}"/>
+                <a16:creationId xmlns:a16="http://schemas.microsoft.com/office/drawing/2014/main" id="{1C19F4AC-ED12-4A26-B469-DBF032E06E9E}"/>
               </a:ext>
             </a:extLst>
           </p:cNvPr>
@@ -5798,13 +5762,6 @@
       <p:transition advClick="0" advTm="15000"/>
     </mc:Fallback>
   </mc:AlternateContent>
-  <p:timing>
-    <p:tnLst>
-      <p:par>
-        <p:cTn id="1" dur="indefinite" restart="never" nodeType="tmRoot"/>
-      </p:par>
-    </p:tnLst>
-  </p:timing>
 </p:sld>
 </file>
 
@@ -5830,7 +5787,7 @@
           <p:cNvPr id="2" name="Title 1">
             <a:extLst>
               <a:ext uri="{FF2B5EF4-FFF2-40B4-BE49-F238E27FC236}">
-                <a16:creationId xmlns:a16="http://schemas.microsoft.com/office/drawing/2014/main" xmlns="" id="{F671E4CC-E3B3-4B6A-ABB0-88D976BF86DD}"/>
+                <a16:creationId xmlns:a16="http://schemas.microsoft.com/office/drawing/2014/main" id="{F671E4CC-E3B3-4B6A-ABB0-88D976BF86DD}"/>
               </a:ext>
             </a:extLst>
           </p:cNvPr>
@@ -5848,13 +5805,8 @@
           <a:p>
             <a:r>
               <a:rPr lang="en-US" dirty="0"/>
-              <a:t>Visual Inspection of </a:t>
-            </a:r>
-            <a:r>
-              <a:rPr lang="en-US" dirty="0" smtClean="0"/>
-              <a:t>Continuous Variables </a:t>
-            </a:r>
-            <a:endParaRPr lang="en-US" dirty="0"/>
+              <a:t>Visual Inspection of Continuous Variables </a:t>
+            </a:r>
           </a:p>
         </p:txBody>
       </p:sp>
@@ -5863,7 +5815,7 @@
           <p:cNvPr id="4" name="Slide Number Placeholder 3">
             <a:extLst>
               <a:ext uri="{FF2B5EF4-FFF2-40B4-BE49-F238E27FC236}">
-                <a16:creationId xmlns:a16="http://schemas.microsoft.com/office/drawing/2014/main" xmlns="" id="{C75131EE-B8AE-4F83-81CB-B39D9743C6B5}"/>
+                <a16:creationId xmlns:a16="http://schemas.microsoft.com/office/drawing/2014/main" id="{C75131EE-B8AE-4F83-81CB-B39D9743C6B5}"/>
               </a:ext>
             </a:extLst>
           </p:cNvPr>
@@ -5893,7 +5845,7 @@
           <p:cNvPr id="6" name="Picture 5">
             <a:extLst>
               <a:ext uri="{FF2B5EF4-FFF2-40B4-BE49-F238E27FC236}">
-                <a16:creationId xmlns:a16="http://schemas.microsoft.com/office/drawing/2014/main" xmlns="" id="{EAB7A5A3-217D-44B7-8B15-2E287114D567}"/>
+                <a16:creationId xmlns:a16="http://schemas.microsoft.com/office/drawing/2014/main" id="{EAB7A5A3-217D-44B7-8B15-2E287114D567}"/>
               </a:ext>
             </a:extLst>
           </p:cNvPr>
@@ -5936,13 +5888,6 @@
       <p:transition advClick="0" advTm="15000"/>
     </mc:Fallback>
   </mc:AlternateContent>
-  <p:timing>
-    <p:tnLst>
-      <p:par>
-        <p:cTn id="1" dur="indefinite" restart="never" nodeType="tmRoot"/>
-      </p:par>
-    </p:tnLst>
-  </p:timing>
 </p:sld>
 </file>
 
@@ -5979,10 +5924,9 @@
           <a:lstStyle/>
           <a:p>
             <a:r>
-              <a:rPr lang="en-US" dirty="0" smtClean="0"/>
+              <a:rPr lang="en-US" dirty="0"/>
               <a:t>Additional Analysis: Correlation Plot</a:t>
             </a:r>
-            <a:endParaRPr lang="en-US" dirty="0"/>
           </a:p>
         </p:txBody>
       </p:sp>
@@ -6082,13 +6026,6 @@
       <p:transition advClick="0" advTm="15000"/>
     </mc:Fallback>
   </mc:AlternateContent>
-  <p:timing>
-    <p:tnLst>
-      <p:par>
-        <p:cTn id="1" dur="indefinite" restart="never" nodeType="tmRoot"/>
-      </p:par>
-    </p:tnLst>
-  </p:timing>
 </p:sld>
 </file>
 
@@ -6125,14 +6062,9 @@
           <a:lstStyle/>
           <a:p>
             <a:r>
-              <a:rPr lang="en-US" dirty="0" err="1" smtClean="0"/>
-              <a:t>Evaluaion</a:t>
-            </a:r>
-            <a:r>
-              <a:rPr lang="en-US" dirty="0" smtClean="0"/>
-              <a:t>/Results</a:t>
-            </a:r>
-            <a:endParaRPr lang="en-US" dirty="0"/>
+              <a:rPr lang="en-US" dirty="0"/>
+              <a:t>Evaluation/Results</a:t>
+            </a:r>
           </a:p>
         </p:txBody>
       </p:sp>
@@ -6153,47 +6085,66 @@
           <a:p>
             <a:pPr lvl="1"/>
             <a:r>
-              <a:rPr lang="en-US" dirty="0"/>
-              <a:t>Tell me the percentages and </a:t>
-            </a:r>
-            <a:r>
-              <a:rPr lang="en-US" dirty="0" smtClean="0"/>
-              <a:t>why </a:t>
-            </a:r>
-            <a:endParaRPr lang="en-US" dirty="0"/>
+              <a:rPr lang="en-US" dirty="0">
+                <a:solidFill>
+                  <a:schemeClr val="tx1"/>
+                </a:solidFill>
+              </a:rPr>
+              <a:t>Tell me the percentages and why </a:t>
+            </a:r>
           </a:p>
           <a:p>
             <a:pPr lvl="1"/>
             <a:r>
-              <a:rPr lang="en-US" dirty="0"/>
+              <a:rPr lang="en-US" dirty="0">
+                <a:solidFill>
+                  <a:schemeClr val="tx1"/>
+                </a:solidFill>
+              </a:rPr>
               <a:t>Show me graphs with explanations</a:t>
             </a:r>
           </a:p>
           <a:p>
             <a:pPr lvl="1"/>
             <a:r>
-              <a:rPr lang="en-US" dirty="0"/>
+              <a:rPr lang="en-US" dirty="0">
+                <a:solidFill>
+                  <a:schemeClr val="tx1"/>
+                </a:solidFill>
+              </a:rPr>
               <a:t>The top three factors that contribute to turnover</a:t>
             </a:r>
           </a:p>
           <a:p>
             <a:pPr lvl="1"/>
             <a:r>
-              <a:rPr lang="en-US" dirty="0"/>
+              <a:rPr lang="en-US" dirty="0">
+                <a:solidFill>
+                  <a:schemeClr val="tx1"/>
+                </a:solidFill>
+              </a:rPr>
               <a:t>Tell me about any job role specific trends that may exist in the data set</a:t>
             </a:r>
           </a:p>
           <a:p>
             <a:pPr lvl="1"/>
             <a:r>
-              <a:rPr lang="en-US" dirty="0"/>
+              <a:rPr lang="en-US" dirty="0">
+                <a:solidFill>
+                  <a:schemeClr val="tx1"/>
+                </a:solidFill>
+              </a:rPr>
               <a:t>Provide any other interesting trends and observations from your analysis</a:t>
             </a:r>
           </a:p>
           <a:p>
             <a:pPr lvl="1"/>
             <a:r>
-              <a:rPr lang="en-US" dirty="0"/>
+              <a:rPr lang="en-US" dirty="0">
+                <a:solidFill>
+                  <a:schemeClr val="tx1"/>
+                </a:solidFill>
+              </a:rPr>
               <a:t>Other things to consider?</a:t>
             </a:r>
           </a:p>
@@ -6241,13 +6192,6 @@
       <p:transition advClick="0" advTm="15000"/>
     </mc:Fallback>
   </mc:AlternateContent>
-  <p:timing>
-    <p:tnLst>
-      <p:par>
-        <p:cTn id="1" dur="indefinite" restart="never" nodeType="tmRoot"/>
-      </p:par>
-    </p:tnLst>
-  </p:timing>
 </p:sld>
 </file>
 
@@ -6278,22 +6222,22 @@
             <p:ph type="title"/>
           </p:nvPr>
         </p:nvSpPr>
-        <p:spPr/>
+        <p:spPr>
+          <a:xfrm>
+            <a:off x="359923" y="365126"/>
+            <a:ext cx="8492247" cy="1325563"/>
+          </a:xfrm>
+        </p:spPr>
         <p:txBody>
           <a:bodyPr>
-            <a:normAutofit fontScale="90000"/>
+            <a:normAutofit/>
           </a:bodyPr>
           <a:lstStyle/>
           <a:p>
             <a:r>
-              <a:rPr lang="en-US" dirty="0" smtClean="0"/>
-              <a:t>Evaluation : Percentages and </a:t>
-            </a:r>
-            <a:r>
-              <a:rPr lang="en-US" dirty="0" smtClean="0"/>
-              <a:t>why – Need to add fit equation For Full Model</a:t>
-            </a:r>
-            <a:endParaRPr lang="en-US" dirty="0"/>
+              <a:rPr lang="en-US" dirty="0"/>
+              <a:t>Evaluation : Percentages and why</a:t>
+            </a:r>
           </a:p>
         </p:txBody>
       </p:sp>
@@ -6321,62 +6265,6 @@
           </a:p>
         </p:txBody>
       </p:sp>
-      <p:pic>
-        <p:nvPicPr>
-          <p:cNvPr id="1026" name="Picture 2"/>
-          <p:cNvPicPr>
-            <a:picLocks noGrp="1" noChangeAspect="1" noChangeArrowheads="1"/>
-          </p:cNvPicPr>
-          <p:nvPr>
-            <p:ph idx="1"/>
-          </p:nvPr>
-        </p:nvPicPr>
-        <p:blipFill>
-          <a:blip r:embed="rId2">
-            <a:extLst>
-              <a:ext uri="{28A0092B-C50C-407E-A947-70E740481C1C}">
-                <a14:useLocalDpi xmlns:a14="http://schemas.microsoft.com/office/drawing/2010/main" val="0"/>
-              </a:ext>
-            </a:extLst>
-          </a:blip>
-          <a:srcRect/>
-          <a:stretch>
-            <a:fillRect/>
-          </a:stretch>
-        </p:blipFill>
-        <p:spPr bwMode="auto">
-          <a:xfrm>
-            <a:off x="244089" y="1639887"/>
-            <a:ext cx="3122573" cy="4351338"/>
-          </a:xfrm>
-          <a:prstGeom prst="rect">
-            <a:avLst/>
-          </a:prstGeom>
-          <a:noFill/>
-          <a:ln>
-            <a:noFill/>
-          </a:ln>
-          <a:extLst>
-            <a:ext uri="{909E8E84-426E-40DD-AFC4-6F175D3DCCD1}">
-              <a14:hiddenFill xmlns:a14="http://schemas.microsoft.com/office/drawing/2010/main">
-                <a:solidFill>
-                  <a:schemeClr val="accent1"/>
-                </a:solidFill>
-              </a14:hiddenFill>
-            </a:ext>
-            <a:ext uri="{91240B29-F687-4F45-9708-019B960494DF}">
-              <a14:hiddenLine xmlns:a14="http://schemas.microsoft.com/office/drawing/2010/main" w="9525">
-                <a:solidFill>
-                  <a:schemeClr val="tx1"/>
-                </a:solidFill>
-                <a:miter lim="800000"/>
-                <a:headEnd/>
-                <a:tailEnd/>
-              </a14:hiddenLine>
-            </a:ext>
-          </a:extLst>
-        </p:spPr>
-      </p:pic>
       <p:pic>
         <p:nvPicPr>
           <p:cNvPr id="1027" name="Picture 3"/>
@@ -6385,23 +6273,21 @@
           </p:cNvPicPr>
           <p:nvPr/>
         </p:nvPicPr>
-        <p:blipFill>
-          <a:blip r:embed="rId3">
+        <p:blipFill rotWithShape="1">
+          <a:blip r:embed="rId2">
             <a:extLst>
               <a:ext uri="{28A0092B-C50C-407E-A947-70E740481C1C}">
                 <a14:useLocalDpi xmlns:a14="http://schemas.microsoft.com/office/drawing/2010/main" val="0"/>
               </a:ext>
             </a:extLst>
           </a:blip>
-          <a:srcRect/>
-          <a:stretch>
-            <a:fillRect/>
-          </a:stretch>
+          <a:srcRect b="83475"/>
+          <a:stretch/>
         </p:blipFill>
         <p:spPr bwMode="auto">
           <a:xfrm>
-            <a:off x="3455171" y="1639887"/>
-            <a:ext cx="3002780" cy="4300536"/>
+            <a:off x="5083784" y="2003404"/>
+            <a:ext cx="3740884" cy="885344"/>
           </a:xfrm>
           <a:prstGeom prst="rect">
             <a:avLst/>
@@ -6440,7 +6326,7 @@
           <p:nvPr/>
         </p:nvPicPr>
         <p:blipFill>
-          <a:blip r:embed="rId4">
+          <a:blip r:embed="rId3">
             <a:extLst>
               <a:ext uri="{28A0092B-C50C-407E-A947-70E740481C1C}">
                 <a14:useLocalDpi xmlns:a14="http://schemas.microsoft.com/office/drawing/2010/main" val="0"/>
@@ -6454,313 +6340,8 @@
         </p:blipFill>
         <p:spPr bwMode="auto">
           <a:xfrm>
-            <a:off x="6457951" y="1639887"/>
-            <a:ext cx="2608230" cy="2627878"/>
-          </a:xfrm>
-          <a:prstGeom prst="rect">
-            <a:avLst/>
-          </a:prstGeom>
-          <a:noFill/>
-          <a:ln>
-            <a:noFill/>
-          </a:ln>
-          <a:extLst>
-            <a:ext uri="{909E8E84-426E-40DD-AFC4-6F175D3DCCD1}">
-              <a14:hiddenFill xmlns:a14="http://schemas.microsoft.com/office/drawing/2010/main">
-                <a:solidFill>
-                  <a:schemeClr val="accent1"/>
-                </a:solidFill>
-              </a14:hiddenFill>
-            </a:ext>
-            <a:ext uri="{91240B29-F687-4F45-9708-019B960494DF}">
-              <a14:hiddenLine xmlns:a14="http://schemas.microsoft.com/office/drawing/2010/main" w="9525">
-                <a:solidFill>
-                  <a:schemeClr val="tx1"/>
-                </a:solidFill>
-                <a:miter lim="800000"/>
-                <a:headEnd/>
-                <a:tailEnd/>
-              </a14:hiddenLine>
-            </a:ext>
-          </a:extLst>
-        </p:spPr>
-      </p:pic>
-    </p:spTree>
-    <p:extLst>
-      <p:ext uri="{BB962C8B-B14F-4D97-AF65-F5344CB8AC3E}">
-        <p14:creationId xmlns:p14="http://schemas.microsoft.com/office/powerpoint/2010/main" val="393525486"/>
-      </p:ext>
-    </p:extLst>
-  </p:cSld>
-  <p:clrMapOvr>
-    <a:masterClrMapping/>
-  </p:clrMapOvr>
-  <mc:AlternateContent xmlns:mc="http://schemas.openxmlformats.org/markup-compatibility/2006" xmlns:p14="http://schemas.microsoft.com/office/powerpoint/2010/main">
-    <mc:Choice Requires="p14">
-      <p:transition p14:dur="0" advClick="0" advTm="15000"/>
-    </mc:Choice>
-    <mc:Fallback xmlns="">
-      <p:transition advClick="0" advTm="15000"/>
-    </mc:Fallback>
-  </mc:AlternateContent>
-  <p:timing>
-    <p:tnLst>
-      <p:par>
-        <p:cTn id="1" dur="indefinite" restart="never" nodeType="tmRoot"/>
-      </p:par>
-    </p:tnLst>
-  </p:timing>
-</p:sld>
-</file>
-
-<file path=ppt/slides/slide27.xml><?xml version="1.0" encoding="utf-8"?>
-<p:sld xmlns:a="http://schemas.openxmlformats.org/drawingml/2006/main" xmlns:r="http://schemas.openxmlformats.org/officeDocument/2006/relationships" xmlns:p="http://schemas.openxmlformats.org/presentationml/2006/main">
-  <p:cSld>
-    <p:spTree>
-      <p:nvGrpSpPr>
-        <p:cNvPr id="1" name=""/>
-        <p:cNvGrpSpPr/>
-        <p:nvPr/>
-      </p:nvGrpSpPr>
-      <p:grpSpPr>
-        <a:xfrm>
-          <a:off x="0" y="0"/>
-          <a:ext cx="0" cy="0"/>
-          <a:chOff x="0" y="0"/>
-          <a:chExt cx="0" cy="0"/>
-        </a:xfrm>
-      </p:grpSpPr>
-      <p:sp>
-        <p:nvSpPr>
-          <p:cNvPr id="2" name="Title 1"/>
-          <p:cNvSpPr>
-            <a:spLocks noGrp="1"/>
-          </p:cNvSpPr>
-          <p:nvPr>
-            <p:ph type="title"/>
-          </p:nvPr>
-        </p:nvSpPr>
-        <p:spPr/>
-        <p:txBody>
-          <a:bodyPr/>
-          <a:lstStyle/>
-          <a:p>
-            <a:r>
-              <a:rPr lang="en-US" dirty="0"/>
-              <a:t>Forward </a:t>
-            </a:r>
-            <a:r>
-              <a:rPr lang="en-US" dirty="0" smtClean="0"/>
-              <a:t>Selection – Fit equation for Forward Model</a:t>
-            </a:r>
-            <a:endParaRPr lang="en-US" dirty="0"/>
-          </a:p>
-        </p:txBody>
-      </p:sp>
-      <p:sp>
-        <p:nvSpPr>
-          <p:cNvPr id="4" name="Slide Number Placeholder 3"/>
-          <p:cNvSpPr>
-            <a:spLocks noGrp="1"/>
-          </p:cNvSpPr>
-          <p:nvPr>
-            <p:ph type="sldNum" sz="quarter" idx="12"/>
-          </p:nvPr>
-        </p:nvSpPr>
-        <p:spPr/>
-        <p:txBody>
-          <a:bodyPr/>
-          <a:lstStyle/>
-          <a:p>
-            <a:fld id="{38327683-8978-6B4B-9130-4A6A841F0549}" type="slidenum">
-              <a:rPr lang="en-US" smtClean="0"/>
-              <a:t>27</a:t>
-            </a:fld>
-            <a:endParaRPr lang="en-US" dirty="0"/>
-          </a:p>
-        </p:txBody>
-      </p:sp>
-      <p:sp>
-        <p:nvSpPr>
-          <p:cNvPr id="6" name="Arrow: Right 5">
-            <a:extLst>
-              <a:ext uri="{FF2B5EF4-FFF2-40B4-BE49-F238E27FC236}">
-                <a16:creationId xmlns:a16="http://schemas.microsoft.com/office/drawing/2014/main" xmlns="" id="{D3AB38C5-C53B-45EC-BF20-EC993E4E7B4C}"/>
-              </a:ext>
-            </a:extLst>
-          </p:cNvPr>
-          <p:cNvSpPr/>
-          <p:nvPr/>
-        </p:nvSpPr>
-        <p:spPr>
-          <a:xfrm rot="10800000">
-            <a:off x="4249373" y="2992772"/>
-            <a:ext cx="459360" cy="187641"/>
-          </a:xfrm>
-          <a:prstGeom prst="rightArrow">
-            <a:avLst>
-              <a:gd name="adj1" fmla="val 50000"/>
-              <a:gd name="adj2" fmla="val 55062"/>
-            </a:avLst>
-          </a:prstGeom>
-        </p:spPr>
-        <p:style>
-          <a:lnRef idx="2">
-            <a:schemeClr val="accent1">
-              <a:shade val="50000"/>
-            </a:schemeClr>
-          </a:lnRef>
-          <a:fillRef idx="1">
-            <a:schemeClr val="accent1"/>
-          </a:fillRef>
-          <a:effectRef idx="0">
-            <a:schemeClr val="accent1"/>
-          </a:effectRef>
-          <a:fontRef idx="minor">
-            <a:schemeClr val="lt1"/>
-          </a:fontRef>
-        </p:style>
-        <p:txBody>
-          <a:bodyPr rtlCol="0" anchor="ctr"/>
-          <a:lstStyle/>
-          <a:p>
-            <a:pPr algn="ctr"/>
-            <a:endParaRPr lang="en-US"/>
-          </a:p>
-        </p:txBody>
-      </p:sp>
-      <p:sp>
-        <p:nvSpPr>
-          <p:cNvPr id="7" name="Arrow: Right 6">
-            <a:extLst>
-              <a:ext uri="{FF2B5EF4-FFF2-40B4-BE49-F238E27FC236}">
-                <a16:creationId xmlns:a16="http://schemas.microsoft.com/office/drawing/2014/main" xmlns="" id="{A07E458E-D1E7-4A4A-A64B-B220C9D3AFB6}"/>
-              </a:ext>
-            </a:extLst>
-          </p:cNvPr>
-          <p:cNvSpPr/>
-          <p:nvPr/>
-        </p:nvSpPr>
-        <p:spPr>
-          <a:xfrm rot="10800000">
-            <a:off x="4281443" y="3260611"/>
-            <a:ext cx="459360" cy="187641"/>
-          </a:xfrm>
-          <a:prstGeom prst="rightArrow">
-            <a:avLst>
-              <a:gd name="adj1" fmla="val 50000"/>
-              <a:gd name="adj2" fmla="val 55062"/>
-            </a:avLst>
-          </a:prstGeom>
-        </p:spPr>
-        <p:style>
-          <a:lnRef idx="2">
-            <a:schemeClr val="accent1">
-              <a:shade val="50000"/>
-            </a:schemeClr>
-          </a:lnRef>
-          <a:fillRef idx="1">
-            <a:schemeClr val="accent1"/>
-          </a:fillRef>
-          <a:effectRef idx="0">
-            <a:schemeClr val="accent1"/>
-          </a:effectRef>
-          <a:fontRef idx="minor">
-            <a:schemeClr val="lt1"/>
-          </a:fontRef>
-        </p:style>
-        <p:txBody>
-          <a:bodyPr rtlCol="0" anchor="ctr"/>
-          <a:lstStyle/>
-          <a:p>
-            <a:pPr algn="ctr"/>
-            <a:endParaRPr lang="en-US"/>
-          </a:p>
-        </p:txBody>
-      </p:sp>
-      <p:sp>
-        <p:nvSpPr>
-          <p:cNvPr id="8" name="Rectangle 7">
-            <a:extLst>
-              <a:ext uri="{FF2B5EF4-FFF2-40B4-BE49-F238E27FC236}">
-                <a16:creationId xmlns:a16="http://schemas.microsoft.com/office/drawing/2014/main" xmlns="" id="{1412B516-22FB-4AFA-B70C-6A6969023FC5}"/>
-              </a:ext>
-            </a:extLst>
-          </p:cNvPr>
-          <p:cNvSpPr/>
-          <p:nvPr/>
-        </p:nvSpPr>
-        <p:spPr>
-          <a:xfrm>
-            <a:off x="5071922" y="2798946"/>
-            <a:ext cx="2515681" cy="923330"/>
-          </a:xfrm>
-          <a:prstGeom prst="rect">
-            <a:avLst/>
-          </a:prstGeom>
-        </p:spPr>
-        <p:txBody>
-          <a:bodyPr wrap="square">
-            <a:spAutoFit/>
-          </a:bodyPr>
-          <a:lstStyle/>
-          <a:p>
-            <a:r>
-              <a:rPr lang="en-US" dirty="0"/>
-              <a:t>Removing </a:t>
-            </a:r>
-            <a:r>
-              <a:rPr lang="en-US" dirty="0" err="1"/>
-              <a:t>JobLevel</a:t>
-            </a:r>
-            <a:r>
-              <a:rPr lang="en-US" dirty="0"/>
-              <a:t> since </a:t>
-            </a:r>
-            <a:r>
-              <a:rPr lang="en-US" dirty="0" err="1"/>
-              <a:t>JobRole</a:t>
-            </a:r>
-            <a:r>
-              <a:rPr lang="en-US" dirty="0"/>
-              <a:t> and </a:t>
-            </a:r>
-            <a:r>
-              <a:rPr lang="en-US" dirty="0" err="1"/>
-              <a:t>JobLevel</a:t>
-            </a:r>
-            <a:r>
-              <a:rPr lang="en-US" dirty="0"/>
-              <a:t> are highly correlated</a:t>
-            </a:r>
-          </a:p>
-        </p:txBody>
-      </p:sp>
-      <p:pic>
-        <p:nvPicPr>
-          <p:cNvPr id="2050" name="Picture 2"/>
-          <p:cNvPicPr>
-            <a:picLocks noChangeAspect="1" noChangeArrowheads="1"/>
-          </p:cNvPicPr>
-          <p:nvPr/>
-        </p:nvPicPr>
-        <p:blipFill>
-          <a:blip r:embed="rId2">
-            <a:extLst>
-              <a:ext uri="{28A0092B-C50C-407E-A947-70E740481C1C}">
-                <a14:useLocalDpi xmlns:a14="http://schemas.microsoft.com/office/drawing/2010/main" val="0"/>
-              </a:ext>
-            </a:extLst>
-          </a:blip>
-          <a:srcRect/>
-          <a:stretch>
-            <a:fillRect/>
-          </a:stretch>
-        </p:blipFill>
-        <p:spPr bwMode="auto">
-          <a:xfrm>
-            <a:off x="1436896" y="1312803"/>
-            <a:ext cx="6543675" cy="1019175"/>
+            <a:off x="5083784" y="3376717"/>
+            <a:ext cx="3759928" cy="1962538"/>
           </a:xfrm>
           <a:prstGeom prst="rect">
             <a:avLst/>
@@ -6792,6 +6373,212 @@
       </p:pic>
       <p:pic>
         <p:nvPicPr>
+          <p:cNvPr id="8" name="Picture 7">
+            <a:extLst>
+              <a:ext uri="{FF2B5EF4-FFF2-40B4-BE49-F238E27FC236}">
+                <a16:creationId xmlns:a16="http://schemas.microsoft.com/office/drawing/2014/main" id="{2D8B7190-6007-4224-8E68-C6FA2D41CC19}"/>
+              </a:ext>
+            </a:extLst>
+          </p:cNvPr>
+          <p:cNvPicPr>
+            <a:picLocks noChangeAspect="1"/>
+          </p:cNvPicPr>
+          <p:nvPr/>
+        </p:nvPicPr>
+        <p:blipFill>
+          <a:blip r:embed="rId4"/>
+          <a:stretch>
+            <a:fillRect/>
+          </a:stretch>
+        </p:blipFill>
+        <p:spPr>
+          <a:xfrm>
+            <a:off x="693723" y="1547792"/>
+            <a:ext cx="4162055" cy="4317300"/>
+          </a:xfrm>
+          <a:prstGeom prst="rect">
+            <a:avLst/>
+          </a:prstGeom>
+        </p:spPr>
+      </p:pic>
+      <p:sp>
+        <p:nvSpPr>
+          <p:cNvPr id="9" name="TextBox 8">
+            <a:extLst>
+              <a:ext uri="{FF2B5EF4-FFF2-40B4-BE49-F238E27FC236}">
+                <a16:creationId xmlns:a16="http://schemas.microsoft.com/office/drawing/2014/main" id="{E2F1F2E0-2D65-4278-897D-DDAB51DB7A0F}"/>
+              </a:ext>
+            </a:extLst>
+          </p:cNvPr>
+          <p:cNvSpPr txBox="1"/>
+          <p:nvPr/>
+        </p:nvSpPr>
+        <p:spPr>
+          <a:xfrm>
+            <a:off x="5020724" y="2864245"/>
+            <a:ext cx="629322" cy="369332"/>
+          </a:xfrm>
+          <a:prstGeom prst="rect">
+            <a:avLst/>
+          </a:prstGeom>
+          <a:noFill/>
+        </p:spPr>
+        <p:txBody>
+          <a:bodyPr wrap="square" rtlCol="0">
+            <a:spAutoFit/>
+          </a:bodyPr>
+          <a:lstStyle/>
+          <a:p>
+            <a:r>
+              <a:rPr lang="en-US" dirty="0"/>
+              <a:t>……</a:t>
+            </a:r>
+          </a:p>
+        </p:txBody>
+      </p:sp>
+    </p:spTree>
+    <p:extLst>
+      <p:ext uri="{BB962C8B-B14F-4D97-AF65-F5344CB8AC3E}">
+        <p14:creationId xmlns:p14="http://schemas.microsoft.com/office/powerpoint/2010/main" val="393525486"/>
+      </p:ext>
+    </p:extLst>
+  </p:cSld>
+  <p:clrMapOvr>
+    <a:masterClrMapping/>
+  </p:clrMapOvr>
+  <mc:AlternateContent xmlns:mc="http://schemas.openxmlformats.org/markup-compatibility/2006" xmlns:p14="http://schemas.microsoft.com/office/powerpoint/2010/main">
+    <mc:Choice Requires="p14">
+      <p:transition p14:dur="0" advClick="0" advTm="15000"/>
+    </mc:Choice>
+    <mc:Fallback xmlns="">
+      <p:transition advClick="0" advTm="15000"/>
+    </mc:Fallback>
+  </mc:AlternateContent>
+</p:sld>
+</file>
+
+<file path=ppt/slides/slide27.xml><?xml version="1.0" encoding="utf-8"?>
+<p:sld xmlns:a="http://schemas.openxmlformats.org/drawingml/2006/main" xmlns:r="http://schemas.openxmlformats.org/officeDocument/2006/relationships" xmlns:p="http://schemas.openxmlformats.org/presentationml/2006/main">
+  <p:cSld>
+    <p:spTree>
+      <p:nvGrpSpPr>
+        <p:cNvPr id="1" name=""/>
+        <p:cNvGrpSpPr/>
+        <p:nvPr/>
+      </p:nvGrpSpPr>
+      <p:grpSpPr>
+        <a:xfrm>
+          <a:off x="0" y="0"/>
+          <a:ext cx="0" cy="0"/>
+          <a:chOff x="0" y="0"/>
+          <a:chExt cx="0" cy="0"/>
+        </a:xfrm>
+      </p:grpSpPr>
+      <p:sp>
+        <p:nvSpPr>
+          <p:cNvPr id="2" name="Title 1"/>
+          <p:cNvSpPr>
+            <a:spLocks noGrp="1"/>
+          </p:cNvSpPr>
+          <p:nvPr>
+            <p:ph type="title"/>
+          </p:nvPr>
+        </p:nvSpPr>
+        <p:spPr/>
+        <p:txBody>
+          <a:bodyPr/>
+          <a:lstStyle/>
+          <a:p>
+            <a:r>
+              <a:rPr lang="en-US" dirty="0"/>
+              <a:t>Forward Selection – Fit equation for Forward Model</a:t>
+            </a:r>
+          </a:p>
+        </p:txBody>
+      </p:sp>
+      <p:sp>
+        <p:nvSpPr>
+          <p:cNvPr id="4" name="Slide Number Placeholder 3"/>
+          <p:cNvSpPr>
+            <a:spLocks noGrp="1"/>
+          </p:cNvSpPr>
+          <p:nvPr>
+            <p:ph type="sldNum" sz="quarter" idx="12"/>
+          </p:nvPr>
+        </p:nvSpPr>
+        <p:spPr/>
+        <p:txBody>
+          <a:bodyPr/>
+          <a:lstStyle/>
+          <a:p>
+            <a:fld id="{38327683-8978-6B4B-9130-4A6A841F0549}" type="slidenum">
+              <a:rPr lang="en-US" smtClean="0"/>
+              <a:t>27</a:t>
+            </a:fld>
+            <a:endParaRPr lang="en-US" dirty="0"/>
+          </a:p>
+        </p:txBody>
+      </p:sp>
+      <p:sp>
+        <p:nvSpPr>
+          <p:cNvPr id="8" name="Rectangle 7">
+            <a:extLst>
+              <a:ext uri="{FF2B5EF4-FFF2-40B4-BE49-F238E27FC236}">
+                <a16:creationId xmlns:a16="http://schemas.microsoft.com/office/drawing/2014/main" id="{1412B516-22FB-4AFA-B70C-6A6969023FC5}"/>
+              </a:ext>
+            </a:extLst>
+          </p:cNvPr>
+          <p:cNvSpPr/>
+          <p:nvPr/>
+        </p:nvSpPr>
+        <p:spPr>
+          <a:xfrm>
+            <a:off x="4356110" y="1815600"/>
+            <a:ext cx="2515681" cy="461665"/>
+          </a:xfrm>
+          <a:prstGeom prst="rect">
+            <a:avLst/>
+          </a:prstGeom>
+        </p:spPr>
+        <p:txBody>
+          <a:bodyPr wrap="square">
+            <a:spAutoFit/>
+          </a:bodyPr>
+          <a:lstStyle/>
+          <a:p>
+            <a:r>
+              <a:rPr lang="en-US" sz="1200" dirty="0"/>
+              <a:t>Removing </a:t>
+            </a:r>
+            <a:r>
+              <a:rPr lang="en-US" sz="1200" dirty="0" err="1"/>
+              <a:t>JobLevel</a:t>
+            </a:r>
+            <a:r>
+              <a:rPr lang="en-US" sz="1200" dirty="0"/>
+              <a:t> since </a:t>
+            </a:r>
+            <a:r>
+              <a:rPr lang="en-US" sz="1200" dirty="0" err="1"/>
+              <a:t>JobRole</a:t>
+            </a:r>
+            <a:r>
+              <a:rPr lang="en-US" sz="1200" dirty="0"/>
+              <a:t> and </a:t>
+            </a:r>
+            <a:r>
+              <a:rPr lang="en-US" sz="1200" dirty="0" err="1"/>
+              <a:t>JobLevel</a:t>
+            </a:r>
+            <a:r>
+              <a:rPr lang="en-US" sz="1200" dirty="0"/>
+              <a:t> are highly correlated</a:t>
+            </a:r>
+          </a:p>
+        </p:txBody>
+      </p:sp>
+      <p:pic>
+        <p:nvPicPr>
           <p:cNvPr id="2051" name="Picture 3"/>
           <p:cNvPicPr>
             <a:picLocks noChangeAspect="1" noChangeArrowheads="1"/>
@@ -6799,7 +6586,7 @@
           <p:nvPr/>
         </p:nvPicPr>
         <p:blipFill>
-          <a:blip r:embed="rId3">
+          <a:blip r:embed="rId2">
             <a:extLst>
               <a:ext uri="{28A0092B-C50C-407E-A947-70E740481C1C}">
                 <a14:useLocalDpi xmlns:a14="http://schemas.microsoft.com/office/drawing/2010/main" val="0"/>
@@ -6813,8 +6600,8 @@
         </p:blipFill>
         <p:spPr bwMode="auto">
           <a:xfrm>
-            <a:off x="782386" y="2510684"/>
-            <a:ext cx="3362325" cy="3733800"/>
+            <a:off x="647859" y="1677865"/>
+            <a:ext cx="3129447" cy="3475193"/>
           </a:xfrm>
           <a:prstGeom prst="rect">
             <a:avLst/>
@@ -6844,6 +6631,134 @@
           </a:extLst>
         </p:spPr>
       </p:pic>
+      <p:pic>
+        <p:nvPicPr>
+          <p:cNvPr id="3" name="Picture 2">
+            <a:extLst>
+              <a:ext uri="{FF2B5EF4-FFF2-40B4-BE49-F238E27FC236}">
+                <a16:creationId xmlns:a16="http://schemas.microsoft.com/office/drawing/2014/main" id="{AF988CCE-D137-4E38-93AD-7185CF825C52}"/>
+              </a:ext>
+            </a:extLst>
+          </p:cNvPr>
+          <p:cNvPicPr>
+            <a:picLocks noChangeAspect="1"/>
+          </p:cNvPicPr>
+          <p:nvPr/>
+        </p:nvPicPr>
+        <p:blipFill>
+          <a:blip r:embed="rId3"/>
+          <a:stretch>
+            <a:fillRect/>
+          </a:stretch>
+        </p:blipFill>
+        <p:spPr>
+          <a:xfrm>
+            <a:off x="4005814" y="2356589"/>
+            <a:ext cx="4696751" cy="3903720"/>
+          </a:xfrm>
+          <a:prstGeom prst="rect">
+            <a:avLst/>
+          </a:prstGeom>
+        </p:spPr>
+      </p:pic>
+      <p:sp>
+        <p:nvSpPr>
+          <p:cNvPr id="6" name="Arrow: Right 5">
+            <a:extLst>
+              <a:ext uri="{FF2B5EF4-FFF2-40B4-BE49-F238E27FC236}">
+                <a16:creationId xmlns:a16="http://schemas.microsoft.com/office/drawing/2014/main" id="{D3AB38C5-C53B-45EC-BF20-EC993E4E7B4C}"/>
+              </a:ext>
+            </a:extLst>
+          </p:cNvPr>
+          <p:cNvSpPr/>
+          <p:nvPr/>
+        </p:nvSpPr>
+        <p:spPr>
+          <a:xfrm rot="9604315">
+            <a:off x="3597532" y="1926925"/>
+            <a:ext cx="704685" cy="292877"/>
+          </a:xfrm>
+          <a:prstGeom prst="rightArrow">
+            <a:avLst>
+              <a:gd name="adj1" fmla="val 50000"/>
+              <a:gd name="adj2" fmla="val 55062"/>
+            </a:avLst>
+          </a:prstGeom>
+        </p:spPr>
+        <p:style>
+          <a:lnRef idx="2">
+            <a:schemeClr val="accent1">
+              <a:shade val="50000"/>
+            </a:schemeClr>
+          </a:lnRef>
+          <a:fillRef idx="1">
+            <a:schemeClr val="accent1"/>
+          </a:fillRef>
+          <a:effectRef idx="0">
+            <a:schemeClr val="accent1"/>
+          </a:effectRef>
+          <a:fontRef idx="minor">
+            <a:schemeClr val="lt1"/>
+          </a:fontRef>
+        </p:style>
+        <p:txBody>
+          <a:bodyPr rtlCol="0" anchor="ctr"/>
+          <a:lstStyle/>
+          <a:p>
+            <a:pPr algn="ctr"/>
+            <a:endParaRPr lang="en-US"/>
+          </a:p>
+        </p:txBody>
+      </p:sp>
+      <p:sp>
+        <p:nvSpPr>
+          <p:cNvPr id="7" name="Arrow: Right 6">
+            <a:extLst>
+              <a:ext uri="{FF2B5EF4-FFF2-40B4-BE49-F238E27FC236}">
+                <a16:creationId xmlns:a16="http://schemas.microsoft.com/office/drawing/2014/main" id="{A07E458E-D1E7-4A4A-A64B-B220C9D3AFB6}"/>
+              </a:ext>
+            </a:extLst>
+          </p:cNvPr>
+          <p:cNvSpPr/>
+          <p:nvPr/>
+        </p:nvSpPr>
+        <p:spPr>
+          <a:xfrm rot="9531232">
+            <a:off x="3617740" y="2196232"/>
+            <a:ext cx="553796" cy="269790"/>
+          </a:xfrm>
+          <a:prstGeom prst="rightArrow">
+            <a:avLst>
+              <a:gd name="adj1" fmla="val 50000"/>
+              <a:gd name="adj2" fmla="val 55062"/>
+            </a:avLst>
+          </a:prstGeom>
+        </p:spPr>
+        <p:style>
+          <a:lnRef idx="2">
+            <a:schemeClr val="accent1">
+              <a:shade val="50000"/>
+            </a:schemeClr>
+          </a:lnRef>
+          <a:fillRef idx="1">
+            <a:schemeClr val="accent1"/>
+          </a:fillRef>
+          <a:effectRef idx="0">
+            <a:schemeClr val="accent1"/>
+          </a:effectRef>
+          <a:fontRef idx="minor">
+            <a:schemeClr val="lt1"/>
+          </a:fontRef>
+        </p:style>
+        <p:txBody>
+          <a:bodyPr rtlCol="0" anchor="ctr"/>
+          <a:lstStyle/>
+          <a:p>
+            <a:pPr algn="ctr"/>
+            <a:endParaRPr lang="en-US"/>
+          </a:p>
+        </p:txBody>
+      </p:sp>
     </p:spTree>
     <p:extLst>
       <p:ext uri="{BB962C8B-B14F-4D97-AF65-F5344CB8AC3E}">
@@ -6862,13 +6777,6 @@
       <p:transition advClick="0" advTm="15000"/>
     </mc:Fallback>
   </mc:AlternateContent>
-  <p:timing>
-    <p:tnLst>
-      <p:par>
-        <p:cTn id="1" dur="indefinite" restart="never" nodeType="tmRoot"/>
-      </p:par>
-    </p:tnLst>
-  </p:timing>
 </p:sld>
 </file>
 
@@ -6894,7 +6802,7 @@
           <p:cNvPr id="2" name="Title 1">
             <a:extLst>
               <a:ext uri="{FF2B5EF4-FFF2-40B4-BE49-F238E27FC236}">
-                <a16:creationId xmlns:a16="http://schemas.microsoft.com/office/drawing/2014/main" xmlns="" id="{D2DF04D8-3233-4516-A1F8-37E8FDCBD220}"/>
+                <a16:creationId xmlns:a16="http://schemas.microsoft.com/office/drawing/2014/main" id="{D2DF04D8-3233-4516-A1F8-37E8FDCBD220}"/>
               </a:ext>
             </a:extLst>
           </p:cNvPr>
@@ -6914,21 +6822,16 @@
           <a:p>
             <a:r>
               <a:rPr lang="en-US" dirty="0"/>
-              <a:t>Check overall effect </a:t>
-            </a:r>
-            <a:r>
-              <a:rPr lang="en-US" dirty="0" smtClean="0"/>
-              <a:t>Of </a:t>
-            </a:r>
-            <a:r>
-              <a:rPr lang="en-US" dirty="0" err="1" smtClean="0"/>
+              <a:t>Check overall effect Of </a:t>
+            </a:r>
+            <a:r>
+              <a:rPr lang="en-US" dirty="0" err="1"/>
               <a:t>JobRole</a:t>
             </a:r>
             <a:r>
-              <a:rPr lang="en-US" dirty="0" smtClean="0"/>
+              <a:rPr lang="en-US" dirty="0"/>
               <a:t> and Education Field</a:t>
             </a:r>
-            <a:endParaRPr lang="en-US" dirty="0"/>
           </a:p>
         </p:txBody>
       </p:sp>
@@ -6937,7 +6840,7 @@
           <p:cNvPr id="4" name="Slide Number Placeholder 3">
             <a:extLst>
               <a:ext uri="{FF2B5EF4-FFF2-40B4-BE49-F238E27FC236}">
-                <a16:creationId xmlns:a16="http://schemas.microsoft.com/office/drawing/2014/main" xmlns="" id="{D445F6C0-644C-4AA7-8CAE-A51ECBDA32DD}"/>
+                <a16:creationId xmlns:a16="http://schemas.microsoft.com/office/drawing/2014/main" id="{D445F6C0-644C-4AA7-8CAE-A51ECBDA32DD}"/>
               </a:ext>
             </a:extLst>
           </p:cNvPr>
@@ -7034,13 +6937,6 @@
       <p:transition advClick="0" advTm="15000"/>
     </mc:Fallback>
   </mc:AlternateContent>
-  <p:timing>
-    <p:tnLst>
-      <p:par>
-        <p:cTn id="1" dur="indefinite" restart="never" nodeType="tmRoot"/>
-      </p:par>
-    </p:tnLst>
-  </p:timing>
 </p:sld>
 </file>
 
@@ -7077,10 +6973,9 @@
           <a:lstStyle/>
           <a:p>
             <a:r>
-              <a:rPr lang="en-US" dirty="0" smtClean="0"/>
+              <a:rPr lang="en-US" dirty="0"/>
               <a:t>VIF for Forward model w/o Job Level and ROC Curve</a:t>
             </a:r>
-            <a:endParaRPr lang="en-US" dirty="0"/>
           </a:p>
         </p:txBody>
       </p:sp>
@@ -7236,13 +7131,6 @@
       <p:transition advClick="0" advTm="15000"/>
     </mc:Fallback>
   </mc:AlternateContent>
-  <p:timing>
-    <p:tnLst>
-      <p:par>
-        <p:cTn id="1" dur="indefinite" restart="never" nodeType="tmRoot"/>
-      </p:par>
-    </p:tnLst>
-  </p:timing>
 </p:sld>
 </file>
 
@@ -7279,10 +7167,9 @@
           <a:lstStyle/>
           <a:p>
             <a:r>
-              <a:rPr lang="en-US" dirty="0" smtClean="0"/>
+              <a:rPr lang="en-US" dirty="0"/>
               <a:t>Business Objectives</a:t>
             </a:r>
-            <a:endParaRPr lang="en-US" dirty="0"/>
           </a:p>
         </p:txBody>
       </p:sp>
@@ -7396,82 +7283,76 @@
           <a:lstStyle/>
           <a:p>
             <a:r>
-              <a:rPr lang="en-US" dirty="0" smtClean="0"/>
+              <a:rPr lang="en-US" dirty="0"/>
               <a:t>Deviance For Two Models (Forward </a:t>
             </a:r>
             <a:r>
-              <a:rPr lang="en-US" dirty="0" err="1" smtClean="0"/>
+              <a:rPr lang="en-US" dirty="0" err="1"/>
               <a:t>AndStepwise</a:t>
             </a:r>
             <a:r>
-              <a:rPr lang="en-US" dirty="0" smtClean="0"/>
+              <a:rPr lang="en-US" dirty="0"/>
               <a:t>)</a:t>
             </a:r>
+          </a:p>
+        </p:txBody>
+      </p:sp>
+      <p:sp>
+        <p:nvSpPr>
+          <p:cNvPr id="3" name="Content Placeholder 2"/>
+          <p:cNvSpPr>
+            <a:spLocks noGrp="1"/>
+          </p:cNvSpPr>
+          <p:nvPr>
+            <p:ph idx="1"/>
+          </p:nvPr>
+        </p:nvSpPr>
+        <p:spPr/>
+        <p:txBody>
+          <a:bodyPr/>
+          <a:lstStyle/>
+          <a:p>
+            <a:r>
+              <a:rPr lang="en-US" dirty="0"/>
+              <a:t>Deviance</a:t>
+            </a:r>
+          </a:p>
+          <a:p>
+            <a:pPr lvl="1"/>
+            <a:r>
+              <a:rPr lang="en-US" dirty="0"/>
+              <a:t>Forward – 764.3014</a:t>
+            </a:r>
+          </a:p>
+          <a:p>
+            <a:pPr lvl="1"/>
+            <a:r>
+              <a:rPr lang="en-US" dirty="0"/>
+              <a:t>Stepwise – 764.3014</a:t>
+            </a:r>
+          </a:p>
+          <a:p>
             <a:endParaRPr lang="en-US" dirty="0"/>
           </a:p>
-        </p:txBody>
-      </p:sp>
-      <p:sp>
-        <p:nvSpPr>
-          <p:cNvPr id="3" name="Content Placeholder 2"/>
-          <p:cNvSpPr>
-            <a:spLocks noGrp="1"/>
-          </p:cNvSpPr>
-          <p:nvPr>
-            <p:ph idx="1"/>
-          </p:nvPr>
-        </p:nvSpPr>
-        <p:spPr/>
-        <p:txBody>
-          <a:bodyPr/>
-          <a:lstStyle/>
-          <a:p>
-            <a:r>
-              <a:rPr lang="en-US" dirty="0" smtClean="0"/>
-              <a:t>Deviance</a:t>
+          <a:p>
+            <a:r>
+              <a:rPr lang="en-US" dirty="0"/>
+              <a:t>AIC Values</a:t>
             </a:r>
           </a:p>
           <a:p>
             <a:pPr lvl="1"/>
             <a:r>
-              <a:rPr lang="en-US" dirty="0" smtClean="0"/>
-              <a:t>Forward </a:t>
-            </a:r>
-            <a:r>
-              <a:rPr lang="en-US" dirty="0" smtClean="0"/>
-              <a:t>– 764.3014</a:t>
+              <a:rPr lang="en-US" dirty="0"/>
+              <a:t>Forward - 888.3014</a:t>
             </a:r>
           </a:p>
           <a:p>
             <a:pPr lvl="1"/>
             <a:r>
-              <a:rPr lang="en-US" dirty="0" smtClean="0"/>
-              <a:t>Stepwise – 764.3014</a:t>
-            </a:r>
-          </a:p>
-          <a:p>
-            <a:endParaRPr lang="en-US" dirty="0"/>
-          </a:p>
-          <a:p>
-            <a:r>
-              <a:rPr lang="en-US" dirty="0" smtClean="0"/>
-              <a:t>AIC Values</a:t>
-            </a:r>
-          </a:p>
-          <a:p>
-            <a:pPr lvl="1"/>
-            <a:r>
-              <a:rPr lang="en-US" dirty="0" smtClean="0"/>
-              <a:t>Forward - 888.3014</a:t>
-            </a:r>
-          </a:p>
-          <a:p>
-            <a:pPr lvl="1"/>
-            <a:r>
-              <a:rPr lang="en-US" dirty="0" smtClean="0"/>
+              <a:rPr lang="en-US" dirty="0"/>
               <a:t>Stepwise - 888.3014</a:t>
             </a:r>
-            <a:endParaRPr lang="en-US" dirty="0"/>
           </a:p>
         </p:txBody>
       </p:sp>
@@ -7556,13 +7437,8 @@
           <a:p>
             <a:r>
               <a:rPr lang="en-US" dirty="0"/>
-              <a:t>Goodness of Fit </a:t>
-            </a:r>
-            <a:r>
-              <a:rPr lang="en-US" dirty="0" smtClean="0"/>
-              <a:t>Test Between Forward Model and Reduced Null Model and Pseudo R^2</a:t>
-            </a:r>
-            <a:endParaRPr lang="en-US" dirty="0"/>
+              <a:t>Goodness of Fit Test Between Forward Model and Reduced Null Model and Pseudo R^2</a:t>
+            </a:r>
           </a:p>
         </p:txBody>
       </p:sp>
@@ -7582,23 +7458,22 @@
           <a:lstStyle/>
           <a:p>
             <a:r>
-              <a:rPr lang="en-US" dirty="0" smtClean="0"/>
+              <a:rPr lang="en-US" dirty="0"/>
               <a:t>Null Hypothesis is that restricted model is better than the forward2 model</a:t>
             </a:r>
           </a:p>
           <a:p>
             <a:r>
-              <a:rPr lang="en-US" dirty="0" smtClean="0"/>
+              <a:rPr lang="en-US" dirty="0"/>
               <a:t>Pseudo R^2 is</a:t>
             </a:r>
           </a:p>
           <a:p>
             <a:pPr lvl="1"/>
             <a:r>
-              <a:rPr lang="en-US" dirty="0" smtClean="0"/>
+              <a:rPr lang="en-US" dirty="0"/>
               <a:t>0.38</a:t>
             </a:r>
-            <a:endParaRPr lang="en-US" dirty="0"/>
           </a:p>
         </p:txBody>
       </p:sp>
@@ -7735,10 +7610,9 @@
           <a:lstStyle/>
           <a:p>
             <a:r>
-              <a:rPr lang="en-US" dirty="0" smtClean="0"/>
+              <a:rPr lang="en-US" dirty="0"/>
               <a:t>Accuracy of Prediction for FORWARD Model using Confusion Matrix</a:t>
             </a:r>
-            <a:endParaRPr lang="en-US" dirty="0"/>
           </a:p>
         </p:txBody>
       </p:sp>
@@ -7758,7 +7632,7 @@
           <a:lstStyle/>
           <a:p>
             <a:r>
-              <a:rPr lang="en-US" dirty="0" smtClean="0"/>
+              <a:rPr lang="en-US" dirty="0"/>
               <a:t>Accuracy of Prediction</a:t>
             </a:r>
           </a:p>
@@ -7899,10 +7773,9 @@
           <a:lstStyle/>
           <a:p>
             <a:r>
-              <a:rPr lang="en-US" dirty="0" smtClean="0"/>
+              <a:rPr lang="en-US" dirty="0"/>
               <a:t>3 Best Predictors Of The Model</a:t>
             </a:r>
-            <a:endParaRPr lang="en-US" dirty="0"/>
           </a:p>
         </p:txBody>
       </p:sp>
@@ -7922,18 +7795,17 @@
           <a:lstStyle/>
           <a:p>
             <a:r>
-              <a:rPr lang="en-US" dirty="0" smtClean="0"/>
+              <a:rPr lang="en-US" dirty="0"/>
               <a:t>3 Best Predictors for the model are </a:t>
             </a:r>
             <a:r>
-              <a:rPr lang="en-US" dirty="0" err="1" smtClean="0"/>
+              <a:rPr lang="en-US" dirty="0" err="1"/>
               <a:t>OverTime</a:t>
             </a:r>
             <a:r>
-              <a:rPr lang="en-US" dirty="0" smtClean="0"/>
+              <a:rPr lang="en-US" dirty="0"/>
               <a:t>, Stock Option Level and Environment Status.</a:t>
             </a:r>
-            <a:endParaRPr lang="en-US" dirty="0"/>
           </a:p>
         </p:txBody>
       </p:sp>
@@ -8335,7 +8207,7 @@
           <p:cNvPr id="2" name="Title 1">
             <a:extLst>
               <a:ext uri="{FF2B5EF4-FFF2-40B4-BE49-F238E27FC236}">
-                <a16:creationId xmlns:a16="http://schemas.microsoft.com/office/drawing/2014/main" xmlns="" id="{56763635-3EAC-4739-93CD-AD9773055F20}"/>
+                <a16:creationId xmlns:a16="http://schemas.microsoft.com/office/drawing/2014/main" id="{56763635-3EAC-4739-93CD-AD9773055F20}"/>
               </a:ext>
             </a:extLst>
           </p:cNvPr>
@@ -8367,7 +8239,7 @@
           <p:cNvPr id="6" name="Content Placeholder 5">
             <a:extLst>
               <a:ext uri="{FF2B5EF4-FFF2-40B4-BE49-F238E27FC236}">
-                <a16:creationId xmlns:a16="http://schemas.microsoft.com/office/drawing/2014/main" xmlns="" id="{D5D85077-E198-4963-B3A1-CC633D28CDAC}"/>
+                <a16:creationId xmlns:a16="http://schemas.microsoft.com/office/drawing/2014/main" id="{D5D85077-E198-4963-B3A1-CC633D28CDAC}"/>
               </a:ext>
             </a:extLst>
           </p:cNvPr>
@@ -8396,7 +8268,7 @@
           <p:cNvPr id="4" name="Slide Number Placeholder 3">
             <a:extLst>
               <a:ext uri="{FF2B5EF4-FFF2-40B4-BE49-F238E27FC236}">
-                <a16:creationId xmlns:a16="http://schemas.microsoft.com/office/drawing/2014/main" xmlns="" id="{9B8182FC-92FE-443B-B9FE-0D540CF501F8}"/>
+                <a16:creationId xmlns:a16="http://schemas.microsoft.com/office/drawing/2014/main" id="{9B8182FC-92FE-443B-B9FE-0D540CF501F8}"/>
               </a:ext>
             </a:extLst>
           </p:cNvPr>
@@ -8464,7 +8336,7 @@
           <p:cNvPr id="2" name="Title 1">
             <a:extLst>
               <a:ext uri="{FF2B5EF4-FFF2-40B4-BE49-F238E27FC236}">
-                <a16:creationId xmlns:a16="http://schemas.microsoft.com/office/drawing/2014/main" xmlns="" id="{56763635-3EAC-4739-93CD-AD9773055F20}"/>
+                <a16:creationId xmlns:a16="http://schemas.microsoft.com/office/drawing/2014/main" id="{56763635-3EAC-4739-93CD-AD9773055F20}"/>
               </a:ext>
             </a:extLst>
           </p:cNvPr>
@@ -8486,13 +8358,8 @@
             </a:r>
             <a:r>
               <a:rPr lang="en-US" dirty="0"/>
-              <a:t> Residual vs </a:t>
-            </a:r>
-            <a:r>
-              <a:rPr lang="en-US" dirty="0" smtClean="0"/>
-              <a:t>Leverage based on Cooks D</a:t>
-            </a:r>
-            <a:endParaRPr lang="en-US" dirty="0"/>
+              <a:t> Residual vs Leverage based on Cooks D</a:t>
+            </a:r>
           </a:p>
         </p:txBody>
       </p:sp>
@@ -8501,7 +8368,7 @@
           <p:cNvPr id="4" name="Slide Number Placeholder 3">
             <a:extLst>
               <a:ext uri="{FF2B5EF4-FFF2-40B4-BE49-F238E27FC236}">
-                <a16:creationId xmlns:a16="http://schemas.microsoft.com/office/drawing/2014/main" xmlns="" id="{9B8182FC-92FE-443B-B9FE-0D540CF501F8}"/>
+                <a16:creationId xmlns:a16="http://schemas.microsoft.com/office/drawing/2014/main" id="{9B8182FC-92FE-443B-B9FE-0D540CF501F8}"/>
               </a:ext>
             </a:extLst>
           </p:cNvPr>
@@ -8623,7 +8490,7 @@
           <p:cNvPr id="2" name="Title 1">
             <a:extLst>
               <a:ext uri="{FF2B5EF4-FFF2-40B4-BE49-F238E27FC236}">
-                <a16:creationId xmlns:a16="http://schemas.microsoft.com/office/drawing/2014/main" xmlns="" id="{66ACD699-B881-4C1A-A32B-3A81ACB6EE1B}"/>
+                <a16:creationId xmlns:a16="http://schemas.microsoft.com/office/drawing/2014/main" id="{66ACD699-B881-4C1A-A32B-3A81ACB6EE1B}"/>
               </a:ext>
             </a:extLst>
           </p:cNvPr>
@@ -8651,7 +8518,7 @@
           <p:cNvPr id="4" name="Slide Number Placeholder 3">
             <a:extLst>
               <a:ext uri="{FF2B5EF4-FFF2-40B4-BE49-F238E27FC236}">
-                <a16:creationId xmlns:a16="http://schemas.microsoft.com/office/drawing/2014/main" xmlns="" id="{CB13383B-AFC2-4DAC-8B14-A2FD504CAA8A}"/>
+                <a16:creationId xmlns:a16="http://schemas.microsoft.com/office/drawing/2014/main" id="{CB13383B-AFC2-4DAC-8B14-A2FD504CAA8A}"/>
               </a:ext>
             </a:extLst>
           </p:cNvPr>
@@ -8827,7 +8694,7 @@
           <p:cNvPr id="5" name="Picture 4">
             <a:extLst>
               <a:ext uri="{FF2B5EF4-FFF2-40B4-BE49-F238E27FC236}">
-                <a16:creationId xmlns:a16="http://schemas.microsoft.com/office/drawing/2014/main" xmlns="" id="{22881B27-7393-4AEC-9D9D-331C8757AA9B}"/>
+                <a16:creationId xmlns:a16="http://schemas.microsoft.com/office/drawing/2014/main" id="{22881B27-7393-4AEC-9D9D-331C8757AA9B}"/>
               </a:ext>
             </a:extLst>
           </p:cNvPr>
@@ -9553,7 +9420,7 @@
           <p:cNvPr id="2" name="Title 1">
             <a:extLst>
               <a:ext uri="{FF2B5EF4-FFF2-40B4-BE49-F238E27FC236}">
-                <a16:creationId xmlns:a16="http://schemas.microsoft.com/office/drawing/2014/main" xmlns="" id="{CA951C4B-4D53-4EEC-B10F-7A494D01874A}"/>
+                <a16:creationId xmlns:a16="http://schemas.microsoft.com/office/drawing/2014/main" id="{CA951C4B-4D53-4EEC-B10F-7A494D01874A}"/>
               </a:ext>
             </a:extLst>
           </p:cNvPr>
@@ -9572,10 +9439,9 @@
           <a:lstStyle/>
           <a:p>
             <a:r>
-              <a:rPr lang="en-US" dirty="0" smtClean="0"/>
+              <a:rPr lang="en-US" dirty="0"/>
               <a:t>Summary – Need to change Copy forward2 model fit equation</a:t>
             </a:r>
-            <a:endParaRPr lang="en-US" dirty="0"/>
           </a:p>
         </p:txBody>
       </p:sp>
@@ -9584,7 +9450,7 @@
           <p:cNvPr id="3" name="Content Placeholder 2">
             <a:extLst>
               <a:ext uri="{FF2B5EF4-FFF2-40B4-BE49-F238E27FC236}">
-                <a16:creationId xmlns:a16="http://schemas.microsoft.com/office/drawing/2014/main" xmlns="" id="{CE57D184-78B9-4A0A-968C-7F54F433A51F}"/>
+                <a16:creationId xmlns:a16="http://schemas.microsoft.com/office/drawing/2014/main" id="{CE57D184-78B9-4A0A-968C-7F54F433A51F}"/>
               </a:ext>
             </a:extLst>
           </p:cNvPr>
@@ -9601,20 +9467,8 @@
           <a:lstStyle/>
           <a:p>
             <a:r>
-              <a:rPr lang="en-US" dirty="0"/>
-              <a:t>According to our analysis, check the likelihood ratio test of the nothing model with the stepwise and forward selection models, the best model is </a:t>
-            </a:r>
-            <a:r>
-              <a:rPr lang="en-US" dirty="0" smtClean="0"/>
-              <a:t>FORWARD </a:t>
-            </a:r>
-            <a:r>
-              <a:rPr lang="en-US" smtClean="0"/>
-              <a:t>2 Model as </a:t>
-            </a:r>
-            <a:r>
-              <a:rPr lang="en-US" dirty="0"/>
-              <a:t>follows</a:t>
+              <a:rPr lang="en-US" sz="1400" dirty="0"/>
+              <a:t>According to our analysis, check the likelihood ratio test of the nothing model with the stepwise and forward selection models, the best model is FORWARD 2 Model as follows</a:t>
             </a:r>
           </a:p>
           <a:p>
@@ -9630,7 +9484,7 @@
           <p:cNvPr id="4" name="Slide Number Placeholder 3">
             <a:extLst>
               <a:ext uri="{FF2B5EF4-FFF2-40B4-BE49-F238E27FC236}">
-                <a16:creationId xmlns:a16="http://schemas.microsoft.com/office/drawing/2014/main" xmlns="" id="{F297D887-DA00-4366-B645-C394D6AFB4C9}"/>
+                <a16:creationId xmlns:a16="http://schemas.microsoft.com/office/drawing/2014/main" id="{F297D887-DA00-4366-B645-C394D6AFB4C9}"/>
               </a:ext>
             </a:extLst>
           </p:cNvPr>
@@ -9655,750 +9509,1274 @@
           </a:p>
         </p:txBody>
       </p:sp>
-      <p:sp>
-        <p:nvSpPr>
-          <p:cNvPr id="5" name="Rectangle 1">
-            <a:extLst>
-              <a:ext uri="{FF2B5EF4-FFF2-40B4-BE49-F238E27FC236}">
-                <a16:creationId xmlns:a16="http://schemas.microsoft.com/office/drawing/2014/main" xmlns="" id="{F2BF78C7-18D5-44BD-BFB8-F98F492A431C}"/>
-              </a:ext>
-            </a:extLst>
-          </p:cNvPr>
-          <p:cNvSpPr>
-            <a:spLocks noChangeArrowheads="1"/>
-          </p:cNvSpPr>
-          <p:nvPr/>
-        </p:nvSpPr>
-        <p:spPr bwMode="auto">
-          <a:xfrm>
-            <a:off x="1304144" y="4812055"/>
-            <a:ext cx="6505731" cy="673243"/>
-          </a:xfrm>
-          <a:prstGeom prst="rect">
-            <a:avLst/>
-          </a:prstGeom>
-          <a:solidFill>
-            <a:srgbClr val="FFFFFF"/>
-          </a:solidFill>
-          <a:ln>
-            <a:noFill/>
-          </a:ln>
-          <a:effectLst/>
-          <a:extLst>
-            <a:ext uri="{91240B29-F687-4F45-9708-019B960494DF}">
-              <a14:hiddenLine xmlns:a14="http://schemas.microsoft.com/office/drawing/2010/main" w="9525">
-                <a:solidFill>
-                  <a:schemeClr val="tx1"/>
-                </a:solidFill>
-                <a:miter lim="800000"/>
-                <a:headEnd/>
-                <a:tailEnd/>
-              </a14:hiddenLine>
-            </a:ext>
-            <a:ext uri="{AF507438-7753-43E0-B8FC-AC1667EBCBE1}">
-              <a14:hiddenEffects xmlns:a14="http://schemas.microsoft.com/office/drawing/2010/main">
-                <a:effectLst>
-                  <a:outerShdw dist="35921" dir="2700000" algn="ctr" rotWithShape="0">
-                    <a:schemeClr val="bg2"/>
-                  </a:outerShdw>
-                </a:effectLst>
-              </a14:hiddenEffects>
-            </a:ext>
-          </a:extLst>
-        </p:spPr>
-        <p:txBody>
-          <a:bodyPr vert="horz" wrap="square" lIns="0" tIns="0" rIns="0" bIns="57132" numCol="1" anchor="ctr" anchorCtr="0" compatLnSpc="1">
-            <a:prstTxWarp prst="textNoShape">
-              <a:avLst/>
-            </a:prstTxWarp>
-            <a:spAutoFit/>
-          </a:bodyPr>
-          <a:lstStyle/>
-          <a:p>
-            <a:pPr marL="0" marR="0" lvl="0" indent="0" algn="l" defTabSz="914400" rtl="0" eaLnBrk="0" fontAlgn="base" latinLnBrk="0" hangingPunct="0">
-              <a:lnSpc>
-                <a:spcPct val="100000"/>
-              </a:lnSpc>
-              <a:spcBef>
-                <a:spcPct val="0"/>
-              </a:spcBef>
-              <a:spcAft>
-                <a:spcPct val="0"/>
-              </a:spcAft>
-              <a:buClrTx/>
-              <a:buSzTx/>
-              <a:buFontTx/>
-              <a:buNone/>
-              <a:tabLst/>
-            </a:pPr>
-            <a:r>
-              <a:rPr kumimoji="0" lang="en-US" altLang="en-US" sz="1000" b="0" i="0" u="none" strike="noStrike" cap="none" normalizeH="0" baseline="0" dirty="0">
-                <a:ln>
-                  <a:noFill/>
-                </a:ln>
-                <a:solidFill>
-                  <a:srgbClr val="333333"/>
-                </a:solidFill>
-                <a:effectLst/>
-                <a:latin typeface="Arial Unicode MS" panose="020B0604020202020204" pitchFamily="34" charset="-128"/>
-                <a:ea typeface="Courier New" panose="02070309020205020404" pitchFamily="49" charset="0"/>
-              </a:rPr>
-              <a:t>Attrition ~ </a:t>
-            </a:r>
-            <a:r>
-              <a:rPr kumimoji="0" lang="en-US" altLang="en-US" sz="1000" b="0" i="0" u="none" strike="noStrike" cap="none" normalizeH="0" baseline="0" dirty="0" err="1">
-                <a:ln>
-                  <a:noFill/>
-                </a:ln>
-                <a:solidFill>
-                  <a:srgbClr val="333333"/>
-                </a:solidFill>
-                <a:effectLst/>
-                <a:latin typeface="Arial Unicode MS" panose="020B0604020202020204" pitchFamily="34" charset="-128"/>
-                <a:ea typeface="Courier New" panose="02070309020205020404" pitchFamily="49" charset="0"/>
-              </a:rPr>
-              <a:t>OverTime</a:t>
-            </a:r>
-            <a:r>
-              <a:rPr kumimoji="0" lang="en-US" altLang="en-US" sz="1000" b="0" i="0" u="none" strike="noStrike" cap="none" normalizeH="0" baseline="0" dirty="0">
-                <a:ln>
-                  <a:noFill/>
-                </a:ln>
-                <a:solidFill>
-                  <a:srgbClr val="333333"/>
-                </a:solidFill>
-                <a:effectLst/>
-                <a:latin typeface="Arial Unicode MS" panose="020B0604020202020204" pitchFamily="34" charset="-128"/>
-                <a:ea typeface="Courier New" panose="02070309020205020404" pitchFamily="49" charset="0"/>
-              </a:rPr>
-              <a:t> + </a:t>
-            </a:r>
-            <a:r>
-              <a:rPr kumimoji="0" lang="en-US" altLang="en-US" sz="1000" b="0" i="0" u="none" strike="noStrike" cap="none" normalizeH="0" baseline="0" dirty="0" err="1">
-                <a:ln>
-                  <a:noFill/>
-                </a:ln>
-                <a:solidFill>
-                  <a:srgbClr val="333333"/>
-                </a:solidFill>
-                <a:effectLst/>
-                <a:latin typeface="Arial Unicode MS" panose="020B0604020202020204" pitchFamily="34" charset="-128"/>
-                <a:ea typeface="Courier New" panose="02070309020205020404" pitchFamily="49" charset="0"/>
-              </a:rPr>
-              <a:t>JobRole</a:t>
-            </a:r>
-            <a:r>
-              <a:rPr kumimoji="0" lang="en-US" altLang="en-US" sz="1000" b="0" i="0" u="none" strike="noStrike" cap="none" normalizeH="0" baseline="0" dirty="0">
-                <a:ln>
-                  <a:noFill/>
-                </a:ln>
-                <a:solidFill>
-                  <a:srgbClr val="333333"/>
-                </a:solidFill>
-                <a:effectLst/>
-                <a:latin typeface="Arial Unicode MS" panose="020B0604020202020204" pitchFamily="34" charset="-128"/>
-                <a:ea typeface="Courier New" panose="02070309020205020404" pitchFamily="49" charset="0"/>
-              </a:rPr>
-              <a:t> + </a:t>
-            </a:r>
-            <a:r>
-              <a:rPr kumimoji="0" lang="en-US" altLang="en-US" sz="1000" b="0" i="0" u="none" strike="noStrike" cap="none" normalizeH="0" baseline="0" dirty="0" err="1">
-                <a:ln>
-                  <a:noFill/>
-                </a:ln>
-                <a:solidFill>
-                  <a:srgbClr val="333333"/>
-                </a:solidFill>
-                <a:effectLst/>
-                <a:latin typeface="Arial Unicode MS" panose="020B0604020202020204" pitchFamily="34" charset="-128"/>
-                <a:ea typeface="Courier New" panose="02070309020205020404" pitchFamily="49" charset="0"/>
-              </a:rPr>
-              <a:t>StckOptnLvl</a:t>
-            </a:r>
-            <a:r>
-              <a:rPr kumimoji="0" lang="en-US" altLang="en-US" sz="1000" b="0" i="0" u="none" strike="noStrike" cap="none" normalizeH="0" baseline="0" dirty="0">
-                <a:ln>
-                  <a:noFill/>
-                </a:ln>
-                <a:solidFill>
-                  <a:srgbClr val="333333"/>
-                </a:solidFill>
-                <a:effectLst/>
-                <a:latin typeface="Arial Unicode MS" panose="020B0604020202020204" pitchFamily="34" charset="-128"/>
-                <a:ea typeface="Courier New" panose="02070309020205020404" pitchFamily="49" charset="0"/>
-              </a:rPr>
-              <a:t> + </a:t>
-            </a:r>
-            <a:r>
-              <a:rPr kumimoji="0" lang="en-US" altLang="en-US" sz="1000" b="0" i="0" u="none" strike="noStrike" cap="none" normalizeH="0" baseline="0" dirty="0" err="1">
-                <a:ln>
-                  <a:noFill/>
-                </a:ln>
-                <a:solidFill>
-                  <a:srgbClr val="333333"/>
-                </a:solidFill>
-                <a:effectLst/>
-                <a:latin typeface="Arial Unicode MS" panose="020B0604020202020204" pitchFamily="34" charset="-128"/>
-                <a:ea typeface="Courier New" panose="02070309020205020404" pitchFamily="49" charset="0"/>
-              </a:rPr>
-              <a:t>EnvrnmntSts</a:t>
-            </a:r>
-            <a:r>
-              <a:rPr kumimoji="0" lang="en-US" altLang="en-US" sz="1000" b="0" i="0" u="none" strike="noStrike" cap="none" normalizeH="0" baseline="0" dirty="0">
-                <a:ln>
-                  <a:noFill/>
-                </a:ln>
-                <a:solidFill>
-                  <a:srgbClr val="333333"/>
-                </a:solidFill>
-                <a:effectLst/>
-                <a:latin typeface="Arial Unicode MS" panose="020B0604020202020204" pitchFamily="34" charset="-128"/>
-                <a:ea typeface="Courier New" panose="02070309020205020404" pitchFamily="49" charset="0"/>
-              </a:rPr>
-              <a:t> + </a:t>
-            </a:r>
-            <a:endParaRPr lang="en-US" altLang="en-US" sz="1000" dirty="0">
-              <a:solidFill>
-                <a:srgbClr val="333333"/>
-              </a:solidFill>
-              <a:latin typeface="Arial Unicode MS" panose="020B0604020202020204" pitchFamily="34" charset="-128"/>
-              <a:ea typeface="Courier New" panose="02070309020205020404" pitchFamily="49" charset="0"/>
-            </a:endParaRPr>
-          </a:p>
-          <a:p>
-            <a:pPr marL="0" marR="0" lvl="0" indent="0" algn="l" defTabSz="914400" rtl="0" eaLnBrk="0" fontAlgn="base" latinLnBrk="0" hangingPunct="0">
-              <a:lnSpc>
-                <a:spcPct val="100000"/>
-              </a:lnSpc>
-              <a:spcBef>
-                <a:spcPct val="0"/>
-              </a:spcBef>
-              <a:spcAft>
-                <a:spcPct val="0"/>
-              </a:spcAft>
-              <a:buClrTx/>
-              <a:buSzTx/>
-              <a:buFontTx/>
-              <a:buNone/>
-              <a:tabLst/>
-            </a:pPr>
-            <a:r>
-              <a:rPr kumimoji="0" lang="en-US" altLang="en-US" sz="1000" b="0" i="0" u="none" strike="noStrike" cap="none" normalizeH="0" baseline="0" dirty="0">
-                <a:ln>
-                  <a:noFill/>
-                </a:ln>
-                <a:solidFill>
-                  <a:srgbClr val="333333"/>
-                </a:solidFill>
-                <a:effectLst/>
-                <a:latin typeface="Arial Unicode MS" panose="020B0604020202020204" pitchFamily="34" charset="-128"/>
-                <a:ea typeface="Courier New" panose="02070309020205020404" pitchFamily="49" charset="0"/>
-              </a:rPr>
-              <a:t>                </a:t>
-            </a:r>
-            <a:r>
-              <a:rPr kumimoji="0" lang="en-US" altLang="en-US" sz="1000" b="0" i="0" u="none" strike="noStrike" cap="none" normalizeH="0" baseline="0" dirty="0" err="1">
-                <a:ln>
-                  <a:noFill/>
-                </a:ln>
-                <a:solidFill>
-                  <a:srgbClr val="333333"/>
-                </a:solidFill>
-                <a:effectLst/>
-                <a:latin typeface="Arial Unicode MS" panose="020B0604020202020204" pitchFamily="34" charset="-128"/>
-                <a:ea typeface="Courier New" panose="02070309020205020404" pitchFamily="49" charset="0"/>
-              </a:rPr>
-              <a:t>BusinssTrvl</a:t>
-            </a:r>
-            <a:r>
-              <a:rPr kumimoji="0" lang="en-US" altLang="en-US" sz="1000" b="0" i="0" u="none" strike="noStrike" cap="none" normalizeH="0" baseline="0" dirty="0">
-                <a:ln>
-                  <a:noFill/>
-                </a:ln>
-                <a:solidFill>
-                  <a:srgbClr val="333333"/>
-                </a:solidFill>
-                <a:effectLst/>
-                <a:latin typeface="Arial Unicode MS" panose="020B0604020202020204" pitchFamily="34" charset="-128"/>
-                <a:ea typeface="Courier New" panose="02070309020205020404" pitchFamily="49" charset="0"/>
-              </a:rPr>
-              <a:t> + </a:t>
-            </a:r>
-            <a:r>
-              <a:rPr kumimoji="0" lang="en-US" altLang="en-US" sz="1000" b="0" i="0" u="none" strike="noStrike" cap="none" normalizeH="0" baseline="0" dirty="0" err="1">
-                <a:ln>
-                  <a:noFill/>
-                </a:ln>
-                <a:solidFill>
-                  <a:srgbClr val="333333"/>
-                </a:solidFill>
-                <a:effectLst/>
-                <a:latin typeface="Arial Unicode MS" panose="020B0604020202020204" pitchFamily="34" charset="-128"/>
-                <a:ea typeface="Courier New" panose="02070309020205020404" pitchFamily="49" charset="0"/>
-              </a:rPr>
-              <a:t>JobInvlvmnt</a:t>
-            </a:r>
-            <a:r>
-              <a:rPr kumimoji="0" lang="en-US" altLang="en-US" sz="1000" b="0" i="0" u="none" strike="noStrike" cap="none" normalizeH="0" baseline="0" dirty="0">
-                <a:ln>
-                  <a:noFill/>
-                </a:ln>
-                <a:solidFill>
-                  <a:srgbClr val="333333"/>
-                </a:solidFill>
-                <a:effectLst/>
-                <a:latin typeface="Arial Unicode MS" panose="020B0604020202020204" pitchFamily="34" charset="-128"/>
-                <a:ea typeface="Courier New" panose="02070309020205020404" pitchFamily="49" charset="0"/>
-              </a:rPr>
-              <a:t> + </a:t>
-            </a:r>
-            <a:r>
-              <a:rPr kumimoji="0" lang="en-US" altLang="en-US" sz="1000" b="0" i="0" u="none" strike="noStrike" cap="none" normalizeH="0" baseline="0" dirty="0" err="1">
-                <a:ln>
-                  <a:noFill/>
-                </a:ln>
-                <a:solidFill>
-                  <a:srgbClr val="333333"/>
-                </a:solidFill>
-                <a:effectLst/>
-                <a:latin typeface="Arial Unicode MS" panose="020B0604020202020204" pitchFamily="34" charset="-128"/>
-                <a:ea typeface="Courier New" panose="02070309020205020404" pitchFamily="49" charset="0"/>
-              </a:rPr>
-              <a:t>DistncFrmHm</a:t>
-            </a:r>
-            <a:r>
-              <a:rPr kumimoji="0" lang="en-US" altLang="en-US" sz="1000" b="0" i="0" u="none" strike="noStrike" cap="none" normalizeH="0" baseline="0" dirty="0">
-                <a:ln>
-                  <a:noFill/>
-                </a:ln>
-                <a:solidFill>
-                  <a:srgbClr val="333333"/>
-                </a:solidFill>
-                <a:effectLst/>
-                <a:latin typeface="Arial Unicode MS" panose="020B0604020202020204" pitchFamily="34" charset="-128"/>
-                <a:ea typeface="Courier New" panose="02070309020205020404" pitchFamily="49" charset="0"/>
-              </a:rPr>
-              <a:t> + </a:t>
-            </a:r>
-            <a:r>
-              <a:rPr kumimoji="0" lang="en-US" altLang="en-US" sz="1000" b="0" i="0" u="none" strike="noStrike" cap="none" normalizeH="0" baseline="0" dirty="0" err="1">
-                <a:ln>
-                  <a:noFill/>
-                </a:ln>
-                <a:solidFill>
-                  <a:srgbClr val="333333"/>
-                </a:solidFill>
-                <a:effectLst/>
-                <a:latin typeface="Arial Unicode MS" panose="020B0604020202020204" pitchFamily="34" charset="-128"/>
-                <a:ea typeface="Courier New" panose="02070309020205020404" pitchFamily="49" charset="0"/>
-              </a:rPr>
-              <a:t>JobSatsfctn</a:t>
-            </a:r>
-            <a:r>
-              <a:rPr kumimoji="0" lang="en-US" altLang="en-US" sz="1000" b="0" i="0" u="none" strike="noStrike" cap="none" normalizeH="0" baseline="0" dirty="0">
-                <a:ln>
-                  <a:noFill/>
-                </a:ln>
-                <a:solidFill>
-                  <a:srgbClr val="333333"/>
-                </a:solidFill>
-                <a:effectLst/>
-                <a:latin typeface="Arial Unicode MS" panose="020B0604020202020204" pitchFamily="34" charset="-128"/>
-                <a:ea typeface="Courier New" panose="02070309020205020404" pitchFamily="49" charset="0"/>
-              </a:rPr>
-              <a:t> + </a:t>
-            </a:r>
-            <a:r>
-              <a:rPr kumimoji="0" lang="en-US" altLang="en-US" sz="1000" b="0" i="0" u="none" strike="noStrike" cap="none" normalizeH="0" baseline="0" dirty="0" err="1">
-                <a:ln>
-                  <a:noFill/>
-                </a:ln>
-                <a:solidFill>
-                  <a:srgbClr val="333333"/>
-                </a:solidFill>
-                <a:effectLst/>
-                <a:latin typeface="Arial Unicode MS" panose="020B0604020202020204" pitchFamily="34" charset="-128"/>
-                <a:ea typeface="Courier New" panose="02070309020205020404" pitchFamily="49" charset="0"/>
-              </a:rPr>
-              <a:t>NmCmpnsWrkd</a:t>
-            </a:r>
-            <a:r>
-              <a:rPr kumimoji="0" lang="en-US" altLang="en-US" sz="1000" b="0" i="0" u="none" strike="noStrike" cap="none" normalizeH="0" baseline="0" dirty="0">
-                <a:ln>
-                  <a:noFill/>
-                </a:ln>
-                <a:solidFill>
-                  <a:srgbClr val="333333"/>
-                </a:solidFill>
-                <a:effectLst/>
-                <a:latin typeface="Arial Unicode MS" panose="020B0604020202020204" pitchFamily="34" charset="-128"/>
-                <a:ea typeface="Courier New" panose="02070309020205020404" pitchFamily="49" charset="0"/>
-              </a:rPr>
-              <a:t> + </a:t>
-            </a:r>
-          </a:p>
-          <a:p>
-            <a:pPr marL="0" marR="0" lvl="0" indent="0" algn="l" defTabSz="914400" rtl="0" eaLnBrk="0" fontAlgn="base" latinLnBrk="0" hangingPunct="0">
-              <a:lnSpc>
-                <a:spcPct val="100000"/>
-              </a:lnSpc>
-              <a:spcBef>
-                <a:spcPct val="0"/>
-              </a:spcBef>
-              <a:spcAft>
-                <a:spcPct val="0"/>
-              </a:spcAft>
-              <a:buClrTx/>
-              <a:buSzTx/>
-              <a:buFontTx/>
-              <a:buNone/>
-              <a:tabLst/>
-            </a:pPr>
-            <a:r>
-              <a:rPr lang="en-US" altLang="en-US" sz="1000" dirty="0">
-                <a:solidFill>
-                  <a:srgbClr val="333333"/>
-                </a:solidFill>
-                <a:latin typeface="Arial Unicode MS" panose="020B0604020202020204" pitchFamily="34" charset="-128"/>
-                <a:ea typeface="Courier New" panose="02070309020205020404" pitchFamily="49" charset="0"/>
-              </a:rPr>
-              <a:t>               </a:t>
-            </a:r>
-            <a:r>
-              <a:rPr kumimoji="0" lang="en-US" altLang="en-US" sz="1000" b="0" i="0" u="none" strike="noStrike" cap="none" normalizeH="0" baseline="0" dirty="0">
-                <a:ln>
-                  <a:noFill/>
-                </a:ln>
-                <a:solidFill>
-                  <a:srgbClr val="333333"/>
-                </a:solidFill>
-                <a:effectLst/>
-                <a:latin typeface="Arial Unicode MS" panose="020B0604020202020204" pitchFamily="34" charset="-128"/>
-                <a:ea typeface="Courier New" panose="02070309020205020404" pitchFamily="49" charset="0"/>
-              </a:rPr>
-              <a:t> </a:t>
-            </a:r>
-            <a:r>
-              <a:rPr kumimoji="0" lang="en-US" altLang="en-US" sz="1000" b="0" i="0" u="none" strike="noStrike" cap="none" normalizeH="0" baseline="0" dirty="0" err="1">
-                <a:ln>
-                  <a:noFill/>
-                </a:ln>
-                <a:solidFill>
-                  <a:srgbClr val="333333"/>
-                </a:solidFill>
-                <a:effectLst/>
-                <a:latin typeface="Arial Unicode MS" panose="020B0604020202020204" pitchFamily="34" charset="-128"/>
-                <a:ea typeface="Courier New" panose="02070309020205020404" pitchFamily="49" charset="0"/>
-              </a:rPr>
-              <a:t>TtlWrkngYrs</a:t>
-            </a:r>
-            <a:r>
-              <a:rPr kumimoji="0" lang="en-US" altLang="en-US" sz="1000" b="0" i="0" u="none" strike="noStrike" cap="none" normalizeH="0" baseline="0" dirty="0">
-                <a:ln>
-                  <a:noFill/>
-                </a:ln>
-                <a:solidFill>
-                  <a:srgbClr val="333333"/>
-                </a:solidFill>
-                <a:effectLst/>
-                <a:latin typeface="Arial Unicode MS" panose="020B0604020202020204" pitchFamily="34" charset="-128"/>
-                <a:ea typeface="Courier New" panose="02070309020205020404" pitchFamily="49" charset="0"/>
-              </a:rPr>
-              <a:t> + </a:t>
-            </a:r>
-            <a:r>
-              <a:rPr kumimoji="0" lang="en-US" altLang="en-US" sz="1000" b="0" i="0" u="none" strike="noStrike" cap="none" normalizeH="0" baseline="0" dirty="0" err="1">
-                <a:ln>
-                  <a:noFill/>
-                </a:ln>
-                <a:solidFill>
-                  <a:srgbClr val="333333"/>
-                </a:solidFill>
-                <a:effectLst/>
-                <a:latin typeface="Arial Unicode MS" panose="020B0604020202020204" pitchFamily="34" charset="-128"/>
-                <a:ea typeface="Courier New" panose="02070309020205020404" pitchFamily="49" charset="0"/>
-              </a:rPr>
-              <a:t>WorkLifBlnc</a:t>
-            </a:r>
-            <a:r>
-              <a:rPr kumimoji="0" lang="en-US" altLang="en-US" sz="1000" b="0" i="0" u="none" strike="noStrike" cap="none" normalizeH="0" baseline="0" dirty="0">
-                <a:ln>
-                  <a:noFill/>
-                </a:ln>
-                <a:solidFill>
-                  <a:srgbClr val="333333"/>
-                </a:solidFill>
-                <a:effectLst/>
-                <a:latin typeface="Arial Unicode MS" panose="020B0604020202020204" pitchFamily="34" charset="-128"/>
-                <a:ea typeface="Courier New" panose="02070309020205020404" pitchFamily="49" charset="0"/>
-              </a:rPr>
-              <a:t> + </a:t>
-            </a:r>
-            <a:r>
-              <a:rPr kumimoji="0" lang="en-US" altLang="en-US" sz="1000" b="0" i="0" u="none" strike="noStrike" cap="none" normalizeH="0" baseline="0" dirty="0" err="1">
-                <a:ln>
-                  <a:noFill/>
-                </a:ln>
-                <a:solidFill>
-                  <a:srgbClr val="333333"/>
-                </a:solidFill>
-                <a:effectLst/>
-                <a:latin typeface="Arial Unicode MS" panose="020B0604020202020204" pitchFamily="34" charset="-128"/>
-                <a:ea typeface="Courier New" panose="02070309020205020404" pitchFamily="49" charset="0"/>
-              </a:rPr>
-              <a:t>RltnshpStsf</a:t>
-            </a:r>
-            <a:r>
-              <a:rPr kumimoji="0" lang="en-US" altLang="en-US" sz="1000" b="0" i="0" u="none" strike="noStrike" cap="none" normalizeH="0" baseline="0" dirty="0">
-                <a:ln>
-                  <a:noFill/>
-                </a:ln>
-                <a:solidFill>
-                  <a:srgbClr val="333333"/>
-                </a:solidFill>
-                <a:effectLst/>
-                <a:latin typeface="Arial Unicode MS" panose="020B0604020202020204" pitchFamily="34" charset="-128"/>
-                <a:ea typeface="Courier New" panose="02070309020205020404" pitchFamily="49" charset="0"/>
-              </a:rPr>
-              <a:t> + </a:t>
-            </a:r>
-            <a:r>
-              <a:rPr kumimoji="0" lang="en-US" altLang="en-US" sz="1000" b="0" i="0" u="none" strike="noStrike" cap="none" normalizeH="0" baseline="0" dirty="0" err="1">
-                <a:ln>
-                  <a:noFill/>
-                </a:ln>
-                <a:solidFill>
-                  <a:srgbClr val="333333"/>
-                </a:solidFill>
-                <a:effectLst/>
-                <a:latin typeface="Arial Unicode MS" panose="020B0604020202020204" pitchFamily="34" charset="-128"/>
-                <a:ea typeface="Courier New" panose="02070309020205020404" pitchFamily="49" charset="0"/>
-              </a:rPr>
-              <a:t>YrsSncLstPr</a:t>
-            </a:r>
-            <a:r>
-              <a:rPr kumimoji="0" lang="en-US" altLang="en-US" sz="1000" b="0" i="0" u="none" strike="noStrike" cap="none" normalizeH="0" baseline="0" dirty="0">
-                <a:ln>
-                  <a:noFill/>
-                </a:ln>
-                <a:solidFill>
-                  <a:srgbClr val="333333"/>
-                </a:solidFill>
-                <a:effectLst/>
-                <a:latin typeface="Arial Unicode MS" panose="020B0604020202020204" pitchFamily="34" charset="-128"/>
-                <a:ea typeface="Courier New" panose="02070309020205020404" pitchFamily="49" charset="0"/>
-              </a:rPr>
-              <a:t> + </a:t>
-            </a:r>
-            <a:r>
-              <a:rPr kumimoji="0" lang="en-US" altLang="en-US" sz="1000" b="0" i="0" u="none" strike="noStrike" cap="none" normalizeH="0" baseline="0" dirty="0" err="1">
-                <a:ln>
-                  <a:noFill/>
-                </a:ln>
-                <a:solidFill>
-                  <a:srgbClr val="333333"/>
-                </a:solidFill>
-                <a:effectLst/>
-                <a:latin typeface="Arial Unicode MS" panose="020B0604020202020204" pitchFamily="34" charset="-128"/>
-                <a:ea typeface="Courier New" panose="02070309020205020404" pitchFamily="49" charset="0"/>
-              </a:rPr>
-              <a:t>logMthlyInc</a:t>
-            </a:r>
-            <a:r>
-              <a:rPr kumimoji="0" lang="en-US" altLang="en-US" sz="1000" b="0" i="0" u="none" strike="noStrike" cap="none" normalizeH="0" baseline="0" dirty="0">
-                <a:ln>
-                  <a:noFill/>
-                </a:ln>
-                <a:solidFill>
-                  <a:srgbClr val="333333"/>
-                </a:solidFill>
-                <a:effectLst/>
-                <a:latin typeface="Arial Unicode MS" panose="020B0604020202020204" pitchFamily="34" charset="-128"/>
-                <a:ea typeface="Courier New" panose="02070309020205020404" pitchFamily="49" charset="0"/>
-              </a:rPr>
-              <a:t> + </a:t>
-            </a:r>
-          </a:p>
-          <a:p>
-            <a:pPr marL="0" marR="0" lvl="0" indent="0" algn="l" defTabSz="914400" rtl="0" eaLnBrk="0" fontAlgn="base" latinLnBrk="0" hangingPunct="0">
-              <a:lnSpc>
-                <a:spcPct val="100000"/>
-              </a:lnSpc>
-              <a:spcBef>
-                <a:spcPct val="0"/>
-              </a:spcBef>
-              <a:spcAft>
-                <a:spcPct val="0"/>
-              </a:spcAft>
-              <a:buClrTx/>
-              <a:buSzTx/>
-              <a:buFontTx/>
-              <a:buNone/>
-              <a:tabLst/>
-            </a:pPr>
-            <a:r>
-              <a:rPr lang="en-US" altLang="en-US" sz="1000" dirty="0">
-                <a:solidFill>
-                  <a:srgbClr val="333333"/>
-                </a:solidFill>
-                <a:latin typeface="Arial Unicode MS" panose="020B0604020202020204" pitchFamily="34" charset="-128"/>
-                <a:ea typeface="Courier New" panose="02070309020205020404" pitchFamily="49" charset="0"/>
-              </a:rPr>
-              <a:t>                 </a:t>
-            </a:r>
-            <a:r>
-              <a:rPr kumimoji="0" lang="en-US" altLang="en-US" sz="1000" b="0" i="0" u="none" strike="noStrike" cap="none" normalizeH="0" baseline="0" dirty="0" err="1">
-                <a:ln>
-                  <a:noFill/>
-                </a:ln>
-                <a:solidFill>
-                  <a:srgbClr val="333333"/>
-                </a:solidFill>
-                <a:effectLst/>
-                <a:latin typeface="Arial Unicode MS" panose="020B0604020202020204" pitchFamily="34" charset="-128"/>
-                <a:ea typeface="Courier New" panose="02070309020205020404" pitchFamily="49" charset="0"/>
-              </a:rPr>
-              <a:t>YrsInCrrntR</a:t>
-            </a:r>
-            <a:r>
-              <a:rPr kumimoji="0" lang="en-US" altLang="en-US" sz="1000" b="0" i="0" u="none" strike="noStrike" cap="none" normalizeH="0" baseline="0" dirty="0">
-                <a:ln>
-                  <a:noFill/>
-                </a:ln>
-                <a:solidFill>
-                  <a:srgbClr val="333333"/>
-                </a:solidFill>
-                <a:effectLst/>
-                <a:latin typeface="Arial Unicode MS" panose="020B0604020202020204" pitchFamily="34" charset="-128"/>
-                <a:ea typeface="Courier New" panose="02070309020205020404" pitchFamily="49" charset="0"/>
-              </a:rPr>
-              <a:t> + </a:t>
-            </a:r>
-            <a:r>
-              <a:rPr kumimoji="0" lang="en-US" altLang="en-US" sz="1000" b="0" i="0" u="none" strike="noStrike" cap="none" normalizeH="0" baseline="0" dirty="0" err="1">
-                <a:ln>
-                  <a:noFill/>
-                </a:ln>
-                <a:solidFill>
-                  <a:srgbClr val="333333"/>
-                </a:solidFill>
-                <a:effectLst/>
-                <a:latin typeface="Arial Unicode MS" panose="020B0604020202020204" pitchFamily="34" charset="-128"/>
-                <a:ea typeface="Courier New" panose="02070309020205020404" pitchFamily="49" charset="0"/>
-              </a:rPr>
-              <a:t>EducatinFld</a:t>
-            </a:r>
-            <a:r>
-              <a:rPr kumimoji="0" lang="en-US" altLang="en-US" sz="1000" b="0" i="0" u="none" strike="noStrike" cap="none" normalizeH="0" baseline="0" dirty="0">
-                <a:ln>
-                  <a:noFill/>
-                </a:ln>
-                <a:solidFill>
-                  <a:srgbClr val="333333"/>
-                </a:solidFill>
-                <a:effectLst/>
-                <a:latin typeface="Arial Unicode MS" panose="020B0604020202020204" pitchFamily="34" charset="-128"/>
-                <a:ea typeface="Courier New" panose="02070309020205020404" pitchFamily="49" charset="0"/>
-              </a:rPr>
-              <a:t> + </a:t>
-            </a:r>
-            <a:r>
-              <a:rPr kumimoji="0" lang="en-US" altLang="en-US" sz="1000" b="0" i="0" u="none" strike="noStrike" cap="none" normalizeH="0" baseline="0" dirty="0" err="1">
-                <a:ln>
-                  <a:noFill/>
-                </a:ln>
-                <a:solidFill>
-                  <a:srgbClr val="333333"/>
-                </a:solidFill>
-                <a:effectLst/>
-                <a:latin typeface="Arial Unicode MS" panose="020B0604020202020204" pitchFamily="34" charset="-128"/>
-                <a:ea typeface="Courier New" panose="02070309020205020404" pitchFamily="49" charset="0"/>
-              </a:rPr>
-              <a:t>TrnngTmsLsY</a:t>
-            </a:r>
-            <a:r>
-              <a:rPr kumimoji="0" lang="en-US" altLang="en-US" sz="1000" b="0" i="0" u="none" strike="noStrike" cap="none" normalizeH="0" baseline="0" dirty="0">
-                <a:ln>
-                  <a:noFill/>
-                </a:ln>
-                <a:solidFill>
-                  <a:srgbClr val="333333"/>
-                </a:solidFill>
-                <a:effectLst/>
-                <a:latin typeface="Arial Unicode MS" panose="020B0604020202020204" pitchFamily="34" charset="-128"/>
-                <a:ea typeface="Courier New" panose="02070309020205020404" pitchFamily="49" charset="0"/>
-              </a:rPr>
-              <a:t> + Gender + </a:t>
-            </a:r>
-            <a:r>
-              <a:rPr kumimoji="0" lang="en-US" altLang="en-US" sz="1000" b="0" i="0" u="none" strike="noStrike" cap="none" normalizeH="0" baseline="0" dirty="0" err="1">
-                <a:ln>
-                  <a:noFill/>
-                </a:ln>
-                <a:solidFill>
-                  <a:srgbClr val="333333"/>
-                </a:solidFill>
-                <a:effectLst/>
-                <a:latin typeface="Arial Unicode MS" panose="020B0604020202020204" pitchFamily="34" charset="-128"/>
-                <a:ea typeface="Courier New" panose="02070309020205020404" pitchFamily="49" charset="0"/>
-              </a:rPr>
-              <a:t>YrsWthCrrMn</a:t>
-            </a:r>
-            <a:r>
-              <a:rPr kumimoji="0" lang="en-US" altLang="en-US" sz="1000" b="0" i="0" u="none" strike="noStrike" cap="none" normalizeH="0" baseline="0" dirty="0">
-                <a:ln>
-                  <a:noFill/>
-                </a:ln>
-                <a:solidFill>
-                  <a:srgbClr val="333333"/>
-                </a:solidFill>
-                <a:effectLst/>
-                <a:latin typeface="Arial Unicode MS" panose="020B0604020202020204" pitchFamily="34" charset="-128"/>
-                <a:ea typeface="Courier New" panose="02070309020205020404" pitchFamily="49" charset="0"/>
-              </a:rPr>
-              <a:t> + ## </a:t>
-            </a:r>
-            <a:r>
-              <a:rPr kumimoji="0" lang="en-US" altLang="en-US" sz="1000" b="0" i="0" u="none" strike="noStrike" cap="none" normalizeH="0" baseline="0" dirty="0" err="1">
-                <a:ln>
-                  <a:noFill/>
-                </a:ln>
-                <a:solidFill>
-                  <a:srgbClr val="333333"/>
-                </a:solidFill>
-                <a:effectLst/>
-                <a:latin typeface="Arial Unicode MS" panose="020B0604020202020204" pitchFamily="34" charset="-128"/>
-                <a:ea typeface="Courier New" panose="02070309020205020404" pitchFamily="49" charset="0"/>
-              </a:rPr>
-              <a:t>DailyRate</a:t>
-            </a:r>
-            <a:r>
-              <a:rPr kumimoji="0" lang="en-US" altLang="en-US" sz="1000" b="0" i="0" u="none" strike="noStrike" cap="none" normalizeH="0" baseline="0" dirty="0">
-                <a:ln>
-                  <a:noFill/>
-                </a:ln>
-                <a:solidFill>
-                  <a:srgbClr val="333333"/>
-                </a:solidFill>
-                <a:effectLst/>
-                <a:latin typeface="Arial Unicode MS" panose="020B0604020202020204" pitchFamily="34" charset="-128"/>
-                <a:ea typeface="Courier New" panose="02070309020205020404" pitchFamily="49" charset="0"/>
-              </a:rPr>
-              <a:t> + Age</a:t>
-            </a:r>
-            <a:endParaRPr kumimoji="0" lang="en-US" altLang="en-US" sz="1800" b="0" i="0" u="none" strike="noStrike" cap="none" normalizeH="0" baseline="0" dirty="0">
-              <a:ln>
-                <a:noFill/>
-              </a:ln>
-              <a:solidFill>
-                <a:schemeClr val="tx1"/>
-              </a:solidFill>
-              <a:effectLst/>
-              <a:latin typeface="Arial" panose="020B0604020202020204" pitchFamily="34" charset="0"/>
-            </a:endParaRPr>
-          </a:p>
-        </p:txBody>
-      </p:sp>
+      <mc:AlternateContent xmlns:mc="http://schemas.openxmlformats.org/markup-compatibility/2006" xmlns:a14="http://schemas.microsoft.com/office/drawing/2010/main">
+        <mc:Choice Requires="a14">
+          <p:sp>
+            <p:nvSpPr>
+              <p:cNvPr id="6" name="Rectangle 5">
+                <a:extLst>
+                  <a:ext uri="{FF2B5EF4-FFF2-40B4-BE49-F238E27FC236}">
+                    <a16:creationId xmlns:a16="http://schemas.microsoft.com/office/drawing/2014/main" id="{3E8B7DCF-8842-47D5-A702-2EA1D4AB0775}"/>
+                  </a:ext>
+                </a:extLst>
+              </p:cNvPr>
+              <p:cNvSpPr/>
+              <p:nvPr/>
+            </p:nvSpPr>
+            <p:spPr>
+              <a:xfrm>
+                <a:off x="157656" y="2165733"/>
+                <a:ext cx="8828688" cy="2018694"/>
+              </a:xfrm>
+              <a:prstGeom prst="rect">
+                <a:avLst/>
+              </a:prstGeom>
+            </p:spPr>
+            <p:txBody>
+              <a:bodyPr wrap="square">
+                <a:spAutoFit/>
+              </a:bodyPr>
+              <a:lstStyle/>
+              <a:p>
+                <a:pPr marL="685800" marR="0">
+                  <a:lnSpc>
+                    <a:spcPct val="115000"/>
+                  </a:lnSpc>
+                  <a:spcBef>
+                    <a:spcPts val="0"/>
+                  </a:spcBef>
+                  <a:spcAft>
+                    <a:spcPts val="0"/>
+                  </a:spcAft>
+                </a:pPr>
+                <a:r>
+                  <a:rPr lang="en-US" sz="1100" dirty="0">
+                    <a:latin typeface="Calibri" panose="020F0502020204030204" pitchFamily="34" charset="0"/>
+                    <a:ea typeface="SimSun" panose="02010600030101010101" pitchFamily="2" charset="-122"/>
+                    <a:cs typeface="Times New Roman" panose="02020603050405020304" pitchFamily="18" charset="0"/>
+                  </a:rPr>
+                  <a:t> </a:t>
+                </a:r>
+                <a:endParaRPr lang="en-US" sz="1100" dirty="0">
+                  <a:effectLst/>
+                  <a:latin typeface="Calibri" panose="020F0502020204030204" pitchFamily="34" charset="0"/>
+                  <a:ea typeface="Calibri" panose="020F0502020204030204" pitchFamily="34" charset="0"/>
+                  <a:cs typeface="Times New Roman" panose="02020603050405020304" pitchFamily="18" charset="0"/>
+                </a:endParaRPr>
+              </a:p>
+              <a:p>
+                <a:pPr marL="685800" marR="0">
+                  <a:lnSpc>
+                    <a:spcPct val="115000"/>
+                  </a:lnSpc>
+                  <a:spcBef>
+                    <a:spcPts val="0"/>
+                  </a:spcBef>
+                  <a:spcAft>
+                    <a:spcPts val="1000"/>
+                  </a:spcAft>
+                </a:pPr>
+                <a14:m>
+                  <m:oMathPara xmlns:m="http://schemas.openxmlformats.org/officeDocument/2006/math">
+                    <m:oMathParaPr>
+                      <m:jc m:val="centerGroup"/>
+                    </m:oMathParaPr>
+                    <m:oMath xmlns:m="http://schemas.openxmlformats.org/officeDocument/2006/math">
+                      <m:r>
+                        <a:rPr lang="en-US" sz="900" i="1">
+                          <a:effectLst/>
+                          <a:latin typeface="Cambria Math" panose="02040503050406030204" pitchFamily="18" charset="0"/>
+                          <a:ea typeface="SimSun" panose="02010600030101010101" pitchFamily="2" charset="-122"/>
+                          <a:cs typeface="Times New Roman" panose="02020603050405020304" pitchFamily="18" charset="0"/>
+                        </a:rPr>
+                        <m:t>𝑝𝑟𝑒𝑑</m:t>
+                      </m:r>
+                      <m:r>
+                        <a:rPr lang="en-US" sz="900" i="1">
+                          <a:effectLst/>
+                          <a:latin typeface="Cambria Math" panose="02040503050406030204" pitchFamily="18" charset="0"/>
+                          <a:ea typeface="SimSun" panose="02010600030101010101" pitchFamily="2" charset="-122"/>
+                          <a:cs typeface="Times New Roman" panose="02020603050405020304" pitchFamily="18" charset="0"/>
+                        </a:rPr>
+                        <m:t> </m:t>
+                      </m:r>
+                      <m:r>
+                        <a:rPr lang="en-US" sz="900" i="1">
+                          <a:effectLst/>
+                          <a:latin typeface="Cambria Math" panose="02040503050406030204" pitchFamily="18" charset="0"/>
+                          <a:ea typeface="SimSun" panose="02010600030101010101" pitchFamily="2" charset="-122"/>
+                          <a:cs typeface="Times New Roman" panose="02020603050405020304" pitchFamily="18" charset="0"/>
+                        </a:rPr>
+                        <m:t>𝐴𝑡𝑡𝑟𝑖𝑏𝑡𝑖𝑜𝑛</m:t>
+                      </m:r>
+                      <m:r>
+                        <a:rPr lang="en-US" sz="900" i="1">
+                          <a:effectLst/>
+                          <a:latin typeface="Cambria Math" panose="02040503050406030204" pitchFamily="18" charset="0"/>
+                          <a:ea typeface="SimSun" panose="02010600030101010101" pitchFamily="2" charset="-122"/>
+                          <a:cs typeface="Times New Roman" panose="02020603050405020304" pitchFamily="18" charset="0"/>
+                        </a:rPr>
+                        <m:t>=9.03−0.0265</m:t>
+                      </m:r>
+                      <m:r>
+                        <a:rPr lang="en-US" sz="900" i="1">
+                          <a:effectLst/>
+                          <a:latin typeface="Cambria Math" panose="02040503050406030204" pitchFamily="18" charset="0"/>
+                          <a:ea typeface="SimSun" panose="02010600030101010101" pitchFamily="2" charset="-122"/>
+                          <a:cs typeface="Times New Roman" panose="02020603050405020304" pitchFamily="18" charset="0"/>
+                        </a:rPr>
+                        <m:t>𝐴𝑔𝑒</m:t>
+                      </m:r>
+                      <m:r>
+                        <a:rPr lang="en-US" sz="900" i="1">
+                          <a:effectLst/>
+                          <a:latin typeface="Cambria Math" panose="02040503050406030204" pitchFamily="18" charset="0"/>
+                          <a:ea typeface="SimSun" panose="02010600030101010101" pitchFamily="2" charset="-122"/>
+                          <a:cs typeface="Times New Roman" panose="02020603050405020304" pitchFamily="18" charset="0"/>
+                        </a:rPr>
+                        <m:t>+2.106</m:t>
+                      </m:r>
+                      <m:r>
+                        <a:rPr lang="en-US" sz="900" i="1">
+                          <a:effectLst/>
+                          <a:latin typeface="Cambria Math" panose="02040503050406030204" pitchFamily="18" charset="0"/>
+                          <a:ea typeface="SimSun" panose="02010600030101010101" pitchFamily="2" charset="-122"/>
+                          <a:cs typeface="Times New Roman" panose="02020603050405020304" pitchFamily="18" charset="0"/>
+                        </a:rPr>
+                        <m:t>𝐵𝑢𝑠𝑖𝑛𝑠𝑠𝑇𝑟𝑣𝑙𝑇𝑟𝑎𝑣𝑒</m:t>
+                      </m:r>
+                      <m:sSub>
+                        <m:sSubPr>
+                          <m:ctrlPr>
+                            <a:rPr lang="en-US" sz="900" i="1">
+                              <a:effectLst/>
+                              <a:latin typeface="Cambria Math" panose="02040503050406030204" pitchFamily="18" charset="0"/>
+                              <a:ea typeface="SimSun" panose="02010600030101010101" pitchFamily="2" charset="-122"/>
+                              <a:cs typeface="Times New Roman" panose="02020603050405020304" pitchFamily="18" charset="0"/>
+                            </a:rPr>
+                          </m:ctrlPr>
+                        </m:sSubPr>
+                        <m:e>
+                          <m:r>
+                            <a:rPr lang="en-US" sz="900" i="1">
+                              <a:effectLst/>
+                              <a:latin typeface="Cambria Math" panose="02040503050406030204" pitchFamily="18" charset="0"/>
+                              <a:ea typeface="SimSun" panose="02010600030101010101" pitchFamily="2" charset="-122"/>
+                              <a:cs typeface="Times New Roman" panose="02020603050405020304" pitchFamily="18" charset="0"/>
+                            </a:rPr>
+                            <m:t>𝑙</m:t>
+                          </m:r>
+                        </m:e>
+                        <m:sub>
+                          <m:r>
+                            <a:rPr lang="en-US" sz="900" i="1">
+                              <a:effectLst/>
+                              <a:latin typeface="Cambria Math" panose="02040503050406030204" pitchFamily="18" charset="0"/>
+                              <a:ea typeface="SimSun" panose="02010600030101010101" pitchFamily="2" charset="-122"/>
+                              <a:cs typeface="Times New Roman" panose="02020603050405020304" pitchFamily="18" charset="0"/>
+                            </a:rPr>
+                            <m:t>𝐹𝑟𝑒𝑞𝑢𝑒𝑛𝑐𝑦</m:t>
+                          </m:r>
+                        </m:sub>
+                      </m:sSub>
+                      <m:r>
+                        <a:rPr lang="en-US" sz="900" i="1">
+                          <a:effectLst/>
+                          <a:latin typeface="Cambria Math" panose="02040503050406030204" pitchFamily="18" charset="0"/>
+                          <a:ea typeface="SimSun" panose="02010600030101010101" pitchFamily="2" charset="-122"/>
+                          <a:cs typeface="Times New Roman" panose="02020603050405020304" pitchFamily="18" charset="0"/>
+                        </a:rPr>
+                        <m:t>+1.09</m:t>
+                      </m:r>
+                      <m:r>
+                        <a:rPr lang="en-US" sz="900" i="1">
+                          <a:effectLst/>
+                          <a:latin typeface="Cambria Math" panose="02040503050406030204" pitchFamily="18" charset="0"/>
+                          <a:ea typeface="SimSun" panose="02010600030101010101" pitchFamily="2" charset="-122"/>
+                          <a:cs typeface="Times New Roman" panose="02020603050405020304" pitchFamily="18" charset="0"/>
+                        </a:rPr>
+                        <m:t>𝐵𝑢𝑠𝑖𝑛𝑠𝑠𝑇𝑟𝑣𝑙𝑇𝑟𝑎𝑣𝑒</m:t>
+                      </m:r>
+                      <m:sSub>
+                        <m:sSubPr>
+                          <m:ctrlPr>
+                            <a:rPr lang="en-US" sz="900" i="1">
+                              <a:effectLst/>
+                              <a:latin typeface="Cambria Math" panose="02040503050406030204" pitchFamily="18" charset="0"/>
+                              <a:ea typeface="SimSun" panose="02010600030101010101" pitchFamily="2" charset="-122"/>
+                              <a:cs typeface="Times New Roman" panose="02020603050405020304" pitchFamily="18" charset="0"/>
+                            </a:rPr>
+                          </m:ctrlPr>
+                        </m:sSubPr>
+                        <m:e>
+                          <m:r>
+                            <a:rPr lang="en-US" sz="900" i="1">
+                              <a:effectLst/>
+                              <a:latin typeface="Cambria Math" panose="02040503050406030204" pitchFamily="18" charset="0"/>
+                              <a:ea typeface="SimSun" panose="02010600030101010101" pitchFamily="2" charset="-122"/>
+                              <a:cs typeface="Times New Roman" panose="02020603050405020304" pitchFamily="18" charset="0"/>
+                            </a:rPr>
+                            <m:t>𝑙</m:t>
+                          </m:r>
+                        </m:e>
+                        <m:sub>
+                          <m:r>
+                            <a:rPr lang="en-US" sz="900" i="1">
+                              <a:effectLst/>
+                              <a:latin typeface="Cambria Math" panose="02040503050406030204" pitchFamily="18" charset="0"/>
+                              <a:ea typeface="SimSun" panose="02010600030101010101" pitchFamily="2" charset="-122"/>
+                              <a:cs typeface="Times New Roman" panose="02020603050405020304" pitchFamily="18" charset="0"/>
+                            </a:rPr>
+                            <m:t>𝑅𝑎𝑟𝑒𝑙𝑦</m:t>
+                          </m:r>
+                        </m:sub>
+                      </m:sSub>
+                      <m:r>
+                        <a:rPr lang="en-US" sz="900" i="1">
+                          <a:effectLst/>
+                          <a:latin typeface="Cambria Math" panose="02040503050406030204" pitchFamily="18" charset="0"/>
+                          <a:ea typeface="SimSun" panose="02010600030101010101" pitchFamily="2" charset="-122"/>
+                          <a:cs typeface="Times New Roman" panose="02020603050405020304" pitchFamily="18" charset="0"/>
+                        </a:rPr>
+                        <m:t>−0.000389</m:t>
+                      </m:r>
+                      <m:r>
+                        <a:rPr lang="en-US" sz="900" i="1">
+                          <a:effectLst/>
+                          <a:latin typeface="Cambria Math" panose="02040503050406030204" pitchFamily="18" charset="0"/>
+                          <a:ea typeface="SimSun" panose="02010600030101010101" pitchFamily="2" charset="-122"/>
+                          <a:cs typeface="Times New Roman" panose="02020603050405020304" pitchFamily="18" charset="0"/>
+                        </a:rPr>
+                        <m:t>𝐷𝑎𝑖𝑙𝑦𝑅𝑎𝑡𝑒</m:t>
+                      </m:r>
+                      <m:r>
+                        <a:rPr lang="en-US" sz="900" i="1">
+                          <a:effectLst/>
+                          <a:latin typeface="Cambria Math" panose="02040503050406030204" pitchFamily="18" charset="0"/>
+                          <a:ea typeface="SimSun" panose="02010600030101010101" pitchFamily="2" charset="-122"/>
+                          <a:cs typeface="Times New Roman" panose="02020603050405020304" pitchFamily="18" charset="0"/>
+                        </a:rPr>
+                        <m:t>+0.0518</m:t>
+                      </m:r>
+                      <m:r>
+                        <a:rPr lang="en-US" sz="900" i="1">
+                          <a:effectLst/>
+                          <a:latin typeface="Cambria Math" panose="02040503050406030204" pitchFamily="18" charset="0"/>
+                          <a:ea typeface="SimSun" panose="02010600030101010101" pitchFamily="2" charset="-122"/>
+                          <a:cs typeface="Times New Roman" panose="02020603050405020304" pitchFamily="18" charset="0"/>
+                        </a:rPr>
+                        <m:t>𝐷𝑖𝑠𝑡𝑛𝑐𝐹𝑟𝑚𝐻𝑚</m:t>
+                      </m:r>
+                      <m:r>
+                        <a:rPr lang="en-US" sz="900" i="1">
+                          <a:effectLst/>
+                          <a:latin typeface="Cambria Math" panose="02040503050406030204" pitchFamily="18" charset="0"/>
+                          <a:ea typeface="SimSun" panose="02010600030101010101" pitchFamily="2" charset="-122"/>
+                          <a:cs typeface="Times New Roman" panose="02020603050405020304" pitchFamily="18" charset="0"/>
+                        </a:rPr>
+                        <m:t>−0.399</m:t>
+                      </m:r>
+                      <m:r>
+                        <a:rPr lang="en-US" sz="900" i="1">
+                          <a:effectLst/>
+                          <a:latin typeface="Cambria Math" panose="02040503050406030204" pitchFamily="18" charset="0"/>
+                          <a:ea typeface="SimSun" panose="02010600030101010101" pitchFamily="2" charset="-122"/>
+                          <a:cs typeface="Times New Roman" panose="02020603050405020304" pitchFamily="18" charset="0"/>
+                        </a:rPr>
+                        <m:t>𝐸𝑑𝑢𝐹𝑙𝑑𝐿𝑖𝑓𝑒𝑆𝑐𝑖</m:t>
+                      </m:r>
+                      <m:r>
+                        <a:rPr lang="en-US" sz="900" i="1">
+                          <a:effectLst/>
+                          <a:latin typeface="Cambria Math" panose="02040503050406030204" pitchFamily="18" charset="0"/>
+                          <a:ea typeface="SimSun" panose="02010600030101010101" pitchFamily="2" charset="-122"/>
+                          <a:cs typeface="Times New Roman" panose="02020603050405020304" pitchFamily="18" charset="0"/>
+                        </a:rPr>
+                        <m:t>+0.0785</m:t>
+                      </m:r>
+                      <m:r>
+                        <a:rPr lang="en-US" sz="900" i="1">
+                          <a:effectLst/>
+                          <a:latin typeface="Cambria Math" panose="02040503050406030204" pitchFamily="18" charset="0"/>
+                          <a:ea typeface="SimSun" panose="02010600030101010101" pitchFamily="2" charset="-122"/>
+                          <a:cs typeface="Times New Roman" panose="02020603050405020304" pitchFamily="18" charset="0"/>
+                        </a:rPr>
+                        <m:t>𝐸𝑑𝑢𝐹𝑙𝑑𝑀𝑘𝑡𝑛𝑔</m:t>
+                      </m:r>
+                      <m:r>
+                        <a:rPr lang="en-US" sz="900" i="1">
+                          <a:effectLst/>
+                          <a:latin typeface="Cambria Math" panose="02040503050406030204" pitchFamily="18" charset="0"/>
+                          <a:ea typeface="SimSun" panose="02010600030101010101" pitchFamily="2" charset="-122"/>
+                          <a:cs typeface="Times New Roman" panose="02020603050405020304" pitchFamily="18" charset="0"/>
+                        </a:rPr>
+                        <m:t>−0.557</m:t>
+                      </m:r>
+                      <m:r>
+                        <a:rPr lang="en-US" sz="900" i="1">
+                          <a:effectLst/>
+                          <a:latin typeface="Cambria Math" panose="02040503050406030204" pitchFamily="18" charset="0"/>
+                          <a:ea typeface="SimSun" panose="02010600030101010101" pitchFamily="2" charset="-122"/>
+                          <a:cs typeface="Times New Roman" panose="02020603050405020304" pitchFamily="18" charset="0"/>
+                        </a:rPr>
+                        <m:t>𝐸𝑑𝑢𝐹𝑙𝑑𝑀𝑒𝑑𝑖𝑐𝑎𝑙</m:t>
+                      </m:r>
+                      <m:r>
+                        <a:rPr lang="en-US" sz="900" i="1">
+                          <a:effectLst/>
+                          <a:latin typeface="Cambria Math" panose="02040503050406030204" pitchFamily="18" charset="0"/>
+                          <a:ea typeface="SimSun" panose="02010600030101010101" pitchFamily="2" charset="-122"/>
+                          <a:cs typeface="Times New Roman" panose="02020603050405020304" pitchFamily="18" charset="0"/>
+                        </a:rPr>
+                        <m:t>−0.435</m:t>
+                      </m:r>
+                      <m:r>
+                        <a:rPr lang="en-US" sz="900" i="1">
+                          <a:effectLst/>
+                          <a:latin typeface="Cambria Math" panose="02040503050406030204" pitchFamily="18" charset="0"/>
+                          <a:ea typeface="SimSun" panose="02010600030101010101" pitchFamily="2" charset="-122"/>
+                          <a:cs typeface="Times New Roman" panose="02020603050405020304" pitchFamily="18" charset="0"/>
+                        </a:rPr>
+                        <m:t>𝐸𝑑𝑢𝐹𝑙𝑑𝑂𝑡h𝑒𝑟</m:t>
+                      </m:r>
+                      <m:r>
+                        <a:rPr lang="en-US" sz="900" i="1">
+                          <a:effectLst/>
+                          <a:latin typeface="Cambria Math" panose="02040503050406030204" pitchFamily="18" charset="0"/>
+                          <a:ea typeface="SimSun" panose="02010600030101010101" pitchFamily="2" charset="-122"/>
+                          <a:cs typeface="Times New Roman" panose="02020603050405020304" pitchFamily="18" charset="0"/>
+                        </a:rPr>
+                        <m:t>+0.563</m:t>
+                      </m:r>
+                      <m:r>
+                        <a:rPr lang="en-US" sz="900" i="1">
+                          <a:effectLst/>
+                          <a:latin typeface="Cambria Math" panose="02040503050406030204" pitchFamily="18" charset="0"/>
+                          <a:ea typeface="SimSun" panose="02010600030101010101" pitchFamily="2" charset="-122"/>
+                          <a:cs typeface="Times New Roman" panose="02020603050405020304" pitchFamily="18" charset="0"/>
+                        </a:rPr>
+                        <m:t>𝐸𝑑𝑢𝐹𝑙𝑑𝑇𝑒𝑐h𝐷𝑔𝑟</m:t>
+                      </m:r>
+                      <m:r>
+                        <a:rPr lang="en-US" sz="900" i="1">
+                          <a:effectLst/>
+                          <a:latin typeface="Cambria Math" panose="02040503050406030204" pitchFamily="18" charset="0"/>
+                          <a:ea typeface="SimSun" panose="02010600030101010101" pitchFamily="2" charset="-122"/>
+                          <a:cs typeface="Times New Roman" panose="02020603050405020304" pitchFamily="18" charset="0"/>
+                        </a:rPr>
+                        <m:t>−1.112</m:t>
+                      </m:r>
+                      <m:r>
+                        <a:rPr lang="en-US" sz="900" i="1">
+                          <a:effectLst/>
+                          <a:latin typeface="Cambria Math" panose="02040503050406030204" pitchFamily="18" charset="0"/>
+                          <a:ea typeface="SimSun" panose="02010600030101010101" pitchFamily="2" charset="-122"/>
+                          <a:cs typeface="Times New Roman" panose="02020603050405020304" pitchFamily="18" charset="0"/>
+                        </a:rPr>
+                        <m:t>𝐸𝑛𝑣𝑟𝑛𝑚𝑛𝑡𝑆𝑡𝑠</m:t>
+                      </m:r>
+                      <m:r>
+                        <a:rPr lang="en-US" sz="900" i="1">
+                          <a:effectLst/>
+                          <a:latin typeface="Cambria Math" panose="02040503050406030204" pitchFamily="18" charset="0"/>
+                          <a:ea typeface="SimSun" panose="02010600030101010101" pitchFamily="2" charset="-122"/>
+                          <a:cs typeface="Times New Roman" panose="02020603050405020304" pitchFamily="18" charset="0"/>
+                        </a:rPr>
+                        <m:t>2−1.193</m:t>
+                      </m:r>
+                      <m:r>
+                        <a:rPr lang="en-US" sz="900" i="1">
+                          <a:effectLst/>
+                          <a:latin typeface="Cambria Math" panose="02040503050406030204" pitchFamily="18" charset="0"/>
+                          <a:ea typeface="SimSun" panose="02010600030101010101" pitchFamily="2" charset="-122"/>
+                          <a:cs typeface="Times New Roman" panose="02020603050405020304" pitchFamily="18" charset="0"/>
+                        </a:rPr>
+                        <m:t>𝐸𝑛𝑣𝑟𝑛𝑚𝑛𝑡𝑆𝑡𝑠</m:t>
+                      </m:r>
+                      <m:r>
+                        <a:rPr lang="en-US" sz="900" i="1">
+                          <a:effectLst/>
+                          <a:latin typeface="Cambria Math" panose="02040503050406030204" pitchFamily="18" charset="0"/>
+                          <a:ea typeface="SimSun" panose="02010600030101010101" pitchFamily="2" charset="-122"/>
+                          <a:cs typeface="Times New Roman" panose="02020603050405020304" pitchFamily="18" charset="0"/>
+                        </a:rPr>
+                        <m:t>3−1.317</m:t>
+                      </m:r>
+                      <m:r>
+                        <a:rPr lang="en-US" sz="900" i="1">
+                          <a:effectLst/>
+                          <a:latin typeface="Cambria Math" panose="02040503050406030204" pitchFamily="18" charset="0"/>
+                          <a:ea typeface="SimSun" panose="02010600030101010101" pitchFamily="2" charset="-122"/>
+                          <a:cs typeface="Times New Roman" panose="02020603050405020304" pitchFamily="18" charset="0"/>
+                        </a:rPr>
+                        <m:t>𝐸𝑛𝑣𝑟𝑛𝑚𝑛𝑡𝑆𝑡𝑠</m:t>
+                      </m:r>
+                      <m:r>
+                        <a:rPr lang="en-US" sz="900" i="1">
+                          <a:effectLst/>
+                          <a:latin typeface="Cambria Math" panose="02040503050406030204" pitchFamily="18" charset="0"/>
+                          <a:ea typeface="SimSun" panose="02010600030101010101" pitchFamily="2" charset="-122"/>
+                          <a:cs typeface="Times New Roman" panose="02020603050405020304" pitchFamily="18" charset="0"/>
+                        </a:rPr>
+                        <m:t>4+0.435</m:t>
+                      </m:r>
+                      <m:r>
+                        <a:rPr lang="en-US" sz="900" i="1">
+                          <a:effectLst/>
+                          <a:latin typeface="Cambria Math" panose="02040503050406030204" pitchFamily="18" charset="0"/>
+                          <a:ea typeface="SimSun" panose="02010600030101010101" pitchFamily="2" charset="-122"/>
+                          <a:cs typeface="Times New Roman" panose="02020603050405020304" pitchFamily="18" charset="0"/>
+                        </a:rPr>
+                        <m:t>𝐺𝑒𝑛𝑑𝑒𝑟𝑀𝑎𝑙𝑒</m:t>
+                      </m:r>
+                      <m:r>
+                        <a:rPr lang="en-US" sz="900" i="1">
+                          <a:effectLst/>
+                          <a:latin typeface="Cambria Math" panose="02040503050406030204" pitchFamily="18" charset="0"/>
+                          <a:ea typeface="SimSun" panose="02010600030101010101" pitchFamily="2" charset="-122"/>
+                          <a:cs typeface="Times New Roman" panose="02020603050405020304" pitchFamily="18" charset="0"/>
+                        </a:rPr>
+                        <m:t>−1.154</m:t>
+                      </m:r>
+                      <m:r>
+                        <a:rPr lang="en-US" sz="900" i="1">
+                          <a:effectLst/>
+                          <a:latin typeface="Cambria Math" panose="02040503050406030204" pitchFamily="18" charset="0"/>
+                          <a:ea typeface="SimSun" panose="02010600030101010101" pitchFamily="2" charset="-122"/>
+                          <a:cs typeface="Times New Roman" panose="02020603050405020304" pitchFamily="18" charset="0"/>
+                        </a:rPr>
+                        <m:t>𝐽𝑜𝑏𝐼𝑛𝑣𝑙𝑣𝑚𝑛𝑡</m:t>
+                      </m:r>
+                      <m:r>
+                        <a:rPr lang="en-US" sz="900" i="1">
+                          <a:effectLst/>
+                          <a:latin typeface="Cambria Math" panose="02040503050406030204" pitchFamily="18" charset="0"/>
+                          <a:ea typeface="SimSun" panose="02010600030101010101" pitchFamily="2" charset="-122"/>
+                          <a:cs typeface="Times New Roman" panose="02020603050405020304" pitchFamily="18" charset="0"/>
+                        </a:rPr>
+                        <m:t>2−1.412</m:t>
+                      </m:r>
+                      <m:r>
+                        <a:rPr lang="en-US" sz="900" i="1">
+                          <a:effectLst/>
+                          <a:latin typeface="Cambria Math" panose="02040503050406030204" pitchFamily="18" charset="0"/>
+                          <a:ea typeface="SimSun" panose="02010600030101010101" pitchFamily="2" charset="-122"/>
+                          <a:cs typeface="Times New Roman" panose="02020603050405020304" pitchFamily="18" charset="0"/>
+                        </a:rPr>
+                        <m:t>𝐽𝑜𝑏𝐼𝑛𝑣𝑙𝑣𝑚𝑛𝑡</m:t>
+                      </m:r>
+                      <m:r>
+                        <a:rPr lang="en-US" sz="900" i="1">
+                          <a:effectLst/>
+                          <a:latin typeface="Cambria Math" panose="02040503050406030204" pitchFamily="18" charset="0"/>
+                          <a:ea typeface="SimSun" panose="02010600030101010101" pitchFamily="2" charset="-122"/>
+                          <a:cs typeface="Times New Roman" panose="02020603050405020304" pitchFamily="18" charset="0"/>
+                        </a:rPr>
+                        <m:t>3−2.023</m:t>
+                      </m:r>
+                      <m:r>
+                        <a:rPr lang="en-US" sz="900" i="1">
+                          <a:effectLst/>
+                          <a:latin typeface="Cambria Math" panose="02040503050406030204" pitchFamily="18" charset="0"/>
+                          <a:ea typeface="SimSun" panose="02010600030101010101" pitchFamily="2" charset="-122"/>
+                          <a:cs typeface="Times New Roman" panose="02020603050405020304" pitchFamily="18" charset="0"/>
+                        </a:rPr>
+                        <m:t>𝐽𝑜𝑏𝐼𝑛𝑣𝑙𝑣𝑚𝑛𝑡</m:t>
+                      </m:r>
+                      <m:r>
+                        <a:rPr lang="en-US" sz="900" i="1">
+                          <a:effectLst/>
+                          <a:latin typeface="Cambria Math" panose="02040503050406030204" pitchFamily="18" charset="0"/>
+                          <a:ea typeface="SimSun" panose="02010600030101010101" pitchFamily="2" charset="-122"/>
+                          <a:cs typeface="Times New Roman" panose="02020603050405020304" pitchFamily="18" charset="0"/>
+                        </a:rPr>
+                        <m:t>4+1.023</m:t>
+                      </m:r>
+                      <m:r>
+                        <a:rPr lang="en-US" sz="900" i="1">
+                          <a:effectLst/>
+                          <a:latin typeface="Cambria Math" panose="02040503050406030204" pitchFamily="18" charset="0"/>
+                          <a:ea typeface="SimSun" panose="02010600030101010101" pitchFamily="2" charset="-122"/>
+                          <a:cs typeface="Times New Roman" panose="02020603050405020304" pitchFamily="18" charset="0"/>
+                        </a:rPr>
+                        <m:t>𝐽𝑜𝑏𝑅𝑜𝑙𝑒𝐻𝑅</m:t>
+                      </m:r>
+                      <m:r>
+                        <a:rPr lang="en-US" sz="900" i="1">
+                          <a:effectLst/>
+                          <a:latin typeface="Cambria Math" panose="02040503050406030204" pitchFamily="18" charset="0"/>
+                          <a:ea typeface="SimSun" panose="02010600030101010101" pitchFamily="2" charset="-122"/>
+                          <a:cs typeface="Times New Roman" panose="02020603050405020304" pitchFamily="18" charset="0"/>
+                        </a:rPr>
+                        <m:t>+1.085</m:t>
+                      </m:r>
+                      <m:r>
+                        <a:rPr lang="en-US" sz="900" i="1">
+                          <a:effectLst/>
+                          <a:latin typeface="Cambria Math" panose="02040503050406030204" pitchFamily="18" charset="0"/>
+                          <a:ea typeface="SimSun" panose="02010600030101010101" pitchFamily="2" charset="-122"/>
+                          <a:cs typeface="Times New Roman" panose="02020603050405020304" pitchFamily="18" charset="0"/>
+                        </a:rPr>
+                        <m:t>𝐽𝑜𝑏𝑅𝑜𝑙𝑒𝐿𝑎𝑏𝑇𝑒𝑐𝑛</m:t>
+                      </m:r>
+                      <m:r>
+                        <a:rPr lang="en-US" sz="900" i="1">
+                          <a:effectLst/>
+                          <a:latin typeface="Cambria Math" panose="02040503050406030204" pitchFamily="18" charset="0"/>
+                          <a:ea typeface="SimSun" panose="02010600030101010101" pitchFamily="2" charset="-122"/>
+                          <a:cs typeface="Times New Roman" panose="02020603050405020304" pitchFamily="18" charset="0"/>
+                        </a:rPr>
+                        <m:t>+0.739</m:t>
+                      </m:r>
+                      <m:r>
+                        <a:rPr lang="en-US" sz="900" i="1">
+                          <a:effectLst/>
+                          <a:latin typeface="Cambria Math" panose="02040503050406030204" pitchFamily="18" charset="0"/>
+                          <a:ea typeface="SimSun" panose="02010600030101010101" pitchFamily="2" charset="-122"/>
+                          <a:cs typeface="Times New Roman" panose="02020603050405020304" pitchFamily="18" charset="0"/>
+                        </a:rPr>
+                        <m:t>𝐽𝑜𝑏𝑅𝑜𝑙𝑒𝑀𝑎𝑛𝑎𝑔𝑒𝑟</m:t>
+                      </m:r>
+                      <m:r>
+                        <a:rPr lang="en-US" sz="900" i="1">
+                          <a:effectLst/>
+                          <a:latin typeface="Cambria Math" panose="02040503050406030204" pitchFamily="18" charset="0"/>
+                          <a:ea typeface="SimSun" panose="02010600030101010101" pitchFamily="2" charset="-122"/>
+                          <a:cs typeface="Times New Roman" panose="02020603050405020304" pitchFamily="18" charset="0"/>
+                        </a:rPr>
+                        <m:t>+0.2178</m:t>
+                      </m:r>
+                      <m:r>
+                        <a:rPr lang="en-US" sz="900" i="1">
+                          <a:effectLst/>
+                          <a:latin typeface="Cambria Math" panose="02040503050406030204" pitchFamily="18" charset="0"/>
+                          <a:ea typeface="SimSun" panose="02010600030101010101" pitchFamily="2" charset="-122"/>
+                          <a:cs typeface="Times New Roman" panose="02020603050405020304" pitchFamily="18" charset="0"/>
+                        </a:rPr>
+                        <m:t>𝐽𝑜𝑏𝑅𝑜𝑙𝑒𝑀𝑎𝑛𝑢𝑓𝑎𝑐𝑡𝑢𝑟𝑖𝑛</m:t>
+                      </m:r>
+                      <m:sSub>
+                        <m:sSubPr>
+                          <m:ctrlPr>
+                            <a:rPr lang="en-US" sz="900" i="1">
+                              <a:effectLst/>
+                              <a:latin typeface="Cambria Math" panose="02040503050406030204" pitchFamily="18" charset="0"/>
+                              <a:ea typeface="SimSun" panose="02010600030101010101" pitchFamily="2" charset="-122"/>
+                              <a:cs typeface="Times New Roman" panose="02020603050405020304" pitchFamily="18" charset="0"/>
+                            </a:rPr>
+                          </m:ctrlPr>
+                        </m:sSubPr>
+                        <m:e>
+                          <m:r>
+                            <a:rPr lang="en-US" sz="900" i="1">
+                              <a:effectLst/>
+                              <a:latin typeface="Cambria Math" panose="02040503050406030204" pitchFamily="18" charset="0"/>
+                              <a:ea typeface="SimSun" panose="02010600030101010101" pitchFamily="2" charset="-122"/>
+                              <a:cs typeface="Times New Roman" panose="02020603050405020304" pitchFamily="18" charset="0"/>
+                            </a:rPr>
+                            <m:t>𝑔</m:t>
+                          </m:r>
+                        </m:e>
+                        <m:sub>
+                          <m:r>
+                            <a:rPr lang="en-US" sz="900" i="1">
+                              <a:effectLst/>
+                              <a:latin typeface="Cambria Math" panose="02040503050406030204" pitchFamily="18" charset="0"/>
+                              <a:ea typeface="SimSun" panose="02010600030101010101" pitchFamily="2" charset="-122"/>
+                              <a:cs typeface="Times New Roman" panose="02020603050405020304" pitchFamily="18" charset="0"/>
+                            </a:rPr>
+                            <m:t>𝐷𝑖𝑟𝑒𝑐𝑡𝑜𝑟</m:t>
+                          </m:r>
+                        </m:sub>
+                      </m:sSub>
+                      <m:r>
+                        <a:rPr lang="en-US" sz="900" i="1">
+                          <a:effectLst/>
+                          <a:latin typeface="Cambria Math" panose="02040503050406030204" pitchFamily="18" charset="0"/>
+                          <a:ea typeface="SimSun" panose="02010600030101010101" pitchFamily="2" charset="-122"/>
+                          <a:cs typeface="Times New Roman" panose="02020603050405020304" pitchFamily="18" charset="0"/>
+                        </a:rPr>
+                        <m:t>−0.9076</m:t>
+                      </m:r>
+                      <m:r>
+                        <a:rPr lang="en-US" sz="900" i="1">
+                          <a:effectLst/>
+                          <a:latin typeface="Cambria Math" panose="02040503050406030204" pitchFamily="18" charset="0"/>
+                          <a:ea typeface="SimSun" panose="02010600030101010101" pitchFamily="2" charset="-122"/>
+                          <a:cs typeface="Times New Roman" panose="02020603050405020304" pitchFamily="18" charset="0"/>
+                        </a:rPr>
+                        <m:t>𝐽𝑜𝑏𝑅𝑜𝑙𝑒𝑅𝑠𝑐h𝐷𝑖𝑟𝑒𝑐𝑡𝑜𝑟</m:t>
+                      </m:r>
+                      <m:r>
+                        <a:rPr lang="en-US" sz="900" i="1">
+                          <a:effectLst/>
+                          <a:latin typeface="Cambria Math" panose="02040503050406030204" pitchFamily="18" charset="0"/>
+                          <a:ea typeface="SimSun" panose="02010600030101010101" pitchFamily="2" charset="-122"/>
+                          <a:cs typeface="Times New Roman" panose="02020603050405020304" pitchFamily="18" charset="0"/>
+                        </a:rPr>
+                        <m:t>−0.00066</m:t>
+                      </m:r>
+                      <m:r>
+                        <a:rPr lang="en-US" sz="900" i="1">
+                          <a:effectLst/>
+                          <a:latin typeface="Cambria Math" panose="02040503050406030204" pitchFamily="18" charset="0"/>
+                          <a:ea typeface="SimSun" panose="02010600030101010101" pitchFamily="2" charset="-122"/>
+                          <a:cs typeface="Times New Roman" panose="02020603050405020304" pitchFamily="18" charset="0"/>
+                        </a:rPr>
+                        <m:t>𝐽𝑜𝑏𝑅𝑜𝑙𝑒𝑅𝑠𝑐h𝑆𝑐𝑖𝑒𝑛𝑡𝑖𝑠𝑡</m:t>
+                      </m:r>
+                      <m:r>
+                        <a:rPr lang="en-US" sz="900" i="1">
+                          <a:effectLst/>
+                          <a:latin typeface="Cambria Math" panose="02040503050406030204" pitchFamily="18" charset="0"/>
+                          <a:ea typeface="SimSun" panose="02010600030101010101" pitchFamily="2" charset="-122"/>
+                          <a:cs typeface="Times New Roman" panose="02020603050405020304" pitchFamily="18" charset="0"/>
+                        </a:rPr>
+                        <m:t>+1.0297</m:t>
+                      </m:r>
+                      <m:r>
+                        <a:rPr lang="en-US" sz="900" i="1">
+                          <a:effectLst/>
+                          <a:latin typeface="Cambria Math" panose="02040503050406030204" pitchFamily="18" charset="0"/>
+                          <a:ea typeface="SimSun" panose="02010600030101010101" pitchFamily="2" charset="-122"/>
+                          <a:cs typeface="Times New Roman" panose="02020603050405020304" pitchFamily="18" charset="0"/>
+                        </a:rPr>
+                        <m:t>𝐽𝑜𝑏𝑅𝑜𝑙𝑒𝑆𝑎𝑙𝑒𝑠𝐸𝑥𝑒𝑐𝑢𝑡𝑖𝑣𝑒</m:t>
+                      </m:r>
+                      <m:r>
+                        <a:rPr lang="en-US" sz="900" i="1">
+                          <a:effectLst/>
+                          <a:latin typeface="Cambria Math" panose="02040503050406030204" pitchFamily="18" charset="0"/>
+                          <a:ea typeface="SimSun" panose="02010600030101010101" pitchFamily="2" charset="-122"/>
+                          <a:cs typeface="Times New Roman" panose="02020603050405020304" pitchFamily="18" charset="0"/>
+                        </a:rPr>
+                        <m:t>+1.662</m:t>
+                      </m:r>
+                      <m:r>
+                        <a:rPr lang="en-US" sz="900" i="1">
+                          <a:effectLst/>
+                          <a:latin typeface="Cambria Math" panose="02040503050406030204" pitchFamily="18" charset="0"/>
+                          <a:ea typeface="SimSun" panose="02010600030101010101" pitchFamily="2" charset="-122"/>
+                          <a:cs typeface="Times New Roman" panose="02020603050405020304" pitchFamily="18" charset="0"/>
+                        </a:rPr>
+                        <m:t>𝐽𝑜𝑏𝑅𝑜𝑙𝑒𝑆𝑎𝑙𝑒𝑠𝑅𝑒𝑝</m:t>
+                      </m:r>
+                      <m:r>
+                        <a:rPr lang="en-US" sz="900" i="1">
+                          <a:effectLst/>
+                          <a:latin typeface="Cambria Math" panose="02040503050406030204" pitchFamily="18" charset="0"/>
+                          <a:ea typeface="SimSun" panose="02010600030101010101" pitchFamily="2" charset="-122"/>
+                          <a:cs typeface="Times New Roman" panose="02020603050405020304" pitchFamily="18" charset="0"/>
+                        </a:rPr>
+                        <m:t>−0.663</m:t>
+                      </m:r>
+                      <m:r>
+                        <a:rPr lang="en-US" sz="900" i="1">
+                          <a:effectLst/>
+                          <a:latin typeface="Cambria Math" panose="02040503050406030204" pitchFamily="18" charset="0"/>
+                          <a:ea typeface="SimSun" panose="02010600030101010101" pitchFamily="2" charset="-122"/>
+                          <a:cs typeface="Times New Roman" panose="02020603050405020304" pitchFamily="18" charset="0"/>
+                        </a:rPr>
+                        <m:t>𝐽𝑜𝑏𝑆𝑎𝑡𝑠𝑓𝑐𝑡𝑛</m:t>
+                      </m:r>
+                      <m:r>
+                        <a:rPr lang="en-US" sz="900" i="1">
+                          <a:effectLst/>
+                          <a:latin typeface="Cambria Math" panose="02040503050406030204" pitchFamily="18" charset="0"/>
+                          <a:ea typeface="SimSun" panose="02010600030101010101" pitchFamily="2" charset="-122"/>
+                          <a:cs typeface="Times New Roman" panose="02020603050405020304" pitchFamily="18" charset="0"/>
+                        </a:rPr>
+                        <m:t>2−0.6897</m:t>
+                      </m:r>
+                      <m:r>
+                        <a:rPr lang="en-US" sz="900" i="1">
+                          <a:effectLst/>
+                          <a:latin typeface="Cambria Math" panose="02040503050406030204" pitchFamily="18" charset="0"/>
+                          <a:ea typeface="SimSun" panose="02010600030101010101" pitchFamily="2" charset="-122"/>
+                          <a:cs typeface="Times New Roman" panose="02020603050405020304" pitchFamily="18" charset="0"/>
+                        </a:rPr>
+                        <m:t>𝐽𝑜𝑏𝑆𝑎𝑡𝑠𝑓𝑐𝑡𝑛</m:t>
+                      </m:r>
+                      <m:r>
+                        <a:rPr lang="en-US" sz="900" i="1">
+                          <a:effectLst/>
+                          <a:latin typeface="Cambria Math" panose="02040503050406030204" pitchFamily="18" charset="0"/>
+                          <a:ea typeface="SimSun" panose="02010600030101010101" pitchFamily="2" charset="-122"/>
+                          <a:cs typeface="Times New Roman" panose="02020603050405020304" pitchFamily="18" charset="0"/>
+                        </a:rPr>
+                        <m:t>3−1.338</m:t>
+                      </m:r>
+                      <m:r>
+                        <a:rPr lang="en-US" sz="900" i="1">
+                          <a:effectLst/>
+                          <a:latin typeface="Cambria Math" panose="02040503050406030204" pitchFamily="18" charset="0"/>
+                          <a:ea typeface="SimSun" panose="02010600030101010101" pitchFamily="2" charset="-122"/>
+                          <a:cs typeface="Times New Roman" panose="02020603050405020304" pitchFamily="18" charset="0"/>
+                        </a:rPr>
+                        <m:t>𝐽𝑜𝑏𝑆𝑎𝑡𝑠𝑓𝑐𝑡𝑛</m:t>
+                      </m:r>
+                      <m:r>
+                        <a:rPr lang="en-US" sz="900" i="1">
+                          <a:effectLst/>
+                          <a:latin typeface="Cambria Math" panose="02040503050406030204" pitchFamily="18" charset="0"/>
+                          <a:ea typeface="SimSun" panose="02010600030101010101" pitchFamily="2" charset="-122"/>
+                          <a:cs typeface="Times New Roman" panose="02020603050405020304" pitchFamily="18" charset="0"/>
+                        </a:rPr>
+                        <m:t>4+0.6777</m:t>
+                      </m:r>
+                      <m:r>
+                        <a:rPr lang="en-US" sz="900" i="1">
+                          <a:effectLst/>
+                          <a:latin typeface="Cambria Math" panose="02040503050406030204" pitchFamily="18" charset="0"/>
+                          <a:ea typeface="SimSun" panose="02010600030101010101" pitchFamily="2" charset="-122"/>
+                          <a:cs typeface="Times New Roman" panose="02020603050405020304" pitchFamily="18" charset="0"/>
+                        </a:rPr>
+                        <m:t>𝑁𝑚𝐶𝑚𝑝𝑛𝑠𝑊𝑟𝑘𝑑</m:t>
+                      </m:r>
+                      <m:r>
+                        <a:rPr lang="en-US" sz="900" i="1">
+                          <a:effectLst/>
+                          <a:latin typeface="Cambria Math" panose="02040503050406030204" pitchFamily="18" charset="0"/>
+                          <a:ea typeface="SimSun" panose="02010600030101010101" pitchFamily="2" charset="-122"/>
+                          <a:cs typeface="Times New Roman" panose="02020603050405020304" pitchFamily="18" charset="0"/>
+                        </a:rPr>
+                        <m:t>1+0.559</m:t>
+                      </m:r>
+                      <m:r>
+                        <a:rPr lang="en-US" sz="900" i="1">
+                          <a:effectLst/>
+                          <a:latin typeface="Cambria Math" panose="02040503050406030204" pitchFamily="18" charset="0"/>
+                          <a:ea typeface="SimSun" panose="02010600030101010101" pitchFamily="2" charset="-122"/>
+                          <a:cs typeface="Times New Roman" panose="02020603050405020304" pitchFamily="18" charset="0"/>
+                        </a:rPr>
+                        <m:t>𝑁𝑚𝐶𝑚𝑝𝑛𝑠𝑊𝑟𝑘𝑑</m:t>
+                      </m:r>
+                      <m:r>
+                        <a:rPr lang="en-US" sz="900" i="1">
+                          <a:effectLst/>
+                          <a:latin typeface="Cambria Math" panose="02040503050406030204" pitchFamily="18" charset="0"/>
+                          <a:ea typeface="SimSun" panose="02010600030101010101" pitchFamily="2" charset="-122"/>
+                          <a:cs typeface="Times New Roman" panose="02020603050405020304" pitchFamily="18" charset="0"/>
+                        </a:rPr>
+                        <m:t>2+0.028</m:t>
+                      </m:r>
+                      <m:r>
+                        <a:rPr lang="en-US" sz="900" i="1">
+                          <a:effectLst/>
+                          <a:latin typeface="Cambria Math" panose="02040503050406030204" pitchFamily="18" charset="0"/>
+                          <a:ea typeface="SimSun" panose="02010600030101010101" pitchFamily="2" charset="-122"/>
+                          <a:cs typeface="Times New Roman" panose="02020603050405020304" pitchFamily="18" charset="0"/>
+                        </a:rPr>
+                        <m:t>𝑁𝑚𝐶𝑚𝑝𝑛𝑠𝑊𝑟𝑘𝑑</m:t>
+                      </m:r>
+                      <m:r>
+                        <a:rPr lang="en-US" sz="900" i="1">
+                          <a:effectLst/>
+                          <a:latin typeface="Cambria Math" panose="02040503050406030204" pitchFamily="18" charset="0"/>
+                          <a:ea typeface="SimSun" panose="02010600030101010101" pitchFamily="2" charset="-122"/>
+                          <a:cs typeface="Times New Roman" panose="02020603050405020304" pitchFamily="18" charset="0"/>
+                        </a:rPr>
+                        <m:t>3+0.654</m:t>
+                      </m:r>
+                      <m:r>
+                        <a:rPr lang="en-US" sz="900" i="1">
+                          <a:effectLst/>
+                          <a:latin typeface="Cambria Math" panose="02040503050406030204" pitchFamily="18" charset="0"/>
+                          <a:ea typeface="SimSun" panose="02010600030101010101" pitchFamily="2" charset="-122"/>
+                          <a:cs typeface="Times New Roman" panose="02020603050405020304" pitchFamily="18" charset="0"/>
+                        </a:rPr>
+                        <m:t>𝑁𝑚𝐶𝑚𝑝𝑛𝑠𝑊𝑟𝑘𝑑</m:t>
+                      </m:r>
+                      <m:r>
+                        <a:rPr lang="en-US" sz="900" i="1">
+                          <a:effectLst/>
+                          <a:latin typeface="Cambria Math" panose="02040503050406030204" pitchFamily="18" charset="0"/>
+                          <a:ea typeface="SimSun" panose="02010600030101010101" pitchFamily="2" charset="-122"/>
+                          <a:cs typeface="Times New Roman" panose="02020603050405020304" pitchFamily="18" charset="0"/>
+                        </a:rPr>
+                        <m:t>4+1.525</m:t>
+                      </m:r>
+                      <m:r>
+                        <a:rPr lang="en-US" sz="900" i="1">
+                          <a:effectLst/>
+                          <a:latin typeface="Cambria Math" panose="02040503050406030204" pitchFamily="18" charset="0"/>
+                          <a:ea typeface="SimSun" panose="02010600030101010101" pitchFamily="2" charset="-122"/>
+                          <a:cs typeface="Times New Roman" panose="02020603050405020304" pitchFamily="18" charset="0"/>
+                        </a:rPr>
+                        <m:t>𝑁𝑚𝐶𝑚𝑝𝑛𝑠𝑊𝑟𝑘𝑑</m:t>
+                      </m:r>
+                      <m:r>
+                        <a:rPr lang="en-US" sz="900" i="1">
+                          <a:effectLst/>
+                          <a:latin typeface="Cambria Math" panose="02040503050406030204" pitchFamily="18" charset="0"/>
+                          <a:ea typeface="SimSun" panose="02010600030101010101" pitchFamily="2" charset="-122"/>
+                          <a:cs typeface="Times New Roman" panose="02020603050405020304" pitchFamily="18" charset="0"/>
+                        </a:rPr>
+                        <m:t>5+1.412</m:t>
+                      </m:r>
+                      <m:r>
+                        <a:rPr lang="en-US" sz="900" i="1">
+                          <a:effectLst/>
+                          <a:latin typeface="Cambria Math" panose="02040503050406030204" pitchFamily="18" charset="0"/>
+                          <a:ea typeface="SimSun" panose="02010600030101010101" pitchFamily="2" charset="-122"/>
+                          <a:cs typeface="Times New Roman" panose="02020603050405020304" pitchFamily="18" charset="0"/>
+                        </a:rPr>
+                        <m:t>𝑁𝑚𝐶𝑚𝑝𝑛𝑠𝑊𝑟𝑘𝑑</m:t>
+                      </m:r>
+                      <m:r>
+                        <a:rPr lang="en-US" sz="900" i="1">
+                          <a:effectLst/>
+                          <a:latin typeface="Cambria Math" panose="02040503050406030204" pitchFamily="18" charset="0"/>
+                          <a:ea typeface="SimSun" panose="02010600030101010101" pitchFamily="2" charset="-122"/>
+                          <a:cs typeface="Times New Roman" panose="02020603050405020304" pitchFamily="18" charset="0"/>
+                        </a:rPr>
+                        <m:t>6+1.733</m:t>
+                      </m:r>
+                      <m:r>
+                        <a:rPr lang="en-US" sz="900" i="1">
+                          <a:effectLst/>
+                          <a:latin typeface="Cambria Math" panose="02040503050406030204" pitchFamily="18" charset="0"/>
+                          <a:ea typeface="SimSun" panose="02010600030101010101" pitchFamily="2" charset="-122"/>
+                          <a:cs typeface="Times New Roman" panose="02020603050405020304" pitchFamily="18" charset="0"/>
+                        </a:rPr>
+                        <m:t>𝑁𝑚𝐶𝑚𝑝𝑛𝑠𝑊𝑟𝑘𝑑</m:t>
+                      </m:r>
+                      <m:r>
+                        <a:rPr lang="en-US" sz="900" i="1">
+                          <a:effectLst/>
+                          <a:latin typeface="Cambria Math" panose="02040503050406030204" pitchFamily="18" charset="0"/>
+                          <a:ea typeface="SimSun" panose="02010600030101010101" pitchFamily="2" charset="-122"/>
+                          <a:cs typeface="Times New Roman" panose="02020603050405020304" pitchFamily="18" charset="0"/>
+                        </a:rPr>
+                        <m:t>7+0.885</m:t>
+                      </m:r>
+                      <m:r>
+                        <a:rPr lang="en-US" sz="900" i="1">
+                          <a:effectLst/>
+                          <a:latin typeface="Cambria Math" panose="02040503050406030204" pitchFamily="18" charset="0"/>
+                          <a:ea typeface="SimSun" panose="02010600030101010101" pitchFamily="2" charset="-122"/>
+                          <a:cs typeface="Times New Roman" panose="02020603050405020304" pitchFamily="18" charset="0"/>
+                        </a:rPr>
+                        <m:t>𝑁𝑚𝐶𝑚𝑝𝑛𝑠𝑊𝑟𝑘𝑑</m:t>
+                      </m:r>
+                      <m:r>
+                        <a:rPr lang="en-US" sz="900" i="1">
+                          <a:effectLst/>
+                          <a:latin typeface="Cambria Math" panose="02040503050406030204" pitchFamily="18" charset="0"/>
+                          <a:ea typeface="SimSun" panose="02010600030101010101" pitchFamily="2" charset="-122"/>
+                          <a:cs typeface="Times New Roman" panose="02020603050405020304" pitchFamily="18" charset="0"/>
+                        </a:rPr>
+                        <m:t>8+1.985</m:t>
+                      </m:r>
+                      <m:r>
+                        <a:rPr lang="en-US" sz="900" i="1">
+                          <a:effectLst/>
+                          <a:latin typeface="Cambria Math" panose="02040503050406030204" pitchFamily="18" charset="0"/>
+                          <a:ea typeface="SimSun" panose="02010600030101010101" pitchFamily="2" charset="-122"/>
+                          <a:cs typeface="Times New Roman" panose="02020603050405020304" pitchFamily="18" charset="0"/>
+                        </a:rPr>
+                        <m:t>𝑁𝑚𝐶𝑚𝑝𝑛𝑠𝑊𝑟𝑘𝑑</m:t>
+                      </m:r>
+                      <m:r>
+                        <a:rPr lang="en-US" sz="900" i="1">
+                          <a:effectLst/>
+                          <a:latin typeface="Cambria Math" panose="02040503050406030204" pitchFamily="18" charset="0"/>
+                          <a:ea typeface="SimSun" panose="02010600030101010101" pitchFamily="2" charset="-122"/>
+                          <a:cs typeface="Times New Roman" panose="02020603050405020304" pitchFamily="18" charset="0"/>
+                        </a:rPr>
+                        <m:t>9+2.094</m:t>
+                      </m:r>
+                      <m:r>
+                        <a:rPr lang="en-US" sz="900" i="1">
+                          <a:effectLst/>
+                          <a:latin typeface="Cambria Math" panose="02040503050406030204" pitchFamily="18" charset="0"/>
+                          <a:ea typeface="SimSun" panose="02010600030101010101" pitchFamily="2" charset="-122"/>
+                          <a:cs typeface="Times New Roman" panose="02020603050405020304" pitchFamily="18" charset="0"/>
+                        </a:rPr>
+                        <m:t>𝑂𝑣𝑒𝑟𝑇𝑖𝑚𝑒𝑌𝑒𝑠</m:t>
+                      </m:r>
+                      <m:r>
+                        <a:rPr lang="en-US" sz="900" i="1">
+                          <a:effectLst/>
+                          <a:latin typeface="Cambria Math" panose="02040503050406030204" pitchFamily="18" charset="0"/>
+                          <a:ea typeface="SimSun" panose="02010600030101010101" pitchFamily="2" charset="-122"/>
+                          <a:cs typeface="Times New Roman" panose="02020603050405020304" pitchFamily="18" charset="0"/>
+                        </a:rPr>
+                        <m:t>−0.307</m:t>
+                      </m:r>
+                      <m:r>
+                        <a:rPr lang="en-US" sz="900" i="1">
+                          <a:effectLst/>
+                          <a:latin typeface="Cambria Math" panose="02040503050406030204" pitchFamily="18" charset="0"/>
+                          <a:ea typeface="SimSun" panose="02010600030101010101" pitchFamily="2" charset="-122"/>
+                          <a:cs typeface="Times New Roman" panose="02020603050405020304" pitchFamily="18" charset="0"/>
+                        </a:rPr>
+                        <m:t>𝑅𝑙𝑡𝑛𝑠h𝑝𝑆𝑡𝑠𝑓</m:t>
+                      </m:r>
+                      <m:r>
+                        <a:rPr lang="en-US" sz="900" i="1">
+                          <a:effectLst/>
+                          <a:latin typeface="Cambria Math" panose="02040503050406030204" pitchFamily="18" charset="0"/>
+                          <a:ea typeface="SimSun" panose="02010600030101010101" pitchFamily="2" charset="-122"/>
+                          <a:cs typeface="Times New Roman" panose="02020603050405020304" pitchFamily="18" charset="0"/>
+                        </a:rPr>
+                        <m:t>−1.426</m:t>
+                      </m:r>
+                      <m:r>
+                        <a:rPr lang="en-US" sz="900" i="1">
+                          <a:effectLst/>
+                          <a:latin typeface="Cambria Math" panose="02040503050406030204" pitchFamily="18" charset="0"/>
+                          <a:ea typeface="SimSun" panose="02010600030101010101" pitchFamily="2" charset="-122"/>
+                          <a:cs typeface="Times New Roman" panose="02020603050405020304" pitchFamily="18" charset="0"/>
+                        </a:rPr>
+                        <m:t>𝑆𝑡𝑐𝑘𝑂𝑝𝑡𝑛𝐿𝑣𝑙</m:t>
+                      </m:r>
+                      <m:r>
+                        <a:rPr lang="en-US" sz="900" i="1">
+                          <a:effectLst/>
+                          <a:latin typeface="Cambria Math" panose="02040503050406030204" pitchFamily="18" charset="0"/>
+                          <a:ea typeface="SimSun" panose="02010600030101010101" pitchFamily="2" charset="-122"/>
+                          <a:cs typeface="Times New Roman" panose="02020603050405020304" pitchFamily="18" charset="0"/>
+                        </a:rPr>
+                        <m:t>1−1.557</m:t>
+                      </m:r>
+                      <m:r>
+                        <a:rPr lang="en-US" sz="900" i="1">
+                          <a:effectLst/>
+                          <a:latin typeface="Cambria Math" panose="02040503050406030204" pitchFamily="18" charset="0"/>
+                          <a:ea typeface="SimSun" panose="02010600030101010101" pitchFamily="2" charset="-122"/>
+                          <a:cs typeface="Times New Roman" panose="02020603050405020304" pitchFamily="18" charset="0"/>
+                        </a:rPr>
+                        <m:t>𝑆𝑡𝑐𝑘𝑂𝑝𝑡𝑛𝐿𝑣𝑙</m:t>
+                      </m:r>
+                      <m:r>
+                        <a:rPr lang="en-US" sz="900" i="1">
+                          <a:effectLst/>
+                          <a:latin typeface="Cambria Math" panose="02040503050406030204" pitchFamily="18" charset="0"/>
+                          <a:ea typeface="SimSun" panose="02010600030101010101" pitchFamily="2" charset="-122"/>
+                          <a:cs typeface="Times New Roman" panose="02020603050405020304" pitchFamily="18" charset="0"/>
+                        </a:rPr>
+                        <m:t>2−0.696</m:t>
+                      </m:r>
+                      <m:r>
+                        <a:rPr lang="en-US" sz="900" i="1">
+                          <a:effectLst/>
+                          <a:latin typeface="Cambria Math" panose="02040503050406030204" pitchFamily="18" charset="0"/>
+                          <a:ea typeface="SimSun" panose="02010600030101010101" pitchFamily="2" charset="-122"/>
+                          <a:cs typeface="Times New Roman" panose="02020603050405020304" pitchFamily="18" charset="0"/>
+                        </a:rPr>
+                        <m:t>𝑆𝑡𝑐𝑘𝑂𝑝𝑡𝑛𝐿𝑣𝑙</m:t>
+                      </m:r>
+                      <m:r>
+                        <a:rPr lang="en-US" sz="900" i="1">
+                          <a:effectLst/>
+                          <a:latin typeface="Cambria Math" panose="02040503050406030204" pitchFamily="18" charset="0"/>
+                          <a:ea typeface="SimSun" panose="02010600030101010101" pitchFamily="2" charset="-122"/>
+                          <a:cs typeface="Times New Roman" panose="02020603050405020304" pitchFamily="18" charset="0"/>
+                        </a:rPr>
+                        <m:t>3−0.016</m:t>
+                      </m:r>
+                      <m:r>
+                        <a:rPr lang="en-US" sz="900" i="1">
+                          <a:effectLst/>
+                          <a:latin typeface="Cambria Math" panose="02040503050406030204" pitchFamily="18" charset="0"/>
+                          <a:ea typeface="SimSun" panose="02010600030101010101" pitchFamily="2" charset="-122"/>
+                          <a:cs typeface="Times New Roman" panose="02020603050405020304" pitchFamily="18" charset="0"/>
+                        </a:rPr>
+                        <m:t>𝑇𝑡𝑙𝑊𝑟𝑘𝑛𝑔𝑌𝑟𝑠</m:t>
+                      </m:r>
+                      <m:r>
+                        <a:rPr lang="en-US" sz="900" i="1">
+                          <a:effectLst/>
+                          <a:latin typeface="Cambria Math" panose="02040503050406030204" pitchFamily="18" charset="0"/>
+                          <a:ea typeface="SimSun" panose="02010600030101010101" pitchFamily="2" charset="-122"/>
+                          <a:cs typeface="Times New Roman" panose="02020603050405020304" pitchFamily="18" charset="0"/>
+                        </a:rPr>
+                        <m:t>−1.142</m:t>
+                      </m:r>
+                      <m:r>
+                        <a:rPr lang="en-US" sz="900" i="1">
+                          <a:effectLst/>
+                          <a:latin typeface="Cambria Math" panose="02040503050406030204" pitchFamily="18" charset="0"/>
+                          <a:ea typeface="SimSun" panose="02010600030101010101" pitchFamily="2" charset="-122"/>
+                          <a:cs typeface="Times New Roman" panose="02020603050405020304" pitchFamily="18" charset="0"/>
+                        </a:rPr>
+                        <m:t>𝑇𝑟𝑛𝑛𝑔𝑇𝑚𝑠𝐿𝑠𝑌</m:t>
+                      </m:r>
+                      <m:r>
+                        <a:rPr lang="en-US" sz="900" i="1">
+                          <a:effectLst/>
+                          <a:latin typeface="Cambria Math" panose="02040503050406030204" pitchFamily="18" charset="0"/>
+                          <a:ea typeface="SimSun" panose="02010600030101010101" pitchFamily="2" charset="-122"/>
+                          <a:cs typeface="Times New Roman" panose="02020603050405020304" pitchFamily="18" charset="0"/>
+                        </a:rPr>
+                        <m:t>1−1.311</m:t>
+                      </m:r>
+                      <m:r>
+                        <a:rPr lang="en-US" sz="900" i="1">
+                          <a:effectLst/>
+                          <a:latin typeface="Cambria Math" panose="02040503050406030204" pitchFamily="18" charset="0"/>
+                          <a:ea typeface="SimSun" panose="02010600030101010101" pitchFamily="2" charset="-122"/>
+                          <a:cs typeface="Times New Roman" panose="02020603050405020304" pitchFamily="18" charset="0"/>
+                        </a:rPr>
+                        <m:t>𝑇𝑟𝑛𝑛𝑔𝑇𝑚𝑠𝐿𝑠𝑌</m:t>
+                      </m:r>
+                      <m:r>
+                        <a:rPr lang="en-US" sz="900" i="1">
+                          <a:effectLst/>
+                          <a:latin typeface="Cambria Math" panose="02040503050406030204" pitchFamily="18" charset="0"/>
+                          <a:ea typeface="SimSun" panose="02010600030101010101" pitchFamily="2" charset="-122"/>
+                          <a:cs typeface="Times New Roman" panose="02020603050405020304" pitchFamily="18" charset="0"/>
+                        </a:rPr>
+                        <m:t>2−1.635</m:t>
+                      </m:r>
+                      <m:r>
+                        <a:rPr lang="en-US" sz="900" i="1">
+                          <a:effectLst/>
+                          <a:latin typeface="Cambria Math" panose="02040503050406030204" pitchFamily="18" charset="0"/>
+                          <a:ea typeface="SimSun" panose="02010600030101010101" pitchFamily="2" charset="-122"/>
+                          <a:cs typeface="Times New Roman" panose="02020603050405020304" pitchFamily="18" charset="0"/>
+                        </a:rPr>
+                        <m:t>𝑇𝑟𝑛𝑛𝑔𝑇𝑚𝑠𝐿𝑠𝑌</m:t>
+                      </m:r>
+                      <m:r>
+                        <a:rPr lang="en-US" sz="900" i="1">
+                          <a:effectLst/>
+                          <a:latin typeface="Cambria Math" panose="02040503050406030204" pitchFamily="18" charset="0"/>
+                          <a:ea typeface="SimSun" panose="02010600030101010101" pitchFamily="2" charset="-122"/>
+                          <a:cs typeface="Times New Roman" panose="02020603050405020304" pitchFamily="18" charset="0"/>
+                        </a:rPr>
+                        <m:t>3−1.045</m:t>
+                      </m:r>
+                      <m:r>
+                        <a:rPr lang="en-US" sz="900" i="1">
+                          <a:effectLst/>
+                          <a:latin typeface="Cambria Math" panose="02040503050406030204" pitchFamily="18" charset="0"/>
+                          <a:ea typeface="SimSun" panose="02010600030101010101" pitchFamily="2" charset="-122"/>
+                          <a:cs typeface="Times New Roman" panose="02020603050405020304" pitchFamily="18" charset="0"/>
+                        </a:rPr>
+                        <m:t>𝑇𝑟𝑛𝑛𝑔𝑇𝑚𝑠𝐿𝑠𝑌</m:t>
+                      </m:r>
+                      <m:r>
+                        <a:rPr lang="en-US" sz="900" i="1">
+                          <a:effectLst/>
+                          <a:latin typeface="Cambria Math" panose="02040503050406030204" pitchFamily="18" charset="0"/>
+                          <a:ea typeface="SimSun" panose="02010600030101010101" pitchFamily="2" charset="-122"/>
+                          <a:cs typeface="Times New Roman" panose="02020603050405020304" pitchFamily="18" charset="0"/>
+                        </a:rPr>
+                        <m:t>4−1.744</m:t>
+                      </m:r>
+                      <m:r>
+                        <a:rPr lang="en-US" sz="900" i="1">
+                          <a:effectLst/>
+                          <a:latin typeface="Cambria Math" panose="02040503050406030204" pitchFamily="18" charset="0"/>
+                          <a:ea typeface="SimSun" panose="02010600030101010101" pitchFamily="2" charset="-122"/>
+                          <a:cs typeface="Times New Roman" panose="02020603050405020304" pitchFamily="18" charset="0"/>
+                        </a:rPr>
+                        <m:t>𝑇𝑟𝑛𝑛𝑔𝑇𝑚𝑠𝐿𝑠𝑌</m:t>
+                      </m:r>
+                      <m:r>
+                        <a:rPr lang="en-US" sz="900" i="1">
+                          <a:effectLst/>
+                          <a:latin typeface="Cambria Math" panose="02040503050406030204" pitchFamily="18" charset="0"/>
+                          <a:ea typeface="SimSun" panose="02010600030101010101" pitchFamily="2" charset="-122"/>
+                          <a:cs typeface="Times New Roman" panose="02020603050405020304" pitchFamily="18" charset="0"/>
+                        </a:rPr>
+                        <m:t>5−2.057</m:t>
+                      </m:r>
+                      <m:r>
+                        <a:rPr lang="en-US" sz="900" i="1">
+                          <a:effectLst/>
+                          <a:latin typeface="Cambria Math" panose="02040503050406030204" pitchFamily="18" charset="0"/>
+                          <a:ea typeface="SimSun" panose="02010600030101010101" pitchFamily="2" charset="-122"/>
+                          <a:cs typeface="Times New Roman" panose="02020603050405020304" pitchFamily="18" charset="0"/>
+                        </a:rPr>
+                        <m:t>𝑇𝑟𝑛𝑛𝑔𝑇𝑚𝑠𝐿𝑠𝑌</m:t>
+                      </m:r>
+                      <m:r>
+                        <a:rPr lang="en-US" sz="900" i="1">
+                          <a:effectLst/>
+                          <a:latin typeface="Cambria Math" panose="02040503050406030204" pitchFamily="18" charset="0"/>
+                          <a:ea typeface="SimSun" panose="02010600030101010101" pitchFamily="2" charset="-122"/>
+                          <a:cs typeface="Times New Roman" panose="02020603050405020304" pitchFamily="18" charset="0"/>
+                        </a:rPr>
+                        <m:t>6−0.995</m:t>
+                      </m:r>
+                      <m:r>
+                        <a:rPr lang="en-US" sz="900" i="1">
+                          <a:effectLst/>
+                          <a:latin typeface="Cambria Math" panose="02040503050406030204" pitchFamily="18" charset="0"/>
+                          <a:ea typeface="SimSun" panose="02010600030101010101" pitchFamily="2" charset="-122"/>
+                          <a:cs typeface="Times New Roman" panose="02020603050405020304" pitchFamily="18" charset="0"/>
+                        </a:rPr>
+                        <m:t>𝑊𝑜𝑟𝑘𝐿𝑖𝑓𝐵𝑙𝑛𝑐</m:t>
+                      </m:r>
+                      <m:r>
+                        <a:rPr lang="en-US" sz="900" i="1">
+                          <a:effectLst/>
+                          <a:latin typeface="Cambria Math" panose="02040503050406030204" pitchFamily="18" charset="0"/>
+                          <a:ea typeface="SimSun" panose="02010600030101010101" pitchFamily="2" charset="-122"/>
+                          <a:cs typeface="Times New Roman" panose="02020603050405020304" pitchFamily="18" charset="0"/>
+                        </a:rPr>
+                        <m:t>2−1.498</m:t>
+                      </m:r>
+                      <m:r>
+                        <a:rPr lang="en-US" sz="900" i="1">
+                          <a:effectLst/>
+                          <a:latin typeface="Cambria Math" panose="02040503050406030204" pitchFamily="18" charset="0"/>
+                          <a:ea typeface="SimSun" panose="02010600030101010101" pitchFamily="2" charset="-122"/>
+                          <a:cs typeface="Times New Roman" panose="02020603050405020304" pitchFamily="18" charset="0"/>
+                        </a:rPr>
+                        <m:t>𝑊𝑜𝑟𝑘𝐿𝑖𝑓𝐵𝑙𝑛𝑐</m:t>
+                      </m:r>
+                      <m:r>
+                        <a:rPr lang="en-US" sz="900" i="1">
+                          <a:effectLst/>
+                          <a:latin typeface="Cambria Math" panose="02040503050406030204" pitchFamily="18" charset="0"/>
+                          <a:ea typeface="SimSun" panose="02010600030101010101" pitchFamily="2" charset="-122"/>
+                          <a:cs typeface="Times New Roman" panose="02020603050405020304" pitchFamily="18" charset="0"/>
+                        </a:rPr>
+                        <m:t>3−1.02</m:t>
+                      </m:r>
+                      <m:r>
+                        <a:rPr lang="en-US" sz="900" i="1">
+                          <a:effectLst/>
+                          <a:latin typeface="Cambria Math" panose="02040503050406030204" pitchFamily="18" charset="0"/>
+                          <a:ea typeface="SimSun" panose="02010600030101010101" pitchFamily="2" charset="-122"/>
+                          <a:cs typeface="Times New Roman" panose="02020603050405020304" pitchFamily="18" charset="0"/>
+                        </a:rPr>
+                        <m:t>𝑊𝑜𝑟𝑘𝐿𝑖𝑓𝐵𝑙𝑛𝑐</m:t>
+                      </m:r>
+                      <m:r>
+                        <a:rPr lang="en-US" sz="900" i="1">
+                          <a:effectLst/>
+                          <a:latin typeface="Cambria Math" panose="02040503050406030204" pitchFamily="18" charset="0"/>
+                          <a:ea typeface="SimSun" panose="02010600030101010101" pitchFamily="2" charset="-122"/>
+                          <a:cs typeface="Times New Roman" panose="02020603050405020304" pitchFamily="18" charset="0"/>
+                        </a:rPr>
+                        <m:t>4−0.089</m:t>
+                      </m:r>
+                      <m:r>
+                        <a:rPr lang="en-US" sz="900" i="1">
+                          <a:effectLst/>
+                          <a:latin typeface="Cambria Math" panose="02040503050406030204" pitchFamily="18" charset="0"/>
+                          <a:ea typeface="SimSun" panose="02010600030101010101" pitchFamily="2" charset="-122"/>
+                          <a:cs typeface="Times New Roman" panose="02020603050405020304" pitchFamily="18" charset="0"/>
+                        </a:rPr>
+                        <m:t>𝑌𝑟𝑠𝐼𝑛𝐶𝑟𝑟𝑛𝑡𝑅</m:t>
+                      </m:r>
+                      <m:r>
+                        <a:rPr lang="en-US" sz="900" i="1">
+                          <a:effectLst/>
+                          <a:latin typeface="Cambria Math" panose="02040503050406030204" pitchFamily="18" charset="0"/>
+                          <a:ea typeface="SimSun" panose="02010600030101010101" pitchFamily="2" charset="-122"/>
+                          <a:cs typeface="Times New Roman" panose="02020603050405020304" pitchFamily="18" charset="0"/>
+                        </a:rPr>
+                        <m:t>+0.203</m:t>
+                      </m:r>
+                      <m:r>
+                        <a:rPr lang="en-US" sz="900" i="1">
+                          <a:effectLst/>
+                          <a:latin typeface="Cambria Math" panose="02040503050406030204" pitchFamily="18" charset="0"/>
+                          <a:ea typeface="SimSun" panose="02010600030101010101" pitchFamily="2" charset="-122"/>
+                          <a:cs typeface="Times New Roman" panose="02020603050405020304" pitchFamily="18" charset="0"/>
+                        </a:rPr>
+                        <m:t>𝑌𝑟𝑠𝑆𝑛𝑐𝐿𝑠𝑡𝑃𝑟</m:t>
+                      </m:r>
+                      <m:r>
+                        <a:rPr lang="en-US" sz="900" i="1">
+                          <a:effectLst/>
+                          <a:latin typeface="Cambria Math" panose="02040503050406030204" pitchFamily="18" charset="0"/>
+                          <a:ea typeface="SimSun" panose="02010600030101010101" pitchFamily="2" charset="-122"/>
+                          <a:cs typeface="Times New Roman" panose="02020603050405020304" pitchFamily="18" charset="0"/>
+                        </a:rPr>
+                        <m:t>−0.113</m:t>
+                      </m:r>
+                      <m:r>
+                        <a:rPr lang="en-US" sz="900" i="1">
+                          <a:effectLst/>
+                          <a:latin typeface="Cambria Math" panose="02040503050406030204" pitchFamily="18" charset="0"/>
+                          <a:ea typeface="SimSun" panose="02010600030101010101" pitchFamily="2" charset="-122"/>
+                          <a:cs typeface="Times New Roman" panose="02020603050405020304" pitchFamily="18" charset="0"/>
+                        </a:rPr>
+                        <m:t>𝑌𝑟𝑠𝑊𝑖𝑡h𝐶𝑟𝑟𝑀𝑛</m:t>
+                      </m:r>
+                      <m:r>
+                        <a:rPr lang="en-US" sz="900" i="1">
+                          <a:effectLst/>
+                          <a:latin typeface="Cambria Math" panose="02040503050406030204" pitchFamily="18" charset="0"/>
+                          <a:ea typeface="SimSun" panose="02010600030101010101" pitchFamily="2" charset="-122"/>
+                          <a:cs typeface="Times New Roman" panose="02020603050405020304" pitchFamily="18" charset="0"/>
+                        </a:rPr>
+                        <m:t>−0.712</m:t>
+                      </m:r>
+                      <m:r>
+                        <a:rPr lang="en-US" sz="900" i="1">
+                          <a:effectLst/>
+                          <a:latin typeface="Cambria Math" panose="02040503050406030204" pitchFamily="18" charset="0"/>
+                          <a:ea typeface="SimSun" panose="02010600030101010101" pitchFamily="2" charset="-122"/>
+                          <a:cs typeface="Times New Roman" panose="02020603050405020304" pitchFamily="18" charset="0"/>
+                        </a:rPr>
+                        <m:t>𝑙𝑜𝑔𝑀𝑡h𝑙𝑦𝐼𝑛𝑐</m:t>
+                      </m:r>
+                    </m:oMath>
+                  </m:oMathPara>
+                </a14:m>
+                <a:endParaRPr lang="en-US" sz="1100" dirty="0">
+                  <a:effectLst/>
+                  <a:latin typeface="Calibri" panose="020F0502020204030204" pitchFamily="34" charset="0"/>
+                  <a:ea typeface="Calibri" panose="020F0502020204030204" pitchFamily="34" charset="0"/>
+                  <a:cs typeface="Times New Roman" panose="02020603050405020304" pitchFamily="18" charset="0"/>
+                </a:endParaRPr>
+              </a:p>
+            </p:txBody>
+          </p:sp>
+        </mc:Choice>
+        <mc:Fallback xmlns="">
+          <p:sp>
+            <p:nvSpPr>
+              <p:cNvPr id="6" name="Rectangle 5">
+                <a:extLst>
+                  <a:ext uri="{FF2B5EF4-FFF2-40B4-BE49-F238E27FC236}">
+                    <a16:creationId xmlns:a16="http://schemas.microsoft.com/office/drawing/2014/main" id="{3E8B7DCF-8842-47D5-A702-2EA1D4AB0775}"/>
+                  </a:ext>
+                </a:extLst>
+              </p:cNvPr>
+              <p:cNvSpPr>
+                <a:spLocks noRot="1" noChangeAspect="1" noMove="1" noResize="1" noEditPoints="1" noAdjustHandles="1" noChangeArrowheads="1" noChangeShapeType="1" noTextEdit="1"/>
+              </p:cNvSpPr>
+              <p:nvPr/>
+            </p:nvSpPr>
+            <p:spPr>
+              <a:xfrm>
+                <a:off x="157656" y="2165733"/>
+                <a:ext cx="8828688" cy="2018694"/>
+              </a:xfrm>
+              <a:prstGeom prst="rect">
+                <a:avLst/>
+              </a:prstGeom>
+              <a:blipFill>
+                <a:blip r:embed="rId2"/>
+                <a:stretch>
+                  <a:fillRect/>
+                </a:stretch>
+              </a:blipFill>
+            </p:spPr>
+            <p:txBody>
+              <a:bodyPr/>
+              <a:lstStyle/>
+              <a:p>
+                <a:r>
+                  <a:rPr lang="en-US">
+                    <a:noFill/>
+                  </a:rPr>
+                  <a:t> </a:t>
+                </a:r>
+              </a:p>
+            </p:txBody>
+          </p:sp>
+        </mc:Fallback>
+      </mc:AlternateContent>
     </p:spTree>
     <p:extLst>
       <p:ext uri="{BB962C8B-B14F-4D97-AF65-F5344CB8AC3E}">
@@ -10453,10 +10831,9 @@
           <a:lstStyle/>
           <a:p>
             <a:r>
-              <a:rPr lang="en-US" dirty="0" smtClean="0"/>
+              <a:rPr lang="en-US" dirty="0"/>
               <a:t>Data Sourced</a:t>
             </a:r>
-            <a:endParaRPr lang="en-US" dirty="0"/>
           </a:p>
         </p:txBody>
       </p:sp>
@@ -10529,7 +10906,7 @@
           <p:cNvPr id="5" name="Picture 4">
             <a:extLst>
               <a:ext uri="{FF2B5EF4-FFF2-40B4-BE49-F238E27FC236}">
-                <a16:creationId xmlns:a16="http://schemas.microsoft.com/office/drawing/2014/main" xmlns="" id="{7D25210D-3224-41DF-8F2B-22E8B3DE0EAE}"/>
+                <a16:creationId xmlns:a16="http://schemas.microsoft.com/office/drawing/2014/main" id="{7D25210D-3224-41DF-8F2B-22E8B3DE0EAE}"/>
               </a:ext>
             </a:extLst>
           </p:cNvPr>
@@ -10608,10 +10985,9 @@
           <a:lstStyle/>
           <a:p>
             <a:r>
-              <a:rPr lang="en-US" dirty="0" smtClean="0"/>
+              <a:rPr lang="en-US" dirty="0"/>
               <a:t>Where We Got It</a:t>
             </a:r>
-            <a:endParaRPr lang="en-US" dirty="0"/>
           </a:p>
         </p:txBody>
       </p:sp>
@@ -10701,7 +11077,7 @@
           <p:cNvPr id="2" name="Title 1">
             <a:extLst>
               <a:ext uri="{FF2B5EF4-FFF2-40B4-BE49-F238E27FC236}">
-                <a16:creationId xmlns:a16="http://schemas.microsoft.com/office/drawing/2014/main" xmlns="" id="{FFCE6460-3F3E-4899-9BCF-0689EE723B35}"/>
+                <a16:creationId xmlns:a16="http://schemas.microsoft.com/office/drawing/2014/main" id="{FFCE6460-3F3E-4899-9BCF-0689EE723B35}"/>
               </a:ext>
             </a:extLst>
           </p:cNvPr>
@@ -10718,10 +11094,9 @@
           <a:lstStyle/>
           <a:p>
             <a:r>
-              <a:rPr lang="en-US" dirty="0" smtClean="0"/>
+              <a:rPr lang="en-US" dirty="0"/>
               <a:t>Basic Statistics (EDA)</a:t>
             </a:r>
-            <a:endParaRPr lang="en-US" dirty="0"/>
           </a:p>
         </p:txBody>
       </p:sp>
@@ -10730,7 +11105,7 @@
           <p:cNvPr id="6" name="Content Placeholder 5">
             <a:extLst>
               <a:ext uri="{FF2B5EF4-FFF2-40B4-BE49-F238E27FC236}">
-                <a16:creationId xmlns:a16="http://schemas.microsoft.com/office/drawing/2014/main" xmlns="" id="{25109D1B-C79D-4F33-8E77-83FA08CD41A5}"/>
+                <a16:creationId xmlns:a16="http://schemas.microsoft.com/office/drawing/2014/main" id="{25109D1B-C79D-4F33-8E77-83FA08CD41A5}"/>
               </a:ext>
             </a:extLst>
           </p:cNvPr>
@@ -10759,7 +11134,7 @@
           <p:cNvPr id="4" name="Slide Number Placeholder 3">
             <a:extLst>
               <a:ext uri="{FF2B5EF4-FFF2-40B4-BE49-F238E27FC236}">
-                <a16:creationId xmlns:a16="http://schemas.microsoft.com/office/drawing/2014/main" xmlns="" id="{A6E6C38E-1550-4CBF-87A5-39EA80759E42}"/>
+                <a16:creationId xmlns:a16="http://schemas.microsoft.com/office/drawing/2014/main" id="{A6E6C38E-1550-4CBF-87A5-39EA80759E42}"/>
               </a:ext>
             </a:extLst>
           </p:cNvPr>
@@ -10789,7 +11164,7 @@
           <p:cNvPr id="8" name="Picture 7">
             <a:extLst>
               <a:ext uri="{FF2B5EF4-FFF2-40B4-BE49-F238E27FC236}">
-                <a16:creationId xmlns:a16="http://schemas.microsoft.com/office/drawing/2014/main" xmlns="" id="{AB56864C-4DF0-4783-A9BA-40195D87FC62}"/>
+                <a16:creationId xmlns:a16="http://schemas.microsoft.com/office/drawing/2014/main" id="{AB56864C-4DF0-4783-A9BA-40195D87FC62}"/>
               </a:ext>
             </a:extLst>
           </p:cNvPr>
@@ -10819,7 +11194,7 @@
           <p:cNvPr id="10" name="Picture 9">
             <a:extLst>
               <a:ext uri="{FF2B5EF4-FFF2-40B4-BE49-F238E27FC236}">
-                <a16:creationId xmlns:a16="http://schemas.microsoft.com/office/drawing/2014/main" xmlns="" id="{320B1A47-EE5C-4B52-BA87-8A4B66825204}"/>
+                <a16:creationId xmlns:a16="http://schemas.microsoft.com/office/drawing/2014/main" id="{320B1A47-EE5C-4B52-BA87-8A4B66825204}"/>
               </a:ext>
             </a:extLst>
           </p:cNvPr>
@@ -10849,7 +11224,7 @@
           <p:cNvPr id="12" name="Picture 11">
             <a:extLst>
               <a:ext uri="{FF2B5EF4-FFF2-40B4-BE49-F238E27FC236}">
-                <a16:creationId xmlns:a16="http://schemas.microsoft.com/office/drawing/2014/main" xmlns="" id="{C85B4CC8-A8B2-40A7-99FC-3118B0E1B610}"/>
+                <a16:creationId xmlns:a16="http://schemas.microsoft.com/office/drawing/2014/main" id="{C85B4CC8-A8B2-40A7-99FC-3118B0E1B610}"/>
               </a:ext>
             </a:extLst>
           </p:cNvPr>
@@ -10879,7 +11254,7 @@
           <p:cNvPr id="14" name="Picture 13">
             <a:extLst>
               <a:ext uri="{FF2B5EF4-FFF2-40B4-BE49-F238E27FC236}">
-                <a16:creationId xmlns:a16="http://schemas.microsoft.com/office/drawing/2014/main" xmlns="" id="{F9FB84FB-E6AE-408F-9216-92E4CF25164C}"/>
+                <a16:creationId xmlns:a16="http://schemas.microsoft.com/office/drawing/2014/main" id="{F9FB84FB-E6AE-408F-9216-92E4CF25164C}"/>
               </a:ext>
             </a:extLst>
           </p:cNvPr>
@@ -10909,7 +11284,7 @@
           <p:cNvPr id="16" name="Picture 15">
             <a:extLst>
               <a:ext uri="{FF2B5EF4-FFF2-40B4-BE49-F238E27FC236}">
-                <a16:creationId xmlns:a16="http://schemas.microsoft.com/office/drawing/2014/main" xmlns="" id="{97D91F18-0420-41B7-8EBA-9115348C2C5E}"/>
+                <a16:creationId xmlns:a16="http://schemas.microsoft.com/office/drawing/2014/main" id="{97D91F18-0420-41B7-8EBA-9115348C2C5E}"/>
               </a:ext>
             </a:extLst>
           </p:cNvPr>
@@ -10939,7 +11314,7 @@
           <p:cNvPr id="18" name="&quot;Not Allowed&quot; Symbol 17">
             <a:extLst>
               <a:ext uri="{FF2B5EF4-FFF2-40B4-BE49-F238E27FC236}">
-                <a16:creationId xmlns:a16="http://schemas.microsoft.com/office/drawing/2014/main" xmlns="" id="{EF58987F-BB27-4907-A8F5-410067043359}"/>
+                <a16:creationId xmlns:a16="http://schemas.microsoft.com/office/drawing/2014/main" id="{EF58987F-BB27-4907-A8F5-410067043359}"/>
               </a:ext>
             </a:extLst>
           </p:cNvPr>
@@ -10989,7 +11364,7 @@
           <p:cNvPr id="19" name="&quot;Not Allowed&quot; Symbol 18">
             <a:extLst>
               <a:ext uri="{FF2B5EF4-FFF2-40B4-BE49-F238E27FC236}">
-                <a16:creationId xmlns:a16="http://schemas.microsoft.com/office/drawing/2014/main" xmlns="" id="{E7C6B556-44DF-4762-8492-A0B345924863}"/>
+                <a16:creationId xmlns:a16="http://schemas.microsoft.com/office/drawing/2014/main" id="{E7C6B556-44DF-4762-8492-A0B345924863}"/>
               </a:ext>
             </a:extLst>
           </p:cNvPr>
@@ -11039,7 +11414,7 @@
           <p:cNvPr id="20" name="&quot;Not Allowed&quot; Symbol 19">
             <a:extLst>
               <a:ext uri="{FF2B5EF4-FFF2-40B4-BE49-F238E27FC236}">
-                <a16:creationId xmlns:a16="http://schemas.microsoft.com/office/drawing/2014/main" xmlns="" id="{E346877C-16A9-466C-AFE5-B57AEC56865B}"/>
+                <a16:creationId xmlns:a16="http://schemas.microsoft.com/office/drawing/2014/main" id="{E346877C-16A9-466C-AFE5-B57AEC56865B}"/>
               </a:ext>
             </a:extLst>
           </p:cNvPr>
@@ -11089,7 +11464,7 @@
           <p:cNvPr id="21" name="&quot;Not Allowed&quot; Symbol 20">
             <a:extLst>
               <a:ext uri="{FF2B5EF4-FFF2-40B4-BE49-F238E27FC236}">
-                <a16:creationId xmlns:a16="http://schemas.microsoft.com/office/drawing/2014/main" xmlns="" id="{913B4A88-1B04-4D14-A158-2D50F4E324F2}"/>
+                <a16:creationId xmlns:a16="http://schemas.microsoft.com/office/drawing/2014/main" id="{913B4A88-1B04-4D14-A158-2D50F4E324F2}"/>
               </a:ext>
             </a:extLst>
           </p:cNvPr>
@@ -11139,7 +11514,7 @@
           <p:cNvPr id="22" name="&quot;Not Allowed&quot; Symbol 21">
             <a:extLst>
               <a:ext uri="{FF2B5EF4-FFF2-40B4-BE49-F238E27FC236}">
-                <a16:creationId xmlns:a16="http://schemas.microsoft.com/office/drawing/2014/main" xmlns="" id="{110C161F-0F13-4736-A756-7E1DE47ADF67}"/>
+                <a16:creationId xmlns:a16="http://schemas.microsoft.com/office/drawing/2014/main" id="{110C161F-0F13-4736-A756-7E1DE47ADF67}"/>
               </a:ext>
             </a:extLst>
           </p:cNvPr>
@@ -11189,7 +11564,7 @@
           <p:cNvPr id="23" name="&quot;Not Allowed&quot; Symbol 22">
             <a:extLst>
               <a:ext uri="{FF2B5EF4-FFF2-40B4-BE49-F238E27FC236}">
-                <a16:creationId xmlns:a16="http://schemas.microsoft.com/office/drawing/2014/main" xmlns="" id="{C8042CAC-F6BD-44DE-9F38-8A23F1DB6333}"/>
+                <a16:creationId xmlns:a16="http://schemas.microsoft.com/office/drawing/2014/main" id="{C8042CAC-F6BD-44DE-9F38-8A23F1DB6333}"/>
               </a:ext>
             </a:extLst>
           </p:cNvPr>
@@ -11239,7 +11614,7 @@
           <p:cNvPr id="24" name="&quot;Not Allowed&quot; Symbol 23">
             <a:extLst>
               <a:ext uri="{FF2B5EF4-FFF2-40B4-BE49-F238E27FC236}">
-                <a16:creationId xmlns:a16="http://schemas.microsoft.com/office/drawing/2014/main" xmlns="" id="{52E6FF4D-5F02-4BB2-991A-15AE90A53175}"/>
+                <a16:creationId xmlns:a16="http://schemas.microsoft.com/office/drawing/2014/main" id="{52E6FF4D-5F02-4BB2-991A-15AE90A53175}"/>
               </a:ext>
             </a:extLst>
           </p:cNvPr>
@@ -11289,7 +11664,7 @@
           <p:cNvPr id="26" name="TextBox 25">
             <a:extLst>
               <a:ext uri="{FF2B5EF4-FFF2-40B4-BE49-F238E27FC236}">
-                <a16:creationId xmlns:a16="http://schemas.microsoft.com/office/drawing/2014/main" xmlns="" id="{3F9F4810-2C61-420D-A71F-A7C60710B2A3}"/>
+                <a16:creationId xmlns:a16="http://schemas.microsoft.com/office/drawing/2014/main" id="{3F9F4810-2C61-420D-A71F-A7C60710B2A3}"/>
               </a:ext>
             </a:extLst>
           </p:cNvPr>
@@ -11318,34 +11693,10 @@
                   <a:srgbClr val="FF0000"/>
                 </a:solidFill>
               </a:rPr>
-              <a:t>7</a:t>
-            </a:r>
-            <a:r>
-              <a:rPr lang="en-US" sz="1400" dirty="0" smtClean="0">
-                <a:solidFill>
-                  <a:srgbClr val="FF0000"/>
-                </a:solidFill>
-              </a:rPr>
-              <a:t> </a:t>
-            </a:r>
-            <a:r>
-              <a:rPr lang="en-US" sz="1400" dirty="0">
-                <a:solidFill>
-                  <a:srgbClr val="FF0000"/>
-                </a:solidFill>
-              </a:rPr>
-              <a:t>factors </a:t>
-            </a:r>
-            <a:r>
-              <a:rPr lang="en-US" sz="1400" dirty="0" smtClean="0">
-                <a:solidFill>
-                  <a:srgbClr val="FF0000"/>
-                </a:solidFill>
-              </a:rPr>
-              <a:t>doesn’t show </a:t>
-            </a:r>
-            <a:r>
-              <a:rPr lang="en-US" sz="1400" smtClean="0">
+              <a:t>7 factors doesn’t show </a:t>
+            </a:r>
+            <a:r>
+              <a:rPr lang="en-US" sz="1400">
                 <a:solidFill>
                   <a:srgbClr val="FF0000"/>
                 </a:solidFill>
@@ -11414,91 +11765,99 @@
           <a:lstStyle/>
           <a:p>
             <a:r>
-              <a:rPr lang="en-US" dirty="0" smtClean="0"/>
+              <a:rPr lang="en-US" dirty="0"/>
               <a:t>Methodology</a:t>
             </a:r>
+          </a:p>
+        </p:txBody>
+      </p:sp>
+      <p:sp>
+        <p:nvSpPr>
+          <p:cNvPr id="3" name="Content Placeholder 2"/>
+          <p:cNvSpPr>
+            <a:spLocks noGrp="1"/>
+          </p:cNvSpPr>
+          <p:nvPr>
+            <p:ph idx="1"/>
+          </p:nvPr>
+        </p:nvSpPr>
+        <p:spPr/>
+        <p:txBody>
+          <a:bodyPr/>
+          <a:lstStyle/>
+          <a:p>
+            <a:r>
+              <a:rPr lang="en-US" dirty="0"/>
+              <a:t>Steps and Workflow</a:t>
+            </a:r>
+          </a:p>
+          <a:p>
+            <a:pPr lvl="1"/>
             <a:endParaRPr lang="en-US" dirty="0"/>
           </a:p>
-        </p:txBody>
-      </p:sp>
-      <p:sp>
-        <p:nvSpPr>
-          <p:cNvPr id="3" name="Content Placeholder 2"/>
-          <p:cNvSpPr>
-            <a:spLocks noGrp="1"/>
-          </p:cNvSpPr>
-          <p:nvPr>
-            <p:ph idx="1"/>
-          </p:nvPr>
-        </p:nvSpPr>
-        <p:spPr/>
-        <p:txBody>
-          <a:bodyPr/>
-          <a:lstStyle/>
-          <a:p>
-            <a:r>
-              <a:rPr lang="en-US" dirty="0" smtClean="0"/>
-              <a:t>Steps</a:t>
-            </a:r>
-          </a:p>
           <a:p>
             <a:pPr lvl="1"/>
             <a:r>
-              <a:rPr lang="en-US" dirty="0" smtClean="0"/>
+              <a:rPr lang="en-US" dirty="0">
+                <a:solidFill>
+                  <a:schemeClr val="tx1"/>
+                </a:solidFill>
+              </a:rPr>
               <a:t>Data Preparation</a:t>
             </a:r>
           </a:p>
           <a:p>
             <a:pPr lvl="1"/>
             <a:r>
-              <a:rPr lang="en-US" dirty="0" err="1" smtClean="0"/>
-              <a:t>Prelimiary</a:t>
-            </a:r>
-            <a:r>
-              <a:rPr lang="en-US" dirty="0" smtClean="0"/>
-              <a:t> Analysis</a:t>
+              <a:rPr lang="en-US" dirty="0">
+                <a:solidFill>
+                  <a:schemeClr val="tx1"/>
+                </a:solidFill>
+              </a:rPr>
+              <a:t>Preliminary Analysis</a:t>
             </a:r>
           </a:p>
           <a:p>
             <a:pPr lvl="1"/>
             <a:r>
-              <a:rPr lang="en-US" dirty="0" smtClean="0"/>
+              <a:rPr lang="en-US" dirty="0">
+                <a:solidFill>
+                  <a:schemeClr val="tx1"/>
+                </a:solidFill>
+              </a:rPr>
               <a:t>Additional Analysis</a:t>
             </a:r>
           </a:p>
           <a:p>
             <a:pPr lvl="1"/>
             <a:r>
-              <a:rPr lang="en-US" dirty="0" smtClean="0"/>
-              <a:t>Model Using Multivariate Regression</a:t>
+              <a:rPr lang="en-US" dirty="0">
+                <a:solidFill>
+                  <a:schemeClr val="tx1"/>
+                </a:solidFill>
+              </a:rPr>
+              <a:t>Model Using Logistic Regression</a:t>
             </a:r>
           </a:p>
           <a:p>
             <a:pPr lvl="2"/>
             <a:r>
-              <a:rPr lang="en-US" dirty="0" smtClean="0"/>
-              <a:t>Workflow</a:t>
-            </a:r>
-          </a:p>
-          <a:p>
-            <a:pPr lvl="3"/>
-            <a:r>
-              <a:rPr lang="en-US" dirty="0" smtClean="0"/>
-              <a:t>Full Model Regression</a:t>
-            </a:r>
-          </a:p>
-          <a:p>
-            <a:pPr lvl="3"/>
-            <a:r>
-              <a:rPr lang="en-US" dirty="0" smtClean="0"/>
-              <a:t>Forward Model 1</a:t>
-            </a:r>
-          </a:p>
-          <a:p>
-            <a:pPr lvl="3"/>
-            <a:r>
-              <a:rPr lang="en-US" dirty="0" smtClean="0"/>
-              <a:t>Forward Model 2</a:t>
+              <a:rPr lang="en-US" dirty="0"/>
+              <a:t>Backward Elimination, </a:t>
+            </a:r>
+          </a:p>
+          <a:p>
+            <a:pPr lvl="2"/>
+            <a:r>
+              <a:rPr lang="en-US" dirty="0"/>
+              <a:t>Forward Selection </a:t>
+            </a:r>
+          </a:p>
+          <a:p>
+            <a:pPr lvl="2"/>
+            <a:r>
+              <a:rPr lang="en-US" dirty="0" err="1"/>
+              <a:t>Stairwise</a:t>
             </a:r>
             <a:endParaRPr lang="en-US" dirty="0"/>
           </a:p>
@@ -11582,12 +11941,8 @@
           <a:lstStyle/>
           <a:p>
             <a:r>
-              <a:rPr lang="en-US" dirty="0" smtClean="0"/>
-              <a:t>Steps: Data </a:t>
-            </a:r>
-            <a:r>
               <a:rPr lang="en-US" dirty="0"/>
-              <a:t>Cleaning and Preparation</a:t>
+              <a:t>Data Cleaning and Preparation</a:t>
             </a:r>
           </a:p>
         </p:txBody>
@@ -11644,7 +11999,7 @@
           <p:cNvPr id="5" name="Picture 4">
             <a:extLst>
               <a:ext uri="{FF2B5EF4-FFF2-40B4-BE49-F238E27FC236}">
-                <a16:creationId xmlns:a16="http://schemas.microsoft.com/office/drawing/2014/main" xmlns="" id="{466E860B-5191-495A-B557-32E8D990397D}"/>
+                <a16:creationId xmlns:a16="http://schemas.microsoft.com/office/drawing/2014/main" id="{466E860B-5191-495A-B557-32E8D990397D}"/>
               </a:ext>
             </a:extLst>
           </p:cNvPr>
@@ -11674,7 +12029,7 @@
           <p:cNvPr id="6" name="Picture 5">
             <a:extLst>
               <a:ext uri="{FF2B5EF4-FFF2-40B4-BE49-F238E27FC236}">
-                <a16:creationId xmlns:a16="http://schemas.microsoft.com/office/drawing/2014/main" xmlns="" id="{493E9479-4A52-434E-A4F9-589070881089}"/>
+                <a16:creationId xmlns:a16="http://schemas.microsoft.com/office/drawing/2014/main" id="{493E9479-4A52-434E-A4F9-589070881089}"/>
               </a:ext>
             </a:extLst>
           </p:cNvPr>
@@ -11975,7 +12330,7 @@
   <a:extraClrSchemeLst/>
   <a:extLst>
     <a:ext uri="{05A4C25C-085E-4340-85A3-A5531E510DB2}">
-      <thm15:themeFamily xmlns="" xmlns:thm15="http://schemas.microsoft.com/office/thememl/2012/main" name="Office Theme" id="{62F939B6-93AF-4DB8-9C6B-D6C7DFDC589F}" vid="{4A3C46E8-61CC-4603-A589-7422A47A8E4A}"/>
+      <thm15:themeFamily xmlns:thm15="http://schemas.microsoft.com/office/thememl/2012/main" name="Office Theme" id="{62F939B6-93AF-4DB8-9C6B-D6C7DFDC589F}" vid="{4A3C46E8-61CC-4603-A589-7422A47A8E4A}"/>
     </a:ext>
   </a:extLst>
 </a:theme>
@@ -12236,7 +12591,7 @@
   <a:extraClrSchemeLst/>
   <a:extLst>
     <a:ext uri="{05A4C25C-085E-4340-85A3-A5531E510DB2}">
-      <thm15:themeFamily xmlns="" xmlns:thm15="http://schemas.microsoft.com/office/thememl/2012/main" name="Office Theme" id="{62F939B6-93AF-4DB8-9C6B-D6C7DFDC589F}" vid="{4A3C46E8-61CC-4603-A589-7422A47A8E4A}"/>
+      <thm15:themeFamily xmlns:thm15="http://schemas.microsoft.com/office/thememl/2012/main" name="Office Theme" id="{62F939B6-93AF-4DB8-9C6B-D6C7DFDC589F}" vid="{4A3C46E8-61CC-4603-A589-7422A47A8E4A}"/>
     </a:ext>
   </a:extLst>
 </a:theme>
